--- a/docs/img/structured-streaming.pptx
+++ b/docs/img/structured-streaming.pptx
@@ -3859,8 +3859,8 @@
         </p:nvSpPr>
         <p:spPr>
           <a:xfrm>
-            <a:off x="6999986" y="1859976"/>
-            <a:ext cx="2215671" cy="1569660"/>
+            <a:off x="6938271" y="1859976"/>
+            <a:ext cx="2339102" cy="1569660"/>
           </a:xfrm>
           <a:prstGeom prst="rect">
             <a:avLst/>
@@ -3932,12 +3932,28 @@
           <a:p>
             <a:pPr algn="ctr"/>
             <a:r>
+              <a:rPr lang="en-US" smtClean="0">
+                <a:latin typeface="Source Sans Pro Light" charset="0"/>
+                <a:ea typeface="Source Sans Pro Light" charset="0"/>
+                <a:cs typeface="Source Sans Pro Light" charset="0"/>
+              </a:rPr>
+              <a:t>to </a:t>
+            </a:r>
+            <a:r>
+              <a:rPr lang="en-US" smtClean="0">
+                <a:latin typeface="Source Sans Pro Light" charset="0"/>
+                <a:ea typeface="Source Sans Pro Light" charset="0"/>
+                <a:cs typeface="Source Sans Pro Light" charset="0"/>
+              </a:rPr>
+              <a:t>an </a:t>
+            </a:r>
+            <a:r>
               <a:rPr lang="en-US" dirty="0" smtClean="0">
                 <a:latin typeface="Source Sans Pro Light" charset="0"/>
                 <a:ea typeface="Source Sans Pro Light" charset="0"/>
                 <a:cs typeface="Source Sans Pro Light" charset="0"/>
               </a:rPr>
-              <a:t>to a unbounded table</a:t>
+              <a:t>unbounded table</a:t>
             </a:r>
             <a:endParaRPr lang="en-US" dirty="0">
               <a:latin typeface="Source Sans Pro Light" charset="0"/>

--- a/docs/img/structured-streaming.pptx
+++ b/docs/img/structured-streaming.pptx
@@ -3932,7 +3932,7 @@
           <a:p>
             <a:pPr algn="ctr"/>
             <a:r>
-              <a:rPr lang="en-US" smtClean="0">
+              <a:rPr lang="en-US" dirty="0" smtClean="0">
                 <a:latin typeface="Source Sans Pro Light" charset="0"/>
                 <a:ea typeface="Source Sans Pro Light" charset="0"/>
                 <a:cs typeface="Source Sans Pro Light" charset="0"/>
@@ -3940,7 +3940,7 @@
               <a:t>to </a:t>
             </a:r>
             <a:r>
-              <a:rPr lang="en-US" smtClean="0">
+              <a:rPr lang="en-US" dirty="0" smtClean="0">
                 <a:latin typeface="Source Sans Pro Light" charset="0"/>
                 <a:ea typeface="Source Sans Pro Light" charset="0"/>
                 <a:cs typeface="Source Sans Pro Light" charset="0"/>
@@ -8600,7 +8600,7 @@
           <p:nvPr>
             <p:extLst>
               <p:ext uri="{D42A27DB-BD31-4B8C-83A1-F6EECF244321}">
-                <p14:modId xmlns:p14="http://schemas.microsoft.com/office/powerpoint/2010/main" val="154312090"/>
+                <p14:modId xmlns:p14="http://schemas.microsoft.com/office/powerpoint/2010/main" val="867776512"/>
               </p:ext>
             </p:extLst>
           </p:nvPr>
@@ -8736,7 +8736,7 @@
           <p:nvPr>
             <p:extLst>
               <p:ext uri="{D42A27DB-BD31-4B8C-83A1-F6EECF244321}">
-                <p14:modId xmlns:p14="http://schemas.microsoft.com/office/powerpoint/2010/main" val="1510534701"/>
+                <p14:modId xmlns:p14="http://schemas.microsoft.com/office/powerpoint/2010/main" val="1158390407"/>
               </p:ext>
             </p:extLst>
           </p:nvPr>
@@ -8864,7 +8864,7 @@
           <p:nvPr>
             <p:extLst>
               <p:ext uri="{D42A27DB-BD31-4B8C-83A1-F6EECF244321}">
-                <p14:modId xmlns:p14="http://schemas.microsoft.com/office/powerpoint/2010/main" val="5044873"/>
+                <p14:modId xmlns:p14="http://schemas.microsoft.com/office/powerpoint/2010/main" val="2128310394"/>
               </p:ext>
             </p:extLst>
           </p:nvPr>
@@ -9158,7 +9158,7 @@
           <p:nvPr>
             <p:extLst>
               <p:ext uri="{D42A27DB-BD31-4B8C-83A1-F6EECF244321}">
-                <p14:modId xmlns:p14="http://schemas.microsoft.com/office/powerpoint/2010/main" val="1037318278"/>
+                <p14:modId xmlns:p14="http://schemas.microsoft.com/office/powerpoint/2010/main" val="2025167526"/>
               </p:ext>
             </p:extLst>
           </p:nvPr>
@@ -9445,7 +9445,7 @@
           <p:nvPr>
             <p:extLst>
               <p:ext uri="{D42A27DB-BD31-4B8C-83A1-F6EECF244321}">
-                <p14:modId xmlns:p14="http://schemas.microsoft.com/office/powerpoint/2010/main" val="936052000"/>
+                <p14:modId xmlns:p14="http://schemas.microsoft.com/office/powerpoint/2010/main" val="1522288179"/>
               </p:ext>
             </p:extLst>
           </p:nvPr>
@@ -10107,7 +10107,7 @@
           <p:nvPr>
             <p:extLst>
               <p:ext uri="{D42A27DB-BD31-4B8C-83A1-F6EECF244321}">
-                <p14:modId xmlns:p14="http://schemas.microsoft.com/office/powerpoint/2010/main" val="1908249725"/>
+                <p14:modId xmlns:p14="http://schemas.microsoft.com/office/powerpoint/2010/main" val="2124737742"/>
               </p:ext>
             </p:extLst>
           </p:nvPr>
@@ -11147,8 +11147,8 @@
         </p:nvSpPr>
         <p:spPr>
           <a:xfrm>
-            <a:off x="1294108" y="635430"/>
-            <a:ext cx="8671302" cy="5106693"/>
+            <a:off x="511443" y="717430"/>
+            <a:ext cx="9926666" cy="5106693"/>
           </a:xfrm>
           <a:prstGeom prst="rect">
             <a:avLst/>
@@ -11749,7 +11749,7 @@
           <p:nvPr>
             <p:extLst>
               <p:ext uri="{D42A27DB-BD31-4B8C-83A1-F6EECF244321}">
-                <p14:modId xmlns:p14="http://schemas.microsoft.com/office/powerpoint/2010/main" val="968158027"/>
+                <p14:modId xmlns:p14="http://schemas.microsoft.com/office/powerpoint/2010/main" val="69612792"/>
               </p:ext>
             </p:extLst>
           </p:nvPr>
@@ -11885,7 +11885,7 @@
           <p:nvPr>
             <p:extLst>
               <p:ext uri="{D42A27DB-BD31-4B8C-83A1-F6EECF244321}">
-                <p14:modId xmlns:p14="http://schemas.microsoft.com/office/powerpoint/2010/main" val="348366470"/>
+                <p14:modId xmlns:p14="http://schemas.microsoft.com/office/powerpoint/2010/main" val="1751091176"/>
               </p:ext>
             </p:extLst>
           </p:nvPr>
@@ -12025,7 +12025,7 @@
           <p:nvPr>
             <p:extLst>
               <p:ext uri="{D42A27DB-BD31-4B8C-83A1-F6EECF244321}">
-                <p14:modId xmlns:p14="http://schemas.microsoft.com/office/powerpoint/2010/main" val="954839568"/>
+                <p14:modId xmlns:p14="http://schemas.microsoft.com/office/powerpoint/2010/main" val="1473496544"/>
               </p:ext>
             </p:extLst>
           </p:nvPr>
@@ -12319,7 +12319,7 @@
           <p:nvPr>
             <p:extLst>
               <p:ext uri="{D42A27DB-BD31-4B8C-83A1-F6EECF244321}">
-                <p14:modId xmlns:p14="http://schemas.microsoft.com/office/powerpoint/2010/main" val="1990808992"/>
+                <p14:modId xmlns:p14="http://schemas.microsoft.com/office/powerpoint/2010/main" val="274997804"/>
               </p:ext>
             </p:extLst>
           </p:nvPr>
@@ -12606,7 +12606,7 @@
           <p:nvPr>
             <p:extLst>
               <p:ext uri="{D42A27DB-BD31-4B8C-83A1-F6EECF244321}">
-                <p14:modId xmlns:p14="http://schemas.microsoft.com/office/powerpoint/2010/main" val="1731508284"/>
+                <p14:modId xmlns:p14="http://schemas.microsoft.com/office/powerpoint/2010/main" val="503283484"/>
               </p:ext>
             </p:extLst>
           </p:nvPr>
@@ -13268,7 +13268,7 @@
           <p:nvPr>
             <p:extLst>
               <p:ext uri="{D42A27DB-BD31-4B8C-83A1-F6EECF244321}">
-                <p14:modId xmlns:p14="http://schemas.microsoft.com/office/powerpoint/2010/main" val="908828691"/>
+                <p14:modId xmlns:p14="http://schemas.microsoft.com/office/powerpoint/2010/main" val="1894913702"/>
               </p:ext>
             </p:extLst>
           </p:nvPr>
@@ -14218,50 +14218,6 @@
           </a:fontRef>
         </p:style>
       </p:cxnSp>
-      <p:sp>
-        <p:nvSpPr>
-          <p:cNvPr id="35" name="Rectangle 34"/>
-          <p:cNvSpPr/>
-          <p:nvPr/>
-        </p:nvSpPr>
-        <p:spPr>
-          <a:xfrm>
-            <a:off x="1294108" y="635430"/>
-            <a:ext cx="8671302" cy="4990455"/>
-          </a:xfrm>
-          <a:prstGeom prst="rect">
-            <a:avLst/>
-          </a:prstGeom>
-          <a:noFill/>
-          <a:ln>
-            <a:noFill/>
-          </a:ln>
-        </p:spPr>
-        <p:style>
-          <a:lnRef idx="2">
-            <a:schemeClr val="accent1">
-              <a:shade val="50000"/>
-            </a:schemeClr>
-          </a:lnRef>
-          <a:fillRef idx="1">
-            <a:schemeClr val="accent1"/>
-          </a:fillRef>
-          <a:effectRef idx="0">
-            <a:schemeClr val="accent1"/>
-          </a:effectRef>
-          <a:fontRef idx="minor">
-            <a:schemeClr val="lt1"/>
-          </a:fontRef>
-        </p:style>
-        <p:txBody>
-          <a:bodyPr rtlCol="0" anchor="ctr"/>
-          <a:lstStyle/>
-          <a:p>
-            <a:pPr algn="ctr"/>
-            <a:endParaRPr lang="en-US"/>
-          </a:p>
-        </p:txBody>
-      </p:sp>
       <p:cxnSp>
         <p:nvCxnSpPr>
           <p:cNvPr id="36" name="Straight Arrow Connector 35"/>
@@ -14593,15 +14549,15 @@
         </p:nvSpPr>
         <p:spPr>
           <a:xfrm>
-            <a:off x="7998277" y="775557"/>
-            <a:ext cx="920445" cy="338554"/>
+            <a:off x="7165133" y="486481"/>
+            <a:ext cx="2586734" cy="584775"/>
           </a:xfrm>
           <a:prstGeom prst="rect">
             <a:avLst/>
           </a:prstGeom>
         </p:spPr>
         <p:txBody>
-          <a:bodyPr wrap="none">
+          <a:bodyPr wrap="square">
             <a:spAutoFit/>
           </a:bodyPr>
           <a:lstStyle/>
@@ -14616,7 +14572,51 @@
                 <a:ea typeface="Source Sans Pro Light" charset="0"/>
                 <a:cs typeface="Source Sans Pro Light" charset="0"/>
               </a:rPr>
-              <a:t>late data</a:t>
+              <a:t>late </a:t>
+            </a:r>
+            <a:r>
+              <a:rPr lang="en-US" sz="1600" dirty="0" smtClean="0">
+                <a:solidFill>
+                  <a:srgbClr val="C00000"/>
+                </a:solidFill>
+                <a:latin typeface="Source Sans Pro Light" charset="0"/>
+                <a:ea typeface="Source Sans Pro Light" charset="0"/>
+                <a:cs typeface="Source Sans Pro Light" charset="0"/>
+              </a:rPr>
+              <a:t>data that was </a:t>
+            </a:r>
+            <a:r>
+              <a:rPr lang="en-US" sz="1600" smtClean="0">
+                <a:solidFill>
+                  <a:srgbClr val="C00000"/>
+                </a:solidFill>
+                <a:latin typeface="Source Sans Pro Light" charset="0"/>
+                <a:ea typeface="Source Sans Pro Light" charset="0"/>
+                <a:cs typeface="Source Sans Pro Light" charset="0"/>
+              </a:rPr>
+              <a:t>generated at 12:04 </a:t>
+            </a:r>
+            <a:r>
+              <a:rPr lang="en-US" sz="1600" b="0" i="0" smtClean="0">
+                <a:solidFill>
+                  <a:srgbClr val="C00000"/>
+                </a:solidFill>
+                <a:latin typeface="Source Sans Pro Light" charset="0"/>
+                <a:ea typeface="Source Sans Pro Light" charset="0"/>
+                <a:cs typeface="Source Sans Pro Light" charset="0"/>
+              </a:rPr>
+              <a:t>but </a:t>
+            </a:r>
+            <a:r>
+              <a:rPr lang="en-US" sz="1600" b="0" i="0" dirty="0" smtClean="0">
+                <a:solidFill>
+                  <a:srgbClr val="C00000"/>
+                </a:solidFill>
+                <a:latin typeface="Source Sans Pro Light" charset="0"/>
+                <a:ea typeface="Source Sans Pro Light" charset="0"/>
+                <a:cs typeface="Source Sans Pro Light" charset="0"/>
+              </a:rPr>
+              <a:t>arrived at 12:11</a:t>
             </a:r>
             <a:endParaRPr lang="en-US" sz="1600" b="0" i="0" dirty="0">
               <a:solidFill>
@@ -14626,6 +14626,50 @@
               <a:ea typeface="Source Sans Pro Light" charset="0"/>
               <a:cs typeface="Source Sans Pro Light" charset="0"/>
             </a:endParaRPr>
+          </a:p>
+        </p:txBody>
+      </p:sp>
+      <p:sp>
+        <p:nvSpPr>
+          <p:cNvPr id="32" name="Rectangle 31"/>
+          <p:cNvSpPr/>
+          <p:nvPr/>
+        </p:nvSpPr>
+        <p:spPr>
+          <a:xfrm>
+            <a:off x="511443" y="232476"/>
+            <a:ext cx="9926666" cy="5514157"/>
+          </a:xfrm>
+          <a:prstGeom prst="rect">
+            <a:avLst/>
+          </a:prstGeom>
+          <a:noFill/>
+          <a:ln>
+            <a:noFill/>
+          </a:ln>
+        </p:spPr>
+        <p:style>
+          <a:lnRef idx="2">
+            <a:schemeClr val="accent1">
+              <a:shade val="50000"/>
+            </a:schemeClr>
+          </a:lnRef>
+          <a:fillRef idx="1">
+            <a:schemeClr val="accent1"/>
+          </a:fillRef>
+          <a:effectRef idx="0">
+            <a:schemeClr val="accent1"/>
+          </a:effectRef>
+          <a:fontRef idx="minor">
+            <a:schemeClr val="lt1"/>
+          </a:fontRef>
+        </p:style>
+        <p:txBody>
+          <a:bodyPr rtlCol="0" anchor="ctr"/>
+          <a:lstStyle/>
+          <a:p>
+            <a:pPr algn="ctr"/>
+            <a:endParaRPr lang="en-US"/>
           </a:p>
         </p:txBody>
       </p:sp>

--- a/docs/img/structured-streaming.pptx
+++ b/docs/img/structured-streaming.pptx
@@ -247,7 +247,7 @@
           <a:p>
             <a:fld id="{66B02B72-AB41-C343-9175-0553C21C4E77}" type="datetimeFigureOut">
               <a:rPr lang="en-US" smtClean="0"/>
-              <a:t>6/28/16</a:t>
+              <a:t>6/30/16</a:t>
             </a:fld>
             <a:endParaRPr lang="en-US"/>
           </a:p>
@@ -417,7 +417,7 @@
           <a:p>
             <a:fld id="{66B02B72-AB41-C343-9175-0553C21C4E77}" type="datetimeFigureOut">
               <a:rPr lang="en-US" smtClean="0"/>
-              <a:t>6/28/16</a:t>
+              <a:t>6/30/16</a:t>
             </a:fld>
             <a:endParaRPr lang="en-US"/>
           </a:p>
@@ -597,7 +597,7 @@
           <a:p>
             <a:fld id="{66B02B72-AB41-C343-9175-0553C21C4E77}" type="datetimeFigureOut">
               <a:rPr lang="en-US" smtClean="0"/>
-              <a:t>6/28/16</a:t>
+              <a:t>6/30/16</a:t>
             </a:fld>
             <a:endParaRPr lang="en-US"/>
           </a:p>
@@ -767,7 +767,7 @@
           <a:p>
             <a:fld id="{66B02B72-AB41-C343-9175-0553C21C4E77}" type="datetimeFigureOut">
               <a:rPr lang="en-US" smtClean="0"/>
-              <a:t>6/28/16</a:t>
+              <a:t>6/30/16</a:t>
             </a:fld>
             <a:endParaRPr lang="en-US"/>
           </a:p>
@@ -1013,7 +1013,7 @@
           <a:p>
             <a:fld id="{66B02B72-AB41-C343-9175-0553C21C4E77}" type="datetimeFigureOut">
               <a:rPr lang="en-US" smtClean="0"/>
-              <a:t>6/28/16</a:t>
+              <a:t>6/30/16</a:t>
             </a:fld>
             <a:endParaRPr lang="en-US"/>
           </a:p>
@@ -1245,7 +1245,7 @@
           <a:p>
             <a:fld id="{66B02B72-AB41-C343-9175-0553C21C4E77}" type="datetimeFigureOut">
               <a:rPr lang="en-US" smtClean="0"/>
-              <a:t>6/28/16</a:t>
+              <a:t>6/30/16</a:t>
             </a:fld>
             <a:endParaRPr lang="en-US"/>
           </a:p>
@@ -1612,7 +1612,7 @@
           <a:p>
             <a:fld id="{66B02B72-AB41-C343-9175-0553C21C4E77}" type="datetimeFigureOut">
               <a:rPr lang="en-US" smtClean="0"/>
-              <a:t>6/28/16</a:t>
+              <a:t>6/30/16</a:t>
             </a:fld>
             <a:endParaRPr lang="en-US"/>
           </a:p>
@@ -1730,7 +1730,7 @@
           <a:p>
             <a:fld id="{66B02B72-AB41-C343-9175-0553C21C4E77}" type="datetimeFigureOut">
               <a:rPr lang="en-US" smtClean="0"/>
-              <a:t>6/28/16</a:t>
+              <a:t>6/30/16</a:t>
             </a:fld>
             <a:endParaRPr lang="en-US"/>
           </a:p>
@@ -1825,7 +1825,7 @@
           <a:p>
             <a:fld id="{66B02B72-AB41-C343-9175-0553C21C4E77}" type="datetimeFigureOut">
               <a:rPr lang="en-US" smtClean="0"/>
-              <a:t>6/28/16</a:t>
+              <a:t>6/30/16</a:t>
             </a:fld>
             <a:endParaRPr lang="en-US"/>
           </a:p>
@@ -2102,7 +2102,7 @@
           <a:p>
             <a:fld id="{66B02B72-AB41-C343-9175-0553C21C4E77}" type="datetimeFigureOut">
               <a:rPr lang="en-US" smtClean="0"/>
-              <a:t>6/28/16</a:t>
+              <a:t>6/30/16</a:t>
             </a:fld>
             <a:endParaRPr lang="en-US"/>
           </a:p>
@@ -2355,7 +2355,7 @@
           <a:p>
             <a:fld id="{66B02B72-AB41-C343-9175-0553C21C4E77}" type="datetimeFigureOut">
               <a:rPr lang="en-US" smtClean="0"/>
-              <a:t>6/28/16</a:t>
+              <a:t>6/30/16</a:t>
             </a:fld>
             <a:endParaRPr lang="en-US"/>
           </a:p>
@@ -2568,7 +2568,7 @@
           <a:p>
             <a:fld id="{66B02B72-AB41-C343-9175-0553C21C4E77}" type="datetimeFigureOut">
               <a:rPr lang="en-US" smtClean="0"/>
-              <a:t>6/28/16</a:t>
+              <a:t>6/30/16</a:t>
             </a:fld>
             <a:endParaRPr lang="en-US"/>
           </a:p>
@@ -3937,23 +3937,7 @@
                 <a:ea typeface="Source Sans Pro Light" charset="0"/>
                 <a:cs typeface="Source Sans Pro Light" charset="0"/>
               </a:rPr>
-              <a:t>to </a:t>
-            </a:r>
-            <a:r>
-              <a:rPr lang="en-US" dirty="0" smtClean="0">
-                <a:latin typeface="Source Sans Pro Light" charset="0"/>
-                <a:ea typeface="Source Sans Pro Light" charset="0"/>
-                <a:cs typeface="Source Sans Pro Light" charset="0"/>
-              </a:rPr>
-              <a:t>an </a:t>
-            </a:r>
-            <a:r>
-              <a:rPr lang="en-US" dirty="0" smtClean="0">
-                <a:latin typeface="Source Sans Pro Light" charset="0"/>
-                <a:ea typeface="Source Sans Pro Light" charset="0"/>
-                <a:cs typeface="Source Sans Pro Light" charset="0"/>
-              </a:rPr>
-              <a:t>unbounded table</a:t>
+              <a:t>to an unbounded table</a:t>
             </a:r>
             <a:endParaRPr lang="en-US" dirty="0">
               <a:latin typeface="Source Sans Pro Light" charset="0"/>
@@ -8600,7 +8584,7 @@
           <p:nvPr>
             <p:extLst>
               <p:ext uri="{D42A27DB-BD31-4B8C-83A1-F6EECF244321}">
-                <p14:modId xmlns:p14="http://schemas.microsoft.com/office/powerpoint/2010/main" val="867776512"/>
+                <p14:modId xmlns:p14="http://schemas.microsoft.com/office/powerpoint/2010/main" val="230850681"/>
               </p:ext>
             </p:extLst>
           </p:nvPr>
@@ -8736,7 +8720,7 @@
           <p:nvPr>
             <p:extLst>
               <p:ext uri="{D42A27DB-BD31-4B8C-83A1-F6EECF244321}">
-                <p14:modId xmlns:p14="http://schemas.microsoft.com/office/powerpoint/2010/main" val="1158390407"/>
+                <p14:modId xmlns:p14="http://schemas.microsoft.com/office/powerpoint/2010/main" val="1551929085"/>
               </p:ext>
             </p:extLst>
           </p:nvPr>
@@ -8864,7 +8848,7 @@
           <p:nvPr>
             <p:extLst>
               <p:ext uri="{D42A27DB-BD31-4B8C-83A1-F6EECF244321}">
-                <p14:modId xmlns:p14="http://schemas.microsoft.com/office/powerpoint/2010/main" val="2128310394"/>
+                <p14:modId xmlns:p14="http://schemas.microsoft.com/office/powerpoint/2010/main" val="2083238780"/>
               </p:ext>
             </p:extLst>
           </p:nvPr>
@@ -9158,7 +9142,7 @@
           <p:nvPr>
             <p:extLst>
               <p:ext uri="{D42A27DB-BD31-4B8C-83A1-F6EECF244321}">
-                <p14:modId xmlns:p14="http://schemas.microsoft.com/office/powerpoint/2010/main" val="2025167526"/>
+                <p14:modId xmlns:p14="http://schemas.microsoft.com/office/powerpoint/2010/main" val="420794772"/>
               </p:ext>
             </p:extLst>
           </p:nvPr>
@@ -9445,7 +9429,7 @@
           <p:nvPr>
             <p:extLst>
               <p:ext uri="{D42A27DB-BD31-4B8C-83A1-F6EECF244321}">
-                <p14:modId xmlns:p14="http://schemas.microsoft.com/office/powerpoint/2010/main" val="1522288179"/>
+                <p14:modId xmlns:p14="http://schemas.microsoft.com/office/powerpoint/2010/main" val="634083433"/>
               </p:ext>
             </p:extLst>
           </p:nvPr>
@@ -10107,14 +10091,14 @@
           <p:nvPr>
             <p:extLst>
               <p:ext uri="{D42A27DB-BD31-4B8C-83A1-F6EECF244321}">
-                <p14:modId xmlns:p14="http://schemas.microsoft.com/office/powerpoint/2010/main" val="2124737742"/>
+                <p14:modId xmlns:p14="http://schemas.microsoft.com/office/powerpoint/2010/main" val="1226402017"/>
               </p:ext>
             </p:extLst>
           </p:nvPr>
         </p:nvGraphicFramePr>
         <p:xfrm>
           <a:off x="7680011" y="2679002"/>
-          <a:ext cx="1556978" cy="1656970"/>
+          <a:ext cx="1556978" cy="1893680"/>
         </p:xfrm>
         <a:graphic>
           <a:graphicData uri="http://schemas.openxmlformats.org/drawingml/2006/table">
@@ -10539,6 +10523,15 @@
                       <a:headEnd type="none" w="med" len="med"/>
                       <a:tailEnd type="none" w="med" len="med"/>
                     </a:lnL>
+                    <a:lnR w="12700" cap="flat" cmpd="sng" algn="ctr">
+                      <a:solidFill>
+                        <a:schemeClr val="accent6"/>
+                      </a:solidFill>
+                      <a:prstDash val="solid"/>
+                      <a:round/>
+                      <a:headEnd type="none" w="med" len="med"/>
+                      <a:tailEnd type="none" w="med" len="med"/>
+                    </a:lnR>
                     <a:lnT w="28575" cap="flat" cmpd="sng" algn="ctr">
                       <a:solidFill>
                         <a:schemeClr val="accent6"/>
@@ -10548,6 +10541,15 @@
                       <a:headEnd type="none" w="med" len="med"/>
                       <a:tailEnd type="none" w="med" len="med"/>
                     </a:lnT>
+                    <a:lnB w="12700" cap="flat" cmpd="sng" algn="ctr">
+                      <a:solidFill>
+                        <a:schemeClr val="accent6"/>
+                      </a:solidFill>
+                      <a:prstDash val="solid"/>
+                      <a:round/>
+                      <a:headEnd type="none" w="med" len="med"/>
+                      <a:tailEnd type="none" w="med" len="med"/>
+                    </a:lnB>
                   </a:tcPr>
                 </a:tc>
                 <a:tc>
@@ -10572,6 +10574,24 @@
                     </a:p>
                   </a:txBody>
                   <a:tcPr marL="53830" marR="53830" marT="26915" marB="26915">
+                    <a:lnL w="12700" cap="flat" cmpd="sng" algn="ctr">
+                      <a:solidFill>
+                        <a:schemeClr val="accent6"/>
+                      </a:solidFill>
+                      <a:prstDash val="solid"/>
+                      <a:round/>
+                      <a:headEnd type="none" w="med" len="med"/>
+                      <a:tailEnd type="none" w="med" len="med"/>
+                    </a:lnL>
+                    <a:lnR w="12700" cap="flat" cmpd="sng" algn="ctr">
+                      <a:solidFill>
+                        <a:schemeClr val="accent6"/>
+                      </a:solidFill>
+                      <a:prstDash val="solid"/>
+                      <a:round/>
+                      <a:headEnd type="none" w="med" len="med"/>
+                      <a:tailEnd type="none" w="med" len="med"/>
+                    </a:lnR>
                     <a:lnT w="28575" cap="flat" cmpd="sng" algn="ctr">
                       <a:solidFill>
                         <a:schemeClr val="accent6"/>
@@ -10581,6 +10601,15 @@
                       <a:headEnd type="none" w="med" len="med"/>
                       <a:tailEnd type="none" w="med" len="med"/>
                     </a:lnT>
+                    <a:lnB w="12700" cap="flat" cmpd="sng" algn="ctr">
+                      <a:solidFill>
+                        <a:schemeClr val="accent6"/>
+                      </a:solidFill>
+                      <a:prstDash val="solid"/>
+                      <a:round/>
+                      <a:headEnd type="none" w="med" len="med"/>
+                      <a:tailEnd type="none" w="med" len="med"/>
+                    </a:lnB>
                   </a:tcPr>
                 </a:tc>
                 <a:tc>
@@ -10605,6 +10634,15 @@
                     </a:p>
                   </a:txBody>
                   <a:tcPr marL="53830" marR="53830" marT="26915" marB="26915">
+                    <a:lnL w="12700" cap="flat" cmpd="sng" algn="ctr">
+                      <a:solidFill>
+                        <a:schemeClr val="accent6"/>
+                      </a:solidFill>
+                      <a:prstDash val="solid"/>
+                      <a:round/>
+                      <a:headEnd type="none" w="med" len="med"/>
+                      <a:tailEnd type="none" w="med" len="med"/>
+                    </a:lnL>
                     <a:lnR w="28575" cap="flat" cmpd="sng" algn="ctr">
                       <a:solidFill>
                         <a:schemeClr val="accent6"/>
@@ -10623,6 +10661,15 @@
                       <a:headEnd type="none" w="med" len="med"/>
                       <a:tailEnd type="none" w="med" len="med"/>
                     </a:lnT>
+                    <a:lnB w="12700" cap="flat" cmpd="sng" algn="ctr">
+                      <a:solidFill>
+                        <a:schemeClr val="accent6"/>
+                      </a:solidFill>
+                      <a:prstDash val="solid"/>
+                      <a:round/>
+                      <a:headEnd type="none" w="med" len="med"/>
+                      <a:tailEnd type="none" w="med" len="med"/>
+                    </a:lnB>
                   </a:tcPr>
                 </a:tc>
               </a:tr>
@@ -10669,6 +10716,217 @@
                       <a:headEnd type="none" w="med" len="med"/>
                       <a:tailEnd type="none" w="med" len="med"/>
                     </a:lnL>
+                    <a:lnR w="12700" cap="flat" cmpd="sng" algn="ctr">
+                      <a:solidFill>
+                        <a:schemeClr val="accent6"/>
+                      </a:solidFill>
+                      <a:prstDash val="solid"/>
+                      <a:round/>
+                      <a:headEnd type="none" w="med" len="med"/>
+                      <a:tailEnd type="none" w="med" len="med"/>
+                    </a:lnR>
+                    <a:lnT w="12700" cap="flat" cmpd="sng" algn="ctr">
+                      <a:solidFill>
+                        <a:schemeClr val="accent6"/>
+                      </a:solidFill>
+                      <a:prstDash val="solid"/>
+                      <a:round/>
+                      <a:headEnd type="none" w="med" len="med"/>
+                      <a:tailEnd type="none" w="med" len="med"/>
+                    </a:lnT>
+                    <a:lnB w="12700" cap="flat" cmpd="sng" algn="ctr">
+                      <a:solidFill>
+                        <a:schemeClr val="accent6"/>
+                      </a:solidFill>
+                      <a:prstDash val="solid"/>
+                      <a:round/>
+                      <a:headEnd type="none" w="med" len="med"/>
+                      <a:tailEnd type="none" w="med" len="med"/>
+                    </a:lnB>
+                  </a:tcPr>
+                </a:tc>
+                <a:tc>
+                  <a:txBody>
+                    <a:bodyPr/>
+                    <a:lstStyle/>
+                    <a:p>
+                      <a:pPr algn="ctr"/>
+                      <a:r>
+                        <a:rPr lang="en-US" sz="1200" b="0" i="0" dirty="0" smtClean="0">
+                          <a:latin typeface="Source Sans Pro Light" charset="0"/>
+                          <a:ea typeface="Source Sans Pro Light" charset="0"/>
+                          <a:cs typeface="Source Sans Pro Light" charset="0"/>
+                        </a:rPr>
+                        <a:t>owl</a:t>
+                      </a:r>
+                      <a:endParaRPr lang="en-US" sz="1200" b="0" i="0" dirty="0">
+                        <a:latin typeface="Source Sans Pro Light" charset="0"/>
+                        <a:ea typeface="Source Sans Pro Light" charset="0"/>
+                        <a:cs typeface="Source Sans Pro Light" charset="0"/>
+                      </a:endParaRPr>
+                    </a:p>
+                  </a:txBody>
+                  <a:tcPr marL="53830" marR="53830" marT="26915" marB="26915">
+                    <a:lnL w="12700" cap="flat" cmpd="sng" algn="ctr">
+                      <a:solidFill>
+                        <a:schemeClr val="accent6"/>
+                      </a:solidFill>
+                      <a:prstDash val="solid"/>
+                      <a:round/>
+                      <a:headEnd type="none" w="med" len="med"/>
+                      <a:tailEnd type="none" w="med" len="med"/>
+                    </a:lnL>
+                    <a:lnR w="12700" cap="flat" cmpd="sng" algn="ctr">
+                      <a:solidFill>
+                        <a:schemeClr val="accent6"/>
+                      </a:solidFill>
+                      <a:prstDash val="solid"/>
+                      <a:round/>
+                      <a:headEnd type="none" w="med" len="med"/>
+                      <a:tailEnd type="none" w="med" len="med"/>
+                    </a:lnR>
+                    <a:lnT w="12700" cap="flat" cmpd="sng" algn="ctr">
+                      <a:solidFill>
+                        <a:schemeClr val="accent6"/>
+                      </a:solidFill>
+                      <a:prstDash val="solid"/>
+                      <a:round/>
+                      <a:headEnd type="none" w="med" len="med"/>
+                      <a:tailEnd type="none" w="med" len="med"/>
+                    </a:lnT>
+                    <a:lnB w="12700" cap="flat" cmpd="sng" algn="ctr">
+                      <a:solidFill>
+                        <a:schemeClr val="accent6"/>
+                      </a:solidFill>
+                      <a:prstDash val="solid"/>
+                      <a:round/>
+                      <a:headEnd type="none" w="med" len="med"/>
+                      <a:tailEnd type="none" w="med" len="med"/>
+                    </a:lnB>
+                  </a:tcPr>
+                </a:tc>
+                <a:tc>
+                  <a:txBody>
+                    <a:bodyPr/>
+                    <a:lstStyle/>
+                    <a:p>
+                      <a:pPr algn="ctr"/>
+                      <a:r>
+                        <a:rPr lang="en-US" sz="1200" b="0" i="0" dirty="0" smtClean="0">
+                          <a:latin typeface="Source Sans Pro Light" charset="0"/>
+                          <a:ea typeface="Source Sans Pro Light" charset="0"/>
+                          <a:cs typeface="Source Sans Pro Light" charset="0"/>
+                        </a:rPr>
+                        <a:t>2</a:t>
+                      </a:r>
+                      <a:endParaRPr lang="en-US" sz="1200" b="0" i="0" dirty="0">
+                        <a:latin typeface="Source Sans Pro Light" charset="0"/>
+                        <a:ea typeface="Source Sans Pro Light" charset="0"/>
+                        <a:cs typeface="Source Sans Pro Light" charset="0"/>
+                      </a:endParaRPr>
+                    </a:p>
+                  </a:txBody>
+                  <a:tcPr marL="53830" marR="53830" marT="26915" marB="26915">
+                    <a:lnL w="12700" cap="flat" cmpd="sng" algn="ctr">
+                      <a:solidFill>
+                        <a:schemeClr val="accent6"/>
+                      </a:solidFill>
+                      <a:prstDash val="solid"/>
+                      <a:round/>
+                      <a:headEnd type="none" w="med" len="med"/>
+                      <a:tailEnd type="none" w="med" len="med"/>
+                    </a:lnL>
+                    <a:lnR w="28575" cap="flat" cmpd="sng" algn="ctr">
+                      <a:solidFill>
+                        <a:schemeClr val="accent6"/>
+                      </a:solidFill>
+                      <a:prstDash val="solid"/>
+                      <a:round/>
+                      <a:headEnd type="none" w="med" len="med"/>
+                      <a:tailEnd type="none" w="med" len="med"/>
+                    </a:lnR>
+                    <a:lnT w="12700" cap="flat" cmpd="sng" algn="ctr">
+                      <a:solidFill>
+                        <a:schemeClr val="accent6"/>
+                      </a:solidFill>
+                      <a:prstDash val="solid"/>
+                      <a:round/>
+                      <a:headEnd type="none" w="med" len="med"/>
+                      <a:tailEnd type="none" w="med" len="med"/>
+                    </a:lnT>
+                    <a:lnB w="12700" cap="flat" cmpd="sng" algn="ctr">
+                      <a:solidFill>
+                        <a:schemeClr val="accent6"/>
+                      </a:solidFill>
+                      <a:prstDash val="solid"/>
+                      <a:round/>
+                      <a:headEnd type="none" w="med" len="med"/>
+                      <a:tailEnd type="none" w="med" len="med"/>
+                    </a:lnB>
+                  </a:tcPr>
+                </a:tc>
+              </a:tr>
+              <a:tr h="230076">
+                <a:tc>
+                  <a:txBody>
+                    <a:bodyPr/>
+                    <a:lstStyle/>
+                    <a:p>
+                      <a:pPr marL="0" marR="0" indent="0" algn="ctr" defTabSz="914400" rtl="0" eaLnBrk="1" fontAlgn="auto" latinLnBrk="0" hangingPunct="1">
+                        <a:lnSpc>
+                          <a:spcPct val="100000"/>
+                        </a:lnSpc>
+                        <a:spcBef>
+                          <a:spcPts val="0"/>
+                        </a:spcBef>
+                        <a:spcAft>
+                          <a:spcPts val="0"/>
+                        </a:spcAft>
+                        <a:buClrTx/>
+                        <a:buSzTx/>
+                        <a:buFontTx/>
+                        <a:buNone/>
+                        <a:tabLst/>
+                        <a:defRPr/>
+                      </a:pPr>
+                      <a:r>
+                        <a:rPr lang="en-US" sz="1200" b="0" i="0" dirty="0" smtClean="0">
+                          <a:latin typeface="Source Sans Pro Light" charset="0"/>
+                          <a:ea typeface="Source Sans Pro Light" charset="0"/>
+                          <a:cs typeface="Source Sans Pro Light" charset="0"/>
+                        </a:rPr>
+                        <a:t>12:05 - 12:15</a:t>
+                      </a:r>
+                    </a:p>
+                  </a:txBody>
+                  <a:tcPr marL="53830" marR="53830" marT="26915" marB="26915">
+                    <a:lnL w="28575" cap="flat" cmpd="sng" algn="ctr">
+                      <a:solidFill>
+                        <a:schemeClr val="accent6"/>
+                      </a:solidFill>
+                      <a:prstDash val="solid"/>
+                      <a:round/>
+                      <a:headEnd type="none" w="med" len="med"/>
+                      <a:tailEnd type="none" w="med" len="med"/>
+                    </a:lnL>
+                    <a:lnR w="12700" cap="flat" cmpd="sng" algn="ctr">
+                      <a:solidFill>
+                        <a:schemeClr val="accent6"/>
+                      </a:solidFill>
+                      <a:prstDash val="solid"/>
+                      <a:round/>
+                      <a:headEnd type="none" w="med" len="med"/>
+                      <a:tailEnd type="none" w="med" len="med"/>
+                    </a:lnR>
+                    <a:lnT w="12700" cap="flat" cmpd="sng" algn="ctr">
+                      <a:solidFill>
+                        <a:schemeClr val="accent6"/>
+                      </a:solidFill>
+                      <a:prstDash val="solid"/>
+                      <a:round/>
+                      <a:headEnd type="none" w="med" len="med"/>
+                      <a:tailEnd type="none" w="med" len="med"/>
+                    </a:lnT>
                     <a:lnB w="28575" cap="flat" cmpd="sng" algn="ctr">
                       <a:solidFill>
                         <a:schemeClr val="accent6"/>
@@ -10692,7 +10950,7 @@
                           <a:ea typeface="Source Sans Pro Light" charset="0"/>
                           <a:cs typeface="Source Sans Pro Light" charset="0"/>
                         </a:rPr>
-                        <a:t>owl</a:t>
+                        <a:t>dog</a:t>
                       </a:r>
                       <a:endParaRPr lang="en-US" sz="1200" b="0" i="0" dirty="0">
                         <a:latin typeface="Source Sans Pro Light" charset="0"/>
@@ -10702,6 +10960,33 @@
                     </a:p>
                   </a:txBody>
                   <a:tcPr marL="53830" marR="53830" marT="26915" marB="26915">
+                    <a:lnL w="12700" cap="flat" cmpd="sng" algn="ctr">
+                      <a:solidFill>
+                        <a:schemeClr val="accent6"/>
+                      </a:solidFill>
+                      <a:prstDash val="solid"/>
+                      <a:round/>
+                      <a:headEnd type="none" w="med" len="med"/>
+                      <a:tailEnd type="none" w="med" len="med"/>
+                    </a:lnL>
+                    <a:lnR w="12700" cap="flat" cmpd="sng" algn="ctr">
+                      <a:solidFill>
+                        <a:schemeClr val="accent6"/>
+                      </a:solidFill>
+                      <a:prstDash val="solid"/>
+                      <a:round/>
+                      <a:headEnd type="none" w="med" len="med"/>
+                      <a:tailEnd type="none" w="med" len="med"/>
+                    </a:lnR>
+                    <a:lnT w="12700" cap="flat" cmpd="sng" algn="ctr">
+                      <a:solidFill>
+                        <a:schemeClr val="accent6"/>
+                      </a:solidFill>
+                      <a:prstDash val="solid"/>
+                      <a:round/>
+                      <a:headEnd type="none" w="med" len="med"/>
+                      <a:tailEnd type="none" w="med" len="med"/>
+                    </a:lnT>
                     <a:lnB w="28575" cap="flat" cmpd="sng" algn="ctr">
                       <a:solidFill>
                         <a:schemeClr val="accent6"/>
@@ -10725,7 +11010,7 @@
                           <a:ea typeface="Source Sans Pro Light" charset="0"/>
                           <a:cs typeface="Source Sans Pro Light" charset="0"/>
                         </a:rPr>
-                        <a:t>2</a:t>
+                        <a:t>1</a:t>
                       </a:r>
                       <a:endParaRPr lang="en-US" sz="1200" b="0" i="0" dirty="0">
                         <a:latin typeface="Source Sans Pro Light" charset="0"/>
@@ -10735,6 +11020,15 @@
                     </a:p>
                   </a:txBody>
                   <a:tcPr marL="53830" marR="53830" marT="26915" marB="26915">
+                    <a:lnL w="12700" cap="flat" cmpd="sng" algn="ctr">
+                      <a:solidFill>
+                        <a:schemeClr val="accent6"/>
+                      </a:solidFill>
+                      <a:prstDash val="solid"/>
+                      <a:round/>
+                      <a:headEnd type="none" w="med" len="med"/>
+                      <a:tailEnd type="none" w="med" len="med"/>
+                    </a:lnL>
                     <a:lnR w="28575" cap="flat" cmpd="sng" algn="ctr">
                       <a:solidFill>
                         <a:schemeClr val="accent6"/>
@@ -10744,6 +11038,15 @@
                       <a:headEnd type="none" w="med" len="med"/>
                       <a:tailEnd type="none" w="med" len="med"/>
                     </a:lnR>
+                    <a:lnT w="12700" cap="flat" cmpd="sng" algn="ctr">
+                      <a:solidFill>
+                        <a:schemeClr val="accent6"/>
+                      </a:solidFill>
+                      <a:prstDash val="solid"/>
+                      <a:round/>
+                      <a:headEnd type="none" w="med" len="med"/>
+                      <a:tailEnd type="none" w="med" len="med"/>
+                    </a:lnT>
                     <a:lnB w="28575" cap="flat" cmpd="sng" algn="ctr">
                       <a:solidFill>
                         <a:schemeClr val="accent6"/>
@@ -11326,7 +11629,7 @@
         </p:nvSpPr>
         <p:spPr>
           <a:xfrm>
-            <a:off x="7174334" y="4443989"/>
+            <a:off x="7174334" y="4637716"/>
             <a:ext cx="2568332" cy="523220"/>
           </a:xfrm>
           <a:prstGeom prst="rect">
@@ -11749,7 +12052,7 @@
           <p:nvPr>
             <p:extLst>
               <p:ext uri="{D42A27DB-BD31-4B8C-83A1-F6EECF244321}">
-                <p14:modId xmlns:p14="http://schemas.microsoft.com/office/powerpoint/2010/main" val="69612792"/>
+                <p14:modId xmlns:p14="http://schemas.microsoft.com/office/powerpoint/2010/main" val="1482832657"/>
               </p:ext>
             </p:extLst>
           </p:nvPr>
@@ -11885,7 +12188,7 @@
           <p:nvPr>
             <p:extLst>
               <p:ext uri="{D42A27DB-BD31-4B8C-83A1-F6EECF244321}">
-                <p14:modId xmlns:p14="http://schemas.microsoft.com/office/powerpoint/2010/main" val="1751091176"/>
+                <p14:modId xmlns:p14="http://schemas.microsoft.com/office/powerpoint/2010/main" val="420742764"/>
               </p:ext>
             </p:extLst>
           </p:nvPr>
@@ -12025,7 +12328,7 @@
           <p:nvPr>
             <p:extLst>
               <p:ext uri="{D42A27DB-BD31-4B8C-83A1-F6EECF244321}">
-                <p14:modId xmlns:p14="http://schemas.microsoft.com/office/powerpoint/2010/main" val="1473496544"/>
+                <p14:modId xmlns:p14="http://schemas.microsoft.com/office/powerpoint/2010/main" val="1907468624"/>
               </p:ext>
             </p:extLst>
           </p:nvPr>
@@ -12319,7 +12622,7 @@
           <p:nvPr>
             <p:extLst>
               <p:ext uri="{D42A27DB-BD31-4B8C-83A1-F6EECF244321}">
-                <p14:modId xmlns:p14="http://schemas.microsoft.com/office/powerpoint/2010/main" val="274997804"/>
+                <p14:modId xmlns:p14="http://schemas.microsoft.com/office/powerpoint/2010/main" val="1189281152"/>
               </p:ext>
             </p:extLst>
           </p:nvPr>
@@ -12606,7 +12909,7 @@
           <p:nvPr>
             <p:extLst>
               <p:ext uri="{D42A27DB-BD31-4B8C-83A1-F6EECF244321}">
-                <p14:modId xmlns:p14="http://schemas.microsoft.com/office/powerpoint/2010/main" val="503283484"/>
+                <p14:modId xmlns:p14="http://schemas.microsoft.com/office/powerpoint/2010/main" val="1618019035"/>
               </p:ext>
             </p:extLst>
           </p:nvPr>
@@ -13268,7 +13571,7 @@
           <p:nvPr>
             <p:extLst>
               <p:ext uri="{D42A27DB-BD31-4B8C-83A1-F6EECF244321}">
-                <p14:modId xmlns:p14="http://schemas.microsoft.com/office/powerpoint/2010/main" val="1894913702"/>
+                <p14:modId xmlns:p14="http://schemas.microsoft.com/office/powerpoint/2010/main" val="460499284"/>
               </p:ext>
             </p:extLst>
           </p:nvPr>
@@ -14301,8 +14604,8 @@
         </p:nvSpPr>
         <p:spPr>
           <a:xfrm>
-            <a:off x="7006019" y="4159443"/>
-            <a:ext cx="2904962" cy="584775"/>
+            <a:off x="7179144" y="4159443"/>
+            <a:ext cx="2558714" cy="584775"/>
           </a:xfrm>
           <a:prstGeom prst="rect">
             <a:avLst/>
@@ -14335,11 +14638,44 @@
                 <a:ea typeface="Source Sans Pro Light" charset="0"/>
                 <a:cs typeface="Source Sans Pro Light" charset="0"/>
               </a:rPr>
-              <a:t>ounts incremented for windows</a:t>
+              <a:t>ounts incremented </a:t>
+            </a:r>
+            <a:r>
+              <a:rPr lang="en-US" sz="1600" b="0" i="0" dirty="0" smtClean="0">
+                <a:solidFill>
+                  <a:srgbClr val="C00000"/>
+                </a:solidFill>
+                <a:latin typeface="Source Sans Pro Light" charset="0"/>
+                <a:ea typeface="Source Sans Pro Light" charset="0"/>
+                <a:cs typeface="Source Sans Pro Light" charset="0"/>
+              </a:rPr>
+              <a:t>only for </a:t>
             </a:r>
           </a:p>
           <a:p>
             <a:pPr algn="ctr"/>
+            <a:r>
+              <a:rPr lang="en-US" sz="1600" dirty="0">
+                <a:solidFill>
+                  <a:srgbClr val="C00000"/>
+                </a:solidFill>
+                <a:latin typeface="Source Sans Pro Light" charset="0"/>
+                <a:ea typeface="Source Sans Pro Light" charset="0"/>
+                <a:cs typeface="Source Sans Pro Light" charset="0"/>
+              </a:rPr>
+              <a:t>w</a:t>
+            </a:r>
+            <a:r>
+              <a:rPr lang="en-US" sz="1600" b="0" i="0" dirty="0" smtClean="0">
+                <a:solidFill>
+                  <a:srgbClr val="C00000"/>
+                </a:solidFill>
+                <a:latin typeface="Source Sans Pro Light" charset="0"/>
+                <a:ea typeface="Source Sans Pro Light" charset="0"/>
+                <a:cs typeface="Source Sans Pro Light" charset="0"/>
+              </a:rPr>
+              <a:t>indow </a:t>
+            </a:r>
             <a:r>
               <a:rPr lang="en-US" sz="1600" dirty="0" smtClean="0">
                 <a:solidFill>
@@ -14349,7 +14685,29 @@
                 <a:ea typeface="Source Sans Pro Light" charset="0"/>
                 <a:cs typeface="Source Sans Pro Light" charset="0"/>
               </a:rPr>
-              <a:t>12:00 - 12:10 for late data</a:t>
+              <a:t>12:00 </a:t>
+            </a:r>
+            <a:r>
+              <a:rPr lang="en-US" sz="1600" dirty="0" smtClean="0">
+                <a:solidFill>
+                  <a:srgbClr val="C00000"/>
+                </a:solidFill>
+                <a:latin typeface="Source Sans Pro Light" charset="0"/>
+                <a:ea typeface="Source Sans Pro Light" charset="0"/>
+                <a:cs typeface="Source Sans Pro Light" charset="0"/>
+              </a:rPr>
+              <a:t>- </a:t>
+            </a:r>
+            <a:r>
+              <a:rPr lang="en-US" sz="1600" dirty="0" smtClean="0">
+                <a:solidFill>
+                  <a:srgbClr val="C00000"/>
+                </a:solidFill>
+                <a:latin typeface="Source Sans Pro Light" charset="0"/>
+                <a:ea typeface="Source Sans Pro Light" charset="0"/>
+                <a:cs typeface="Source Sans Pro Light" charset="0"/>
+              </a:rPr>
+              <a:t>12:10</a:t>
             </a:r>
             <a:endParaRPr lang="en-US" sz="1600" b="0" i="0" dirty="0">
               <a:solidFill>
@@ -14572,18 +14930,7 @@
                 <a:ea typeface="Source Sans Pro Light" charset="0"/>
                 <a:cs typeface="Source Sans Pro Light" charset="0"/>
               </a:rPr>
-              <a:t>late </a:t>
-            </a:r>
-            <a:r>
-              <a:rPr lang="en-US" sz="1600" dirty="0" smtClean="0">
-                <a:solidFill>
-                  <a:srgbClr val="C00000"/>
-                </a:solidFill>
-                <a:latin typeface="Source Sans Pro Light" charset="0"/>
-                <a:ea typeface="Source Sans Pro Light" charset="0"/>
-                <a:cs typeface="Source Sans Pro Light" charset="0"/>
-              </a:rPr>
-              <a:t>data that was </a:t>
+              <a:t>late data that was </a:t>
             </a:r>
             <a:r>
               <a:rPr lang="en-US" sz="1600" smtClean="0">

--- a/docs/img/structured-streaming.pptx
+++ b/docs/img/structured-streaming.pptx
@@ -10,6 +10,7 @@
     <p:sldId id="257" r:id="rId4"/>
     <p:sldId id="259" r:id="rId5"/>
     <p:sldId id="260" r:id="rId6"/>
+    <p:sldId id="261" r:id="rId7"/>
   </p:sldIdLst>
   <p:sldSz cx="12192000" cy="6858000"/>
   <p:notesSz cx="6858000" cy="9144000"/>
@@ -247,7 +248,7 @@
           <a:p>
             <a:fld id="{66B02B72-AB41-C343-9175-0553C21C4E77}" type="datetimeFigureOut">
               <a:rPr lang="en-US" smtClean="0"/>
-              <a:t>6/30/16</a:t>
+              <a:t>12/14/16</a:t>
             </a:fld>
             <a:endParaRPr lang="en-US"/>
           </a:p>
@@ -417,7 +418,7 @@
           <a:p>
             <a:fld id="{66B02B72-AB41-C343-9175-0553C21C4E77}" type="datetimeFigureOut">
               <a:rPr lang="en-US" smtClean="0"/>
-              <a:t>6/30/16</a:t>
+              <a:t>12/14/16</a:t>
             </a:fld>
             <a:endParaRPr lang="en-US"/>
           </a:p>
@@ -597,7 +598,7 @@
           <a:p>
             <a:fld id="{66B02B72-AB41-C343-9175-0553C21C4E77}" type="datetimeFigureOut">
               <a:rPr lang="en-US" smtClean="0"/>
-              <a:t>6/30/16</a:t>
+              <a:t>12/14/16</a:t>
             </a:fld>
             <a:endParaRPr lang="en-US"/>
           </a:p>
@@ -767,7 +768,7 @@
           <a:p>
             <a:fld id="{66B02B72-AB41-C343-9175-0553C21C4E77}" type="datetimeFigureOut">
               <a:rPr lang="en-US" smtClean="0"/>
-              <a:t>6/30/16</a:t>
+              <a:t>12/14/16</a:t>
             </a:fld>
             <a:endParaRPr lang="en-US"/>
           </a:p>
@@ -1013,7 +1014,7 @@
           <a:p>
             <a:fld id="{66B02B72-AB41-C343-9175-0553C21C4E77}" type="datetimeFigureOut">
               <a:rPr lang="en-US" smtClean="0"/>
-              <a:t>6/30/16</a:t>
+              <a:t>12/14/16</a:t>
             </a:fld>
             <a:endParaRPr lang="en-US"/>
           </a:p>
@@ -1245,7 +1246,7 @@
           <a:p>
             <a:fld id="{66B02B72-AB41-C343-9175-0553C21C4E77}" type="datetimeFigureOut">
               <a:rPr lang="en-US" smtClean="0"/>
-              <a:t>6/30/16</a:t>
+              <a:t>12/14/16</a:t>
             </a:fld>
             <a:endParaRPr lang="en-US"/>
           </a:p>
@@ -1612,7 +1613,7 @@
           <a:p>
             <a:fld id="{66B02B72-AB41-C343-9175-0553C21C4E77}" type="datetimeFigureOut">
               <a:rPr lang="en-US" smtClean="0"/>
-              <a:t>6/30/16</a:t>
+              <a:t>12/14/16</a:t>
             </a:fld>
             <a:endParaRPr lang="en-US"/>
           </a:p>
@@ -1730,7 +1731,7 @@
           <a:p>
             <a:fld id="{66B02B72-AB41-C343-9175-0553C21C4E77}" type="datetimeFigureOut">
               <a:rPr lang="en-US" smtClean="0"/>
-              <a:t>6/30/16</a:t>
+              <a:t>12/14/16</a:t>
             </a:fld>
             <a:endParaRPr lang="en-US"/>
           </a:p>
@@ -1825,7 +1826,7 @@
           <a:p>
             <a:fld id="{66B02B72-AB41-C343-9175-0553C21C4E77}" type="datetimeFigureOut">
               <a:rPr lang="en-US" smtClean="0"/>
-              <a:t>6/30/16</a:t>
+              <a:t>12/14/16</a:t>
             </a:fld>
             <a:endParaRPr lang="en-US"/>
           </a:p>
@@ -2102,7 +2103,7 @@
           <a:p>
             <a:fld id="{66B02B72-AB41-C343-9175-0553C21C4E77}" type="datetimeFigureOut">
               <a:rPr lang="en-US" smtClean="0"/>
-              <a:t>6/30/16</a:t>
+              <a:t>12/14/16</a:t>
             </a:fld>
             <a:endParaRPr lang="en-US"/>
           </a:p>
@@ -2355,7 +2356,7 @@
           <a:p>
             <a:fld id="{66B02B72-AB41-C343-9175-0553C21C4E77}" type="datetimeFigureOut">
               <a:rPr lang="en-US" smtClean="0"/>
-              <a:t>6/30/16</a:t>
+              <a:t>12/14/16</a:t>
             </a:fld>
             <a:endParaRPr lang="en-US"/>
           </a:p>
@@ -2568,7 +2569,7 @@
           <a:p>
             <a:fld id="{66B02B72-AB41-C343-9175-0553C21C4E77}" type="datetimeFigureOut">
               <a:rPr lang="en-US" smtClean="0"/>
-              <a:t>6/30/16</a:t>
+              <a:t>12/14/16</a:t>
             </a:fld>
             <a:endParaRPr lang="en-US"/>
           </a:p>
@@ -13571,7 +13572,7 @@
           <p:nvPr>
             <p:extLst>
               <p:ext uri="{D42A27DB-BD31-4B8C-83A1-F6EECF244321}">
-                <p14:modId xmlns:p14="http://schemas.microsoft.com/office/powerpoint/2010/main" val="460499284"/>
+                <p14:modId xmlns:p14="http://schemas.microsoft.com/office/powerpoint/2010/main" val="917172331"/>
               </p:ext>
             </p:extLst>
           </p:nvPr>
@@ -14135,7 +14136,7 @@
                         <a:defRPr/>
                       </a:pPr>
                       <a:r>
-                        <a:rPr lang="en-US" sz="1200" b="0" i="0" dirty="0" smtClean="0">
+                        <a:rPr lang="en-US" sz="1200" b="1" i="0" dirty="0" smtClean="0">
                           <a:latin typeface="Source Sans Pro Light" charset="0"/>
                           <a:ea typeface="Source Sans Pro Light" charset="0"/>
                           <a:cs typeface="Source Sans Pro Light" charset="0"/>
@@ -14172,14 +14173,14 @@
                     <a:p>
                       <a:pPr algn="ctr"/>
                       <a:r>
-                        <a:rPr lang="en-US" sz="1200" b="0" i="0" dirty="0" smtClean="0">
+                        <a:rPr lang="en-US" sz="1200" b="1" i="0" dirty="0" smtClean="0">
                           <a:latin typeface="Source Sans Pro Light" charset="0"/>
                           <a:ea typeface="Source Sans Pro Light" charset="0"/>
                           <a:cs typeface="Source Sans Pro Light" charset="0"/>
                         </a:rPr>
                         <a:t>owl</a:t>
                       </a:r>
-                      <a:endParaRPr lang="en-US" sz="1200" b="0" i="0" dirty="0">
+                      <a:endParaRPr lang="en-US" sz="1200" b="1" i="0" dirty="0">
                         <a:latin typeface="Source Sans Pro Light" charset="0"/>
                         <a:ea typeface="Source Sans Pro Light" charset="0"/>
                         <a:cs typeface="Source Sans Pro Light" charset="0"/>
@@ -14205,14 +14206,14 @@
                     <a:p>
                       <a:pPr algn="ctr"/>
                       <a:r>
-                        <a:rPr lang="en-US" sz="1200" b="0" i="0" dirty="0" smtClean="0">
+                        <a:rPr lang="en-US" sz="1200" b="1" i="0" dirty="0" smtClean="0">
                           <a:latin typeface="Source Sans Pro Light" charset="0"/>
                           <a:ea typeface="Source Sans Pro Light" charset="0"/>
                           <a:cs typeface="Source Sans Pro Light" charset="0"/>
                         </a:rPr>
                         <a:t>2</a:t>
                       </a:r>
-                      <a:endParaRPr lang="en-US" sz="1200" b="0" i="0" dirty="0">
+                      <a:endParaRPr lang="en-US" sz="1200" b="1" i="0" dirty="0">
                         <a:latin typeface="Source Sans Pro Light" charset="0"/>
                         <a:ea typeface="Source Sans Pro Light" charset="0"/>
                         <a:cs typeface="Source Sans Pro Light" charset="0"/>
@@ -14604,8 +14605,8 @@
         </p:nvSpPr>
         <p:spPr>
           <a:xfrm>
-            <a:off x="7179144" y="4159443"/>
-            <a:ext cx="2558714" cy="584775"/>
+            <a:off x="7510164" y="4159443"/>
+            <a:ext cx="1896673" cy="584775"/>
           </a:xfrm>
           <a:prstGeom prst="rect">
             <a:avLst/>
@@ -14638,7 +14639,7 @@
                 <a:ea typeface="Source Sans Pro Light" charset="0"/>
                 <a:cs typeface="Source Sans Pro Light" charset="0"/>
               </a:rPr>
-              <a:t>ounts incremented </a:t>
+              <a:t>ounts </a:t>
             </a:r>
             <a:r>
               <a:rPr lang="en-US" sz="1600" b="0" i="0" dirty="0" smtClean="0">
@@ -14649,8 +14650,16 @@
                 <a:ea typeface="Source Sans Pro Light" charset="0"/>
                 <a:cs typeface="Source Sans Pro Light" charset="0"/>
               </a:rPr>
-              <a:t>only for </a:t>
-            </a:r>
+              <a:t>updated for </a:t>
+            </a:r>
+            <a:endParaRPr lang="en-US" sz="1600" b="0" i="0" dirty="0" smtClean="0">
+              <a:solidFill>
+                <a:srgbClr val="C00000"/>
+              </a:solidFill>
+              <a:latin typeface="Source Sans Pro Light" charset="0"/>
+              <a:ea typeface="Source Sans Pro Light" charset="0"/>
+              <a:cs typeface="Source Sans Pro Light" charset="0"/>
+            </a:endParaRPr>
           </a:p>
           <a:p>
             <a:pPr algn="ctr"/>
@@ -14685,29 +14694,7 @@
                 <a:ea typeface="Source Sans Pro Light" charset="0"/>
                 <a:cs typeface="Source Sans Pro Light" charset="0"/>
               </a:rPr>
-              <a:t>12:00 </a:t>
-            </a:r>
-            <a:r>
-              <a:rPr lang="en-US" sz="1600" dirty="0" smtClean="0">
-                <a:solidFill>
-                  <a:srgbClr val="C00000"/>
-                </a:solidFill>
-                <a:latin typeface="Source Sans Pro Light" charset="0"/>
-                <a:ea typeface="Source Sans Pro Light" charset="0"/>
-                <a:cs typeface="Source Sans Pro Light" charset="0"/>
-              </a:rPr>
-              <a:t>- </a:t>
-            </a:r>
-            <a:r>
-              <a:rPr lang="en-US" sz="1600" dirty="0" smtClean="0">
-                <a:solidFill>
-                  <a:srgbClr val="C00000"/>
-                </a:solidFill>
-                <a:latin typeface="Source Sans Pro Light" charset="0"/>
-                <a:ea typeface="Source Sans Pro Light" charset="0"/>
-                <a:cs typeface="Source Sans Pro Light" charset="0"/>
-              </a:rPr>
-              <a:t>12:10</a:t>
+              <a:t>12:00 - 12:10</a:t>
             </a:r>
             <a:endParaRPr lang="en-US" sz="1600" b="0" i="0" dirty="0">
               <a:solidFill>
@@ -15024,6 +15011,5304 @@
     <p:extLst>
       <p:ext uri="{BB962C8B-B14F-4D97-AF65-F5344CB8AC3E}">
         <p14:creationId xmlns:p14="http://schemas.microsoft.com/office/powerpoint/2010/main" val="1807247819"/>
+      </p:ext>
+    </p:extLst>
+  </p:cSld>
+  <p:clrMapOvr>
+    <a:masterClrMapping/>
+  </p:clrMapOvr>
+</p:sld>
+</file>
+
+<file path=ppt/slides/slide6.xml><?xml version="1.0" encoding="utf-8"?>
+<p:sld xmlns:a="http://schemas.openxmlformats.org/drawingml/2006/main" xmlns:r="http://schemas.openxmlformats.org/officeDocument/2006/relationships" xmlns:p="http://schemas.openxmlformats.org/presentationml/2006/main">
+  <p:cSld>
+    <p:spTree>
+      <p:nvGrpSpPr>
+        <p:cNvPr id="1" name=""/>
+        <p:cNvGrpSpPr/>
+        <p:nvPr/>
+      </p:nvGrpSpPr>
+      <p:grpSpPr>
+        <a:xfrm>
+          <a:off x="0" y="0"/>
+          <a:ext cx="0" cy="0"/>
+          <a:chOff x="0" y="0"/>
+          <a:chExt cx="0" cy="0"/>
+        </a:xfrm>
+      </p:grpSpPr>
+      <p:cxnSp>
+        <p:nvCxnSpPr>
+          <p:cNvPr id="115" name="Straight Connector 114"/>
+          <p:cNvCxnSpPr/>
+          <p:nvPr/>
+        </p:nvCxnSpPr>
+        <p:spPr>
+          <a:xfrm>
+            <a:off x="2135054" y="2644196"/>
+            <a:ext cx="8592653" cy="0"/>
+          </a:xfrm>
+          <a:prstGeom prst="line">
+            <a:avLst/>
+          </a:prstGeom>
+          <a:ln>
+            <a:solidFill>
+              <a:schemeClr val="bg1">
+                <a:lumMod val="85000"/>
+              </a:schemeClr>
+            </a:solidFill>
+            <a:prstDash val="sysDot"/>
+          </a:ln>
+        </p:spPr>
+        <p:style>
+          <a:lnRef idx="2">
+            <a:schemeClr val="dk1"/>
+          </a:lnRef>
+          <a:fillRef idx="0">
+            <a:schemeClr val="dk1"/>
+          </a:fillRef>
+          <a:effectRef idx="1">
+            <a:schemeClr val="dk1"/>
+          </a:effectRef>
+          <a:fontRef idx="minor">
+            <a:schemeClr val="tx1"/>
+          </a:fontRef>
+        </p:style>
+      </p:cxnSp>
+      <p:cxnSp>
+        <p:nvCxnSpPr>
+          <p:cNvPr id="120" name="Straight Connector 119"/>
+          <p:cNvCxnSpPr/>
+          <p:nvPr/>
+        </p:nvCxnSpPr>
+        <p:spPr>
+          <a:xfrm>
+            <a:off x="2142678" y="3297254"/>
+            <a:ext cx="8585029" cy="0"/>
+          </a:xfrm>
+          <a:prstGeom prst="line">
+            <a:avLst/>
+          </a:prstGeom>
+          <a:ln>
+            <a:solidFill>
+              <a:schemeClr val="bg1">
+                <a:lumMod val="85000"/>
+              </a:schemeClr>
+            </a:solidFill>
+            <a:prstDash val="sysDot"/>
+          </a:ln>
+        </p:spPr>
+        <p:style>
+          <a:lnRef idx="2">
+            <a:schemeClr val="dk1"/>
+          </a:lnRef>
+          <a:fillRef idx="0">
+            <a:schemeClr val="dk1"/>
+          </a:fillRef>
+          <a:effectRef idx="1">
+            <a:schemeClr val="dk1"/>
+          </a:effectRef>
+          <a:fontRef idx="minor">
+            <a:schemeClr val="tx1"/>
+          </a:fontRef>
+        </p:style>
+      </p:cxnSp>
+      <p:cxnSp>
+        <p:nvCxnSpPr>
+          <p:cNvPr id="121" name="Straight Connector 120"/>
+          <p:cNvCxnSpPr/>
+          <p:nvPr/>
+        </p:nvCxnSpPr>
+        <p:spPr>
+          <a:xfrm>
+            <a:off x="2142677" y="1989981"/>
+            <a:ext cx="8050707" cy="0"/>
+          </a:xfrm>
+          <a:prstGeom prst="line">
+            <a:avLst/>
+          </a:prstGeom>
+          <a:ln>
+            <a:solidFill>
+              <a:schemeClr val="bg1">
+                <a:lumMod val="85000"/>
+              </a:schemeClr>
+            </a:solidFill>
+            <a:prstDash val="sysDot"/>
+          </a:ln>
+        </p:spPr>
+        <p:style>
+          <a:lnRef idx="2">
+            <a:schemeClr val="dk1"/>
+          </a:lnRef>
+          <a:fillRef idx="0">
+            <a:schemeClr val="dk1"/>
+          </a:fillRef>
+          <a:effectRef idx="1">
+            <a:schemeClr val="dk1"/>
+          </a:effectRef>
+          <a:fontRef idx="minor">
+            <a:schemeClr val="tx1"/>
+          </a:fontRef>
+        </p:style>
+      </p:cxnSp>
+      <p:cxnSp>
+        <p:nvCxnSpPr>
+          <p:cNvPr id="122" name="Straight Connector 121"/>
+          <p:cNvCxnSpPr/>
+          <p:nvPr/>
+        </p:nvCxnSpPr>
+        <p:spPr>
+          <a:xfrm>
+            <a:off x="2135053" y="1362832"/>
+            <a:ext cx="8592654" cy="0"/>
+          </a:xfrm>
+          <a:prstGeom prst="line">
+            <a:avLst/>
+          </a:prstGeom>
+          <a:ln>
+            <a:solidFill>
+              <a:schemeClr val="bg1">
+                <a:lumMod val="85000"/>
+              </a:schemeClr>
+            </a:solidFill>
+            <a:prstDash val="sysDot"/>
+          </a:ln>
+        </p:spPr>
+        <p:style>
+          <a:lnRef idx="2">
+            <a:schemeClr val="dk1"/>
+          </a:lnRef>
+          <a:fillRef idx="0">
+            <a:schemeClr val="dk1"/>
+          </a:fillRef>
+          <a:effectRef idx="1">
+            <a:schemeClr val="dk1"/>
+          </a:effectRef>
+          <a:fontRef idx="minor">
+            <a:schemeClr val="tx1"/>
+          </a:fontRef>
+        </p:style>
+      </p:cxnSp>
+      <p:cxnSp>
+        <p:nvCxnSpPr>
+          <p:cNvPr id="4" name="Shape 128"/>
+          <p:cNvCxnSpPr/>
+          <p:nvPr/>
+        </p:nvCxnSpPr>
+        <p:spPr>
+          <a:xfrm>
+            <a:off x="2229993" y="3973722"/>
+            <a:ext cx="8802699" cy="0"/>
+          </a:xfrm>
+          <a:prstGeom prst="straightConnector1">
+            <a:avLst/>
+          </a:prstGeom>
+          <a:noFill/>
+          <a:ln w="28575" cap="flat" cmpd="sng">
+            <a:solidFill>
+              <a:srgbClr val="000000"/>
+            </a:solidFill>
+            <a:prstDash val="solid"/>
+            <a:round/>
+            <a:headEnd type="none" w="lg" len="lg"/>
+            <a:tailEnd type="triangle" w="lg" len="lg"/>
+          </a:ln>
+        </p:spPr>
+      </p:cxnSp>
+      <p:sp>
+        <p:nvSpPr>
+          <p:cNvPr id="14" name="Shape 127"/>
+          <p:cNvSpPr txBox="1"/>
+          <p:nvPr/>
+        </p:nvSpPr>
+        <p:spPr>
+          <a:xfrm>
+            <a:off x="1284844" y="4139543"/>
+            <a:ext cx="2212601" cy="445876"/>
+          </a:xfrm>
+          <a:prstGeom prst="rect">
+            <a:avLst/>
+          </a:prstGeom>
+          <a:noFill/>
+          <a:ln>
+            <a:noFill/>
+          </a:ln>
+        </p:spPr>
+        <p:txBody>
+          <a:bodyPr lIns="91425" tIns="91425" rIns="91425" bIns="91425" anchor="t" anchorCtr="0">
+            <a:noAutofit/>
+          </a:bodyPr>
+          <a:lstStyle/>
+          <a:p>
+            <a:pPr lvl="0" rtl="0">
+              <a:spcBef>
+                <a:spcPts val="0"/>
+              </a:spcBef>
+              <a:buNone/>
+            </a:pPr>
+            <a:r>
+              <a:rPr lang="en-US" sz="1800" dirty="0" smtClean="0">
+                <a:latin typeface="Source Sans Pro Light" charset="0"/>
+                <a:ea typeface="Source Sans Pro Light" charset="0"/>
+                <a:cs typeface="Source Sans Pro Light" charset="0"/>
+              </a:rPr>
+              <a:t>Processing Time</a:t>
+            </a:r>
+          </a:p>
+          <a:p>
+            <a:pPr lvl="0" rtl="0">
+              <a:spcBef>
+                <a:spcPts val="0"/>
+              </a:spcBef>
+              <a:buNone/>
+            </a:pPr>
+            <a:r>
+              <a:rPr lang="en-US" dirty="0" smtClean="0">
+                <a:latin typeface="Source Sans Pro Light" charset="0"/>
+                <a:ea typeface="Source Sans Pro Light" charset="0"/>
+                <a:cs typeface="Source Sans Pro Light" charset="0"/>
+              </a:rPr>
+              <a:t>(5 min triggers)</a:t>
+            </a:r>
+            <a:endParaRPr lang="en" sz="1800" dirty="0">
+              <a:latin typeface="Source Sans Pro Light" charset="0"/>
+              <a:ea typeface="Source Sans Pro Light" charset="0"/>
+              <a:cs typeface="Source Sans Pro Light" charset="0"/>
+            </a:endParaRPr>
+          </a:p>
+        </p:txBody>
+      </p:sp>
+      <p:sp>
+        <p:nvSpPr>
+          <p:cNvPr id="46" name="Rectangle 45"/>
+          <p:cNvSpPr/>
+          <p:nvPr/>
+        </p:nvSpPr>
+        <p:spPr>
+          <a:xfrm>
+            <a:off x="5441161" y="5167655"/>
+            <a:ext cx="3588084" cy="738664"/>
+          </a:xfrm>
+          <a:prstGeom prst="rect">
+            <a:avLst/>
+          </a:prstGeom>
+        </p:spPr>
+        <p:txBody>
+          <a:bodyPr wrap="square">
+            <a:spAutoFit/>
+          </a:bodyPr>
+          <a:lstStyle/>
+          <a:p>
+            <a:pPr algn="ctr"/>
+            <a:r>
+              <a:rPr lang="en-US" sz="1400" b="1" i="1" dirty="0" smtClean="0">
+                <a:solidFill>
+                  <a:srgbClr val="C00000"/>
+                </a:solidFill>
+                <a:latin typeface="Source Sans Pro Light" charset="0"/>
+                <a:ea typeface="Source Sans Pro Light" charset="0"/>
+                <a:cs typeface="Source Sans Pro Light" charset="0"/>
+              </a:rPr>
+              <a:t>final counts</a:t>
+            </a:r>
+            <a:r>
+              <a:rPr lang="en-US" sz="1400" dirty="0" smtClean="0">
+                <a:solidFill>
+                  <a:srgbClr val="C00000"/>
+                </a:solidFill>
+                <a:latin typeface="Source Sans Pro Light" charset="0"/>
+                <a:ea typeface="Source Sans Pro Light" charset="0"/>
+                <a:cs typeface="Source Sans Pro Light" charset="0"/>
+              </a:rPr>
+              <a:t> for 12:00 </a:t>
+            </a:r>
+            <a:r>
+              <a:rPr lang="en-US" sz="1400" dirty="0" smtClean="0">
+                <a:solidFill>
+                  <a:srgbClr val="C00000"/>
+                </a:solidFill>
+                <a:latin typeface="Source Sans Pro Light" charset="0"/>
+                <a:ea typeface="Source Sans Pro Light" charset="0"/>
+                <a:cs typeface="Source Sans Pro Light" charset="0"/>
+              </a:rPr>
+              <a:t>- </a:t>
+            </a:r>
+            <a:r>
+              <a:rPr lang="en-US" sz="1400" dirty="0" smtClean="0">
+                <a:solidFill>
+                  <a:srgbClr val="C00000"/>
+                </a:solidFill>
+                <a:latin typeface="Source Sans Pro Light" charset="0"/>
+                <a:ea typeface="Source Sans Pro Light" charset="0"/>
+                <a:cs typeface="Source Sans Pro Light" charset="0"/>
+              </a:rPr>
+              <a:t>12:10 added to table when watermark &gt; 12:10, late data counted, and </a:t>
+            </a:r>
+            <a:r>
+              <a:rPr lang="en-US" sz="1400" dirty="0" smtClean="0">
+                <a:solidFill>
+                  <a:srgbClr val="C00000"/>
+                </a:solidFill>
+                <a:latin typeface="Source Sans Pro Light" charset="0"/>
+                <a:ea typeface="Source Sans Pro Light" charset="0"/>
+                <a:cs typeface="Source Sans Pro Light" charset="0"/>
+              </a:rPr>
+              <a:t>intermediate state for window cleared</a:t>
+            </a:r>
+            <a:r>
+              <a:rPr lang="en-US" sz="1400" dirty="0" smtClean="0">
+                <a:solidFill>
+                  <a:srgbClr val="C00000"/>
+                </a:solidFill>
+                <a:latin typeface="Source Sans Pro Light" charset="0"/>
+                <a:ea typeface="Source Sans Pro Light" charset="0"/>
+                <a:cs typeface="Source Sans Pro Light" charset="0"/>
+              </a:rPr>
+              <a:t> </a:t>
+            </a:r>
+            <a:endParaRPr lang="en-US" sz="1400" b="0" i="0" dirty="0">
+              <a:solidFill>
+                <a:srgbClr val="C00000"/>
+              </a:solidFill>
+              <a:latin typeface="Source Sans Pro Light" charset="0"/>
+              <a:ea typeface="Source Sans Pro Light" charset="0"/>
+              <a:cs typeface="Source Sans Pro Light" charset="0"/>
+            </a:endParaRPr>
+          </a:p>
+        </p:txBody>
+      </p:sp>
+      <p:sp>
+        <p:nvSpPr>
+          <p:cNvPr id="47" name="TextBox 46"/>
+          <p:cNvSpPr txBox="1"/>
+          <p:nvPr/>
+        </p:nvSpPr>
+        <p:spPr>
+          <a:xfrm>
+            <a:off x="1273687" y="5761148"/>
+            <a:ext cx="7476955" cy="707886"/>
+          </a:xfrm>
+          <a:prstGeom prst="rect">
+            <a:avLst/>
+          </a:prstGeom>
+          <a:noFill/>
+        </p:spPr>
+        <p:txBody>
+          <a:bodyPr wrap="square" rtlCol="0">
+            <a:spAutoFit/>
+          </a:bodyPr>
+          <a:lstStyle/>
+          <a:p>
+            <a:r>
+              <a:rPr lang="en-US" sz="2000" b="1" dirty="0" smtClean="0">
+                <a:latin typeface="Source Sans Pro Light" charset="0"/>
+                <a:ea typeface="Source Sans Pro Light" charset="0"/>
+                <a:cs typeface="Source Sans Pro Light" charset="0"/>
+              </a:rPr>
+              <a:t>Watermarking</a:t>
+            </a:r>
+            <a:r>
+              <a:rPr lang="en-US" sz="2000" dirty="0" smtClean="0">
+                <a:latin typeface="Source Sans Pro Light" charset="0"/>
+                <a:ea typeface="Source Sans Pro Light" charset="0"/>
+                <a:cs typeface="Source Sans Pro Light" charset="0"/>
+              </a:rPr>
+              <a:t> in </a:t>
+            </a:r>
+            <a:r>
+              <a:rPr lang="en-US" sz="2000" b="1" dirty="0" smtClean="0">
+                <a:latin typeface="Source Sans Pro Light" charset="0"/>
+                <a:ea typeface="Source Sans Pro Light" charset="0"/>
+                <a:cs typeface="Source Sans Pro Light" charset="0"/>
+              </a:rPr>
+              <a:t>Windowed </a:t>
+            </a:r>
+          </a:p>
+          <a:p>
+            <a:r>
+              <a:rPr lang="en-US" sz="2000" b="1" dirty="0" smtClean="0">
+                <a:latin typeface="Source Sans Pro Light" charset="0"/>
+                <a:ea typeface="Source Sans Pro Light" charset="0"/>
+                <a:cs typeface="Source Sans Pro Light" charset="0"/>
+              </a:rPr>
+              <a:t>Grouped Aggregation </a:t>
+            </a:r>
+            <a:r>
+              <a:rPr lang="en-US" sz="2000" dirty="0" smtClean="0">
+                <a:latin typeface="Source Sans Pro Light" charset="0"/>
+                <a:ea typeface="Source Sans Pro Light" charset="0"/>
+                <a:cs typeface="Source Sans Pro Light" charset="0"/>
+              </a:rPr>
+              <a:t>with </a:t>
+            </a:r>
+            <a:r>
+              <a:rPr lang="en-US" sz="2000" b="1" dirty="0" smtClean="0">
+                <a:latin typeface="Source Sans Pro Light" charset="0"/>
+                <a:ea typeface="Source Sans Pro Light" charset="0"/>
+                <a:cs typeface="Source Sans Pro Light" charset="0"/>
+              </a:rPr>
+              <a:t>Append Mode</a:t>
+            </a:r>
+            <a:endParaRPr lang="en-US" sz="2000" b="1" dirty="0">
+              <a:latin typeface="Source Sans Pro Light" charset="0"/>
+              <a:ea typeface="Source Sans Pro Light" charset="0"/>
+              <a:cs typeface="Source Sans Pro Light" charset="0"/>
+            </a:endParaRPr>
+          </a:p>
+        </p:txBody>
+      </p:sp>
+      <p:sp>
+        <p:nvSpPr>
+          <p:cNvPr id="51" name="Rectangle 50"/>
+          <p:cNvSpPr/>
+          <p:nvPr/>
+        </p:nvSpPr>
+        <p:spPr>
+          <a:xfrm>
+            <a:off x="1654608" y="3916606"/>
+            <a:ext cx="570989" cy="307777"/>
+          </a:xfrm>
+          <a:prstGeom prst="rect">
+            <a:avLst/>
+          </a:prstGeom>
+        </p:spPr>
+        <p:txBody>
+          <a:bodyPr wrap="none">
+            <a:spAutoFit/>
+          </a:bodyPr>
+          <a:lstStyle/>
+          <a:p>
+            <a:pPr algn="ctr"/>
+            <a:r>
+              <a:rPr lang="en-US" sz="1400" b="0" i="0" dirty="0" smtClean="0">
+                <a:latin typeface="Source Sans Pro Light" charset="0"/>
+                <a:ea typeface="Source Sans Pro Light" charset="0"/>
+                <a:cs typeface="Source Sans Pro Light" charset="0"/>
+              </a:rPr>
+              <a:t>12:00</a:t>
+            </a:r>
+            <a:endParaRPr lang="en-US" sz="1400" b="0" i="0" dirty="0">
+              <a:latin typeface="Source Sans Pro Light" charset="0"/>
+              <a:ea typeface="Source Sans Pro Light" charset="0"/>
+              <a:cs typeface="Source Sans Pro Light" charset="0"/>
+            </a:endParaRPr>
+          </a:p>
+        </p:txBody>
+      </p:sp>
+      <p:cxnSp>
+        <p:nvCxnSpPr>
+          <p:cNvPr id="53" name="Shape 138"/>
+          <p:cNvCxnSpPr/>
+          <p:nvPr/>
+        </p:nvCxnSpPr>
+        <p:spPr>
+          <a:xfrm flipH="1">
+            <a:off x="3554072" y="500752"/>
+            <a:ext cx="31253" cy="3937112"/>
+          </a:xfrm>
+          <a:prstGeom prst="straightConnector1">
+            <a:avLst/>
+          </a:prstGeom>
+          <a:noFill/>
+          <a:ln w="12700" cap="flat" cmpd="sng">
+            <a:solidFill>
+              <a:schemeClr val="bg1">
+                <a:lumMod val="75000"/>
+              </a:schemeClr>
+            </a:solidFill>
+            <a:prstDash val="sysDot"/>
+            <a:round/>
+            <a:headEnd type="none" w="lg" len="lg"/>
+            <a:tailEnd type="stealth" w="lg" len="lg"/>
+          </a:ln>
+        </p:spPr>
+      </p:cxnSp>
+      <p:cxnSp>
+        <p:nvCxnSpPr>
+          <p:cNvPr id="56" name="Shape 138"/>
+          <p:cNvCxnSpPr/>
+          <p:nvPr/>
+        </p:nvCxnSpPr>
+        <p:spPr>
+          <a:xfrm>
+            <a:off x="4933024" y="509106"/>
+            <a:ext cx="0" cy="3939143"/>
+          </a:xfrm>
+          <a:prstGeom prst="straightConnector1">
+            <a:avLst/>
+          </a:prstGeom>
+          <a:noFill/>
+          <a:ln w="12700" cap="flat" cmpd="sng">
+            <a:solidFill>
+              <a:schemeClr val="bg1">
+                <a:lumMod val="75000"/>
+              </a:schemeClr>
+            </a:solidFill>
+            <a:prstDash val="sysDot"/>
+            <a:round/>
+            <a:headEnd type="none" w="lg" len="lg"/>
+            <a:tailEnd type="stealth" w="lg" len="lg"/>
+          </a:ln>
+        </p:spPr>
+      </p:cxnSp>
+      <p:cxnSp>
+        <p:nvCxnSpPr>
+          <p:cNvPr id="62" name="Shape 138"/>
+          <p:cNvCxnSpPr/>
+          <p:nvPr/>
+        </p:nvCxnSpPr>
+        <p:spPr>
+          <a:xfrm>
+            <a:off x="6282198" y="509106"/>
+            <a:ext cx="0" cy="3939143"/>
+          </a:xfrm>
+          <a:prstGeom prst="straightConnector1">
+            <a:avLst/>
+          </a:prstGeom>
+          <a:noFill/>
+          <a:ln w="12700" cap="flat" cmpd="sng">
+            <a:solidFill>
+              <a:schemeClr val="bg1">
+                <a:lumMod val="75000"/>
+              </a:schemeClr>
+            </a:solidFill>
+            <a:prstDash val="sysDot"/>
+            <a:round/>
+            <a:headEnd type="none" w="lg" len="lg"/>
+            <a:tailEnd type="stealth" w="lg" len="lg"/>
+          </a:ln>
+        </p:spPr>
+      </p:cxnSp>
+      <p:sp>
+        <p:nvSpPr>
+          <p:cNvPr id="32" name="Rectangle 31"/>
+          <p:cNvSpPr/>
+          <p:nvPr/>
+        </p:nvSpPr>
+        <p:spPr>
+          <a:xfrm>
+            <a:off x="1203881" y="0"/>
+            <a:ext cx="9926666" cy="6858000"/>
+          </a:xfrm>
+          <a:prstGeom prst="rect">
+            <a:avLst/>
+          </a:prstGeom>
+          <a:noFill/>
+          <a:ln>
+            <a:solidFill>
+              <a:schemeClr val="accent1"/>
+            </a:solidFill>
+          </a:ln>
+        </p:spPr>
+        <p:style>
+          <a:lnRef idx="2">
+            <a:schemeClr val="accent1">
+              <a:shade val="50000"/>
+            </a:schemeClr>
+          </a:lnRef>
+          <a:fillRef idx="1">
+            <a:schemeClr val="accent1"/>
+          </a:fillRef>
+          <a:effectRef idx="0">
+            <a:schemeClr val="accent1"/>
+          </a:effectRef>
+          <a:fontRef idx="minor">
+            <a:schemeClr val="lt1"/>
+          </a:fontRef>
+        </p:style>
+        <p:txBody>
+          <a:bodyPr rtlCol="0" anchor="ctr"/>
+          <a:lstStyle/>
+          <a:p>
+            <a:pPr algn="ctr"/>
+            <a:endParaRPr lang="en-US"/>
+          </a:p>
+        </p:txBody>
+      </p:sp>
+      <p:cxnSp>
+        <p:nvCxnSpPr>
+          <p:cNvPr id="34" name="Shape 138"/>
+          <p:cNvCxnSpPr/>
+          <p:nvPr/>
+        </p:nvCxnSpPr>
+        <p:spPr>
+          <a:xfrm>
+            <a:off x="7629866" y="509106"/>
+            <a:ext cx="1" cy="3928758"/>
+          </a:xfrm>
+          <a:prstGeom prst="straightConnector1">
+            <a:avLst/>
+          </a:prstGeom>
+          <a:noFill/>
+          <a:ln w="12700" cap="flat" cmpd="sng">
+            <a:solidFill>
+              <a:schemeClr val="bg1">
+                <a:lumMod val="75000"/>
+              </a:schemeClr>
+            </a:solidFill>
+            <a:prstDash val="sysDot"/>
+            <a:round/>
+            <a:headEnd type="none" w="lg" len="lg"/>
+            <a:tailEnd type="stealth" w="lg" len="lg"/>
+          </a:ln>
+        </p:spPr>
+      </p:cxnSp>
+      <p:graphicFrame>
+        <p:nvGraphicFramePr>
+          <p:cNvPr id="48" name="Table 47"/>
+          <p:cNvGraphicFramePr>
+            <a:graphicFrameLocks noGrp="1"/>
+          </p:cNvGraphicFramePr>
+          <p:nvPr>
+            <p:extLst>
+              <p:ext uri="{D42A27DB-BD31-4B8C-83A1-F6EECF244321}">
+                <p14:modId xmlns:p14="http://schemas.microsoft.com/office/powerpoint/2010/main" val="910305956"/>
+              </p:ext>
+            </p:extLst>
+          </p:nvPr>
+        </p:nvGraphicFramePr>
+        <p:xfrm>
+          <a:off x="8350105" y="4467869"/>
+          <a:ext cx="1067441" cy="690228"/>
+        </p:xfrm>
+        <a:graphic>
+          <a:graphicData uri="http://schemas.openxmlformats.org/drawingml/2006/table">
+            <a:tbl>
+              <a:tblPr bandRow="1">
+                <a:tableStyleId>{16D9F66E-5EB9-4882-86FB-DCBF35E3C3E4}</a:tableStyleId>
+              </a:tblPr>
+              <a:tblGrid>
+                <a:gridCol w="730100"/>
+                <a:gridCol w="212651"/>
+                <a:gridCol w="124690"/>
+              </a:tblGrid>
+              <a:tr h="230076">
+                <a:tc>
+                  <a:txBody>
+                    <a:bodyPr/>
+                    <a:lstStyle/>
+                    <a:p>
+                      <a:pPr algn="ctr"/>
+                      <a:r>
+                        <a:rPr lang="en-US" sz="1000" b="0" i="0" dirty="0" smtClean="0">
+                          <a:latin typeface="Source Sans Pro Light" charset="0"/>
+                          <a:ea typeface="Source Sans Pro Light" charset="0"/>
+                          <a:cs typeface="Source Sans Pro Light" charset="0"/>
+                        </a:rPr>
+                        <a:t>12:00</a:t>
+                      </a:r>
+                      <a:r>
+                        <a:rPr lang="en-US" sz="1000" b="0" i="0" baseline="0" dirty="0" smtClean="0">
+                          <a:latin typeface="Source Sans Pro Light" charset="0"/>
+                          <a:ea typeface="Source Sans Pro Light" charset="0"/>
+                          <a:cs typeface="Source Sans Pro Light" charset="0"/>
+                        </a:rPr>
+                        <a:t> - 12:10</a:t>
+                      </a:r>
+                      <a:endParaRPr lang="en-US" sz="1000" b="0" i="0" dirty="0">
+                        <a:latin typeface="Source Sans Pro Light" charset="0"/>
+                        <a:ea typeface="Source Sans Pro Light" charset="0"/>
+                        <a:cs typeface="Source Sans Pro Light" charset="0"/>
+                      </a:endParaRPr>
+                    </a:p>
+                  </a:txBody>
+                  <a:tcPr marL="0" marR="0" marT="26915" marB="26915">
+                    <a:lnL w="28575" cap="flat" cmpd="sng" algn="ctr">
+                      <a:solidFill>
+                        <a:schemeClr val="accent6"/>
+                      </a:solidFill>
+                      <a:prstDash val="solid"/>
+                      <a:round/>
+                      <a:headEnd type="none" w="med" len="med"/>
+                      <a:tailEnd type="none" w="med" len="med"/>
+                    </a:lnL>
+                    <a:lnT w="28575" cap="flat" cmpd="sng" algn="ctr">
+                      <a:solidFill>
+                        <a:schemeClr val="accent6"/>
+                      </a:solidFill>
+                      <a:prstDash val="solid"/>
+                      <a:round/>
+                      <a:headEnd type="none" w="med" len="med"/>
+                      <a:tailEnd type="none" w="med" len="med"/>
+                    </a:lnT>
+                  </a:tcPr>
+                </a:tc>
+                <a:tc>
+                  <a:txBody>
+                    <a:bodyPr/>
+                    <a:lstStyle/>
+                    <a:p>
+                      <a:pPr algn="ctr"/>
+                      <a:r>
+                        <a:rPr lang="en-US" sz="1000" b="0" i="0" dirty="0" smtClean="0">
+                          <a:latin typeface="Source Sans Pro Light" charset="0"/>
+                          <a:ea typeface="Source Sans Pro Light" charset="0"/>
+                          <a:cs typeface="Source Sans Pro Light" charset="0"/>
+                        </a:rPr>
+                        <a:t>owl</a:t>
+                      </a:r>
+                      <a:endParaRPr lang="en-US" sz="1000" b="0" i="0" dirty="0">
+                        <a:latin typeface="Source Sans Pro Light" charset="0"/>
+                        <a:ea typeface="Source Sans Pro Light" charset="0"/>
+                        <a:cs typeface="Source Sans Pro Light" charset="0"/>
+                      </a:endParaRPr>
+                    </a:p>
+                  </a:txBody>
+                  <a:tcPr marL="0" marR="0" marT="26915" marB="26915">
+                    <a:lnT w="28575" cap="flat" cmpd="sng" algn="ctr">
+                      <a:solidFill>
+                        <a:schemeClr val="accent6"/>
+                      </a:solidFill>
+                      <a:prstDash val="solid"/>
+                      <a:round/>
+                      <a:headEnd type="none" w="med" len="med"/>
+                      <a:tailEnd type="none" w="med" len="med"/>
+                    </a:lnT>
+                  </a:tcPr>
+                </a:tc>
+                <a:tc>
+                  <a:txBody>
+                    <a:bodyPr/>
+                    <a:lstStyle/>
+                    <a:p>
+                      <a:pPr algn="ctr"/>
+                      <a:r>
+                        <a:rPr lang="en-US" sz="1000" b="0" i="0" dirty="0" smtClean="0">
+                          <a:latin typeface="Source Sans Pro Light" charset="0"/>
+                          <a:ea typeface="Source Sans Pro Light" charset="0"/>
+                          <a:cs typeface="Source Sans Pro Light" charset="0"/>
+                        </a:rPr>
+                        <a:t>1</a:t>
+                      </a:r>
+                      <a:endParaRPr lang="en-US" sz="1000" b="0" i="0" dirty="0">
+                        <a:latin typeface="Source Sans Pro Light" charset="0"/>
+                        <a:ea typeface="Source Sans Pro Light" charset="0"/>
+                        <a:cs typeface="Source Sans Pro Light" charset="0"/>
+                      </a:endParaRPr>
+                    </a:p>
+                  </a:txBody>
+                  <a:tcPr marL="0" marR="0" marT="26915" marB="26915">
+                    <a:lnR w="28575" cap="flat" cmpd="sng" algn="ctr">
+                      <a:solidFill>
+                        <a:schemeClr val="accent6"/>
+                      </a:solidFill>
+                      <a:prstDash val="solid"/>
+                      <a:round/>
+                      <a:headEnd type="none" w="med" len="med"/>
+                      <a:tailEnd type="none" w="med" len="med"/>
+                    </a:lnR>
+                    <a:lnT w="28575" cap="flat" cmpd="sng" algn="ctr">
+                      <a:solidFill>
+                        <a:schemeClr val="accent6"/>
+                      </a:solidFill>
+                      <a:prstDash val="solid"/>
+                      <a:round/>
+                      <a:headEnd type="none" w="med" len="med"/>
+                      <a:tailEnd type="none" w="med" len="med"/>
+                    </a:lnT>
+                  </a:tcPr>
+                </a:tc>
+              </a:tr>
+              <a:tr h="230076">
+                <a:tc>
+                  <a:txBody>
+                    <a:bodyPr/>
+                    <a:lstStyle/>
+                    <a:p>
+                      <a:pPr marL="0" marR="0" indent="0" algn="ctr" defTabSz="914400" rtl="0" eaLnBrk="1" fontAlgn="auto" latinLnBrk="0" hangingPunct="1">
+                        <a:lnSpc>
+                          <a:spcPct val="100000"/>
+                        </a:lnSpc>
+                        <a:spcBef>
+                          <a:spcPts val="0"/>
+                        </a:spcBef>
+                        <a:spcAft>
+                          <a:spcPts val="0"/>
+                        </a:spcAft>
+                        <a:buClrTx/>
+                        <a:buSzTx/>
+                        <a:buFontTx/>
+                        <a:buNone/>
+                        <a:tabLst/>
+                        <a:defRPr/>
+                      </a:pPr>
+                      <a:r>
+                        <a:rPr lang="en-US" sz="1000" b="0" i="0" dirty="0" smtClean="0">
+                          <a:latin typeface="Source Sans Pro Light" charset="0"/>
+                          <a:ea typeface="Source Sans Pro Light" charset="0"/>
+                          <a:cs typeface="Source Sans Pro Light" charset="0"/>
+                        </a:rPr>
+                        <a:t>12:00</a:t>
+                      </a:r>
+                      <a:r>
+                        <a:rPr lang="en-US" sz="1000" b="0" i="0" baseline="0" dirty="0" smtClean="0">
+                          <a:latin typeface="Source Sans Pro Light" charset="0"/>
+                          <a:ea typeface="Source Sans Pro Light" charset="0"/>
+                          <a:cs typeface="Source Sans Pro Light" charset="0"/>
+                        </a:rPr>
+                        <a:t> - 12:10</a:t>
+                      </a:r>
+                      <a:endParaRPr lang="en-US" sz="1000" b="0" i="0" dirty="0" smtClean="0">
+                        <a:latin typeface="Source Sans Pro Light" charset="0"/>
+                        <a:ea typeface="Source Sans Pro Light" charset="0"/>
+                        <a:cs typeface="Source Sans Pro Light" charset="0"/>
+                      </a:endParaRPr>
+                    </a:p>
+                  </a:txBody>
+                  <a:tcPr marL="0" marR="0" marT="26915" marB="26915">
+                    <a:lnL w="28575" cap="flat" cmpd="sng" algn="ctr">
+                      <a:solidFill>
+                        <a:schemeClr val="accent6"/>
+                      </a:solidFill>
+                      <a:prstDash val="solid"/>
+                      <a:round/>
+                      <a:headEnd type="none" w="med" len="med"/>
+                      <a:tailEnd type="none" w="med" len="med"/>
+                    </a:lnL>
+                  </a:tcPr>
+                </a:tc>
+                <a:tc>
+                  <a:txBody>
+                    <a:bodyPr/>
+                    <a:lstStyle/>
+                    <a:p>
+                      <a:pPr algn="ctr"/>
+                      <a:r>
+                        <a:rPr lang="en-US" sz="1000" b="0" i="0" dirty="0" smtClean="0">
+                          <a:latin typeface="Source Sans Pro Light" charset="0"/>
+                          <a:ea typeface="Source Sans Pro Light" charset="0"/>
+                          <a:cs typeface="Source Sans Pro Light" charset="0"/>
+                        </a:rPr>
+                        <a:t>cat</a:t>
+                      </a:r>
+                      <a:endParaRPr lang="en-US" sz="1000" b="0" i="0" dirty="0">
+                        <a:latin typeface="Source Sans Pro Light" charset="0"/>
+                        <a:ea typeface="Source Sans Pro Light" charset="0"/>
+                        <a:cs typeface="Source Sans Pro Light" charset="0"/>
+                      </a:endParaRPr>
+                    </a:p>
+                  </a:txBody>
+                  <a:tcPr marL="0" marR="0" marT="26915" marB="26915"/>
+                </a:tc>
+                <a:tc>
+                  <a:txBody>
+                    <a:bodyPr/>
+                    <a:lstStyle/>
+                    <a:p>
+                      <a:pPr algn="ctr"/>
+                      <a:r>
+                        <a:rPr lang="en-US" sz="1000" b="0" i="0" dirty="0" smtClean="0">
+                          <a:latin typeface="Source Sans Pro Light" charset="0"/>
+                          <a:ea typeface="Source Sans Pro Light" charset="0"/>
+                          <a:cs typeface="Source Sans Pro Light" charset="0"/>
+                        </a:rPr>
+                        <a:t>1</a:t>
+                      </a:r>
+                      <a:endParaRPr lang="en-US" sz="1000" b="0" i="0" dirty="0">
+                        <a:latin typeface="Source Sans Pro Light" charset="0"/>
+                        <a:ea typeface="Source Sans Pro Light" charset="0"/>
+                        <a:cs typeface="Source Sans Pro Light" charset="0"/>
+                      </a:endParaRPr>
+                    </a:p>
+                  </a:txBody>
+                  <a:tcPr marL="0" marR="0" marT="26915" marB="26915">
+                    <a:lnR w="28575" cap="flat" cmpd="sng" algn="ctr">
+                      <a:solidFill>
+                        <a:schemeClr val="accent6"/>
+                      </a:solidFill>
+                      <a:prstDash val="solid"/>
+                      <a:round/>
+                      <a:headEnd type="none" w="med" len="med"/>
+                      <a:tailEnd type="none" w="med" len="med"/>
+                    </a:lnR>
+                  </a:tcPr>
+                </a:tc>
+              </a:tr>
+              <a:tr h="230076">
+                <a:tc>
+                  <a:txBody>
+                    <a:bodyPr/>
+                    <a:lstStyle/>
+                    <a:p>
+                      <a:pPr algn="ctr"/>
+                      <a:r>
+                        <a:rPr lang="en-US" sz="1000" b="0" i="0" dirty="0" smtClean="0">
+                          <a:latin typeface="Source Sans Pro Light" charset="0"/>
+                          <a:ea typeface="Source Sans Pro Light" charset="0"/>
+                          <a:cs typeface="Source Sans Pro Light" charset="0"/>
+                        </a:rPr>
+                        <a:t>12:00</a:t>
+                      </a:r>
+                      <a:r>
+                        <a:rPr lang="en-US" sz="1000" b="0" i="0" baseline="0" dirty="0" smtClean="0">
+                          <a:latin typeface="Source Sans Pro Light" charset="0"/>
+                          <a:ea typeface="Source Sans Pro Light" charset="0"/>
+                          <a:cs typeface="Source Sans Pro Light" charset="0"/>
+                        </a:rPr>
+                        <a:t> - 12:10</a:t>
+                      </a:r>
+                      <a:endParaRPr lang="en-US" sz="1000" b="0" i="0" dirty="0">
+                        <a:latin typeface="Source Sans Pro Light" charset="0"/>
+                        <a:ea typeface="Source Sans Pro Light" charset="0"/>
+                        <a:cs typeface="Source Sans Pro Light" charset="0"/>
+                      </a:endParaRPr>
+                    </a:p>
+                  </a:txBody>
+                  <a:tcPr marL="0" marR="0" marT="26915" marB="26915">
+                    <a:lnL w="28575" cap="flat" cmpd="sng" algn="ctr">
+                      <a:solidFill>
+                        <a:schemeClr val="accent6"/>
+                      </a:solidFill>
+                      <a:prstDash val="solid"/>
+                      <a:round/>
+                      <a:headEnd type="none" w="med" len="med"/>
+                      <a:tailEnd type="none" w="med" len="med"/>
+                    </a:lnL>
+                    <a:lnB w="28575" cap="flat" cmpd="sng" algn="ctr">
+                      <a:solidFill>
+                        <a:schemeClr val="accent6"/>
+                      </a:solidFill>
+                      <a:prstDash val="solid"/>
+                      <a:round/>
+                      <a:headEnd type="none" w="med" len="med"/>
+                      <a:tailEnd type="none" w="med" len="med"/>
+                    </a:lnB>
+                  </a:tcPr>
+                </a:tc>
+                <a:tc>
+                  <a:txBody>
+                    <a:bodyPr/>
+                    <a:lstStyle/>
+                    <a:p>
+                      <a:pPr algn="ctr"/>
+                      <a:r>
+                        <a:rPr lang="en-US" sz="1000" b="0" i="0" dirty="0" smtClean="0">
+                          <a:latin typeface="Source Sans Pro Light" charset="0"/>
+                          <a:ea typeface="Source Sans Pro Light" charset="0"/>
+                          <a:cs typeface="Source Sans Pro Light" charset="0"/>
+                        </a:rPr>
+                        <a:t>dog</a:t>
+                      </a:r>
+                      <a:endParaRPr lang="en-US" sz="1000" b="0" i="0" dirty="0">
+                        <a:latin typeface="Source Sans Pro Light" charset="0"/>
+                        <a:ea typeface="Source Sans Pro Light" charset="0"/>
+                        <a:cs typeface="Source Sans Pro Light" charset="0"/>
+                      </a:endParaRPr>
+                    </a:p>
+                  </a:txBody>
+                  <a:tcPr marL="0" marR="0" marT="26915" marB="26915">
+                    <a:lnB w="28575" cap="flat" cmpd="sng" algn="ctr">
+                      <a:solidFill>
+                        <a:schemeClr val="accent6"/>
+                      </a:solidFill>
+                      <a:prstDash val="solid"/>
+                      <a:round/>
+                      <a:headEnd type="none" w="med" len="med"/>
+                      <a:tailEnd type="none" w="med" len="med"/>
+                    </a:lnB>
+                  </a:tcPr>
+                </a:tc>
+                <a:tc>
+                  <a:txBody>
+                    <a:bodyPr/>
+                    <a:lstStyle/>
+                    <a:p>
+                      <a:pPr algn="ctr"/>
+                      <a:r>
+                        <a:rPr lang="en-US" sz="1000" b="0" i="0" dirty="0" smtClean="0">
+                          <a:latin typeface="Source Sans Pro Light" charset="0"/>
+                          <a:ea typeface="Source Sans Pro Light" charset="0"/>
+                          <a:cs typeface="Source Sans Pro Light" charset="0"/>
+                        </a:rPr>
+                        <a:t>2</a:t>
+                      </a:r>
+                      <a:endParaRPr lang="en-US" sz="1000" b="0" i="0" dirty="0">
+                        <a:latin typeface="Source Sans Pro Light" charset="0"/>
+                        <a:ea typeface="Source Sans Pro Light" charset="0"/>
+                        <a:cs typeface="Source Sans Pro Light" charset="0"/>
+                      </a:endParaRPr>
+                    </a:p>
+                  </a:txBody>
+                  <a:tcPr marL="0" marR="0" marT="26915" marB="26915">
+                    <a:lnR w="28575" cap="flat" cmpd="sng" algn="ctr">
+                      <a:solidFill>
+                        <a:schemeClr val="accent6"/>
+                      </a:solidFill>
+                      <a:prstDash val="solid"/>
+                      <a:round/>
+                      <a:headEnd type="none" w="med" len="med"/>
+                      <a:tailEnd type="none" w="med" len="med"/>
+                    </a:lnR>
+                    <a:lnB w="28575" cap="flat" cmpd="sng" algn="ctr">
+                      <a:solidFill>
+                        <a:schemeClr val="accent6"/>
+                      </a:solidFill>
+                      <a:prstDash val="solid"/>
+                      <a:round/>
+                      <a:headEnd type="none" w="med" len="med"/>
+                      <a:tailEnd type="none" w="med" len="med"/>
+                    </a:lnB>
+                  </a:tcPr>
+                </a:tc>
+              </a:tr>
+            </a:tbl>
+          </a:graphicData>
+        </a:graphic>
+      </p:graphicFrame>
+      <p:cxnSp>
+        <p:nvCxnSpPr>
+          <p:cNvPr id="52" name="Shape 138"/>
+          <p:cNvCxnSpPr/>
+          <p:nvPr/>
+        </p:nvCxnSpPr>
+        <p:spPr>
+          <a:xfrm>
+            <a:off x="8982887" y="500752"/>
+            <a:ext cx="0" cy="3945923"/>
+          </a:xfrm>
+          <a:prstGeom prst="straightConnector1">
+            <a:avLst/>
+          </a:prstGeom>
+          <a:noFill/>
+          <a:ln w="12700" cap="flat" cmpd="sng">
+            <a:solidFill>
+              <a:schemeClr val="bg1">
+                <a:lumMod val="75000"/>
+              </a:schemeClr>
+            </a:solidFill>
+            <a:prstDash val="sysDot"/>
+            <a:round/>
+            <a:headEnd type="none" w="lg" len="lg"/>
+            <a:tailEnd type="stealth" w="lg" len="lg"/>
+          </a:ln>
+        </p:spPr>
+      </p:cxnSp>
+      <p:sp>
+        <p:nvSpPr>
+          <p:cNvPr id="54" name="Rectangle 53"/>
+          <p:cNvSpPr/>
+          <p:nvPr/>
+        </p:nvSpPr>
+        <p:spPr>
+          <a:xfrm>
+            <a:off x="3171822" y="4437907"/>
+            <a:ext cx="4828624" cy="523220"/>
+          </a:xfrm>
+          <a:prstGeom prst="rect">
+            <a:avLst/>
+          </a:prstGeom>
+        </p:spPr>
+        <p:txBody>
+          <a:bodyPr wrap="square">
+            <a:spAutoFit/>
+          </a:bodyPr>
+          <a:lstStyle/>
+          <a:p>
+            <a:pPr algn="ctr"/>
+            <a:r>
+              <a:rPr lang="en-US" sz="1400" dirty="0" smtClean="0">
+                <a:solidFill>
+                  <a:srgbClr val="C00000"/>
+                </a:solidFill>
+                <a:latin typeface="Source Sans Pro Light" charset="0"/>
+                <a:ea typeface="Source Sans Pro Light" charset="0"/>
+                <a:cs typeface="Source Sans Pro Light" charset="0"/>
+              </a:rPr>
+              <a:t>partial counts for window 12:00-12:10 maintained as internal state while waiting for late data, so not yet added  to result table</a:t>
+            </a:r>
+            <a:endParaRPr lang="en-US" sz="1400" b="0" i="0" dirty="0">
+              <a:solidFill>
+                <a:srgbClr val="C00000"/>
+              </a:solidFill>
+              <a:latin typeface="Source Sans Pro Light" charset="0"/>
+              <a:ea typeface="Source Sans Pro Light" charset="0"/>
+              <a:cs typeface="Source Sans Pro Light" charset="0"/>
+            </a:endParaRPr>
+          </a:p>
+        </p:txBody>
+      </p:sp>
+      <p:cxnSp>
+        <p:nvCxnSpPr>
+          <p:cNvPr id="58" name="Shape 128"/>
+          <p:cNvCxnSpPr/>
+          <p:nvPr/>
+        </p:nvCxnSpPr>
+        <p:spPr>
+          <a:xfrm flipV="1">
+            <a:off x="2245241" y="307322"/>
+            <a:ext cx="27128" cy="3656482"/>
+          </a:xfrm>
+          <a:prstGeom prst="straightConnector1">
+            <a:avLst/>
+          </a:prstGeom>
+          <a:noFill/>
+          <a:ln w="28575" cap="flat" cmpd="sng">
+            <a:solidFill>
+              <a:srgbClr val="000000"/>
+            </a:solidFill>
+            <a:prstDash val="solid"/>
+            <a:round/>
+            <a:headEnd type="none" w="lg" len="lg"/>
+            <a:tailEnd type="triangle" w="lg" len="lg"/>
+          </a:ln>
+        </p:spPr>
+      </p:cxnSp>
+      <p:sp>
+        <p:nvSpPr>
+          <p:cNvPr id="59" name="Rectangle 58"/>
+          <p:cNvSpPr/>
+          <p:nvPr/>
+        </p:nvSpPr>
+        <p:spPr>
+          <a:xfrm>
+            <a:off x="1655301" y="3093372"/>
+            <a:ext cx="570989" cy="307777"/>
+          </a:xfrm>
+          <a:prstGeom prst="rect">
+            <a:avLst/>
+          </a:prstGeom>
+        </p:spPr>
+        <p:txBody>
+          <a:bodyPr wrap="none">
+            <a:spAutoFit/>
+          </a:bodyPr>
+          <a:lstStyle/>
+          <a:p>
+            <a:pPr algn="ctr"/>
+            <a:r>
+              <a:rPr lang="en-US" sz="1400" b="0" i="0" dirty="0" smtClean="0">
+                <a:latin typeface="Source Sans Pro Light" charset="0"/>
+                <a:ea typeface="Source Sans Pro Light" charset="0"/>
+                <a:cs typeface="Source Sans Pro Light" charset="0"/>
+              </a:rPr>
+              <a:t>12:05</a:t>
+            </a:r>
+            <a:endParaRPr lang="en-US" sz="1400" b="0" i="0" dirty="0">
+              <a:latin typeface="Source Sans Pro Light" charset="0"/>
+              <a:ea typeface="Source Sans Pro Light" charset="0"/>
+              <a:cs typeface="Source Sans Pro Light" charset="0"/>
+            </a:endParaRPr>
+          </a:p>
+        </p:txBody>
+      </p:sp>
+      <p:sp>
+        <p:nvSpPr>
+          <p:cNvPr id="60" name="Rectangle 59"/>
+          <p:cNvSpPr/>
+          <p:nvPr/>
+        </p:nvSpPr>
+        <p:spPr>
+          <a:xfrm>
+            <a:off x="1660637" y="2438474"/>
+            <a:ext cx="570989" cy="307777"/>
+          </a:xfrm>
+          <a:prstGeom prst="rect">
+            <a:avLst/>
+          </a:prstGeom>
+        </p:spPr>
+        <p:txBody>
+          <a:bodyPr wrap="none">
+            <a:spAutoFit/>
+          </a:bodyPr>
+          <a:lstStyle/>
+          <a:p>
+            <a:pPr algn="ctr"/>
+            <a:r>
+              <a:rPr lang="en-US" sz="1400" b="0" i="0" dirty="0" smtClean="0">
+                <a:latin typeface="Source Sans Pro Light" charset="0"/>
+                <a:ea typeface="Source Sans Pro Light" charset="0"/>
+                <a:cs typeface="Source Sans Pro Light" charset="0"/>
+              </a:rPr>
+              <a:t>12:10</a:t>
+            </a:r>
+            <a:endParaRPr lang="en-US" sz="1400" b="0" i="0" dirty="0">
+              <a:latin typeface="Source Sans Pro Light" charset="0"/>
+              <a:ea typeface="Source Sans Pro Light" charset="0"/>
+              <a:cs typeface="Source Sans Pro Light" charset="0"/>
+            </a:endParaRPr>
+          </a:p>
+        </p:txBody>
+      </p:sp>
+      <p:sp>
+        <p:nvSpPr>
+          <p:cNvPr id="61" name="Rectangle 60"/>
+          <p:cNvSpPr/>
+          <p:nvPr/>
+        </p:nvSpPr>
+        <p:spPr>
+          <a:xfrm>
+            <a:off x="1655301" y="1783576"/>
+            <a:ext cx="570989" cy="307777"/>
+          </a:xfrm>
+          <a:prstGeom prst="rect">
+            <a:avLst/>
+          </a:prstGeom>
+        </p:spPr>
+        <p:txBody>
+          <a:bodyPr wrap="none">
+            <a:spAutoFit/>
+          </a:bodyPr>
+          <a:lstStyle/>
+          <a:p>
+            <a:pPr algn="ctr"/>
+            <a:r>
+              <a:rPr lang="en-US" sz="1400" b="0" i="0" dirty="0" smtClean="0">
+                <a:latin typeface="Source Sans Pro Light" charset="0"/>
+                <a:ea typeface="Source Sans Pro Light" charset="0"/>
+                <a:cs typeface="Source Sans Pro Light" charset="0"/>
+              </a:rPr>
+              <a:t>12:15</a:t>
+            </a:r>
+            <a:endParaRPr lang="en-US" sz="1400" b="0" i="0" dirty="0">
+              <a:latin typeface="Source Sans Pro Light" charset="0"/>
+              <a:ea typeface="Source Sans Pro Light" charset="0"/>
+              <a:cs typeface="Source Sans Pro Light" charset="0"/>
+            </a:endParaRPr>
+          </a:p>
+        </p:txBody>
+      </p:sp>
+      <p:sp>
+        <p:nvSpPr>
+          <p:cNvPr id="63" name="Rectangle 62"/>
+          <p:cNvSpPr/>
+          <p:nvPr/>
+        </p:nvSpPr>
+        <p:spPr>
+          <a:xfrm>
+            <a:off x="1655301" y="1141987"/>
+            <a:ext cx="570989" cy="307777"/>
+          </a:xfrm>
+          <a:prstGeom prst="rect">
+            <a:avLst/>
+          </a:prstGeom>
+        </p:spPr>
+        <p:txBody>
+          <a:bodyPr wrap="none">
+            <a:spAutoFit/>
+          </a:bodyPr>
+          <a:lstStyle/>
+          <a:p>
+            <a:pPr algn="ctr"/>
+            <a:r>
+              <a:rPr lang="en-US" sz="1400" b="0" i="0" dirty="0" smtClean="0">
+                <a:latin typeface="Source Sans Pro Light" charset="0"/>
+                <a:ea typeface="Source Sans Pro Light" charset="0"/>
+                <a:cs typeface="Source Sans Pro Light" charset="0"/>
+              </a:rPr>
+              <a:t>12:20</a:t>
+            </a:r>
+            <a:endParaRPr lang="en-US" sz="1400" b="0" i="0" dirty="0">
+              <a:latin typeface="Source Sans Pro Light" charset="0"/>
+              <a:ea typeface="Source Sans Pro Light" charset="0"/>
+              <a:cs typeface="Source Sans Pro Light" charset="0"/>
+            </a:endParaRPr>
+          </a:p>
+        </p:txBody>
+      </p:sp>
+      <p:cxnSp>
+        <p:nvCxnSpPr>
+          <p:cNvPr id="101" name="Straight Connector 100"/>
+          <p:cNvCxnSpPr>
+            <a:stCxn id="80" idx="6"/>
+          </p:cNvCxnSpPr>
+          <p:nvPr/>
+        </p:nvCxnSpPr>
+        <p:spPr>
+          <a:xfrm>
+            <a:off x="5433006" y="2120892"/>
+            <a:ext cx="836383" cy="10349"/>
+          </a:xfrm>
+          <a:prstGeom prst="line">
+            <a:avLst/>
+          </a:prstGeom>
+          <a:ln w="28575">
+            <a:solidFill>
+              <a:schemeClr val="accent1"/>
+            </a:solidFill>
+            <a:prstDash val="sysDot"/>
+          </a:ln>
+        </p:spPr>
+        <p:style>
+          <a:lnRef idx="2">
+            <a:schemeClr val="accent1"/>
+          </a:lnRef>
+          <a:fillRef idx="0">
+            <a:schemeClr val="accent1"/>
+          </a:fillRef>
+          <a:effectRef idx="1">
+            <a:schemeClr val="accent1"/>
+          </a:effectRef>
+          <a:fontRef idx="minor">
+            <a:schemeClr val="tx1"/>
+          </a:fontRef>
+        </p:style>
+      </p:cxnSp>
+      <p:cxnSp>
+        <p:nvCxnSpPr>
+          <p:cNvPr id="102" name="Straight Connector 101"/>
+          <p:cNvCxnSpPr/>
+          <p:nvPr/>
+        </p:nvCxnSpPr>
+        <p:spPr>
+          <a:xfrm>
+            <a:off x="6282198" y="3459182"/>
+            <a:ext cx="1350345" cy="0"/>
+          </a:xfrm>
+          <a:prstGeom prst="line">
+            <a:avLst/>
+          </a:prstGeom>
+          <a:effectLst/>
+        </p:spPr>
+        <p:style>
+          <a:lnRef idx="3">
+            <a:schemeClr val="accent2"/>
+          </a:lnRef>
+          <a:fillRef idx="0">
+            <a:schemeClr val="accent2"/>
+          </a:fillRef>
+          <a:effectRef idx="2">
+            <a:schemeClr val="accent2"/>
+          </a:effectRef>
+          <a:fontRef idx="minor">
+            <a:schemeClr val="tx1"/>
+          </a:fontRef>
+        </p:style>
+      </p:cxnSp>
+      <p:cxnSp>
+        <p:nvCxnSpPr>
+          <p:cNvPr id="110" name="Straight Connector 109"/>
+          <p:cNvCxnSpPr/>
+          <p:nvPr/>
+        </p:nvCxnSpPr>
+        <p:spPr>
+          <a:xfrm>
+            <a:off x="7632542" y="2513133"/>
+            <a:ext cx="1346151" cy="0"/>
+          </a:xfrm>
+          <a:prstGeom prst="line">
+            <a:avLst/>
+          </a:prstGeom>
+        </p:spPr>
+        <p:style>
+          <a:lnRef idx="3">
+            <a:schemeClr val="accent2"/>
+          </a:lnRef>
+          <a:fillRef idx="0">
+            <a:schemeClr val="accent2"/>
+          </a:fillRef>
+          <a:effectRef idx="2">
+            <a:schemeClr val="accent2"/>
+          </a:effectRef>
+          <a:fontRef idx="minor">
+            <a:schemeClr val="tx1"/>
+          </a:fontRef>
+        </p:style>
+      </p:cxnSp>
+      <p:cxnSp>
+        <p:nvCxnSpPr>
+          <p:cNvPr id="146" name="Straight Connector 145"/>
+          <p:cNvCxnSpPr/>
+          <p:nvPr/>
+        </p:nvCxnSpPr>
+        <p:spPr>
+          <a:xfrm flipV="1">
+            <a:off x="7632542" y="2513133"/>
+            <a:ext cx="0" cy="946049"/>
+          </a:xfrm>
+          <a:prstGeom prst="line">
+            <a:avLst/>
+          </a:prstGeom>
+          <a:effectLst/>
+        </p:spPr>
+        <p:style>
+          <a:lnRef idx="3">
+            <a:schemeClr val="accent2"/>
+          </a:lnRef>
+          <a:fillRef idx="0">
+            <a:schemeClr val="accent2"/>
+          </a:fillRef>
+          <a:effectRef idx="2">
+            <a:schemeClr val="accent2"/>
+          </a:effectRef>
+          <a:fontRef idx="minor">
+            <a:schemeClr val="tx1"/>
+          </a:fontRef>
+        </p:style>
+      </p:cxnSp>
+      <p:cxnSp>
+        <p:nvCxnSpPr>
+          <p:cNvPr id="156" name="Straight Connector 155"/>
+          <p:cNvCxnSpPr/>
+          <p:nvPr/>
+        </p:nvCxnSpPr>
+        <p:spPr>
+          <a:xfrm>
+            <a:off x="7416864" y="1184367"/>
+            <a:ext cx="213002" cy="0"/>
+          </a:xfrm>
+          <a:prstGeom prst="line">
+            <a:avLst/>
+          </a:prstGeom>
+          <a:ln w="28575">
+            <a:solidFill>
+              <a:schemeClr val="accent1"/>
+            </a:solidFill>
+            <a:prstDash val="sysDot"/>
+          </a:ln>
+        </p:spPr>
+        <p:style>
+          <a:lnRef idx="2">
+            <a:schemeClr val="accent1"/>
+          </a:lnRef>
+          <a:fillRef idx="0">
+            <a:schemeClr val="accent1"/>
+          </a:fillRef>
+          <a:effectRef idx="1">
+            <a:schemeClr val="accent1"/>
+          </a:effectRef>
+          <a:fontRef idx="minor">
+            <a:schemeClr val="tx1"/>
+          </a:fontRef>
+        </p:style>
+      </p:cxnSp>
+      <p:sp>
+        <p:nvSpPr>
+          <p:cNvPr id="158" name="Rectangle 157"/>
+          <p:cNvSpPr/>
+          <p:nvPr/>
+        </p:nvSpPr>
+        <p:spPr>
+          <a:xfrm>
+            <a:off x="2321902" y="1082635"/>
+            <a:ext cx="2517791" cy="1468222"/>
+          </a:xfrm>
+          <a:prstGeom prst="rect">
+            <a:avLst/>
+          </a:prstGeom>
+          <a:solidFill>
+            <a:schemeClr val="bg1"/>
+          </a:solidFill>
+          <a:ln>
+            <a:solidFill>
+              <a:schemeClr val="bg1">
+                <a:lumMod val="65000"/>
+              </a:schemeClr>
+            </a:solidFill>
+          </a:ln>
+        </p:spPr>
+        <p:style>
+          <a:lnRef idx="2">
+            <a:schemeClr val="accent1">
+              <a:shade val="50000"/>
+            </a:schemeClr>
+          </a:lnRef>
+          <a:fillRef idx="1">
+            <a:schemeClr val="accent1"/>
+          </a:fillRef>
+          <a:effectRef idx="0">
+            <a:schemeClr val="accent1"/>
+          </a:effectRef>
+          <a:fontRef idx="minor">
+            <a:schemeClr val="lt1"/>
+          </a:fontRef>
+        </p:style>
+        <p:txBody>
+          <a:bodyPr rtlCol="0" anchor="ctr"/>
+          <a:lstStyle/>
+          <a:p>
+            <a:pPr algn="ctr"/>
+            <a:endParaRPr lang="en-US"/>
+          </a:p>
+        </p:txBody>
+      </p:sp>
+      <p:cxnSp>
+        <p:nvCxnSpPr>
+          <p:cNvPr id="170" name="Straight Connector 169"/>
+          <p:cNvCxnSpPr/>
+          <p:nvPr/>
+        </p:nvCxnSpPr>
+        <p:spPr>
+          <a:xfrm flipH="1" flipV="1">
+            <a:off x="6282198" y="3454406"/>
+            <a:ext cx="2677" cy="519317"/>
+          </a:xfrm>
+          <a:prstGeom prst="line">
+            <a:avLst/>
+          </a:prstGeom>
+          <a:effectLst/>
+        </p:spPr>
+        <p:style>
+          <a:lnRef idx="3">
+            <a:schemeClr val="accent2"/>
+          </a:lnRef>
+          <a:fillRef idx="0">
+            <a:schemeClr val="accent2"/>
+          </a:fillRef>
+          <a:effectRef idx="2">
+            <a:schemeClr val="accent2"/>
+          </a:effectRef>
+          <a:fontRef idx="minor">
+            <a:schemeClr val="tx1"/>
+          </a:fontRef>
+        </p:style>
+      </p:cxnSp>
+      <p:sp>
+        <p:nvSpPr>
+          <p:cNvPr id="5" name="Rectangle 4"/>
+          <p:cNvSpPr/>
+          <p:nvPr/>
+        </p:nvSpPr>
+        <p:spPr>
+          <a:xfrm>
+            <a:off x="3242312" y="4000442"/>
+            <a:ext cx="678392" cy="243892"/>
+          </a:xfrm>
+          <a:prstGeom prst="rect">
+            <a:avLst/>
+          </a:prstGeom>
+          <a:solidFill>
+            <a:schemeClr val="bg1">
+              <a:alpha val="67000"/>
+            </a:schemeClr>
+          </a:solidFill>
+        </p:spPr>
+        <p:txBody>
+          <a:bodyPr wrap="none" anchor="ctr">
+            <a:noAutofit/>
+          </a:bodyPr>
+          <a:lstStyle/>
+          <a:p>
+            <a:pPr algn="ctr"/>
+            <a:r>
+              <a:rPr lang="en-US" sz="1400" b="0" i="0" dirty="0" smtClean="0">
+                <a:latin typeface="Source Sans Pro Light" charset="0"/>
+                <a:ea typeface="Source Sans Pro Light" charset="0"/>
+                <a:cs typeface="Source Sans Pro Light" charset="0"/>
+              </a:rPr>
+              <a:t>12:05</a:t>
+            </a:r>
+            <a:endParaRPr lang="en-US" sz="1400" b="0" i="0" dirty="0">
+              <a:latin typeface="Source Sans Pro Light" charset="0"/>
+              <a:ea typeface="Source Sans Pro Light" charset="0"/>
+              <a:cs typeface="Source Sans Pro Light" charset="0"/>
+            </a:endParaRPr>
+          </a:p>
+        </p:txBody>
+      </p:sp>
+      <p:sp>
+        <p:nvSpPr>
+          <p:cNvPr id="6" name="Rectangle 5"/>
+          <p:cNvSpPr/>
+          <p:nvPr/>
+        </p:nvSpPr>
+        <p:spPr>
+          <a:xfrm>
+            <a:off x="4592657" y="4000442"/>
+            <a:ext cx="678392" cy="243892"/>
+          </a:xfrm>
+          <a:prstGeom prst="rect">
+            <a:avLst/>
+          </a:prstGeom>
+          <a:solidFill>
+            <a:schemeClr val="bg1">
+              <a:alpha val="67000"/>
+            </a:schemeClr>
+          </a:solidFill>
+        </p:spPr>
+        <p:txBody>
+          <a:bodyPr wrap="none" anchor="ctr">
+            <a:noAutofit/>
+          </a:bodyPr>
+          <a:lstStyle/>
+          <a:p>
+            <a:pPr algn="ctr"/>
+            <a:r>
+              <a:rPr lang="en-US" sz="1400" b="0" i="0" dirty="0" smtClean="0">
+                <a:latin typeface="Source Sans Pro Light" charset="0"/>
+                <a:ea typeface="Source Sans Pro Light" charset="0"/>
+                <a:cs typeface="Source Sans Pro Light" charset="0"/>
+              </a:rPr>
+              <a:t>12:10</a:t>
+            </a:r>
+            <a:endParaRPr lang="en-US" sz="1400" b="0" i="0" dirty="0">
+              <a:latin typeface="Source Sans Pro Light" charset="0"/>
+              <a:ea typeface="Source Sans Pro Light" charset="0"/>
+              <a:cs typeface="Source Sans Pro Light" charset="0"/>
+            </a:endParaRPr>
+          </a:p>
+        </p:txBody>
+      </p:sp>
+      <p:sp>
+        <p:nvSpPr>
+          <p:cNvPr id="12" name="Rectangle 11"/>
+          <p:cNvSpPr/>
+          <p:nvPr/>
+        </p:nvSpPr>
+        <p:spPr>
+          <a:xfrm>
+            <a:off x="5943002" y="4000442"/>
+            <a:ext cx="678392" cy="243892"/>
+          </a:xfrm>
+          <a:prstGeom prst="rect">
+            <a:avLst/>
+          </a:prstGeom>
+          <a:solidFill>
+            <a:schemeClr val="bg1">
+              <a:alpha val="67000"/>
+            </a:schemeClr>
+          </a:solidFill>
+        </p:spPr>
+        <p:txBody>
+          <a:bodyPr wrap="none" anchor="ctr">
+            <a:noAutofit/>
+          </a:bodyPr>
+          <a:lstStyle/>
+          <a:p>
+            <a:pPr algn="ctr"/>
+            <a:r>
+              <a:rPr lang="en-US" sz="1400" b="0" i="0" dirty="0" smtClean="0">
+                <a:latin typeface="Source Sans Pro Light" charset="0"/>
+                <a:ea typeface="Source Sans Pro Light" charset="0"/>
+                <a:cs typeface="Source Sans Pro Light" charset="0"/>
+              </a:rPr>
+              <a:t>12:15</a:t>
+            </a:r>
+            <a:endParaRPr lang="en-US" sz="1400" b="0" i="0" dirty="0">
+              <a:latin typeface="Source Sans Pro Light" charset="0"/>
+              <a:ea typeface="Source Sans Pro Light" charset="0"/>
+              <a:cs typeface="Source Sans Pro Light" charset="0"/>
+            </a:endParaRPr>
+          </a:p>
+        </p:txBody>
+      </p:sp>
+      <p:sp>
+        <p:nvSpPr>
+          <p:cNvPr id="33" name="Rectangle 32"/>
+          <p:cNvSpPr/>
+          <p:nvPr/>
+        </p:nvSpPr>
+        <p:spPr>
+          <a:xfrm>
+            <a:off x="7293347" y="3985652"/>
+            <a:ext cx="678392" cy="243892"/>
+          </a:xfrm>
+          <a:prstGeom prst="rect">
+            <a:avLst/>
+          </a:prstGeom>
+          <a:solidFill>
+            <a:schemeClr val="bg1">
+              <a:alpha val="67000"/>
+            </a:schemeClr>
+          </a:solidFill>
+        </p:spPr>
+        <p:txBody>
+          <a:bodyPr wrap="none" anchor="ctr">
+            <a:noAutofit/>
+          </a:bodyPr>
+          <a:lstStyle/>
+          <a:p>
+            <a:pPr algn="ctr"/>
+            <a:r>
+              <a:rPr lang="en-US" sz="1400" b="0" i="0" dirty="0" smtClean="0">
+                <a:latin typeface="Source Sans Pro Light" charset="0"/>
+                <a:ea typeface="Source Sans Pro Light" charset="0"/>
+                <a:cs typeface="Source Sans Pro Light" charset="0"/>
+              </a:rPr>
+              <a:t>12:20</a:t>
+            </a:r>
+            <a:endParaRPr lang="en-US" sz="1400" b="0" i="0" dirty="0">
+              <a:latin typeface="Source Sans Pro Light" charset="0"/>
+              <a:ea typeface="Source Sans Pro Light" charset="0"/>
+              <a:cs typeface="Source Sans Pro Light" charset="0"/>
+            </a:endParaRPr>
+          </a:p>
+        </p:txBody>
+      </p:sp>
+      <p:sp>
+        <p:nvSpPr>
+          <p:cNvPr id="50" name="Rectangle 49"/>
+          <p:cNvSpPr/>
+          <p:nvPr/>
+        </p:nvSpPr>
+        <p:spPr>
+          <a:xfrm>
+            <a:off x="8643691" y="3998868"/>
+            <a:ext cx="678392" cy="243892"/>
+          </a:xfrm>
+          <a:prstGeom prst="rect">
+            <a:avLst/>
+          </a:prstGeom>
+          <a:solidFill>
+            <a:schemeClr val="bg1">
+              <a:alpha val="67000"/>
+            </a:schemeClr>
+          </a:solidFill>
+        </p:spPr>
+        <p:txBody>
+          <a:bodyPr wrap="none" anchor="ctr">
+            <a:noAutofit/>
+          </a:bodyPr>
+          <a:lstStyle/>
+          <a:p>
+            <a:pPr algn="ctr"/>
+            <a:r>
+              <a:rPr lang="en-US" sz="1400" b="0" i="0" dirty="0" smtClean="0">
+                <a:latin typeface="Source Sans Pro Light" charset="0"/>
+                <a:ea typeface="Source Sans Pro Light" charset="0"/>
+                <a:cs typeface="Source Sans Pro Light" charset="0"/>
+              </a:rPr>
+              <a:t>12:25</a:t>
+            </a:r>
+            <a:endParaRPr lang="en-US" sz="1400" b="0" i="0" dirty="0">
+              <a:latin typeface="Source Sans Pro Light" charset="0"/>
+              <a:ea typeface="Source Sans Pro Light" charset="0"/>
+              <a:cs typeface="Source Sans Pro Light" charset="0"/>
+            </a:endParaRPr>
+          </a:p>
+        </p:txBody>
+      </p:sp>
+      <p:cxnSp>
+        <p:nvCxnSpPr>
+          <p:cNvPr id="172" name="Straight Connector 171"/>
+          <p:cNvCxnSpPr>
+            <a:stCxn id="86" idx="6"/>
+          </p:cNvCxnSpPr>
+          <p:nvPr/>
+        </p:nvCxnSpPr>
+        <p:spPr>
+          <a:xfrm flipV="1">
+            <a:off x="4643383" y="2890444"/>
+            <a:ext cx="292138" cy="1"/>
+          </a:xfrm>
+          <a:prstGeom prst="line">
+            <a:avLst/>
+          </a:prstGeom>
+          <a:ln w="28575">
+            <a:solidFill>
+              <a:schemeClr val="accent1"/>
+            </a:solidFill>
+            <a:prstDash val="sysDot"/>
+          </a:ln>
+        </p:spPr>
+        <p:style>
+          <a:lnRef idx="2">
+            <a:schemeClr val="accent1"/>
+          </a:lnRef>
+          <a:fillRef idx="0">
+            <a:schemeClr val="accent1"/>
+          </a:fillRef>
+          <a:effectRef idx="1">
+            <a:schemeClr val="accent1"/>
+          </a:effectRef>
+          <a:fontRef idx="minor">
+            <a:schemeClr val="tx1"/>
+          </a:fontRef>
+        </p:style>
+      </p:cxnSp>
+      <p:cxnSp>
+        <p:nvCxnSpPr>
+          <p:cNvPr id="185" name="Straight Connector 184"/>
+          <p:cNvCxnSpPr>
+            <a:endCxn id="92" idx="3"/>
+          </p:cNvCxnSpPr>
+          <p:nvPr/>
+        </p:nvCxnSpPr>
+        <p:spPr>
+          <a:xfrm flipV="1">
+            <a:off x="6284540" y="2024338"/>
+            <a:ext cx="468082" cy="106904"/>
+          </a:xfrm>
+          <a:prstGeom prst="line">
+            <a:avLst/>
+          </a:prstGeom>
+          <a:ln w="28575">
+            <a:solidFill>
+              <a:schemeClr val="accent1"/>
+            </a:solidFill>
+            <a:prstDash val="sysDot"/>
+          </a:ln>
+        </p:spPr>
+        <p:style>
+          <a:lnRef idx="2">
+            <a:schemeClr val="accent1"/>
+          </a:lnRef>
+          <a:fillRef idx="0">
+            <a:schemeClr val="accent1"/>
+          </a:fillRef>
+          <a:effectRef idx="1">
+            <a:schemeClr val="accent1"/>
+          </a:effectRef>
+          <a:fontRef idx="minor">
+            <a:schemeClr val="tx1"/>
+          </a:fontRef>
+        </p:style>
+      </p:cxnSp>
+      <p:cxnSp>
+        <p:nvCxnSpPr>
+          <p:cNvPr id="187" name="Straight Connector 186"/>
+          <p:cNvCxnSpPr/>
+          <p:nvPr/>
+        </p:nvCxnSpPr>
+        <p:spPr>
+          <a:xfrm>
+            <a:off x="6279522" y="1827272"/>
+            <a:ext cx="2676" cy="2494"/>
+          </a:xfrm>
+          <a:prstGeom prst="line">
+            <a:avLst/>
+          </a:prstGeom>
+          <a:ln>
+            <a:prstDash val="sysDot"/>
+          </a:ln>
+        </p:spPr>
+        <p:style>
+          <a:lnRef idx="2">
+            <a:schemeClr val="accent1"/>
+          </a:lnRef>
+          <a:fillRef idx="0">
+            <a:schemeClr val="accent1"/>
+          </a:fillRef>
+          <a:effectRef idx="1">
+            <a:schemeClr val="accent1"/>
+          </a:effectRef>
+          <a:fontRef idx="minor">
+            <a:schemeClr val="tx1"/>
+          </a:fontRef>
+        </p:style>
+      </p:cxnSp>
+      <p:cxnSp>
+        <p:nvCxnSpPr>
+          <p:cNvPr id="189" name="Straight Connector 188"/>
+          <p:cNvCxnSpPr>
+            <a:endCxn id="80" idx="3"/>
+          </p:cNvCxnSpPr>
+          <p:nvPr/>
+        </p:nvCxnSpPr>
+        <p:spPr>
+          <a:xfrm flipV="1">
+            <a:off x="4938197" y="2169906"/>
+            <a:ext cx="376478" cy="718959"/>
+          </a:xfrm>
+          <a:prstGeom prst="line">
+            <a:avLst/>
+          </a:prstGeom>
+          <a:ln w="28575">
+            <a:solidFill>
+              <a:schemeClr val="accent1"/>
+            </a:solidFill>
+            <a:prstDash val="sysDot"/>
+          </a:ln>
+        </p:spPr>
+        <p:style>
+          <a:lnRef idx="2">
+            <a:schemeClr val="accent1"/>
+          </a:lnRef>
+          <a:fillRef idx="0">
+            <a:schemeClr val="accent1"/>
+          </a:fillRef>
+          <a:effectRef idx="1">
+            <a:schemeClr val="accent1"/>
+          </a:effectRef>
+          <a:fontRef idx="minor">
+            <a:schemeClr val="tx1"/>
+          </a:fontRef>
+        </p:style>
+      </p:cxnSp>
+      <p:grpSp>
+        <p:nvGrpSpPr>
+          <p:cNvPr id="293" name="Group 292"/>
+          <p:cNvGrpSpPr/>
+          <p:nvPr/>
+        </p:nvGrpSpPr>
+        <p:grpSpPr>
+          <a:xfrm>
+            <a:off x="2454942" y="1129805"/>
+            <a:ext cx="2468750" cy="1429952"/>
+            <a:chOff x="2473109" y="2015663"/>
+            <a:chExt cx="2468750" cy="1429952"/>
+          </a:xfrm>
+        </p:grpSpPr>
+        <p:sp>
+          <p:nvSpPr>
+            <p:cNvPr id="159" name="Oval 158"/>
+            <p:cNvSpPr/>
+            <p:nvPr/>
+          </p:nvSpPr>
+          <p:spPr>
+            <a:xfrm>
+              <a:off x="2510090" y="2070225"/>
+              <a:ext cx="138633" cy="138633"/>
+            </a:xfrm>
+            <a:prstGeom prst="ellipse">
+              <a:avLst/>
+            </a:prstGeom>
+          </p:spPr>
+          <p:style>
+            <a:lnRef idx="1">
+              <a:schemeClr val="accent4"/>
+            </a:lnRef>
+            <a:fillRef idx="2">
+              <a:schemeClr val="accent4"/>
+            </a:fillRef>
+            <a:effectRef idx="1">
+              <a:schemeClr val="accent4"/>
+            </a:effectRef>
+            <a:fontRef idx="minor">
+              <a:schemeClr val="dk1"/>
+            </a:fontRef>
+          </p:style>
+          <p:txBody>
+            <a:bodyPr rtlCol="0" anchor="ctr"/>
+            <a:lstStyle/>
+            <a:p>
+              <a:pPr algn="ctr"/>
+              <a:endParaRPr lang="en-US" sz="1200">
+                <a:solidFill>
+                  <a:schemeClr val="accent4">
+                    <a:lumMod val="50000"/>
+                  </a:schemeClr>
+                </a:solidFill>
+              </a:endParaRPr>
+            </a:p>
+          </p:txBody>
+        </p:sp>
+        <p:sp>
+          <p:nvSpPr>
+            <p:cNvPr id="160" name="Rectangle 159"/>
+            <p:cNvSpPr/>
+            <p:nvPr/>
+          </p:nvSpPr>
+          <p:spPr>
+            <a:xfrm>
+              <a:off x="2665274" y="2015663"/>
+              <a:ext cx="1806905" cy="276999"/>
+            </a:xfrm>
+            <a:prstGeom prst="rect">
+              <a:avLst/>
+            </a:prstGeom>
+          </p:spPr>
+          <p:txBody>
+            <a:bodyPr wrap="none">
+              <a:spAutoFit/>
+            </a:bodyPr>
+            <a:lstStyle/>
+            <a:p>
+              <a:pPr lvl="0"/>
+              <a:r>
+                <a:rPr lang="en-US" sz="1200" dirty="0" smtClean="0">
+                  <a:latin typeface="Source Sans Pro Light" charset="0"/>
+                  <a:ea typeface="Source Sans Pro Light" charset="0"/>
+                  <a:cs typeface="Source Sans Pro Light" charset="0"/>
+                </a:rPr>
+                <a:t>Data as (event time, word)</a:t>
+              </a:r>
+              <a:endParaRPr lang="en-US" sz="1200" dirty="0">
+                <a:latin typeface="Source Sans Pro Light" charset="0"/>
+                <a:ea typeface="Source Sans Pro Light" charset="0"/>
+                <a:cs typeface="Source Sans Pro Light" charset="0"/>
+              </a:endParaRPr>
+            </a:p>
+          </p:txBody>
+        </p:sp>
+        <p:sp>
+          <p:nvSpPr>
+            <p:cNvPr id="161" name="Oval 160"/>
+            <p:cNvSpPr/>
+            <p:nvPr/>
+          </p:nvSpPr>
+          <p:spPr>
+            <a:xfrm>
+              <a:off x="2510090" y="2312941"/>
+              <a:ext cx="138633" cy="138633"/>
+            </a:xfrm>
+            <a:prstGeom prst="ellipse">
+              <a:avLst/>
+            </a:prstGeom>
+          </p:spPr>
+          <p:style>
+            <a:lnRef idx="1">
+              <a:schemeClr val="accent2"/>
+            </a:lnRef>
+            <a:fillRef idx="2">
+              <a:schemeClr val="accent2"/>
+            </a:fillRef>
+            <a:effectRef idx="1">
+              <a:schemeClr val="accent2"/>
+            </a:effectRef>
+            <a:fontRef idx="minor">
+              <a:schemeClr val="dk1"/>
+            </a:fontRef>
+          </p:style>
+          <p:txBody>
+            <a:bodyPr rtlCol="0" anchor="ctr"/>
+            <a:lstStyle/>
+            <a:p>
+              <a:pPr algn="ctr"/>
+              <a:endParaRPr lang="en-US" sz="1200">
+                <a:solidFill>
+                  <a:schemeClr val="accent4">
+                    <a:lumMod val="50000"/>
+                  </a:schemeClr>
+                </a:solidFill>
+              </a:endParaRPr>
+            </a:p>
+          </p:txBody>
+        </p:sp>
+        <p:sp>
+          <p:nvSpPr>
+            <p:cNvPr id="162" name="Rectangle 161"/>
+            <p:cNvSpPr/>
+            <p:nvPr/>
+          </p:nvSpPr>
+          <p:spPr>
+            <a:xfrm>
+              <a:off x="2665274" y="2257620"/>
+              <a:ext cx="2113079" cy="276999"/>
+            </a:xfrm>
+            <a:prstGeom prst="rect">
+              <a:avLst/>
+            </a:prstGeom>
+          </p:spPr>
+          <p:txBody>
+            <a:bodyPr wrap="none">
+              <a:spAutoFit/>
+            </a:bodyPr>
+            <a:lstStyle/>
+            <a:p>
+              <a:pPr lvl="0"/>
+              <a:r>
+                <a:rPr lang="en-US" sz="1200" dirty="0" smtClean="0">
+                  <a:latin typeface="Source Sans Pro Light" charset="0"/>
+                  <a:ea typeface="Source Sans Pro Light" charset="0"/>
+                  <a:cs typeface="Source Sans Pro Light" charset="0"/>
+                </a:rPr>
+                <a:t>Data late but within watermark</a:t>
+              </a:r>
+              <a:endParaRPr lang="en-US" sz="1200" dirty="0">
+                <a:latin typeface="Source Sans Pro Light" charset="0"/>
+                <a:ea typeface="Source Sans Pro Light" charset="0"/>
+                <a:cs typeface="Source Sans Pro Light" charset="0"/>
+              </a:endParaRPr>
+            </a:p>
+          </p:txBody>
+        </p:sp>
+        <p:sp>
+          <p:nvSpPr>
+            <p:cNvPr id="165" name="Oval 164"/>
+            <p:cNvSpPr/>
+            <p:nvPr/>
+          </p:nvSpPr>
+          <p:spPr>
+            <a:xfrm>
+              <a:off x="2510090" y="2532538"/>
+              <a:ext cx="138633" cy="138633"/>
+            </a:xfrm>
+            <a:prstGeom prst="ellipse">
+              <a:avLst/>
+            </a:prstGeom>
+            <a:solidFill>
+              <a:schemeClr val="bg1"/>
+            </a:solidFill>
+            <a:ln w="19050"/>
+          </p:spPr>
+          <p:style>
+            <a:lnRef idx="1">
+              <a:schemeClr val="accent2"/>
+            </a:lnRef>
+            <a:fillRef idx="3">
+              <a:schemeClr val="accent2"/>
+            </a:fillRef>
+            <a:effectRef idx="2">
+              <a:schemeClr val="accent2"/>
+            </a:effectRef>
+            <a:fontRef idx="minor">
+              <a:schemeClr val="lt1"/>
+            </a:fontRef>
+          </p:style>
+          <p:txBody>
+            <a:bodyPr rtlCol="0" anchor="ctr"/>
+            <a:lstStyle/>
+            <a:p>
+              <a:pPr algn="ctr"/>
+              <a:endParaRPr lang="en-US" sz="1200">
+                <a:solidFill>
+                  <a:schemeClr val="accent4">
+                    <a:lumMod val="50000"/>
+                  </a:schemeClr>
+                </a:solidFill>
+              </a:endParaRPr>
+            </a:p>
+          </p:txBody>
+        </p:sp>
+        <p:sp>
+          <p:nvSpPr>
+            <p:cNvPr id="166" name="Rectangle 165"/>
+            <p:cNvSpPr/>
+            <p:nvPr/>
+          </p:nvSpPr>
+          <p:spPr>
+            <a:xfrm>
+              <a:off x="2665274" y="2477217"/>
+              <a:ext cx="2190023" cy="276999"/>
+            </a:xfrm>
+            <a:prstGeom prst="rect">
+              <a:avLst/>
+            </a:prstGeom>
+          </p:spPr>
+          <p:txBody>
+            <a:bodyPr wrap="none">
+              <a:spAutoFit/>
+            </a:bodyPr>
+            <a:lstStyle/>
+            <a:p>
+              <a:pPr lvl="0"/>
+              <a:r>
+                <a:rPr lang="en-US" sz="1200" dirty="0" smtClean="0">
+                  <a:latin typeface="Source Sans Pro Light" charset="0"/>
+                  <a:ea typeface="Source Sans Pro Light" charset="0"/>
+                  <a:cs typeface="Source Sans Pro Light" charset="0"/>
+                </a:rPr>
+                <a:t>Data too late outside watermark</a:t>
+              </a:r>
+              <a:endParaRPr lang="en-US" sz="1200" dirty="0">
+                <a:latin typeface="Source Sans Pro Light" charset="0"/>
+                <a:ea typeface="Source Sans Pro Light" charset="0"/>
+                <a:cs typeface="Source Sans Pro Light" charset="0"/>
+              </a:endParaRPr>
+            </a:p>
+          </p:txBody>
+        </p:sp>
+        <p:cxnSp>
+          <p:nvCxnSpPr>
+            <p:cNvPr id="191" name="Straight Connector 190"/>
+            <p:cNvCxnSpPr/>
+            <p:nvPr/>
+          </p:nvCxnSpPr>
+          <p:spPr>
+            <a:xfrm>
+              <a:off x="2473109" y="2916375"/>
+              <a:ext cx="212595" cy="0"/>
+            </a:xfrm>
+            <a:prstGeom prst="line">
+              <a:avLst/>
+            </a:prstGeom>
+            <a:ln w="28575">
+              <a:prstDash val="sysDot"/>
+            </a:ln>
+          </p:spPr>
+          <p:style>
+            <a:lnRef idx="2">
+              <a:schemeClr val="accent1"/>
+            </a:lnRef>
+            <a:fillRef idx="0">
+              <a:schemeClr val="accent1"/>
+            </a:fillRef>
+            <a:effectRef idx="1">
+              <a:schemeClr val="accent1"/>
+            </a:effectRef>
+            <a:fontRef idx="minor">
+              <a:schemeClr val="tx1"/>
+            </a:fontRef>
+          </p:style>
+        </p:cxnSp>
+        <p:sp>
+          <p:nvSpPr>
+            <p:cNvPr id="193" name="Rectangle 192"/>
+            <p:cNvSpPr/>
+            <p:nvPr/>
+          </p:nvSpPr>
+          <p:spPr>
+            <a:xfrm>
+              <a:off x="2665274" y="2790762"/>
+              <a:ext cx="1930337" cy="276999"/>
+            </a:xfrm>
+            <a:prstGeom prst="rect">
+              <a:avLst/>
+            </a:prstGeom>
+          </p:spPr>
+          <p:txBody>
+            <a:bodyPr wrap="none">
+              <a:spAutoFit/>
+            </a:bodyPr>
+            <a:lstStyle/>
+            <a:p>
+              <a:pPr lvl="0"/>
+              <a:r>
+                <a:rPr lang="en-US" sz="1200" dirty="0" smtClean="0">
+                  <a:latin typeface="Source Sans Pro Light" charset="0"/>
+                  <a:ea typeface="Source Sans Pro Light" charset="0"/>
+                  <a:cs typeface="Source Sans Pro Light" charset="0"/>
+                </a:rPr>
+                <a:t>Max event time seen till now</a:t>
+              </a:r>
+              <a:endParaRPr lang="en-US" sz="1200" dirty="0">
+                <a:latin typeface="Source Sans Pro Light" charset="0"/>
+                <a:ea typeface="Source Sans Pro Light" charset="0"/>
+                <a:cs typeface="Source Sans Pro Light" charset="0"/>
+              </a:endParaRPr>
+            </a:p>
+          </p:txBody>
+        </p:sp>
+        <p:cxnSp>
+          <p:nvCxnSpPr>
+            <p:cNvPr id="194" name="Straight Connector 193"/>
+            <p:cNvCxnSpPr/>
+            <p:nvPr/>
+          </p:nvCxnSpPr>
+          <p:spPr>
+            <a:xfrm>
+              <a:off x="2473109" y="3201794"/>
+              <a:ext cx="212595" cy="0"/>
+            </a:xfrm>
+            <a:prstGeom prst="line">
+              <a:avLst/>
+            </a:prstGeom>
+            <a:effectLst/>
+          </p:spPr>
+          <p:style>
+            <a:lnRef idx="3">
+              <a:schemeClr val="accent2"/>
+            </a:lnRef>
+            <a:fillRef idx="0">
+              <a:schemeClr val="accent2"/>
+            </a:fillRef>
+            <a:effectRef idx="2">
+              <a:schemeClr val="accent2"/>
+            </a:effectRef>
+            <a:fontRef idx="minor">
+              <a:schemeClr val="tx1"/>
+            </a:fontRef>
+          </p:style>
+        </p:cxnSp>
+        <p:sp>
+          <p:nvSpPr>
+            <p:cNvPr id="196" name="Rectangle 195"/>
+            <p:cNvSpPr/>
+            <p:nvPr/>
+          </p:nvSpPr>
+          <p:spPr>
+            <a:xfrm>
+              <a:off x="2665274" y="2983950"/>
+              <a:ext cx="2276585" cy="461665"/>
+            </a:xfrm>
+            <a:prstGeom prst="rect">
+              <a:avLst/>
+            </a:prstGeom>
+          </p:spPr>
+          <p:txBody>
+            <a:bodyPr wrap="none">
+              <a:spAutoFit/>
+            </a:bodyPr>
+            <a:lstStyle/>
+            <a:p>
+              <a:pPr lvl="0"/>
+              <a:r>
+                <a:rPr lang="en-US" sz="1200" dirty="0" smtClean="0">
+                  <a:latin typeface="Source Sans Pro Light" charset="0"/>
+                  <a:ea typeface="Source Sans Pro Light" charset="0"/>
+                  <a:cs typeface="Source Sans Pro Light" charset="0"/>
+                </a:rPr>
+                <a:t>Watermark = </a:t>
+              </a:r>
+            </a:p>
+            <a:p>
+              <a:pPr lvl="0"/>
+              <a:r>
+                <a:rPr lang="en-US" sz="1200" dirty="0" smtClean="0">
+                  <a:latin typeface="Source Sans Pro Light" charset="0"/>
+                  <a:ea typeface="Source Sans Pro Light" charset="0"/>
+                  <a:cs typeface="Source Sans Pro Light" charset="0"/>
+                </a:rPr>
+                <a:t>    max event time -- late threshold</a:t>
+              </a:r>
+              <a:endParaRPr lang="en-US" sz="1200" dirty="0">
+                <a:latin typeface="Source Sans Pro Light" charset="0"/>
+                <a:ea typeface="Source Sans Pro Light" charset="0"/>
+                <a:cs typeface="Source Sans Pro Light" charset="0"/>
+              </a:endParaRPr>
+            </a:p>
+          </p:txBody>
+        </p:sp>
+      </p:grpSp>
+      <p:cxnSp>
+        <p:nvCxnSpPr>
+          <p:cNvPr id="198" name="Straight Arrow Connector 197"/>
+          <p:cNvCxnSpPr/>
+          <p:nvPr/>
+        </p:nvCxnSpPr>
+        <p:spPr>
+          <a:xfrm>
+            <a:off x="6283393" y="2166514"/>
+            <a:ext cx="0" cy="1256867"/>
+          </a:xfrm>
+          <a:prstGeom prst="straightConnector1">
+            <a:avLst/>
+          </a:prstGeom>
+          <a:ln>
+            <a:solidFill>
+              <a:schemeClr val="tx1">
+                <a:lumMod val="50000"/>
+                <a:lumOff val="50000"/>
+              </a:schemeClr>
+            </a:solidFill>
+            <a:headEnd type="arrow" w="med" len="med"/>
+            <a:tailEnd type="arrow" w="med" len="med"/>
+          </a:ln>
+        </p:spPr>
+        <p:style>
+          <a:lnRef idx="3">
+            <a:schemeClr val="dk1"/>
+          </a:lnRef>
+          <a:fillRef idx="0">
+            <a:schemeClr val="dk1"/>
+          </a:fillRef>
+          <a:effectRef idx="2">
+            <a:schemeClr val="dk1"/>
+          </a:effectRef>
+          <a:fontRef idx="minor">
+            <a:schemeClr val="tx1"/>
+          </a:fontRef>
+        </p:style>
+      </p:cxnSp>
+      <p:sp>
+        <p:nvSpPr>
+          <p:cNvPr id="199" name="Rectangle 198"/>
+          <p:cNvSpPr/>
+          <p:nvPr/>
+        </p:nvSpPr>
+        <p:spPr>
+          <a:xfrm>
+            <a:off x="4613616" y="3164187"/>
+            <a:ext cx="1531470" cy="573413"/>
+          </a:xfrm>
+          <a:prstGeom prst="rect">
+            <a:avLst/>
+          </a:prstGeom>
+          <a:solidFill>
+            <a:schemeClr val="bg1">
+              <a:alpha val="72000"/>
+            </a:schemeClr>
+          </a:solidFill>
+        </p:spPr>
+        <p:txBody>
+          <a:bodyPr wrap="square" rIns="0">
+            <a:noAutofit/>
+          </a:bodyPr>
+          <a:lstStyle/>
+          <a:p>
+            <a:pPr lvl="0" algn="r"/>
+            <a:r>
+              <a:rPr lang="en-US" sz="1200" dirty="0" smtClean="0">
+                <a:solidFill>
+                  <a:schemeClr val="tx1">
+                    <a:lumMod val="95000"/>
+                    <a:lumOff val="5000"/>
+                  </a:schemeClr>
+                </a:solidFill>
+                <a:latin typeface="Source Sans Pro Light" charset="0"/>
+                <a:ea typeface="Source Sans Pro Light" charset="0"/>
+                <a:cs typeface="Source Sans Pro Light" charset="0"/>
+              </a:rPr>
+              <a:t>watermark updated every trigger using late threshold = 10 min</a:t>
+            </a:r>
+          </a:p>
+        </p:txBody>
+      </p:sp>
+      <p:grpSp>
+        <p:nvGrpSpPr>
+          <p:cNvPr id="111" name="Group 110"/>
+          <p:cNvGrpSpPr/>
+          <p:nvPr/>
+        </p:nvGrpSpPr>
+        <p:grpSpPr>
+          <a:xfrm>
+            <a:off x="7734446" y="3318449"/>
+            <a:ext cx="898003" cy="325887"/>
+            <a:chOff x="2647737" y="2729624"/>
+            <a:chExt cx="898003" cy="325887"/>
+          </a:xfrm>
+        </p:grpSpPr>
+        <p:sp>
+          <p:nvSpPr>
+            <p:cNvPr id="112" name="Oval 111"/>
+            <p:cNvSpPr/>
+            <p:nvPr/>
+          </p:nvSpPr>
+          <p:spPr>
+            <a:xfrm>
+              <a:off x="3022115" y="2729624"/>
+              <a:ext cx="138633" cy="138633"/>
+            </a:xfrm>
+            <a:prstGeom prst="ellipse">
+              <a:avLst/>
+            </a:prstGeom>
+            <a:solidFill>
+              <a:schemeClr val="bg1"/>
+            </a:solidFill>
+            <a:ln w="19050"/>
+          </p:spPr>
+          <p:style>
+            <a:lnRef idx="1">
+              <a:schemeClr val="accent2"/>
+            </a:lnRef>
+            <a:fillRef idx="3">
+              <a:schemeClr val="accent2"/>
+            </a:fillRef>
+            <a:effectRef idx="2">
+              <a:schemeClr val="accent2"/>
+            </a:effectRef>
+            <a:fontRef idx="minor">
+              <a:schemeClr val="lt1"/>
+            </a:fontRef>
+          </p:style>
+          <p:txBody>
+            <a:bodyPr rtlCol="0" anchor="ctr"/>
+            <a:lstStyle/>
+            <a:p>
+              <a:pPr algn="ctr"/>
+              <a:endParaRPr lang="en-US" sz="1000">
+                <a:solidFill>
+                  <a:schemeClr val="accent4">
+                    <a:lumMod val="50000"/>
+                  </a:schemeClr>
+                </a:solidFill>
+              </a:endParaRPr>
+            </a:p>
+          </p:txBody>
+        </p:sp>
+        <p:sp>
+          <p:nvSpPr>
+            <p:cNvPr id="113" name="Rectangle 112"/>
+            <p:cNvSpPr/>
+            <p:nvPr/>
+          </p:nvSpPr>
+          <p:spPr>
+            <a:xfrm>
+              <a:off x="2647737" y="2809290"/>
+              <a:ext cx="898003" cy="246221"/>
+            </a:xfrm>
+            <a:prstGeom prst="rect">
+              <a:avLst/>
+            </a:prstGeom>
+          </p:spPr>
+          <p:txBody>
+            <a:bodyPr wrap="none">
+              <a:spAutoFit/>
+            </a:bodyPr>
+            <a:lstStyle/>
+            <a:p>
+              <a:pPr lvl="0" algn="ctr"/>
+              <a:r>
+                <a:rPr lang="en-US" sz="1000" dirty="0" smtClean="0">
+                  <a:solidFill>
+                    <a:schemeClr val="accent4">
+                      <a:lumMod val="50000"/>
+                    </a:schemeClr>
+                  </a:solidFill>
+                  <a:latin typeface="Source Sans Pro Light" charset="0"/>
+                  <a:ea typeface="Source Sans Pro Light" charset="0"/>
+                  <a:cs typeface="Source Sans Pro Light" charset="0"/>
+                </a:rPr>
+                <a:t>12:04, donkey</a:t>
+              </a:r>
+              <a:endParaRPr lang="en-US" sz="1000" dirty="0">
+                <a:solidFill>
+                  <a:schemeClr val="accent4">
+                    <a:lumMod val="50000"/>
+                  </a:schemeClr>
+                </a:solidFill>
+                <a:latin typeface="Source Sans Pro Light" charset="0"/>
+                <a:ea typeface="Source Sans Pro Light" charset="0"/>
+                <a:cs typeface="Source Sans Pro Light" charset="0"/>
+              </a:endParaRPr>
+            </a:p>
+          </p:txBody>
+        </p:sp>
+      </p:grpSp>
+      <p:grpSp>
+        <p:nvGrpSpPr>
+          <p:cNvPr id="76" name="Group 75"/>
+          <p:cNvGrpSpPr/>
+          <p:nvPr/>
+        </p:nvGrpSpPr>
+        <p:grpSpPr>
+          <a:xfrm>
+            <a:off x="3637942" y="2941187"/>
+            <a:ext cx="713658" cy="325887"/>
+            <a:chOff x="2739907" y="2729624"/>
+            <a:chExt cx="713658" cy="325887"/>
+          </a:xfrm>
+        </p:grpSpPr>
+        <p:sp>
+          <p:nvSpPr>
+            <p:cNvPr id="77" name="Oval 76"/>
+            <p:cNvSpPr/>
+            <p:nvPr/>
+          </p:nvSpPr>
+          <p:spPr>
+            <a:xfrm>
+              <a:off x="3022115" y="2729624"/>
+              <a:ext cx="138633" cy="138633"/>
+            </a:xfrm>
+            <a:prstGeom prst="ellipse">
+              <a:avLst/>
+            </a:prstGeom>
+          </p:spPr>
+          <p:style>
+            <a:lnRef idx="1">
+              <a:schemeClr val="accent4"/>
+            </a:lnRef>
+            <a:fillRef idx="2">
+              <a:schemeClr val="accent4"/>
+            </a:fillRef>
+            <a:effectRef idx="1">
+              <a:schemeClr val="accent4"/>
+            </a:effectRef>
+            <a:fontRef idx="minor">
+              <a:schemeClr val="dk1"/>
+            </a:fontRef>
+          </p:style>
+          <p:txBody>
+            <a:bodyPr rtlCol="0" anchor="ctr"/>
+            <a:lstStyle/>
+            <a:p>
+              <a:pPr algn="ctr"/>
+              <a:endParaRPr lang="en-US" sz="1000">
+                <a:solidFill>
+                  <a:schemeClr val="accent4">
+                    <a:lumMod val="50000"/>
+                  </a:schemeClr>
+                </a:solidFill>
+              </a:endParaRPr>
+            </a:p>
+          </p:txBody>
+        </p:sp>
+        <p:sp>
+          <p:nvSpPr>
+            <p:cNvPr id="78" name="Rectangle 77"/>
+            <p:cNvSpPr/>
+            <p:nvPr/>
+          </p:nvSpPr>
+          <p:spPr>
+            <a:xfrm>
+              <a:off x="2739907" y="2809290"/>
+              <a:ext cx="713658" cy="246221"/>
+            </a:xfrm>
+            <a:prstGeom prst="rect">
+              <a:avLst/>
+            </a:prstGeom>
+          </p:spPr>
+          <p:txBody>
+            <a:bodyPr wrap="none">
+              <a:spAutoFit/>
+            </a:bodyPr>
+            <a:lstStyle/>
+            <a:p>
+              <a:pPr lvl="0" algn="ctr"/>
+              <a:r>
+                <a:rPr lang="en-US" sz="1000" dirty="0" smtClean="0">
+                  <a:solidFill>
+                    <a:schemeClr val="accent4">
+                      <a:lumMod val="50000"/>
+                    </a:schemeClr>
+                  </a:solidFill>
+                  <a:latin typeface="Source Sans Pro Light" charset="0"/>
+                  <a:ea typeface="Source Sans Pro Light" charset="0"/>
+                  <a:cs typeface="Source Sans Pro Light" charset="0"/>
+                </a:rPr>
+                <a:t>12:07, dog</a:t>
+              </a:r>
+              <a:endParaRPr lang="en-US" sz="1000" dirty="0">
+                <a:solidFill>
+                  <a:schemeClr val="accent4">
+                    <a:lumMod val="50000"/>
+                  </a:schemeClr>
+                </a:solidFill>
+                <a:latin typeface="Source Sans Pro Light" charset="0"/>
+                <a:ea typeface="Source Sans Pro Light" charset="0"/>
+                <a:cs typeface="Source Sans Pro Light" charset="0"/>
+              </a:endParaRPr>
+            </a:p>
+          </p:txBody>
+        </p:sp>
+      </p:grpSp>
+      <p:grpSp>
+        <p:nvGrpSpPr>
+          <p:cNvPr id="79" name="Group 78"/>
+          <p:cNvGrpSpPr/>
+          <p:nvPr/>
+        </p:nvGrpSpPr>
+        <p:grpSpPr>
+          <a:xfrm>
+            <a:off x="5012165" y="2051575"/>
+            <a:ext cx="713658" cy="325887"/>
+            <a:chOff x="2739907" y="2729624"/>
+            <a:chExt cx="713658" cy="325887"/>
+          </a:xfrm>
+        </p:grpSpPr>
+        <p:sp>
+          <p:nvSpPr>
+            <p:cNvPr id="80" name="Oval 79"/>
+            <p:cNvSpPr/>
+            <p:nvPr/>
+          </p:nvSpPr>
+          <p:spPr>
+            <a:xfrm>
+              <a:off x="3022115" y="2729624"/>
+              <a:ext cx="138633" cy="138633"/>
+            </a:xfrm>
+            <a:prstGeom prst="ellipse">
+              <a:avLst/>
+            </a:prstGeom>
+          </p:spPr>
+          <p:style>
+            <a:lnRef idx="1">
+              <a:schemeClr val="accent4"/>
+            </a:lnRef>
+            <a:fillRef idx="2">
+              <a:schemeClr val="accent4"/>
+            </a:fillRef>
+            <a:effectRef idx="1">
+              <a:schemeClr val="accent4"/>
+            </a:effectRef>
+            <a:fontRef idx="minor">
+              <a:schemeClr val="dk1"/>
+            </a:fontRef>
+          </p:style>
+          <p:txBody>
+            <a:bodyPr rtlCol="0" anchor="ctr"/>
+            <a:lstStyle/>
+            <a:p>
+              <a:pPr algn="ctr"/>
+              <a:endParaRPr lang="en-US" sz="1000">
+                <a:solidFill>
+                  <a:schemeClr val="accent4">
+                    <a:lumMod val="50000"/>
+                  </a:schemeClr>
+                </a:solidFill>
+              </a:endParaRPr>
+            </a:p>
+          </p:txBody>
+        </p:sp>
+        <p:sp>
+          <p:nvSpPr>
+            <p:cNvPr id="81" name="Rectangle 80"/>
+            <p:cNvSpPr/>
+            <p:nvPr/>
+          </p:nvSpPr>
+          <p:spPr>
+            <a:xfrm>
+              <a:off x="2739907" y="2809290"/>
+              <a:ext cx="713658" cy="246221"/>
+            </a:xfrm>
+            <a:prstGeom prst="rect">
+              <a:avLst/>
+            </a:prstGeom>
+          </p:spPr>
+          <p:txBody>
+            <a:bodyPr wrap="none">
+              <a:spAutoFit/>
+            </a:bodyPr>
+            <a:lstStyle/>
+            <a:p>
+              <a:pPr lvl="0" algn="ctr"/>
+              <a:r>
+                <a:rPr lang="en-US" sz="1000" dirty="0" smtClean="0">
+                  <a:solidFill>
+                    <a:schemeClr val="accent4">
+                      <a:lumMod val="50000"/>
+                    </a:schemeClr>
+                  </a:solidFill>
+                  <a:latin typeface="Source Sans Pro Light" charset="0"/>
+                  <a:ea typeface="Source Sans Pro Light" charset="0"/>
+                  <a:cs typeface="Source Sans Pro Light" charset="0"/>
+                </a:rPr>
+                <a:t>12:14, dog</a:t>
+              </a:r>
+              <a:endParaRPr lang="en-US" sz="1000" dirty="0">
+                <a:solidFill>
+                  <a:schemeClr val="accent4">
+                    <a:lumMod val="50000"/>
+                  </a:schemeClr>
+                </a:solidFill>
+                <a:latin typeface="Source Sans Pro Light" charset="0"/>
+                <a:ea typeface="Source Sans Pro Light" charset="0"/>
+                <a:cs typeface="Source Sans Pro Light" charset="0"/>
+              </a:endParaRPr>
+            </a:p>
+          </p:txBody>
+        </p:sp>
+      </p:grpSp>
+      <p:grpSp>
+        <p:nvGrpSpPr>
+          <p:cNvPr id="85" name="Group 84"/>
+          <p:cNvGrpSpPr/>
+          <p:nvPr/>
+        </p:nvGrpSpPr>
+        <p:grpSpPr>
+          <a:xfrm>
+            <a:off x="4229757" y="2821128"/>
+            <a:ext cx="699230" cy="325887"/>
+            <a:chOff x="2747122" y="2729624"/>
+            <a:chExt cx="699230" cy="325887"/>
+          </a:xfrm>
+        </p:grpSpPr>
+        <p:sp>
+          <p:nvSpPr>
+            <p:cNvPr id="86" name="Oval 85"/>
+            <p:cNvSpPr/>
+            <p:nvPr/>
+          </p:nvSpPr>
+          <p:spPr>
+            <a:xfrm>
+              <a:off x="3022115" y="2729624"/>
+              <a:ext cx="138633" cy="138633"/>
+            </a:xfrm>
+            <a:prstGeom prst="ellipse">
+              <a:avLst/>
+            </a:prstGeom>
+          </p:spPr>
+          <p:style>
+            <a:lnRef idx="1">
+              <a:schemeClr val="accent4"/>
+            </a:lnRef>
+            <a:fillRef idx="2">
+              <a:schemeClr val="accent4"/>
+            </a:fillRef>
+            <a:effectRef idx="1">
+              <a:schemeClr val="accent4"/>
+            </a:effectRef>
+            <a:fontRef idx="minor">
+              <a:schemeClr val="dk1"/>
+            </a:fontRef>
+          </p:style>
+          <p:txBody>
+            <a:bodyPr rtlCol="0" anchor="ctr"/>
+            <a:lstStyle/>
+            <a:p>
+              <a:pPr algn="ctr"/>
+              <a:endParaRPr lang="en-US" sz="1000">
+                <a:solidFill>
+                  <a:schemeClr val="accent4">
+                    <a:lumMod val="50000"/>
+                  </a:schemeClr>
+                </a:solidFill>
+              </a:endParaRPr>
+            </a:p>
+          </p:txBody>
+        </p:sp>
+        <p:sp>
+          <p:nvSpPr>
+            <p:cNvPr id="87" name="Rectangle 86"/>
+            <p:cNvSpPr/>
+            <p:nvPr/>
+          </p:nvSpPr>
+          <p:spPr>
+            <a:xfrm>
+              <a:off x="2747122" y="2809290"/>
+              <a:ext cx="699230" cy="246221"/>
+            </a:xfrm>
+            <a:prstGeom prst="rect">
+              <a:avLst/>
+            </a:prstGeom>
+          </p:spPr>
+          <p:txBody>
+            <a:bodyPr wrap="none">
+              <a:spAutoFit/>
+            </a:bodyPr>
+            <a:lstStyle/>
+            <a:p>
+              <a:pPr lvl="0" algn="ctr"/>
+              <a:r>
+                <a:rPr lang="en-US" sz="1000" dirty="0" smtClean="0">
+                  <a:solidFill>
+                    <a:schemeClr val="accent4">
+                      <a:lumMod val="50000"/>
+                    </a:schemeClr>
+                  </a:solidFill>
+                  <a:latin typeface="Source Sans Pro Light" charset="0"/>
+                  <a:ea typeface="Source Sans Pro Light" charset="0"/>
+                  <a:cs typeface="Source Sans Pro Light" charset="0"/>
+                </a:rPr>
+                <a:t>12:08, owl</a:t>
+              </a:r>
+              <a:endParaRPr lang="en-US" sz="1000" dirty="0">
+                <a:solidFill>
+                  <a:schemeClr val="accent4">
+                    <a:lumMod val="50000"/>
+                  </a:schemeClr>
+                </a:solidFill>
+                <a:latin typeface="Source Sans Pro Light" charset="0"/>
+                <a:ea typeface="Source Sans Pro Light" charset="0"/>
+                <a:cs typeface="Source Sans Pro Light" charset="0"/>
+              </a:endParaRPr>
+            </a:p>
+          </p:txBody>
+        </p:sp>
+      </p:grpSp>
+      <p:grpSp>
+        <p:nvGrpSpPr>
+          <p:cNvPr id="88" name="Group 87"/>
+          <p:cNvGrpSpPr/>
+          <p:nvPr/>
+        </p:nvGrpSpPr>
+        <p:grpSpPr>
+          <a:xfrm>
+            <a:off x="5412541" y="2659932"/>
+            <a:ext cx="673582" cy="325887"/>
+            <a:chOff x="2759945" y="2729624"/>
+            <a:chExt cx="673582" cy="325887"/>
+          </a:xfrm>
+        </p:grpSpPr>
+        <p:sp>
+          <p:nvSpPr>
+            <p:cNvPr id="89" name="Oval 88"/>
+            <p:cNvSpPr/>
+            <p:nvPr/>
+          </p:nvSpPr>
+          <p:spPr>
+            <a:xfrm>
+              <a:off x="3022115" y="2729624"/>
+              <a:ext cx="138633" cy="138633"/>
+            </a:xfrm>
+            <a:prstGeom prst="ellipse">
+              <a:avLst/>
+            </a:prstGeom>
+          </p:spPr>
+          <p:style>
+            <a:lnRef idx="1">
+              <a:schemeClr val="accent2"/>
+            </a:lnRef>
+            <a:fillRef idx="2">
+              <a:schemeClr val="accent2"/>
+            </a:fillRef>
+            <a:effectRef idx="1">
+              <a:schemeClr val="accent2"/>
+            </a:effectRef>
+            <a:fontRef idx="minor">
+              <a:schemeClr val="dk1"/>
+            </a:fontRef>
+          </p:style>
+          <p:txBody>
+            <a:bodyPr rtlCol="0" anchor="ctr"/>
+            <a:lstStyle/>
+            <a:p>
+              <a:pPr algn="ctr"/>
+              <a:endParaRPr lang="en-US" sz="1000">
+                <a:solidFill>
+                  <a:schemeClr val="accent4">
+                    <a:lumMod val="50000"/>
+                  </a:schemeClr>
+                </a:solidFill>
+              </a:endParaRPr>
+            </a:p>
+          </p:txBody>
+        </p:sp>
+        <p:sp>
+          <p:nvSpPr>
+            <p:cNvPr id="90" name="Rectangle 89"/>
+            <p:cNvSpPr/>
+            <p:nvPr/>
+          </p:nvSpPr>
+          <p:spPr>
+            <a:xfrm>
+              <a:off x="2759945" y="2809290"/>
+              <a:ext cx="673582" cy="246221"/>
+            </a:xfrm>
+            <a:prstGeom prst="rect">
+              <a:avLst/>
+            </a:prstGeom>
+          </p:spPr>
+          <p:txBody>
+            <a:bodyPr wrap="none">
+              <a:spAutoFit/>
+            </a:bodyPr>
+            <a:lstStyle/>
+            <a:p>
+              <a:pPr lvl="0" algn="ctr"/>
+              <a:r>
+                <a:rPr lang="en-US" sz="1000" dirty="0" smtClean="0">
+                  <a:solidFill>
+                    <a:schemeClr val="accent4">
+                      <a:lumMod val="50000"/>
+                    </a:schemeClr>
+                  </a:solidFill>
+                  <a:latin typeface="Source Sans Pro Light" charset="0"/>
+                  <a:ea typeface="Source Sans Pro Light" charset="0"/>
+                  <a:cs typeface="Source Sans Pro Light" charset="0"/>
+                </a:rPr>
+                <a:t>12:09, cat</a:t>
+              </a:r>
+              <a:endParaRPr lang="en-US" sz="1000" dirty="0">
+                <a:solidFill>
+                  <a:schemeClr val="accent4">
+                    <a:lumMod val="50000"/>
+                  </a:schemeClr>
+                </a:solidFill>
+                <a:latin typeface="Source Sans Pro Light" charset="0"/>
+                <a:ea typeface="Source Sans Pro Light" charset="0"/>
+                <a:cs typeface="Source Sans Pro Light" charset="0"/>
+              </a:endParaRPr>
+            </a:p>
+          </p:txBody>
+        </p:sp>
+      </p:grpSp>
+      <p:grpSp>
+        <p:nvGrpSpPr>
+          <p:cNvPr id="91" name="Group 90"/>
+          <p:cNvGrpSpPr/>
+          <p:nvPr/>
+        </p:nvGrpSpPr>
+        <p:grpSpPr>
+          <a:xfrm>
+            <a:off x="6470151" y="1906007"/>
+            <a:ext cx="673582" cy="325887"/>
+            <a:chOff x="2759946" y="2729624"/>
+            <a:chExt cx="673582" cy="325887"/>
+          </a:xfrm>
+        </p:grpSpPr>
+        <p:sp>
+          <p:nvSpPr>
+            <p:cNvPr id="92" name="Oval 91"/>
+            <p:cNvSpPr/>
+            <p:nvPr/>
+          </p:nvSpPr>
+          <p:spPr>
+            <a:xfrm>
+              <a:off x="3022115" y="2729624"/>
+              <a:ext cx="138633" cy="138633"/>
+            </a:xfrm>
+            <a:prstGeom prst="ellipse">
+              <a:avLst/>
+            </a:prstGeom>
+          </p:spPr>
+          <p:style>
+            <a:lnRef idx="1">
+              <a:schemeClr val="accent4"/>
+            </a:lnRef>
+            <a:fillRef idx="2">
+              <a:schemeClr val="accent4"/>
+            </a:fillRef>
+            <a:effectRef idx="1">
+              <a:schemeClr val="accent4"/>
+            </a:effectRef>
+            <a:fontRef idx="minor">
+              <a:schemeClr val="dk1"/>
+            </a:fontRef>
+          </p:style>
+          <p:txBody>
+            <a:bodyPr rtlCol="0" anchor="ctr"/>
+            <a:lstStyle/>
+            <a:p>
+              <a:pPr algn="ctr"/>
+              <a:endParaRPr lang="en-US" sz="1000">
+                <a:solidFill>
+                  <a:schemeClr val="accent4">
+                    <a:lumMod val="50000"/>
+                  </a:schemeClr>
+                </a:solidFill>
+              </a:endParaRPr>
+            </a:p>
+          </p:txBody>
+        </p:sp>
+        <p:sp>
+          <p:nvSpPr>
+            <p:cNvPr id="93" name="Rectangle 92"/>
+            <p:cNvSpPr/>
+            <p:nvPr/>
+          </p:nvSpPr>
+          <p:spPr>
+            <a:xfrm>
+              <a:off x="2759946" y="2809290"/>
+              <a:ext cx="673582" cy="246221"/>
+            </a:xfrm>
+            <a:prstGeom prst="rect">
+              <a:avLst/>
+            </a:prstGeom>
+          </p:spPr>
+          <p:txBody>
+            <a:bodyPr wrap="none">
+              <a:spAutoFit/>
+            </a:bodyPr>
+            <a:lstStyle/>
+            <a:p>
+              <a:pPr lvl="0" algn="ctr"/>
+              <a:r>
+                <a:rPr lang="en-US" sz="1000" dirty="0" smtClean="0">
+                  <a:solidFill>
+                    <a:schemeClr val="accent4">
+                      <a:lumMod val="50000"/>
+                    </a:schemeClr>
+                  </a:solidFill>
+                  <a:latin typeface="Source Sans Pro Light" charset="0"/>
+                  <a:ea typeface="Source Sans Pro Light" charset="0"/>
+                  <a:cs typeface="Source Sans Pro Light" charset="0"/>
+                </a:rPr>
+                <a:t>12:15, cat</a:t>
+              </a:r>
+              <a:endParaRPr lang="en-US" sz="1000" dirty="0">
+                <a:solidFill>
+                  <a:schemeClr val="accent4">
+                    <a:lumMod val="50000"/>
+                  </a:schemeClr>
+                </a:solidFill>
+                <a:latin typeface="Source Sans Pro Light" charset="0"/>
+                <a:ea typeface="Source Sans Pro Light" charset="0"/>
+                <a:cs typeface="Source Sans Pro Light" charset="0"/>
+              </a:endParaRPr>
+            </a:p>
+          </p:txBody>
+        </p:sp>
+      </p:grpSp>
+      <p:grpSp>
+        <p:nvGrpSpPr>
+          <p:cNvPr id="94" name="Group 93"/>
+          <p:cNvGrpSpPr/>
+          <p:nvPr/>
+        </p:nvGrpSpPr>
+        <p:grpSpPr>
+          <a:xfrm>
+            <a:off x="6906055" y="2212267"/>
+            <a:ext cx="699230" cy="325887"/>
+            <a:chOff x="2747122" y="2729624"/>
+            <a:chExt cx="699230" cy="325887"/>
+          </a:xfrm>
+        </p:grpSpPr>
+        <p:sp>
+          <p:nvSpPr>
+            <p:cNvPr id="95" name="Oval 94"/>
+            <p:cNvSpPr/>
+            <p:nvPr/>
+          </p:nvSpPr>
+          <p:spPr>
+            <a:xfrm>
+              <a:off x="3022115" y="2729624"/>
+              <a:ext cx="138633" cy="138633"/>
+            </a:xfrm>
+            <a:prstGeom prst="ellipse">
+              <a:avLst/>
+            </a:prstGeom>
+          </p:spPr>
+          <p:style>
+            <a:lnRef idx="1">
+              <a:schemeClr val="accent2"/>
+            </a:lnRef>
+            <a:fillRef idx="2">
+              <a:schemeClr val="accent2"/>
+            </a:fillRef>
+            <a:effectRef idx="1">
+              <a:schemeClr val="accent2"/>
+            </a:effectRef>
+            <a:fontRef idx="minor">
+              <a:schemeClr val="dk1"/>
+            </a:fontRef>
+          </p:style>
+          <p:txBody>
+            <a:bodyPr rtlCol="0" anchor="ctr"/>
+            <a:lstStyle/>
+            <a:p>
+              <a:pPr algn="ctr"/>
+              <a:endParaRPr lang="en-US" sz="1000">
+                <a:solidFill>
+                  <a:schemeClr val="accent4">
+                    <a:lumMod val="50000"/>
+                  </a:schemeClr>
+                </a:solidFill>
+              </a:endParaRPr>
+            </a:p>
+          </p:txBody>
+        </p:sp>
+        <p:sp>
+          <p:nvSpPr>
+            <p:cNvPr id="96" name="Rectangle 95"/>
+            <p:cNvSpPr/>
+            <p:nvPr/>
+          </p:nvSpPr>
+          <p:spPr>
+            <a:xfrm>
+              <a:off x="2747122" y="2809290"/>
+              <a:ext cx="699230" cy="246221"/>
+            </a:xfrm>
+            <a:prstGeom prst="rect">
+              <a:avLst/>
+            </a:prstGeom>
+          </p:spPr>
+          <p:txBody>
+            <a:bodyPr wrap="none">
+              <a:spAutoFit/>
+            </a:bodyPr>
+            <a:lstStyle/>
+            <a:p>
+              <a:pPr lvl="0" algn="ctr"/>
+              <a:r>
+                <a:rPr lang="en-US" sz="1000" dirty="0" smtClean="0">
+                  <a:solidFill>
+                    <a:schemeClr val="accent4">
+                      <a:lumMod val="50000"/>
+                    </a:schemeClr>
+                  </a:solidFill>
+                  <a:latin typeface="Source Sans Pro Light" charset="0"/>
+                  <a:ea typeface="Source Sans Pro Light" charset="0"/>
+                  <a:cs typeface="Source Sans Pro Light" charset="0"/>
+                </a:rPr>
+                <a:t>12:13, owl</a:t>
+              </a:r>
+              <a:endParaRPr lang="en-US" sz="1000" dirty="0">
+                <a:solidFill>
+                  <a:schemeClr val="accent4">
+                    <a:lumMod val="50000"/>
+                  </a:schemeClr>
+                </a:solidFill>
+                <a:latin typeface="Source Sans Pro Light" charset="0"/>
+                <a:ea typeface="Source Sans Pro Light" charset="0"/>
+                <a:cs typeface="Source Sans Pro Light" charset="0"/>
+              </a:endParaRPr>
+            </a:p>
+          </p:txBody>
+        </p:sp>
+      </p:grpSp>
+      <p:grpSp>
+        <p:nvGrpSpPr>
+          <p:cNvPr id="97" name="Group 96"/>
+          <p:cNvGrpSpPr/>
+          <p:nvPr/>
+        </p:nvGrpSpPr>
+        <p:grpSpPr>
+          <a:xfrm>
+            <a:off x="6560116" y="2824982"/>
+            <a:ext cx="713658" cy="325887"/>
+            <a:chOff x="2739909" y="2729624"/>
+            <a:chExt cx="713658" cy="325887"/>
+          </a:xfrm>
+        </p:grpSpPr>
+        <p:sp>
+          <p:nvSpPr>
+            <p:cNvPr id="98" name="Oval 97"/>
+            <p:cNvSpPr/>
+            <p:nvPr/>
+          </p:nvSpPr>
+          <p:spPr>
+            <a:xfrm>
+              <a:off x="3022115" y="2729624"/>
+              <a:ext cx="138633" cy="138633"/>
+            </a:xfrm>
+            <a:prstGeom prst="ellipse">
+              <a:avLst/>
+            </a:prstGeom>
+          </p:spPr>
+          <p:style>
+            <a:lnRef idx="1">
+              <a:schemeClr val="accent2"/>
+            </a:lnRef>
+            <a:fillRef idx="2">
+              <a:schemeClr val="accent2"/>
+            </a:fillRef>
+            <a:effectRef idx="1">
+              <a:schemeClr val="accent2"/>
+            </a:effectRef>
+            <a:fontRef idx="minor">
+              <a:schemeClr val="dk1"/>
+            </a:fontRef>
+          </p:style>
+          <p:txBody>
+            <a:bodyPr rtlCol="0" anchor="ctr"/>
+            <a:lstStyle/>
+            <a:p>
+              <a:pPr algn="ctr"/>
+              <a:endParaRPr lang="en-US" sz="1000">
+                <a:solidFill>
+                  <a:schemeClr val="accent4">
+                    <a:lumMod val="50000"/>
+                  </a:schemeClr>
+                </a:solidFill>
+              </a:endParaRPr>
+            </a:p>
+          </p:txBody>
+        </p:sp>
+        <p:sp>
+          <p:nvSpPr>
+            <p:cNvPr id="99" name="Rectangle 98"/>
+            <p:cNvSpPr/>
+            <p:nvPr/>
+          </p:nvSpPr>
+          <p:spPr>
+            <a:xfrm>
+              <a:off x="2739909" y="2809290"/>
+              <a:ext cx="713658" cy="246221"/>
+            </a:xfrm>
+            <a:prstGeom prst="rect">
+              <a:avLst/>
+            </a:prstGeom>
+          </p:spPr>
+          <p:txBody>
+            <a:bodyPr wrap="none">
+              <a:spAutoFit/>
+            </a:bodyPr>
+            <a:lstStyle/>
+            <a:p>
+              <a:pPr lvl="0" algn="ctr"/>
+              <a:r>
+                <a:rPr lang="en-US" sz="1000" dirty="0" smtClean="0">
+                  <a:solidFill>
+                    <a:schemeClr val="accent4">
+                      <a:lumMod val="50000"/>
+                    </a:schemeClr>
+                  </a:solidFill>
+                  <a:latin typeface="Source Sans Pro Light" charset="0"/>
+                  <a:ea typeface="Source Sans Pro Light" charset="0"/>
+                  <a:cs typeface="Source Sans Pro Light" charset="0"/>
+                </a:rPr>
+                <a:t>12:08, dog</a:t>
+              </a:r>
+              <a:endParaRPr lang="en-US" sz="1000" dirty="0">
+                <a:solidFill>
+                  <a:schemeClr val="accent4">
+                    <a:lumMod val="50000"/>
+                  </a:schemeClr>
+                </a:solidFill>
+                <a:latin typeface="Source Sans Pro Light" charset="0"/>
+                <a:ea typeface="Source Sans Pro Light" charset="0"/>
+                <a:cs typeface="Source Sans Pro Light" charset="0"/>
+              </a:endParaRPr>
+            </a:p>
+          </p:txBody>
+        </p:sp>
+      </p:grpSp>
+      <p:sp>
+        <p:nvSpPr>
+          <p:cNvPr id="205" name="Shape 127"/>
+          <p:cNvSpPr txBox="1"/>
+          <p:nvPr/>
+        </p:nvSpPr>
+        <p:spPr>
+          <a:xfrm rot="16200000">
+            <a:off x="810845" y="2076895"/>
+            <a:ext cx="1327564" cy="445876"/>
+          </a:xfrm>
+          <a:prstGeom prst="rect">
+            <a:avLst/>
+          </a:prstGeom>
+          <a:noFill/>
+          <a:ln>
+            <a:noFill/>
+          </a:ln>
+        </p:spPr>
+        <p:txBody>
+          <a:bodyPr lIns="91425" tIns="91425" rIns="91425" bIns="91425" anchor="t" anchorCtr="0">
+            <a:noAutofit/>
+          </a:bodyPr>
+          <a:lstStyle/>
+          <a:p>
+            <a:pPr lvl="0" rtl="0">
+              <a:spcBef>
+                <a:spcPts val="0"/>
+              </a:spcBef>
+              <a:buNone/>
+            </a:pPr>
+            <a:r>
+              <a:rPr lang="en-US" sz="1800" dirty="0" smtClean="0">
+                <a:latin typeface="Source Sans Pro Light" charset="0"/>
+                <a:ea typeface="Source Sans Pro Light" charset="0"/>
+                <a:cs typeface="Source Sans Pro Light" charset="0"/>
+              </a:rPr>
+              <a:t>Event Time</a:t>
+            </a:r>
+            <a:endParaRPr lang="en" sz="1800" dirty="0">
+              <a:latin typeface="Source Sans Pro Light" charset="0"/>
+              <a:ea typeface="Source Sans Pro Light" charset="0"/>
+              <a:cs typeface="Source Sans Pro Light" charset="0"/>
+            </a:endParaRPr>
+          </a:p>
+        </p:txBody>
+      </p:sp>
+      <p:sp>
+        <p:nvSpPr>
+          <p:cNvPr id="209" name="Rectangle 208"/>
+          <p:cNvSpPr/>
+          <p:nvPr/>
+        </p:nvSpPr>
+        <p:spPr>
+          <a:xfrm>
+            <a:off x="8899984" y="3409557"/>
+            <a:ext cx="1430572" cy="461665"/>
+          </a:xfrm>
+          <a:prstGeom prst="rect">
+            <a:avLst/>
+          </a:prstGeom>
+          <a:solidFill>
+            <a:schemeClr val="bg1">
+              <a:alpha val="60000"/>
+            </a:schemeClr>
+          </a:solidFill>
+        </p:spPr>
+        <p:txBody>
+          <a:bodyPr wrap="square">
+            <a:spAutoFit/>
+          </a:bodyPr>
+          <a:lstStyle/>
+          <a:p>
+            <a:pPr lvl="0" algn="ctr"/>
+            <a:r>
+              <a:rPr lang="en-US" sz="1200" dirty="0" smtClean="0">
+                <a:solidFill>
+                  <a:schemeClr val="tx1">
+                    <a:lumMod val="95000"/>
+                    <a:lumOff val="5000"/>
+                  </a:schemeClr>
+                </a:solidFill>
+                <a:latin typeface="Source Sans Pro Light" charset="0"/>
+                <a:ea typeface="Source Sans Pro Light" charset="0"/>
+                <a:cs typeface="Source Sans Pro Light" charset="0"/>
+              </a:rPr>
+              <a:t>data too late, ignored in counts</a:t>
+            </a:r>
+            <a:endParaRPr lang="en-US" sz="1200" dirty="0">
+              <a:solidFill>
+                <a:schemeClr val="tx1">
+                  <a:lumMod val="95000"/>
+                  <a:lumOff val="5000"/>
+                </a:schemeClr>
+              </a:solidFill>
+              <a:latin typeface="Source Sans Pro Light" charset="0"/>
+              <a:ea typeface="Source Sans Pro Light" charset="0"/>
+              <a:cs typeface="Source Sans Pro Light" charset="0"/>
+            </a:endParaRPr>
+          </a:p>
+        </p:txBody>
+      </p:sp>
+      <p:grpSp>
+        <p:nvGrpSpPr>
+          <p:cNvPr id="224" name="Group 223"/>
+          <p:cNvGrpSpPr/>
+          <p:nvPr/>
+        </p:nvGrpSpPr>
+        <p:grpSpPr>
+          <a:xfrm>
+            <a:off x="7282927" y="1115623"/>
+            <a:ext cx="699230" cy="339919"/>
+            <a:chOff x="2957494" y="2729624"/>
+            <a:chExt cx="699230" cy="339919"/>
+          </a:xfrm>
+        </p:grpSpPr>
+        <p:sp>
+          <p:nvSpPr>
+            <p:cNvPr id="225" name="Oval 224"/>
+            <p:cNvSpPr/>
+            <p:nvPr/>
+          </p:nvSpPr>
+          <p:spPr>
+            <a:xfrm>
+              <a:off x="3022115" y="2729624"/>
+              <a:ext cx="138633" cy="138633"/>
+            </a:xfrm>
+            <a:prstGeom prst="ellipse">
+              <a:avLst/>
+            </a:prstGeom>
+          </p:spPr>
+          <p:style>
+            <a:lnRef idx="1">
+              <a:schemeClr val="accent4"/>
+            </a:lnRef>
+            <a:fillRef idx="2">
+              <a:schemeClr val="accent4"/>
+            </a:fillRef>
+            <a:effectRef idx="1">
+              <a:schemeClr val="accent4"/>
+            </a:effectRef>
+            <a:fontRef idx="minor">
+              <a:schemeClr val="dk1"/>
+            </a:fontRef>
+          </p:style>
+          <p:txBody>
+            <a:bodyPr rtlCol="0" anchor="ctr"/>
+            <a:lstStyle/>
+            <a:p>
+              <a:pPr algn="ctr"/>
+              <a:endParaRPr lang="en-US" sz="1000">
+                <a:solidFill>
+                  <a:schemeClr val="accent4">
+                    <a:lumMod val="50000"/>
+                  </a:schemeClr>
+                </a:solidFill>
+              </a:endParaRPr>
+            </a:p>
+          </p:txBody>
+        </p:sp>
+        <p:sp>
+          <p:nvSpPr>
+            <p:cNvPr id="226" name="Rectangle 225"/>
+            <p:cNvSpPr/>
+            <p:nvPr/>
+          </p:nvSpPr>
+          <p:spPr>
+            <a:xfrm>
+              <a:off x="2957494" y="2823322"/>
+              <a:ext cx="699230" cy="246221"/>
+            </a:xfrm>
+            <a:prstGeom prst="rect">
+              <a:avLst/>
+            </a:prstGeom>
+          </p:spPr>
+          <p:txBody>
+            <a:bodyPr wrap="none">
+              <a:spAutoFit/>
+            </a:bodyPr>
+            <a:lstStyle/>
+            <a:p>
+              <a:pPr lvl="0" algn="ctr"/>
+              <a:r>
+                <a:rPr lang="en-US" sz="1000" dirty="0" smtClean="0">
+                  <a:solidFill>
+                    <a:schemeClr val="accent4">
+                      <a:lumMod val="50000"/>
+                    </a:schemeClr>
+                  </a:solidFill>
+                  <a:latin typeface="Source Sans Pro Light" charset="0"/>
+                  <a:ea typeface="Source Sans Pro Light" charset="0"/>
+                  <a:cs typeface="Source Sans Pro Light" charset="0"/>
+                </a:rPr>
+                <a:t>12:21, owl</a:t>
+              </a:r>
+              <a:endParaRPr lang="en-US" sz="1000" dirty="0">
+                <a:solidFill>
+                  <a:schemeClr val="accent4">
+                    <a:lumMod val="50000"/>
+                  </a:schemeClr>
+                </a:solidFill>
+                <a:latin typeface="Source Sans Pro Light" charset="0"/>
+                <a:ea typeface="Source Sans Pro Light" charset="0"/>
+                <a:cs typeface="Source Sans Pro Light" charset="0"/>
+              </a:endParaRPr>
+            </a:p>
+          </p:txBody>
+        </p:sp>
+      </p:grpSp>
+      <p:cxnSp>
+        <p:nvCxnSpPr>
+          <p:cNvPr id="238" name="Straight Connector 237"/>
+          <p:cNvCxnSpPr>
+            <a:stCxn id="92" idx="7"/>
+            <a:endCxn id="225" idx="3"/>
+          </p:cNvCxnSpPr>
+          <p:nvPr/>
+        </p:nvCxnSpPr>
+        <p:spPr>
+          <a:xfrm flipV="1">
+            <a:off x="6850651" y="1233954"/>
+            <a:ext cx="517199" cy="692355"/>
+          </a:xfrm>
+          <a:prstGeom prst="line">
+            <a:avLst/>
+          </a:prstGeom>
+          <a:ln w="28575">
+            <a:solidFill>
+              <a:schemeClr val="accent1"/>
+            </a:solidFill>
+            <a:prstDash val="sysDot"/>
+          </a:ln>
+        </p:spPr>
+        <p:style>
+          <a:lnRef idx="2">
+            <a:schemeClr val="accent1"/>
+          </a:lnRef>
+          <a:fillRef idx="0">
+            <a:schemeClr val="accent1"/>
+          </a:fillRef>
+          <a:effectRef idx="1">
+            <a:schemeClr val="accent1"/>
+          </a:effectRef>
+          <a:fontRef idx="minor">
+            <a:schemeClr val="tx1"/>
+          </a:fontRef>
+        </p:style>
+      </p:cxnSp>
+      <p:sp>
+        <p:nvSpPr>
+          <p:cNvPr id="250" name="Rectangle 249"/>
+          <p:cNvSpPr/>
+          <p:nvPr/>
+        </p:nvSpPr>
+        <p:spPr>
+          <a:xfrm>
+            <a:off x="6228314" y="3439792"/>
+            <a:ext cx="1436612" cy="246221"/>
+          </a:xfrm>
+          <a:prstGeom prst="rect">
+            <a:avLst/>
+          </a:prstGeom>
+        </p:spPr>
+        <p:txBody>
+          <a:bodyPr wrap="none">
+            <a:spAutoFit/>
+          </a:bodyPr>
+          <a:lstStyle/>
+          <a:p>
+            <a:pPr lvl="0" algn="r"/>
+            <a:r>
+              <a:rPr lang="en-US" sz="1000" dirty="0" err="1" smtClean="0">
+                <a:solidFill>
+                  <a:schemeClr val="accent2">
+                    <a:lumMod val="75000"/>
+                  </a:schemeClr>
+                </a:solidFill>
+                <a:latin typeface="Source Sans Pro Light" charset="0"/>
+                <a:ea typeface="Source Sans Pro Light" charset="0"/>
+                <a:cs typeface="Source Sans Pro Light" charset="0"/>
+              </a:rPr>
+              <a:t>wm</a:t>
+            </a:r>
+            <a:r>
+              <a:rPr lang="en-US" sz="1000" dirty="0" smtClean="0">
+                <a:solidFill>
+                  <a:schemeClr val="accent2">
+                    <a:lumMod val="75000"/>
+                  </a:schemeClr>
+                </a:solidFill>
+                <a:latin typeface="Source Sans Pro Light" charset="0"/>
+                <a:ea typeface="Source Sans Pro Light" charset="0"/>
+                <a:cs typeface="Source Sans Pro Light" charset="0"/>
+              </a:rPr>
+              <a:t> = 12:14 </a:t>
+            </a:r>
+            <a:r>
+              <a:rPr lang="en-US" sz="1000" dirty="0">
+                <a:solidFill>
+                  <a:schemeClr val="accent2">
+                    <a:lumMod val="75000"/>
+                  </a:schemeClr>
+                </a:solidFill>
+                <a:latin typeface="Source Sans Pro Light" charset="0"/>
+                <a:ea typeface="Source Sans Pro Light" charset="0"/>
+                <a:cs typeface="Source Sans Pro Light" charset="0"/>
+              </a:rPr>
+              <a:t>- 10m =12:04</a:t>
+            </a:r>
+            <a:endParaRPr lang="en-US" sz="1000" dirty="0">
+              <a:solidFill>
+                <a:schemeClr val="accent2">
+                  <a:lumMod val="75000"/>
+                </a:schemeClr>
+              </a:solidFill>
+              <a:latin typeface="Source Sans Pro Light" charset="0"/>
+              <a:ea typeface="Source Sans Pro Light" charset="0"/>
+              <a:cs typeface="Source Sans Pro Light" charset="0"/>
+            </a:endParaRPr>
+          </a:p>
+        </p:txBody>
+      </p:sp>
+      <p:sp>
+        <p:nvSpPr>
+          <p:cNvPr id="251" name="Rectangle 250"/>
+          <p:cNvSpPr/>
+          <p:nvPr/>
+        </p:nvSpPr>
+        <p:spPr>
+          <a:xfrm>
+            <a:off x="7702776" y="2544518"/>
+            <a:ext cx="1209876" cy="205380"/>
+          </a:xfrm>
+          <a:prstGeom prst="rect">
+            <a:avLst/>
+          </a:prstGeom>
+          <a:solidFill>
+            <a:schemeClr val="bg1">
+              <a:alpha val="77000"/>
+            </a:schemeClr>
+          </a:solidFill>
+        </p:spPr>
+        <p:txBody>
+          <a:bodyPr wrap="none">
+            <a:noAutofit/>
+          </a:bodyPr>
+          <a:lstStyle/>
+          <a:p>
+            <a:pPr lvl="0" algn="ctr"/>
+            <a:r>
+              <a:rPr lang="en-US" sz="1000" dirty="0" err="1" smtClean="0">
+                <a:solidFill>
+                  <a:schemeClr val="accent2">
+                    <a:lumMod val="75000"/>
+                  </a:schemeClr>
+                </a:solidFill>
+                <a:latin typeface="Source Sans Pro Light" charset="0"/>
+                <a:ea typeface="Source Sans Pro Light" charset="0"/>
+                <a:cs typeface="Source Sans Pro Light" charset="0"/>
+              </a:rPr>
+              <a:t>wm</a:t>
+            </a:r>
+            <a:r>
+              <a:rPr lang="en-US" sz="1000" dirty="0" smtClean="0">
+                <a:solidFill>
+                  <a:schemeClr val="accent2">
+                    <a:lumMod val="75000"/>
+                  </a:schemeClr>
+                </a:solidFill>
+                <a:latin typeface="Source Sans Pro Light" charset="0"/>
+                <a:ea typeface="Source Sans Pro Light" charset="0"/>
+                <a:cs typeface="Source Sans Pro Light" charset="0"/>
+              </a:rPr>
+              <a:t> = 12:21 </a:t>
+            </a:r>
+            <a:r>
+              <a:rPr lang="en-US" sz="1000" dirty="0">
+                <a:solidFill>
+                  <a:schemeClr val="accent2">
+                    <a:lumMod val="75000"/>
+                  </a:schemeClr>
+                </a:solidFill>
+                <a:latin typeface="Source Sans Pro Light" charset="0"/>
+                <a:ea typeface="Source Sans Pro Light" charset="0"/>
+                <a:cs typeface="Source Sans Pro Light" charset="0"/>
+              </a:rPr>
+              <a:t>- </a:t>
+            </a:r>
+            <a:r>
+              <a:rPr lang="en-US" sz="1000" dirty="0" smtClean="0">
+                <a:solidFill>
+                  <a:schemeClr val="accent2">
+                    <a:lumMod val="75000"/>
+                  </a:schemeClr>
+                </a:solidFill>
+                <a:latin typeface="Source Sans Pro Light" charset="0"/>
+                <a:ea typeface="Source Sans Pro Light" charset="0"/>
+                <a:cs typeface="Source Sans Pro Light" charset="0"/>
+              </a:rPr>
+              <a:t>10m =12:11</a:t>
+            </a:r>
+            <a:endParaRPr lang="en-US" sz="1000" dirty="0">
+              <a:solidFill>
+                <a:schemeClr val="accent2">
+                  <a:lumMod val="75000"/>
+                </a:schemeClr>
+              </a:solidFill>
+              <a:latin typeface="Source Sans Pro Light" charset="0"/>
+              <a:ea typeface="Source Sans Pro Light" charset="0"/>
+              <a:cs typeface="Source Sans Pro Light" charset="0"/>
+            </a:endParaRPr>
+          </a:p>
+        </p:txBody>
+      </p:sp>
+      <p:cxnSp>
+        <p:nvCxnSpPr>
+          <p:cNvPr id="252" name="Straight Arrow Connector 251"/>
+          <p:cNvCxnSpPr/>
+          <p:nvPr/>
+        </p:nvCxnSpPr>
+        <p:spPr>
+          <a:xfrm>
+            <a:off x="8538654" y="3462704"/>
+            <a:ext cx="612326" cy="122260"/>
+          </a:xfrm>
+          <a:prstGeom prst="straightConnector1">
+            <a:avLst/>
+          </a:prstGeom>
+          <a:ln>
+            <a:solidFill>
+              <a:schemeClr val="tx1">
+                <a:lumMod val="50000"/>
+                <a:lumOff val="50000"/>
+              </a:schemeClr>
+            </a:solidFill>
+            <a:headEnd type="arrow" w="med" len="med"/>
+            <a:tailEnd type="none" w="med" len="med"/>
+          </a:ln>
+        </p:spPr>
+        <p:style>
+          <a:lnRef idx="3">
+            <a:schemeClr val="dk1"/>
+          </a:lnRef>
+          <a:fillRef idx="0">
+            <a:schemeClr val="dk1"/>
+          </a:fillRef>
+          <a:effectRef idx="2">
+            <a:schemeClr val="dk1"/>
+          </a:effectRef>
+          <a:fontRef idx="minor">
+            <a:schemeClr val="tx1"/>
+          </a:fontRef>
+        </p:style>
+      </p:cxnSp>
+      <p:cxnSp>
+        <p:nvCxnSpPr>
+          <p:cNvPr id="259" name="Shape 138"/>
+          <p:cNvCxnSpPr/>
+          <p:nvPr/>
+        </p:nvCxnSpPr>
+        <p:spPr>
+          <a:xfrm>
+            <a:off x="10197262" y="500752"/>
+            <a:ext cx="0" cy="3937112"/>
+          </a:xfrm>
+          <a:prstGeom prst="straightConnector1">
+            <a:avLst/>
+          </a:prstGeom>
+          <a:noFill/>
+          <a:ln w="12700" cap="flat" cmpd="sng">
+            <a:solidFill>
+              <a:schemeClr val="bg1">
+                <a:lumMod val="75000"/>
+              </a:schemeClr>
+            </a:solidFill>
+            <a:prstDash val="sysDot"/>
+            <a:round/>
+            <a:headEnd type="none" w="lg" len="lg"/>
+            <a:tailEnd type="stealth" w="lg" len="lg"/>
+          </a:ln>
+        </p:spPr>
+      </p:cxnSp>
+      <p:cxnSp>
+        <p:nvCxnSpPr>
+          <p:cNvPr id="262" name="Straight Connector 261"/>
+          <p:cNvCxnSpPr/>
+          <p:nvPr/>
+        </p:nvCxnSpPr>
+        <p:spPr>
+          <a:xfrm>
+            <a:off x="2165157" y="788915"/>
+            <a:ext cx="8562550" cy="0"/>
+          </a:xfrm>
+          <a:prstGeom prst="line">
+            <a:avLst/>
+          </a:prstGeom>
+          <a:ln>
+            <a:solidFill>
+              <a:schemeClr val="bg1">
+                <a:lumMod val="85000"/>
+              </a:schemeClr>
+            </a:solidFill>
+            <a:prstDash val="sysDot"/>
+          </a:ln>
+        </p:spPr>
+        <p:style>
+          <a:lnRef idx="2">
+            <a:schemeClr val="dk1"/>
+          </a:lnRef>
+          <a:fillRef idx="0">
+            <a:schemeClr val="dk1"/>
+          </a:fillRef>
+          <a:effectRef idx="1">
+            <a:schemeClr val="dk1"/>
+          </a:effectRef>
+          <a:fontRef idx="minor">
+            <a:schemeClr val="tx1"/>
+          </a:fontRef>
+        </p:style>
+      </p:cxnSp>
+      <p:sp>
+        <p:nvSpPr>
+          <p:cNvPr id="263" name="Rectangle 262"/>
+          <p:cNvSpPr/>
+          <p:nvPr/>
+        </p:nvSpPr>
+        <p:spPr>
+          <a:xfrm>
+            <a:off x="1685405" y="581112"/>
+            <a:ext cx="570989" cy="307777"/>
+          </a:xfrm>
+          <a:prstGeom prst="rect">
+            <a:avLst/>
+          </a:prstGeom>
+        </p:spPr>
+        <p:txBody>
+          <a:bodyPr wrap="none">
+            <a:spAutoFit/>
+          </a:bodyPr>
+          <a:lstStyle/>
+          <a:p>
+            <a:pPr algn="ctr"/>
+            <a:r>
+              <a:rPr lang="en-US" sz="1400" b="0" i="0" dirty="0" smtClean="0">
+                <a:latin typeface="Source Sans Pro Light" charset="0"/>
+                <a:ea typeface="Source Sans Pro Light" charset="0"/>
+                <a:cs typeface="Source Sans Pro Light" charset="0"/>
+              </a:rPr>
+              <a:t>12:25</a:t>
+            </a:r>
+            <a:endParaRPr lang="en-US" sz="1400" b="0" i="0" dirty="0">
+              <a:latin typeface="Source Sans Pro Light" charset="0"/>
+              <a:ea typeface="Source Sans Pro Light" charset="0"/>
+              <a:cs typeface="Source Sans Pro Light" charset="0"/>
+            </a:endParaRPr>
+          </a:p>
+        </p:txBody>
+      </p:sp>
+      <p:cxnSp>
+        <p:nvCxnSpPr>
+          <p:cNvPr id="265" name="Straight Connector 264"/>
+          <p:cNvCxnSpPr>
+            <a:stCxn id="151" idx="3"/>
+          </p:cNvCxnSpPr>
+          <p:nvPr/>
+        </p:nvCxnSpPr>
+        <p:spPr>
+          <a:xfrm flipH="1">
+            <a:off x="7636416" y="619083"/>
+            <a:ext cx="603340" cy="557015"/>
+          </a:xfrm>
+          <a:prstGeom prst="line">
+            <a:avLst/>
+          </a:prstGeom>
+          <a:ln w="28575">
+            <a:solidFill>
+              <a:schemeClr val="accent1"/>
+            </a:solidFill>
+            <a:prstDash val="sysDot"/>
+          </a:ln>
+        </p:spPr>
+        <p:style>
+          <a:lnRef idx="2">
+            <a:schemeClr val="accent1"/>
+          </a:lnRef>
+          <a:fillRef idx="0">
+            <a:schemeClr val="accent1"/>
+          </a:fillRef>
+          <a:effectRef idx="1">
+            <a:schemeClr val="accent1"/>
+          </a:effectRef>
+          <a:fontRef idx="minor">
+            <a:schemeClr val="tx1"/>
+          </a:fontRef>
+        </p:style>
+      </p:cxnSp>
+      <p:cxnSp>
+        <p:nvCxnSpPr>
+          <p:cNvPr id="268" name="Straight Connector 267"/>
+          <p:cNvCxnSpPr/>
+          <p:nvPr/>
+        </p:nvCxnSpPr>
+        <p:spPr>
+          <a:xfrm>
+            <a:off x="8350105" y="580418"/>
+            <a:ext cx="1851189" cy="0"/>
+          </a:xfrm>
+          <a:prstGeom prst="line">
+            <a:avLst/>
+          </a:prstGeom>
+          <a:ln w="28575">
+            <a:solidFill>
+              <a:schemeClr val="accent1"/>
+            </a:solidFill>
+            <a:prstDash val="sysDot"/>
+          </a:ln>
+        </p:spPr>
+        <p:style>
+          <a:lnRef idx="2">
+            <a:schemeClr val="accent1"/>
+          </a:lnRef>
+          <a:fillRef idx="0">
+            <a:schemeClr val="accent1"/>
+          </a:fillRef>
+          <a:effectRef idx="1">
+            <a:schemeClr val="accent1"/>
+          </a:effectRef>
+          <a:fontRef idx="minor">
+            <a:schemeClr val="tx1"/>
+          </a:fontRef>
+        </p:style>
+      </p:cxnSp>
+      <p:sp>
+        <p:nvSpPr>
+          <p:cNvPr id="279" name="Rectangle 278"/>
+          <p:cNvSpPr/>
+          <p:nvPr/>
+        </p:nvSpPr>
+        <p:spPr>
+          <a:xfrm>
+            <a:off x="9854188" y="3995167"/>
+            <a:ext cx="678392" cy="243892"/>
+          </a:xfrm>
+          <a:prstGeom prst="rect">
+            <a:avLst/>
+          </a:prstGeom>
+          <a:solidFill>
+            <a:schemeClr val="bg1">
+              <a:alpha val="67000"/>
+            </a:schemeClr>
+          </a:solidFill>
+        </p:spPr>
+        <p:txBody>
+          <a:bodyPr wrap="none" anchor="ctr">
+            <a:noAutofit/>
+          </a:bodyPr>
+          <a:lstStyle/>
+          <a:p>
+            <a:pPr algn="ctr"/>
+            <a:r>
+              <a:rPr lang="en-US" sz="1400" b="0" i="0" dirty="0" smtClean="0">
+                <a:latin typeface="Source Sans Pro Light" charset="0"/>
+                <a:ea typeface="Source Sans Pro Light" charset="0"/>
+                <a:cs typeface="Source Sans Pro Light" charset="0"/>
+              </a:rPr>
+              <a:t>12:30</a:t>
+            </a:r>
+            <a:endParaRPr lang="en-US" sz="1400" b="0" i="0" dirty="0">
+              <a:latin typeface="Source Sans Pro Light" charset="0"/>
+              <a:ea typeface="Source Sans Pro Light" charset="0"/>
+              <a:cs typeface="Source Sans Pro Light" charset="0"/>
+            </a:endParaRPr>
+          </a:p>
+        </p:txBody>
+      </p:sp>
+      <p:cxnSp>
+        <p:nvCxnSpPr>
+          <p:cNvPr id="282" name="Straight Connector 281"/>
+          <p:cNvCxnSpPr/>
+          <p:nvPr/>
+        </p:nvCxnSpPr>
+        <p:spPr>
+          <a:xfrm>
+            <a:off x="8978693" y="1833546"/>
+            <a:ext cx="1749014" cy="0"/>
+          </a:xfrm>
+          <a:prstGeom prst="line">
+            <a:avLst/>
+          </a:prstGeom>
+        </p:spPr>
+        <p:style>
+          <a:lnRef idx="3">
+            <a:schemeClr val="accent2"/>
+          </a:lnRef>
+          <a:fillRef idx="0">
+            <a:schemeClr val="accent2"/>
+          </a:fillRef>
+          <a:effectRef idx="2">
+            <a:schemeClr val="accent2"/>
+          </a:effectRef>
+          <a:fontRef idx="minor">
+            <a:schemeClr val="tx1"/>
+          </a:fontRef>
+        </p:style>
+      </p:cxnSp>
+      <p:cxnSp>
+        <p:nvCxnSpPr>
+          <p:cNvPr id="283" name="Straight Connector 282"/>
+          <p:cNvCxnSpPr/>
+          <p:nvPr/>
+        </p:nvCxnSpPr>
+        <p:spPr>
+          <a:xfrm flipV="1">
+            <a:off x="8978693" y="1827272"/>
+            <a:ext cx="0" cy="684494"/>
+          </a:xfrm>
+          <a:prstGeom prst="line">
+            <a:avLst/>
+          </a:prstGeom>
+          <a:effectLst/>
+        </p:spPr>
+        <p:style>
+          <a:lnRef idx="3">
+            <a:schemeClr val="accent2"/>
+          </a:lnRef>
+          <a:fillRef idx="0">
+            <a:schemeClr val="accent2"/>
+          </a:fillRef>
+          <a:effectRef idx="2">
+            <a:schemeClr val="accent2"/>
+          </a:effectRef>
+          <a:fontRef idx="minor">
+            <a:schemeClr val="tx1"/>
+          </a:fontRef>
+        </p:style>
+      </p:cxnSp>
+      <p:grpSp>
+        <p:nvGrpSpPr>
+          <p:cNvPr id="284" name="Group 283"/>
+          <p:cNvGrpSpPr/>
+          <p:nvPr/>
+        </p:nvGrpSpPr>
+        <p:grpSpPr>
+          <a:xfrm>
+            <a:off x="8896966" y="2706362"/>
+            <a:ext cx="673582" cy="325887"/>
+            <a:chOff x="2795387" y="2729624"/>
+            <a:chExt cx="673582" cy="325887"/>
+          </a:xfrm>
+        </p:grpSpPr>
+        <p:sp>
+          <p:nvSpPr>
+            <p:cNvPr id="285" name="Oval 284"/>
+            <p:cNvSpPr/>
+            <p:nvPr/>
+          </p:nvSpPr>
+          <p:spPr>
+            <a:xfrm>
+              <a:off x="3022115" y="2729624"/>
+              <a:ext cx="138633" cy="138633"/>
+            </a:xfrm>
+            <a:prstGeom prst="ellipse">
+              <a:avLst/>
+            </a:prstGeom>
+            <a:solidFill>
+              <a:schemeClr val="bg1"/>
+            </a:solidFill>
+            <a:ln w="19050"/>
+          </p:spPr>
+          <p:style>
+            <a:lnRef idx="1">
+              <a:schemeClr val="accent2"/>
+            </a:lnRef>
+            <a:fillRef idx="3">
+              <a:schemeClr val="accent2"/>
+            </a:fillRef>
+            <a:effectRef idx="2">
+              <a:schemeClr val="accent2"/>
+            </a:effectRef>
+            <a:fontRef idx="minor">
+              <a:schemeClr val="lt1"/>
+            </a:fontRef>
+          </p:style>
+          <p:txBody>
+            <a:bodyPr rtlCol="0" anchor="ctr"/>
+            <a:lstStyle/>
+            <a:p>
+              <a:pPr algn="ctr"/>
+              <a:endParaRPr lang="en-US" sz="1000">
+                <a:solidFill>
+                  <a:schemeClr val="accent4">
+                    <a:lumMod val="50000"/>
+                  </a:schemeClr>
+                </a:solidFill>
+              </a:endParaRPr>
+            </a:p>
+          </p:txBody>
+        </p:sp>
+        <p:sp>
+          <p:nvSpPr>
+            <p:cNvPr id="286" name="Rectangle 285"/>
+            <p:cNvSpPr/>
+            <p:nvPr/>
+          </p:nvSpPr>
+          <p:spPr>
+            <a:xfrm>
+              <a:off x="2795387" y="2809290"/>
+              <a:ext cx="673582" cy="246221"/>
+            </a:xfrm>
+            <a:prstGeom prst="rect">
+              <a:avLst/>
+            </a:prstGeom>
+          </p:spPr>
+          <p:txBody>
+            <a:bodyPr wrap="none">
+              <a:spAutoFit/>
+            </a:bodyPr>
+            <a:lstStyle/>
+            <a:p>
+              <a:pPr lvl="0" algn="ctr"/>
+              <a:r>
+                <a:rPr lang="en-US" sz="1000" dirty="0" smtClean="0">
+                  <a:solidFill>
+                    <a:schemeClr val="accent4">
+                      <a:lumMod val="50000"/>
+                    </a:schemeClr>
+                  </a:solidFill>
+                  <a:latin typeface="Source Sans Pro Light" charset="0"/>
+                  <a:ea typeface="Source Sans Pro Light" charset="0"/>
+                  <a:cs typeface="Source Sans Pro Light" charset="0"/>
+                </a:rPr>
+                <a:t>12:09, cat</a:t>
+              </a:r>
+              <a:endParaRPr lang="en-US" sz="1000" dirty="0">
+                <a:solidFill>
+                  <a:schemeClr val="accent4">
+                    <a:lumMod val="50000"/>
+                  </a:schemeClr>
+                </a:solidFill>
+                <a:latin typeface="Source Sans Pro Light" charset="0"/>
+                <a:ea typeface="Source Sans Pro Light" charset="0"/>
+                <a:cs typeface="Source Sans Pro Light" charset="0"/>
+              </a:endParaRPr>
+            </a:p>
+          </p:txBody>
+        </p:sp>
+      </p:grpSp>
+      <p:cxnSp>
+        <p:nvCxnSpPr>
+          <p:cNvPr id="287" name="Straight Arrow Connector 286"/>
+          <p:cNvCxnSpPr>
+            <a:stCxn id="286" idx="2"/>
+          </p:cNvCxnSpPr>
+          <p:nvPr/>
+        </p:nvCxnSpPr>
+        <p:spPr>
+          <a:xfrm>
+            <a:off x="9233757" y="3032249"/>
+            <a:ext cx="219229" cy="407543"/>
+          </a:xfrm>
+          <a:prstGeom prst="straightConnector1">
+            <a:avLst/>
+          </a:prstGeom>
+          <a:ln>
+            <a:solidFill>
+              <a:schemeClr val="tx1">
+                <a:lumMod val="50000"/>
+                <a:lumOff val="50000"/>
+              </a:schemeClr>
+            </a:solidFill>
+            <a:headEnd type="arrow" w="med" len="med"/>
+            <a:tailEnd type="none" w="med" len="med"/>
+          </a:ln>
+        </p:spPr>
+        <p:style>
+          <a:lnRef idx="3">
+            <a:schemeClr val="dk1"/>
+          </a:lnRef>
+          <a:fillRef idx="0">
+            <a:schemeClr val="dk1"/>
+          </a:fillRef>
+          <a:effectRef idx="2">
+            <a:schemeClr val="dk1"/>
+          </a:effectRef>
+          <a:fontRef idx="minor">
+            <a:schemeClr val="tx1"/>
+          </a:fontRef>
+        </p:style>
+      </p:cxnSp>
+      <p:grpSp>
+        <p:nvGrpSpPr>
+          <p:cNvPr id="290" name="Group 289"/>
+          <p:cNvGrpSpPr/>
+          <p:nvPr/>
+        </p:nvGrpSpPr>
+        <p:grpSpPr>
+          <a:xfrm>
+            <a:off x="8227030" y="1561328"/>
+            <a:ext cx="699230" cy="325887"/>
+            <a:chOff x="2747122" y="2729624"/>
+            <a:chExt cx="699230" cy="325887"/>
+          </a:xfrm>
+        </p:grpSpPr>
+        <p:sp>
+          <p:nvSpPr>
+            <p:cNvPr id="291" name="Oval 290"/>
+            <p:cNvSpPr/>
+            <p:nvPr/>
+          </p:nvSpPr>
+          <p:spPr>
+            <a:xfrm>
+              <a:off x="3022115" y="2729624"/>
+              <a:ext cx="138633" cy="138633"/>
+            </a:xfrm>
+            <a:prstGeom prst="ellipse">
+              <a:avLst/>
+            </a:prstGeom>
+          </p:spPr>
+          <p:style>
+            <a:lnRef idx="1">
+              <a:schemeClr val="accent2"/>
+            </a:lnRef>
+            <a:fillRef idx="2">
+              <a:schemeClr val="accent2"/>
+            </a:fillRef>
+            <a:effectRef idx="1">
+              <a:schemeClr val="accent2"/>
+            </a:effectRef>
+            <a:fontRef idx="minor">
+              <a:schemeClr val="dk1"/>
+            </a:fontRef>
+          </p:style>
+          <p:txBody>
+            <a:bodyPr rtlCol="0" anchor="ctr"/>
+            <a:lstStyle/>
+            <a:p>
+              <a:pPr algn="ctr"/>
+              <a:endParaRPr lang="en-US" sz="1000">
+                <a:solidFill>
+                  <a:schemeClr val="accent4">
+                    <a:lumMod val="50000"/>
+                  </a:schemeClr>
+                </a:solidFill>
+              </a:endParaRPr>
+            </a:p>
+          </p:txBody>
+        </p:sp>
+        <p:sp>
+          <p:nvSpPr>
+            <p:cNvPr id="292" name="Rectangle 291"/>
+            <p:cNvSpPr/>
+            <p:nvPr/>
+          </p:nvSpPr>
+          <p:spPr>
+            <a:xfrm>
+              <a:off x="2747122" y="2809290"/>
+              <a:ext cx="699230" cy="246221"/>
+            </a:xfrm>
+            <a:prstGeom prst="rect">
+              <a:avLst/>
+            </a:prstGeom>
+          </p:spPr>
+          <p:txBody>
+            <a:bodyPr wrap="none">
+              <a:spAutoFit/>
+            </a:bodyPr>
+            <a:lstStyle/>
+            <a:p>
+              <a:pPr lvl="0" algn="ctr"/>
+              <a:r>
+                <a:rPr lang="en-US" sz="1000" dirty="0" smtClean="0">
+                  <a:solidFill>
+                    <a:schemeClr val="accent4">
+                      <a:lumMod val="50000"/>
+                    </a:schemeClr>
+                  </a:solidFill>
+                  <a:latin typeface="Source Sans Pro Light" charset="0"/>
+                  <a:ea typeface="Source Sans Pro Light" charset="0"/>
+                  <a:cs typeface="Source Sans Pro Light" charset="0"/>
+                </a:rPr>
+                <a:t>12:17, owl</a:t>
+              </a:r>
+              <a:endParaRPr lang="en-US" sz="1000" dirty="0">
+                <a:solidFill>
+                  <a:schemeClr val="accent4">
+                    <a:lumMod val="50000"/>
+                  </a:schemeClr>
+                </a:solidFill>
+                <a:latin typeface="Source Sans Pro Light" charset="0"/>
+                <a:ea typeface="Source Sans Pro Light" charset="0"/>
+                <a:cs typeface="Source Sans Pro Light" charset="0"/>
+              </a:endParaRPr>
+            </a:p>
+          </p:txBody>
+        </p:sp>
+      </p:grpSp>
+      <p:graphicFrame>
+        <p:nvGraphicFramePr>
+          <p:cNvPr id="295" name="Table 294"/>
+          <p:cNvGraphicFramePr>
+            <a:graphicFrameLocks noGrp="1"/>
+          </p:cNvGraphicFramePr>
+          <p:nvPr>
+            <p:extLst>
+              <p:ext uri="{D42A27DB-BD31-4B8C-83A1-F6EECF244321}">
+                <p14:modId xmlns:p14="http://schemas.microsoft.com/office/powerpoint/2010/main" val="838701264"/>
+              </p:ext>
+            </p:extLst>
+          </p:nvPr>
+        </p:nvGraphicFramePr>
+        <p:xfrm>
+          <a:off x="9660266" y="4460029"/>
+          <a:ext cx="1067441" cy="690228"/>
+        </p:xfrm>
+        <a:graphic>
+          <a:graphicData uri="http://schemas.openxmlformats.org/drawingml/2006/table">
+            <a:tbl>
+              <a:tblPr bandRow="1">
+                <a:tableStyleId>{16D9F66E-5EB9-4882-86FB-DCBF35E3C3E4}</a:tableStyleId>
+              </a:tblPr>
+              <a:tblGrid>
+                <a:gridCol w="730100"/>
+                <a:gridCol w="212651"/>
+                <a:gridCol w="124690"/>
+              </a:tblGrid>
+              <a:tr h="230076">
+                <a:tc>
+                  <a:txBody>
+                    <a:bodyPr/>
+                    <a:lstStyle/>
+                    <a:p>
+                      <a:pPr algn="ctr"/>
+                      <a:r>
+                        <a:rPr lang="en-US" sz="1000" b="0" i="0" dirty="0" smtClean="0">
+                          <a:latin typeface="Source Sans Pro Light" charset="0"/>
+                          <a:ea typeface="Source Sans Pro Light" charset="0"/>
+                          <a:cs typeface="Source Sans Pro Light" charset="0"/>
+                        </a:rPr>
+                        <a:t>12:00</a:t>
+                      </a:r>
+                      <a:r>
+                        <a:rPr lang="en-US" sz="1000" b="0" i="0" baseline="0" dirty="0" smtClean="0">
+                          <a:latin typeface="Source Sans Pro Light" charset="0"/>
+                          <a:ea typeface="Source Sans Pro Light" charset="0"/>
+                          <a:cs typeface="Source Sans Pro Light" charset="0"/>
+                        </a:rPr>
+                        <a:t> - 12:10</a:t>
+                      </a:r>
+                      <a:endParaRPr lang="en-US" sz="1000" b="0" i="0" dirty="0">
+                        <a:latin typeface="Source Sans Pro Light" charset="0"/>
+                        <a:ea typeface="Source Sans Pro Light" charset="0"/>
+                        <a:cs typeface="Source Sans Pro Light" charset="0"/>
+                      </a:endParaRPr>
+                    </a:p>
+                  </a:txBody>
+                  <a:tcPr marL="0" marR="0" marT="26915" marB="26915">
+                    <a:lnL w="28575" cap="flat" cmpd="sng" algn="ctr">
+                      <a:solidFill>
+                        <a:schemeClr val="accent6"/>
+                      </a:solidFill>
+                      <a:prstDash val="solid"/>
+                      <a:round/>
+                      <a:headEnd type="none" w="med" len="med"/>
+                      <a:tailEnd type="none" w="med" len="med"/>
+                    </a:lnL>
+                    <a:lnT w="28575" cap="flat" cmpd="sng" algn="ctr">
+                      <a:solidFill>
+                        <a:schemeClr val="accent6"/>
+                      </a:solidFill>
+                      <a:prstDash val="solid"/>
+                      <a:round/>
+                      <a:headEnd type="none" w="med" len="med"/>
+                      <a:tailEnd type="none" w="med" len="med"/>
+                    </a:lnT>
+                  </a:tcPr>
+                </a:tc>
+                <a:tc>
+                  <a:txBody>
+                    <a:bodyPr/>
+                    <a:lstStyle/>
+                    <a:p>
+                      <a:pPr algn="ctr"/>
+                      <a:r>
+                        <a:rPr lang="en-US" sz="1000" b="0" i="0" dirty="0" smtClean="0">
+                          <a:latin typeface="Source Sans Pro Light" charset="0"/>
+                          <a:ea typeface="Source Sans Pro Light" charset="0"/>
+                          <a:cs typeface="Source Sans Pro Light" charset="0"/>
+                        </a:rPr>
+                        <a:t>owl</a:t>
+                      </a:r>
+                      <a:endParaRPr lang="en-US" sz="1000" b="0" i="0" dirty="0">
+                        <a:latin typeface="Source Sans Pro Light" charset="0"/>
+                        <a:ea typeface="Source Sans Pro Light" charset="0"/>
+                        <a:cs typeface="Source Sans Pro Light" charset="0"/>
+                      </a:endParaRPr>
+                    </a:p>
+                  </a:txBody>
+                  <a:tcPr marL="0" marR="0" marT="26915" marB="26915">
+                    <a:lnT w="28575" cap="flat" cmpd="sng" algn="ctr">
+                      <a:solidFill>
+                        <a:schemeClr val="accent6"/>
+                      </a:solidFill>
+                      <a:prstDash val="solid"/>
+                      <a:round/>
+                      <a:headEnd type="none" w="med" len="med"/>
+                      <a:tailEnd type="none" w="med" len="med"/>
+                    </a:lnT>
+                  </a:tcPr>
+                </a:tc>
+                <a:tc>
+                  <a:txBody>
+                    <a:bodyPr/>
+                    <a:lstStyle/>
+                    <a:p>
+                      <a:pPr algn="ctr"/>
+                      <a:r>
+                        <a:rPr lang="en-US" sz="1000" b="0" i="0" dirty="0" smtClean="0">
+                          <a:latin typeface="Source Sans Pro Light" charset="0"/>
+                          <a:ea typeface="Source Sans Pro Light" charset="0"/>
+                          <a:cs typeface="Source Sans Pro Light" charset="0"/>
+                        </a:rPr>
+                        <a:t>1</a:t>
+                      </a:r>
+                      <a:endParaRPr lang="en-US" sz="1000" b="0" i="0" dirty="0">
+                        <a:latin typeface="Source Sans Pro Light" charset="0"/>
+                        <a:ea typeface="Source Sans Pro Light" charset="0"/>
+                        <a:cs typeface="Source Sans Pro Light" charset="0"/>
+                      </a:endParaRPr>
+                    </a:p>
+                  </a:txBody>
+                  <a:tcPr marL="0" marR="0" marT="26915" marB="26915">
+                    <a:lnR w="28575" cap="flat" cmpd="sng" algn="ctr">
+                      <a:solidFill>
+                        <a:schemeClr val="accent6"/>
+                      </a:solidFill>
+                      <a:prstDash val="solid"/>
+                      <a:round/>
+                      <a:headEnd type="none" w="med" len="med"/>
+                      <a:tailEnd type="none" w="med" len="med"/>
+                    </a:lnR>
+                    <a:lnT w="28575" cap="flat" cmpd="sng" algn="ctr">
+                      <a:solidFill>
+                        <a:schemeClr val="accent6"/>
+                      </a:solidFill>
+                      <a:prstDash val="solid"/>
+                      <a:round/>
+                      <a:headEnd type="none" w="med" len="med"/>
+                      <a:tailEnd type="none" w="med" len="med"/>
+                    </a:lnT>
+                  </a:tcPr>
+                </a:tc>
+              </a:tr>
+              <a:tr h="230076">
+                <a:tc>
+                  <a:txBody>
+                    <a:bodyPr/>
+                    <a:lstStyle/>
+                    <a:p>
+                      <a:pPr marL="0" marR="0" indent="0" algn="ctr" defTabSz="914400" rtl="0" eaLnBrk="1" fontAlgn="auto" latinLnBrk="0" hangingPunct="1">
+                        <a:lnSpc>
+                          <a:spcPct val="100000"/>
+                        </a:lnSpc>
+                        <a:spcBef>
+                          <a:spcPts val="0"/>
+                        </a:spcBef>
+                        <a:spcAft>
+                          <a:spcPts val="0"/>
+                        </a:spcAft>
+                        <a:buClrTx/>
+                        <a:buSzTx/>
+                        <a:buFontTx/>
+                        <a:buNone/>
+                        <a:tabLst/>
+                        <a:defRPr/>
+                      </a:pPr>
+                      <a:r>
+                        <a:rPr lang="en-US" sz="1000" b="0" i="0" dirty="0" smtClean="0">
+                          <a:latin typeface="Source Sans Pro Light" charset="0"/>
+                          <a:ea typeface="Source Sans Pro Light" charset="0"/>
+                          <a:cs typeface="Source Sans Pro Light" charset="0"/>
+                        </a:rPr>
+                        <a:t>12:00</a:t>
+                      </a:r>
+                      <a:r>
+                        <a:rPr lang="en-US" sz="1000" b="0" i="0" baseline="0" dirty="0" smtClean="0">
+                          <a:latin typeface="Source Sans Pro Light" charset="0"/>
+                          <a:ea typeface="Source Sans Pro Light" charset="0"/>
+                          <a:cs typeface="Source Sans Pro Light" charset="0"/>
+                        </a:rPr>
+                        <a:t> - 12:10</a:t>
+                      </a:r>
+                      <a:endParaRPr lang="en-US" sz="1000" b="0" i="0" dirty="0" smtClean="0">
+                        <a:latin typeface="Source Sans Pro Light" charset="0"/>
+                        <a:ea typeface="Source Sans Pro Light" charset="0"/>
+                        <a:cs typeface="Source Sans Pro Light" charset="0"/>
+                      </a:endParaRPr>
+                    </a:p>
+                  </a:txBody>
+                  <a:tcPr marL="0" marR="0" marT="26915" marB="26915">
+                    <a:lnL w="28575" cap="flat" cmpd="sng" algn="ctr">
+                      <a:solidFill>
+                        <a:schemeClr val="accent6"/>
+                      </a:solidFill>
+                      <a:prstDash val="solid"/>
+                      <a:round/>
+                      <a:headEnd type="none" w="med" len="med"/>
+                      <a:tailEnd type="none" w="med" len="med"/>
+                    </a:lnL>
+                  </a:tcPr>
+                </a:tc>
+                <a:tc>
+                  <a:txBody>
+                    <a:bodyPr/>
+                    <a:lstStyle/>
+                    <a:p>
+                      <a:pPr algn="ctr"/>
+                      <a:r>
+                        <a:rPr lang="en-US" sz="1000" b="0" i="0" dirty="0" smtClean="0">
+                          <a:latin typeface="Source Sans Pro Light" charset="0"/>
+                          <a:ea typeface="Source Sans Pro Light" charset="0"/>
+                          <a:cs typeface="Source Sans Pro Light" charset="0"/>
+                        </a:rPr>
+                        <a:t>cat</a:t>
+                      </a:r>
+                      <a:endParaRPr lang="en-US" sz="1000" b="0" i="0" dirty="0">
+                        <a:latin typeface="Source Sans Pro Light" charset="0"/>
+                        <a:ea typeface="Source Sans Pro Light" charset="0"/>
+                        <a:cs typeface="Source Sans Pro Light" charset="0"/>
+                      </a:endParaRPr>
+                    </a:p>
+                  </a:txBody>
+                  <a:tcPr marL="0" marR="0" marT="26915" marB="26915"/>
+                </a:tc>
+                <a:tc>
+                  <a:txBody>
+                    <a:bodyPr/>
+                    <a:lstStyle/>
+                    <a:p>
+                      <a:pPr algn="ctr"/>
+                      <a:r>
+                        <a:rPr lang="en-US" sz="1000" b="0" i="0" dirty="0" smtClean="0">
+                          <a:latin typeface="Source Sans Pro Light" charset="0"/>
+                          <a:ea typeface="Source Sans Pro Light" charset="0"/>
+                          <a:cs typeface="Source Sans Pro Light" charset="0"/>
+                        </a:rPr>
+                        <a:t>1</a:t>
+                      </a:r>
+                      <a:endParaRPr lang="en-US" sz="1000" b="0" i="0" dirty="0">
+                        <a:latin typeface="Source Sans Pro Light" charset="0"/>
+                        <a:ea typeface="Source Sans Pro Light" charset="0"/>
+                        <a:cs typeface="Source Sans Pro Light" charset="0"/>
+                      </a:endParaRPr>
+                    </a:p>
+                  </a:txBody>
+                  <a:tcPr marL="0" marR="0" marT="26915" marB="26915">
+                    <a:lnR w="28575" cap="flat" cmpd="sng" algn="ctr">
+                      <a:solidFill>
+                        <a:schemeClr val="accent6"/>
+                      </a:solidFill>
+                      <a:prstDash val="solid"/>
+                      <a:round/>
+                      <a:headEnd type="none" w="med" len="med"/>
+                      <a:tailEnd type="none" w="med" len="med"/>
+                    </a:lnR>
+                  </a:tcPr>
+                </a:tc>
+              </a:tr>
+              <a:tr h="230076">
+                <a:tc>
+                  <a:txBody>
+                    <a:bodyPr/>
+                    <a:lstStyle/>
+                    <a:p>
+                      <a:pPr algn="ctr"/>
+                      <a:r>
+                        <a:rPr lang="en-US" sz="1000" b="0" i="0" dirty="0" smtClean="0">
+                          <a:latin typeface="Source Sans Pro Light" charset="0"/>
+                          <a:ea typeface="Source Sans Pro Light" charset="0"/>
+                          <a:cs typeface="Source Sans Pro Light" charset="0"/>
+                        </a:rPr>
+                        <a:t>12:00</a:t>
+                      </a:r>
+                      <a:r>
+                        <a:rPr lang="en-US" sz="1000" b="0" i="0" baseline="0" dirty="0" smtClean="0">
+                          <a:latin typeface="Source Sans Pro Light" charset="0"/>
+                          <a:ea typeface="Source Sans Pro Light" charset="0"/>
+                          <a:cs typeface="Source Sans Pro Light" charset="0"/>
+                        </a:rPr>
+                        <a:t> - 12:10</a:t>
+                      </a:r>
+                      <a:endParaRPr lang="en-US" sz="1000" b="0" i="0" dirty="0">
+                        <a:latin typeface="Source Sans Pro Light" charset="0"/>
+                        <a:ea typeface="Source Sans Pro Light" charset="0"/>
+                        <a:cs typeface="Source Sans Pro Light" charset="0"/>
+                      </a:endParaRPr>
+                    </a:p>
+                  </a:txBody>
+                  <a:tcPr marL="0" marR="0" marT="26915" marB="26915">
+                    <a:lnL w="28575" cap="flat" cmpd="sng" algn="ctr">
+                      <a:solidFill>
+                        <a:schemeClr val="accent6"/>
+                      </a:solidFill>
+                      <a:prstDash val="solid"/>
+                      <a:round/>
+                      <a:headEnd type="none" w="med" len="med"/>
+                      <a:tailEnd type="none" w="med" len="med"/>
+                    </a:lnL>
+                    <a:lnB w="28575" cap="flat" cmpd="sng" algn="ctr">
+                      <a:solidFill>
+                        <a:schemeClr val="accent6"/>
+                      </a:solidFill>
+                      <a:prstDash val="solid"/>
+                      <a:round/>
+                      <a:headEnd type="none" w="med" len="med"/>
+                      <a:tailEnd type="none" w="med" len="med"/>
+                    </a:lnB>
+                  </a:tcPr>
+                </a:tc>
+                <a:tc>
+                  <a:txBody>
+                    <a:bodyPr/>
+                    <a:lstStyle/>
+                    <a:p>
+                      <a:pPr algn="ctr"/>
+                      <a:r>
+                        <a:rPr lang="en-US" sz="1000" b="0" i="0" dirty="0" smtClean="0">
+                          <a:latin typeface="Source Sans Pro Light" charset="0"/>
+                          <a:ea typeface="Source Sans Pro Light" charset="0"/>
+                          <a:cs typeface="Source Sans Pro Light" charset="0"/>
+                        </a:rPr>
+                        <a:t>dog</a:t>
+                      </a:r>
+                      <a:endParaRPr lang="en-US" sz="1000" b="0" i="0" dirty="0">
+                        <a:latin typeface="Source Sans Pro Light" charset="0"/>
+                        <a:ea typeface="Source Sans Pro Light" charset="0"/>
+                        <a:cs typeface="Source Sans Pro Light" charset="0"/>
+                      </a:endParaRPr>
+                    </a:p>
+                  </a:txBody>
+                  <a:tcPr marL="0" marR="0" marT="26915" marB="26915">
+                    <a:lnB w="28575" cap="flat" cmpd="sng" algn="ctr">
+                      <a:solidFill>
+                        <a:schemeClr val="accent6"/>
+                      </a:solidFill>
+                      <a:prstDash val="solid"/>
+                      <a:round/>
+                      <a:headEnd type="none" w="med" len="med"/>
+                      <a:tailEnd type="none" w="med" len="med"/>
+                    </a:lnB>
+                  </a:tcPr>
+                </a:tc>
+                <a:tc>
+                  <a:txBody>
+                    <a:bodyPr/>
+                    <a:lstStyle/>
+                    <a:p>
+                      <a:pPr algn="ctr"/>
+                      <a:r>
+                        <a:rPr lang="en-US" sz="1000" b="0" i="0" dirty="0" smtClean="0">
+                          <a:latin typeface="Source Sans Pro Light" charset="0"/>
+                          <a:ea typeface="Source Sans Pro Light" charset="0"/>
+                          <a:cs typeface="Source Sans Pro Light" charset="0"/>
+                        </a:rPr>
+                        <a:t>2</a:t>
+                      </a:r>
+                      <a:endParaRPr lang="en-US" sz="1000" b="0" i="0" dirty="0">
+                        <a:latin typeface="Source Sans Pro Light" charset="0"/>
+                        <a:ea typeface="Source Sans Pro Light" charset="0"/>
+                        <a:cs typeface="Source Sans Pro Light" charset="0"/>
+                      </a:endParaRPr>
+                    </a:p>
+                  </a:txBody>
+                  <a:tcPr marL="0" marR="0" marT="26915" marB="26915">
+                    <a:lnR w="28575" cap="flat" cmpd="sng" algn="ctr">
+                      <a:solidFill>
+                        <a:schemeClr val="accent6"/>
+                      </a:solidFill>
+                      <a:prstDash val="solid"/>
+                      <a:round/>
+                      <a:headEnd type="none" w="med" len="med"/>
+                      <a:tailEnd type="none" w="med" len="med"/>
+                    </a:lnR>
+                    <a:lnB w="28575" cap="flat" cmpd="sng" algn="ctr">
+                      <a:solidFill>
+                        <a:schemeClr val="accent6"/>
+                      </a:solidFill>
+                      <a:prstDash val="solid"/>
+                      <a:round/>
+                      <a:headEnd type="none" w="med" len="med"/>
+                      <a:tailEnd type="none" w="med" len="med"/>
+                    </a:lnB>
+                  </a:tcPr>
+                </a:tc>
+              </a:tr>
+            </a:tbl>
+          </a:graphicData>
+        </a:graphic>
+      </p:graphicFrame>
+      <p:graphicFrame>
+        <p:nvGraphicFramePr>
+          <p:cNvPr id="296" name="Table 295"/>
+          <p:cNvGraphicFramePr>
+            <a:graphicFrameLocks noGrp="1"/>
+          </p:cNvGraphicFramePr>
+          <p:nvPr>
+            <p:extLst>
+              <p:ext uri="{D42A27DB-BD31-4B8C-83A1-F6EECF244321}">
+                <p14:modId xmlns:p14="http://schemas.microsoft.com/office/powerpoint/2010/main" val="1905569588"/>
+              </p:ext>
+            </p:extLst>
+          </p:nvPr>
+        </p:nvGraphicFramePr>
+        <p:xfrm>
+          <a:off x="9660266" y="5150257"/>
+          <a:ext cx="1067441" cy="690228"/>
+        </p:xfrm>
+        <a:graphic>
+          <a:graphicData uri="http://schemas.openxmlformats.org/drawingml/2006/table">
+            <a:tbl>
+              <a:tblPr bandRow="1">
+                <a:tableStyleId>{16D9F66E-5EB9-4882-86FB-DCBF35E3C3E4}</a:tableStyleId>
+              </a:tblPr>
+              <a:tblGrid>
+                <a:gridCol w="730100"/>
+                <a:gridCol w="212651"/>
+                <a:gridCol w="124690"/>
+              </a:tblGrid>
+              <a:tr h="230076">
+                <a:tc>
+                  <a:txBody>
+                    <a:bodyPr/>
+                    <a:lstStyle/>
+                    <a:p>
+                      <a:pPr algn="ctr"/>
+                      <a:r>
+                        <a:rPr lang="en-US" sz="1000" b="0" i="0" dirty="0" smtClean="0">
+                          <a:latin typeface="Source Sans Pro Light" charset="0"/>
+                          <a:ea typeface="Source Sans Pro Light" charset="0"/>
+                          <a:cs typeface="Source Sans Pro Light" charset="0"/>
+                        </a:rPr>
+                        <a:t>12:05</a:t>
+                      </a:r>
+                      <a:r>
+                        <a:rPr lang="en-US" sz="1000" b="0" i="0" baseline="0" dirty="0" smtClean="0">
+                          <a:latin typeface="Source Sans Pro Light" charset="0"/>
+                          <a:ea typeface="Source Sans Pro Light" charset="0"/>
+                          <a:cs typeface="Source Sans Pro Light" charset="0"/>
+                        </a:rPr>
+                        <a:t> </a:t>
+                      </a:r>
+                      <a:r>
+                        <a:rPr lang="en-US" sz="1000" b="0" i="0" baseline="0" dirty="0" smtClean="0">
+                          <a:latin typeface="Source Sans Pro Light" charset="0"/>
+                          <a:ea typeface="Source Sans Pro Light" charset="0"/>
+                          <a:cs typeface="Source Sans Pro Light" charset="0"/>
+                        </a:rPr>
+                        <a:t>- </a:t>
+                      </a:r>
+                      <a:r>
+                        <a:rPr lang="en-US" sz="1000" b="0" i="0" baseline="0" dirty="0" smtClean="0">
+                          <a:latin typeface="Source Sans Pro Light" charset="0"/>
+                          <a:ea typeface="Source Sans Pro Light" charset="0"/>
+                          <a:cs typeface="Source Sans Pro Light" charset="0"/>
+                        </a:rPr>
+                        <a:t>12:15</a:t>
+                      </a:r>
+                      <a:endParaRPr lang="en-US" sz="1000" b="0" i="0" dirty="0">
+                        <a:latin typeface="Source Sans Pro Light" charset="0"/>
+                        <a:ea typeface="Source Sans Pro Light" charset="0"/>
+                        <a:cs typeface="Source Sans Pro Light" charset="0"/>
+                      </a:endParaRPr>
+                    </a:p>
+                  </a:txBody>
+                  <a:tcPr marL="0" marR="0" marT="26915" marB="26915">
+                    <a:lnL w="28575" cap="flat" cmpd="sng" algn="ctr">
+                      <a:solidFill>
+                        <a:schemeClr val="accent6"/>
+                      </a:solidFill>
+                      <a:prstDash val="solid"/>
+                      <a:round/>
+                      <a:headEnd type="none" w="med" len="med"/>
+                      <a:tailEnd type="none" w="med" len="med"/>
+                    </a:lnL>
+                    <a:lnT w="28575" cap="flat" cmpd="sng" algn="ctr">
+                      <a:solidFill>
+                        <a:schemeClr val="accent6"/>
+                      </a:solidFill>
+                      <a:prstDash val="solid"/>
+                      <a:round/>
+                      <a:headEnd type="none" w="med" len="med"/>
+                      <a:tailEnd type="none" w="med" len="med"/>
+                    </a:lnT>
+                  </a:tcPr>
+                </a:tc>
+                <a:tc>
+                  <a:txBody>
+                    <a:bodyPr/>
+                    <a:lstStyle/>
+                    <a:p>
+                      <a:pPr algn="ctr"/>
+                      <a:r>
+                        <a:rPr lang="en-US" sz="1000" b="0" i="0" dirty="0" smtClean="0">
+                          <a:latin typeface="Source Sans Pro Light" charset="0"/>
+                          <a:ea typeface="Source Sans Pro Light" charset="0"/>
+                          <a:cs typeface="Source Sans Pro Light" charset="0"/>
+                        </a:rPr>
+                        <a:t>owl</a:t>
+                      </a:r>
+                      <a:endParaRPr lang="en-US" sz="1000" b="0" i="0" dirty="0">
+                        <a:latin typeface="Source Sans Pro Light" charset="0"/>
+                        <a:ea typeface="Source Sans Pro Light" charset="0"/>
+                        <a:cs typeface="Source Sans Pro Light" charset="0"/>
+                      </a:endParaRPr>
+                    </a:p>
+                  </a:txBody>
+                  <a:tcPr marL="0" marR="0" marT="26915" marB="26915">
+                    <a:lnT w="28575" cap="flat" cmpd="sng" algn="ctr">
+                      <a:solidFill>
+                        <a:schemeClr val="accent6"/>
+                      </a:solidFill>
+                      <a:prstDash val="solid"/>
+                      <a:round/>
+                      <a:headEnd type="none" w="med" len="med"/>
+                      <a:tailEnd type="none" w="med" len="med"/>
+                    </a:lnT>
+                  </a:tcPr>
+                </a:tc>
+                <a:tc>
+                  <a:txBody>
+                    <a:bodyPr/>
+                    <a:lstStyle/>
+                    <a:p>
+                      <a:pPr algn="ctr"/>
+                      <a:r>
+                        <a:rPr lang="en-US" sz="1000" b="0" i="0" dirty="0" smtClean="0">
+                          <a:latin typeface="Source Sans Pro Light" charset="0"/>
+                          <a:ea typeface="Source Sans Pro Light" charset="0"/>
+                          <a:cs typeface="Source Sans Pro Light" charset="0"/>
+                        </a:rPr>
+                        <a:t>2</a:t>
+                      </a:r>
+                      <a:endParaRPr lang="en-US" sz="1000" b="0" i="0" dirty="0">
+                        <a:latin typeface="Source Sans Pro Light" charset="0"/>
+                        <a:ea typeface="Source Sans Pro Light" charset="0"/>
+                        <a:cs typeface="Source Sans Pro Light" charset="0"/>
+                      </a:endParaRPr>
+                    </a:p>
+                  </a:txBody>
+                  <a:tcPr marL="0" marR="0" marT="26915" marB="26915">
+                    <a:lnR w="28575" cap="flat" cmpd="sng" algn="ctr">
+                      <a:solidFill>
+                        <a:schemeClr val="accent6"/>
+                      </a:solidFill>
+                      <a:prstDash val="solid"/>
+                      <a:round/>
+                      <a:headEnd type="none" w="med" len="med"/>
+                      <a:tailEnd type="none" w="med" len="med"/>
+                    </a:lnR>
+                    <a:lnT w="28575" cap="flat" cmpd="sng" algn="ctr">
+                      <a:solidFill>
+                        <a:schemeClr val="accent6"/>
+                      </a:solidFill>
+                      <a:prstDash val="solid"/>
+                      <a:round/>
+                      <a:headEnd type="none" w="med" len="med"/>
+                      <a:tailEnd type="none" w="med" len="med"/>
+                    </a:lnT>
+                  </a:tcPr>
+                </a:tc>
+              </a:tr>
+              <a:tr h="230076">
+                <a:tc>
+                  <a:txBody>
+                    <a:bodyPr/>
+                    <a:lstStyle/>
+                    <a:p>
+                      <a:pPr marL="0" marR="0" indent="0" algn="ctr" defTabSz="914400" rtl="0" eaLnBrk="1" fontAlgn="auto" latinLnBrk="0" hangingPunct="1">
+                        <a:lnSpc>
+                          <a:spcPct val="100000"/>
+                        </a:lnSpc>
+                        <a:spcBef>
+                          <a:spcPts val="0"/>
+                        </a:spcBef>
+                        <a:spcAft>
+                          <a:spcPts val="0"/>
+                        </a:spcAft>
+                        <a:buClrTx/>
+                        <a:buSzTx/>
+                        <a:buFontTx/>
+                        <a:buNone/>
+                        <a:tabLst/>
+                        <a:defRPr/>
+                      </a:pPr>
+                      <a:r>
+                        <a:rPr lang="en-US" sz="1000" b="0" i="0" dirty="0" smtClean="0">
+                          <a:latin typeface="Source Sans Pro Light" charset="0"/>
+                          <a:ea typeface="Source Sans Pro Light" charset="0"/>
+                          <a:cs typeface="Source Sans Pro Light" charset="0"/>
+                        </a:rPr>
+                        <a:t>12:05</a:t>
+                      </a:r>
+                      <a:r>
+                        <a:rPr lang="en-US" sz="1000" b="0" i="0" baseline="0" dirty="0" smtClean="0">
+                          <a:latin typeface="Source Sans Pro Light" charset="0"/>
+                          <a:ea typeface="Source Sans Pro Light" charset="0"/>
+                          <a:cs typeface="Source Sans Pro Light" charset="0"/>
+                        </a:rPr>
+                        <a:t> - 12:15</a:t>
+                      </a:r>
+                      <a:endParaRPr lang="en-US" sz="1000" b="0" i="0" dirty="0" smtClean="0">
+                        <a:latin typeface="Source Sans Pro Light" charset="0"/>
+                        <a:ea typeface="Source Sans Pro Light" charset="0"/>
+                        <a:cs typeface="Source Sans Pro Light" charset="0"/>
+                      </a:endParaRPr>
+                    </a:p>
+                  </a:txBody>
+                  <a:tcPr marL="0" marR="0" marT="26915" marB="26915">
+                    <a:lnL w="28575" cap="flat" cmpd="sng" algn="ctr">
+                      <a:solidFill>
+                        <a:schemeClr val="accent6"/>
+                      </a:solidFill>
+                      <a:prstDash val="solid"/>
+                      <a:round/>
+                      <a:headEnd type="none" w="med" len="med"/>
+                      <a:tailEnd type="none" w="med" len="med"/>
+                    </a:lnL>
+                  </a:tcPr>
+                </a:tc>
+                <a:tc>
+                  <a:txBody>
+                    <a:bodyPr/>
+                    <a:lstStyle/>
+                    <a:p>
+                      <a:pPr algn="ctr"/>
+                      <a:r>
+                        <a:rPr lang="en-US" sz="1000" b="0" i="0" dirty="0" smtClean="0">
+                          <a:latin typeface="Source Sans Pro Light" charset="0"/>
+                          <a:ea typeface="Source Sans Pro Light" charset="0"/>
+                          <a:cs typeface="Source Sans Pro Light" charset="0"/>
+                        </a:rPr>
+                        <a:t>cat</a:t>
+                      </a:r>
+                      <a:endParaRPr lang="en-US" sz="1000" b="0" i="0" dirty="0">
+                        <a:latin typeface="Source Sans Pro Light" charset="0"/>
+                        <a:ea typeface="Source Sans Pro Light" charset="0"/>
+                        <a:cs typeface="Source Sans Pro Light" charset="0"/>
+                      </a:endParaRPr>
+                    </a:p>
+                  </a:txBody>
+                  <a:tcPr marL="0" marR="0" marT="26915" marB="26915"/>
+                </a:tc>
+                <a:tc>
+                  <a:txBody>
+                    <a:bodyPr/>
+                    <a:lstStyle/>
+                    <a:p>
+                      <a:pPr algn="ctr"/>
+                      <a:r>
+                        <a:rPr lang="en-US" sz="1000" b="0" i="0" dirty="0" smtClean="0">
+                          <a:latin typeface="Source Sans Pro Light" charset="0"/>
+                          <a:ea typeface="Source Sans Pro Light" charset="0"/>
+                          <a:cs typeface="Source Sans Pro Light" charset="0"/>
+                        </a:rPr>
+                        <a:t>2</a:t>
+                      </a:r>
+                      <a:endParaRPr lang="en-US" sz="1000" b="0" i="0" dirty="0">
+                        <a:latin typeface="Source Sans Pro Light" charset="0"/>
+                        <a:ea typeface="Source Sans Pro Light" charset="0"/>
+                        <a:cs typeface="Source Sans Pro Light" charset="0"/>
+                      </a:endParaRPr>
+                    </a:p>
+                  </a:txBody>
+                  <a:tcPr marL="0" marR="0" marT="26915" marB="26915">
+                    <a:lnR w="28575" cap="flat" cmpd="sng" algn="ctr">
+                      <a:solidFill>
+                        <a:schemeClr val="accent6"/>
+                      </a:solidFill>
+                      <a:prstDash val="solid"/>
+                      <a:round/>
+                      <a:headEnd type="none" w="med" len="med"/>
+                      <a:tailEnd type="none" w="med" len="med"/>
+                    </a:lnR>
+                  </a:tcPr>
+                </a:tc>
+              </a:tr>
+              <a:tr h="230076">
+                <a:tc>
+                  <a:txBody>
+                    <a:bodyPr/>
+                    <a:lstStyle/>
+                    <a:p>
+                      <a:pPr algn="ctr"/>
+                      <a:r>
+                        <a:rPr lang="en-US" sz="1000" b="0" i="0" dirty="0" smtClean="0">
+                          <a:latin typeface="Source Sans Pro Light" charset="0"/>
+                          <a:ea typeface="Source Sans Pro Light" charset="0"/>
+                          <a:cs typeface="Source Sans Pro Light" charset="0"/>
+                        </a:rPr>
+                        <a:t>12:05</a:t>
+                      </a:r>
+                      <a:r>
+                        <a:rPr lang="en-US" sz="1000" b="0" i="0" baseline="0" dirty="0" smtClean="0">
+                          <a:latin typeface="Source Sans Pro Light" charset="0"/>
+                          <a:ea typeface="Source Sans Pro Light" charset="0"/>
+                          <a:cs typeface="Source Sans Pro Light" charset="0"/>
+                        </a:rPr>
+                        <a:t> </a:t>
+                      </a:r>
+                      <a:r>
+                        <a:rPr lang="en-US" sz="1000" b="0" i="0" baseline="0" dirty="0" smtClean="0">
+                          <a:latin typeface="Source Sans Pro Light" charset="0"/>
+                          <a:ea typeface="Source Sans Pro Light" charset="0"/>
+                          <a:cs typeface="Source Sans Pro Light" charset="0"/>
+                        </a:rPr>
+                        <a:t>- </a:t>
+                      </a:r>
+                      <a:r>
+                        <a:rPr lang="en-US" sz="1000" b="0" i="0" baseline="0" dirty="0" smtClean="0">
+                          <a:latin typeface="Source Sans Pro Light" charset="0"/>
+                          <a:ea typeface="Source Sans Pro Light" charset="0"/>
+                          <a:cs typeface="Source Sans Pro Light" charset="0"/>
+                        </a:rPr>
+                        <a:t>12:15</a:t>
+                      </a:r>
+                      <a:endParaRPr lang="en-US" sz="1000" b="0" i="0" dirty="0">
+                        <a:latin typeface="Source Sans Pro Light" charset="0"/>
+                        <a:ea typeface="Source Sans Pro Light" charset="0"/>
+                        <a:cs typeface="Source Sans Pro Light" charset="0"/>
+                      </a:endParaRPr>
+                    </a:p>
+                  </a:txBody>
+                  <a:tcPr marL="0" marR="0" marT="26915" marB="26915">
+                    <a:lnL w="28575" cap="flat" cmpd="sng" algn="ctr">
+                      <a:solidFill>
+                        <a:schemeClr val="accent6"/>
+                      </a:solidFill>
+                      <a:prstDash val="solid"/>
+                      <a:round/>
+                      <a:headEnd type="none" w="med" len="med"/>
+                      <a:tailEnd type="none" w="med" len="med"/>
+                    </a:lnL>
+                    <a:lnB w="28575" cap="flat" cmpd="sng" algn="ctr">
+                      <a:solidFill>
+                        <a:schemeClr val="accent6"/>
+                      </a:solidFill>
+                      <a:prstDash val="solid"/>
+                      <a:round/>
+                      <a:headEnd type="none" w="med" len="med"/>
+                      <a:tailEnd type="none" w="med" len="med"/>
+                    </a:lnB>
+                  </a:tcPr>
+                </a:tc>
+                <a:tc>
+                  <a:txBody>
+                    <a:bodyPr/>
+                    <a:lstStyle/>
+                    <a:p>
+                      <a:pPr algn="ctr"/>
+                      <a:r>
+                        <a:rPr lang="en-US" sz="1000" b="0" i="0" dirty="0" smtClean="0">
+                          <a:latin typeface="Source Sans Pro Light" charset="0"/>
+                          <a:ea typeface="Source Sans Pro Light" charset="0"/>
+                          <a:cs typeface="Source Sans Pro Light" charset="0"/>
+                        </a:rPr>
+                        <a:t>dog</a:t>
+                      </a:r>
+                      <a:endParaRPr lang="en-US" sz="1000" b="0" i="0" dirty="0">
+                        <a:latin typeface="Source Sans Pro Light" charset="0"/>
+                        <a:ea typeface="Source Sans Pro Light" charset="0"/>
+                        <a:cs typeface="Source Sans Pro Light" charset="0"/>
+                      </a:endParaRPr>
+                    </a:p>
+                  </a:txBody>
+                  <a:tcPr marL="0" marR="0" marT="26915" marB="26915">
+                    <a:lnB w="28575" cap="flat" cmpd="sng" algn="ctr">
+                      <a:solidFill>
+                        <a:schemeClr val="accent6"/>
+                      </a:solidFill>
+                      <a:prstDash val="solid"/>
+                      <a:round/>
+                      <a:headEnd type="none" w="med" len="med"/>
+                      <a:tailEnd type="none" w="med" len="med"/>
+                    </a:lnB>
+                  </a:tcPr>
+                </a:tc>
+                <a:tc>
+                  <a:txBody>
+                    <a:bodyPr/>
+                    <a:lstStyle/>
+                    <a:p>
+                      <a:pPr algn="ctr"/>
+                      <a:r>
+                        <a:rPr lang="en-US" sz="1000" b="0" i="0" dirty="0" smtClean="0">
+                          <a:latin typeface="Source Sans Pro Light" charset="0"/>
+                          <a:ea typeface="Source Sans Pro Light" charset="0"/>
+                          <a:cs typeface="Source Sans Pro Light" charset="0"/>
+                        </a:rPr>
+                        <a:t>3</a:t>
+                      </a:r>
+                      <a:endParaRPr lang="en-US" sz="1000" b="0" i="0" dirty="0">
+                        <a:latin typeface="Source Sans Pro Light" charset="0"/>
+                        <a:ea typeface="Source Sans Pro Light" charset="0"/>
+                        <a:cs typeface="Source Sans Pro Light" charset="0"/>
+                      </a:endParaRPr>
+                    </a:p>
+                  </a:txBody>
+                  <a:tcPr marL="0" marR="0" marT="26915" marB="26915">
+                    <a:lnR w="28575" cap="flat" cmpd="sng" algn="ctr">
+                      <a:solidFill>
+                        <a:schemeClr val="accent6"/>
+                      </a:solidFill>
+                      <a:prstDash val="solid"/>
+                      <a:round/>
+                      <a:headEnd type="none" w="med" len="med"/>
+                      <a:tailEnd type="none" w="med" len="med"/>
+                    </a:lnR>
+                    <a:lnB w="28575" cap="flat" cmpd="sng" algn="ctr">
+                      <a:solidFill>
+                        <a:schemeClr val="accent6"/>
+                      </a:solidFill>
+                      <a:prstDash val="solid"/>
+                      <a:round/>
+                      <a:headEnd type="none" w="med" len="med"/>
+                      <a:tailEnd type="none" w="med" len="med"/>
+                    </a:lnB>
+                  </a:tcPr>
+                </a:tc>
+              </a:tr>
+            </a:tbl>
+          </a:graphicData>
+        </a:graphic>
+      </p:graphicFrame>
+      <p:sp>
+        <p:nvSpPr>
+          <p:cNvPr id="304" name="Rectangle 303"/>
+          <p:cNvSpPr/>
+          <p:nvPr/>
+        </p:nvSpPr>
+        <p:spPr>
+          <a:xfrm>
+            <a:off x="9039515" y="1852513"/>
+            <a:ext cx="1209876" cy="227255"/>
+          </a:xfrm>
+          <a:prstGeom prst="rect">
+            <a:avLst/>
+          </a:prstGeom>
+          <a:solidFill>
+            <a:schemeClr val="bg1">
+              <a:alpha val="77000"/>
+            </a:schemeClr>
+          </a:solidFill>
+        </p:spPr>
+        <p:txBody>
+          <a:bodyPr wrap="none">
+            <a:noAutofit/>
+          </a:bodyPr>
+          <a:lstStyle/>
+          <a:p>
+            <a:pPr lvl="0" algn="ctr"/>
+            <a:r>
+              <a:rPr lang="en-US" sz="1000" dirty="0" err="1" smtClean="0">
+                <a:solidFill>
+                  <a:schemeClr val="accent2">
+                    <a:lumMod val="75000"/>
+                  </a:schemeClr>
+                </a:solidFill>
+                <a:latin typeface="Source Sans Pro Light" charset="0"/>
+                <a:ea typeface="Source Sans Pro Light" charset="0"/>
+                <a:cs typeface="Source Sans Pro Light" charset="0"/>
+              </a:rPr>
+              <a:t>wm</a:t>
+            </a:r>
+            <a:r>
+              <a:rPr lang="en-US" sz="1000" dirty="0" smtClean="0">
+                <a:solidFill>
+                  <a:schemeClr val="accent2">
+                    <a:lumMod val="75000"/>
+                  </a:schemeClr>
+                </a:solidFill>
+                <a:latin typeface="Source Sans Pro Light" charset="0"/>
+                <a:ea typeface="Source Sans Pro Light" charset="0"/>
+                <a:cs typeface="Source Sans Pro Light" charset="0"/>
+              </a:rPr>
+              <a:t> = 12:26 </a:t>
+            </a:r>
+            <a:r>
+              <a:rPr lang="en-US" sz="1000" dirty="0">
+                <a:solidFill>
+                  <a:schemeClr val="accent2">
+                    <a:lumMod val="75000"/>
+                  </a:schemeClr>
+                </a:solidFill>
+                <a:latin typeface="Source Sans Pro Light" charset="0"/>
+                <a:ea typeface="Source Sans Pro Light" charset="0"/>
+                <a:cs typeface="Source Sans Pro Light" charset="0"/>
+              </a:rPr>
+              <a:t>- </a:t>
+            </a:r>
+            <a:r>
+              <a:rPr lang="en-US" sz="1000" dirty="0" smtClean="0">
+                <a:solidFill>
+                  <a:schemeClr val="accent2">
+                    <a:lumMod val="75000"/>
+                  </a:schemeClr>
+                </a:solidFill>
+                <a:latin typeface="Source Sans Pro Light" charset="0"/>
+                <a:ea typeface="Source Sans Pro Light" charset="0"/>
+                <a:cs typeface="Source Sans Pro Light" charset="0"/>
+              </a:rPr>
+              <a:t>10m =12:16</a:t>
+            </a:r>
+            <a:endParaRPr lang="en-US" sz="1000" dirty="0">
+              <a:solidFill>
+                <a:schemeClr val="accent2">
+                  <a:lumMod val="75000"/>
+                </a:schemeClr>
+              </a:solidFill>
+              <a:latin typeface="Source Sans Pro Light" charset="0"/>
+              <a:ea typeface="Source Sans Pro Light" charset="0"/>
+              <a:cs typeface="Source Sans Pro Light" charset="0"/>
+            </a:endParaRPr>
+          </a:p>
+        </p:txBody>
+      </p:sp>
+      <p:grpSp>
+        <p:nvGrpSpPr>
+          <p:cNvPr id="317" name="Group 316"/>
+          <p:cNvGrpSpPr/>
+          <p:nvPr/>
+        </p:nvGrpSpPr>
+        <p:grpSpPr>
+          <a:xfrm>
+            <a:off x="8106701" y="500752"/>
+            <a:ext cx="699230" cy="345732"/>
+            <a:chOff x="2909362" y="2729624"/>
+            <a:chExt cx="699230" cy="345732"/>
+          </a:xfrm>
+        </p:grpSpPr>
+        <p:sp>
+          <p:nvSpPr>
+            <p:cNvPr id="318" name="Oval 317"/>
+            <p:cNvSpPr/>
+            <p:nvPr/>
+          </p:nvSpPr>
+          <p:spPr>
+            <a:xfrm>
+              <a:off x="3022115" y="2729624"/>
+              <a:ext cx="138633" cy="138633"/>
+            </a:xfrm>
+            <a:prstGeom prst="ellipse">
+              <a:avLst/>
+            </a:prstGeom>
+          </p:spPr>
+          <p:style>
+            <a:lnRef idx="1">
+              <a:schemeClr val="accent4"/>
+            </a:lnRef>
+            <a:fillRef idx="2">
+              <a:schemeClr val="accent4"/>
+            </a:fillRef>
+            <a:effectRef idx="1">
+              <a:schemeClr val="accent4"/>
+            </a:effectRef>
+            <a:fontRef idx="minor">
+              <a:schemeClr val="dk1"/>
+            </a:fontRef>
+          </p:style>
+          <p:txBody>
+            <a:bodyPr rtlCol="0" anchor="ctr"/>
+            <a:lstStyle/>
+            <a:p>
+              <a:pPr algn="ctr"/>
+              <a:endParaRPr lang="en-US" sz="1000">
+                <a:solidFill>
+                  <a:schemeClr val="accent4">
+                    <a:lumMod val="50000"/>
+                  </a:schemeClr>
+                </a:solidFill>
+              </a:endParaRPr>
+            </a:p>
+          </p:txBody>
+        </p:sp>
+        <p:sp>
+          <p:nvSpPr>
+            <p:cNvPr id="319" name="Rectangle 318"/>
+            <p:cNvSpPr/>
+            <p:nvPr/>
+          </p:nvSpPr>
+          <p:spPr>
+            <a:xfrm>
+              <a:off x="2909362" y="2829135"/>
+              <a:ext cx="699230" cy="246221"/>
+            </a:xfrm>
+            <a:prstGeom prst="rect">
+              <a:avLst/>
+            </a:prstGeom>
+          </p:spPr>
+          <p:txBody>
+            <a:bodyPr wrap="none">
+              <a:spAutoFit/>
+            </a:bodyPr>
+            <a:lstStyle/>
+            <a:p>
+              <a:pPr lvl="0" algn="ctr"/>
+              <a:r>
+                <a:rPr lang="en-US" sz="1000" dirty="0" smtClean="0">
+                  <a:solidFill>
+                    <a:schemeClr val="accent4">
+                      <a:lumMod val="50000"/>
+                    </a:schemeClr>
+                  </a:solidFill>
+                  <a:latin typeface="Source Sans Pro Light" charset="0"/>
+                  <a:ea typeface="Source Sans Pro Light" charset="0"/>
+                  <a:cs typeface="Source Sans Pro Light" charset="0"/>
+                </a:rPr>
+                <a:t>12:26, owl</a:t>
+              </a:r>
+              <a:endParaRPr lang="en-US" sz="1000" dirty="0">
+                <a:solidFill>
+                  <a:schemeClr val="accent4">
+                    <a:lumMod val="50000"/>
+                  </a:schemeClr>
+                </a:solidFill>
+                <a:latin typeface="Source Sans Pro Light" charset="0"/>
+                <a:ea typeface="Source Sans Pro Light" charset="0"/>
+                <a:cs typeface="Source Sans Pro Light" charset="0"/>
+              </a:endParaRPr>
+            </a:p>
+          </p:txBody>
+        </p:sp>
+      </p:grpSp>
+    </p:spTree>
+    <p:extLst>
+      <p:ext uri="{BB962C8B-B14F-4D97-AF65-F5344CB8AC3E}">
+        <p14:creationId xmlns:p14="http://schemas.microsoft.com/office/powerpoint/2010/main" val="90176117"/>
       </p:ext>
     </p:extLst>
   </p:cSld>

--- a/docs/img/structured-streaming.pptx
+++ b/docs/img/structured-streaming.pptx
@@ -248,7 +248,7 @@
           <a:p>
             <a:fld id="{66B02B72-AB41-C343-9175-0553C21C4E77}" type="datetimeFigureOut">
               <a:rPr lang="en-US" smtClean="0"/>
-              <a:t>12/14/16</a:t>
+              <a:t>12/21/16</a:t>
             </a:fld>
             <a:endParaRPr lang="en-US"/>
           </a:p>
@@ -418,7 +418,7 @@
           <a:p>
             <a:fld id="{66B02B72-AB41-C343-9175-0553C21C4E77}" type="datetimeFigureOut">
               <a:rPr lang="en-US" smtClean="0"/>
-              <a:t>12/14/16</a:t>
+              <a:t>12/21/16</a:t>
             </a:fld>
             <a:endParaRPr lang="en-US"/>
           </a:p>
@@ -598,7 +598,7 @@
           <a:p>
             <a:fld id="{66B02B72-AB41-C343-9175-0553C21C4E77}" type="datetimeFigureOut">
               <a:rPr lang="en-US" smtClean="0"/>
-              <a:t>12/14/16</a:t>
+              <a:t>12/21/16</a:t>
             </a:fld>
             <a:endParaRPr lang="en-US"/>
           </a:p>
@@ -768,7 +768,7 @@
           <a:p>
             <a:fld id="{66B02B72-AB41-C343-9175-0553C21C4E77}" type="datetimeFigureOut">
               <a:rPr lang="en-US" smtClean="0"/>
-              <a:t>12/14/16</a:t>
+              <a:t>12/21/16</a:t>
             </a:fld>
             <a:endParaRPr lang="en-US"/>
           </a:p>
@@ -1014,7 +1014,7 @@
           <a:p>
             <a:fld id="{66B02B72-AB41-C343-9175-0553C21C4E77}" type="datetimeFigureOut">
               <a:rPr lang="en-US" smtClean="0"/>
-              <a:t>12/14/16</a:t>
+              <a:t>12/21/16</a:t>
             </a:fld>
             <a:endParaRPr lang="en-US"/>
           </a:p>
@@ -1246,7 +1246,7 @@
           <a:p>
             <a:fld id="{66B02B72-AB41-C343-9175-0553C21C4E77}" type="datetimeFigureOut">
               <a:rPr lang="en-US" smtClean="0"/>
-              <a:t>12/14/16</a:t>
+              <a:t>12/21/16</a:t>
             </a:fld>
             <a:endParaRPr lang="en-US"/>
           </a:p>
@@ -1613,7 +1613,7 @@
           <a:p>
             <a:fld id="{66B02B72-AB41-C343-9175-0553C21C4E77}" type="datetimeFigureOut">
               <a:rPr lang="en-US" smtClean="0"/>
-              <a:t>12/14/16</a:t>
+              <a:t>12/21/16</a:t>
             </a:fld>
             <a:endParaRPr lang="en-US"/>
           </a:p>
@@ -1731,7 +1731,7 @@
           <a:p>
             <a:fld id="{66B02B72-AB41-C343-9175-0553C21C4E77}" type="datetimeFigureOut">
               <a:rPr lang="en-US" smtClean="0"/>
-              <a:t>12/14/16</a:t>
+              <a:t>12/21/16</a:t>
             </a:fld>
             <a:endParaRPr lang="en-US"/>
           </a:p>
@@ -1826,7 +1826,7 @@
           <a:p>
             <a:fld id="{66B02B72-AB41-C343-9175-0553C21C4E77}" type="datetimeFigureOut">
               <a:rPr lang="en-US" smtClean="0"/>
-              <a:t>12/14/16</a:t>
+              <a:t>12/21/16</a:t>
             </a:fld>
             <a:endParaRPr lang="en-US"/>
           </a:p>
@@ -2103,7 +2103,7 @@
           <a:p>
             <a:fld id="{66B02B72-AB41-C343-9175-0553C21C4E77}" type="datetimeFigureOut">
               <a:rPr lang="en-US" smtClean="0"/>
-              <a:t>12/14/16</a:t>
+              <a:t>12/21/16</a:t>
             </a:fld>
             <a:endParaRPr lang="en-US"/>
           </a:p>
@@ -2356,7 +2356,7 @@
           <a:p>
             <a:fld id="{66B02B72-AB41-C343-9175-0553C21C4E77}" type="datetimeFigureOut">
               <a:rPr lang="en-US" smtClean="0"/>
-              <a:t>12/14/16</a:t>
+              <a:t>12/21/16</a:t>
             </a:fld>
             <a:endParaRPr lang="en-US"/>
           </a:p>
@@ -2569,7 +2569,7 @@
           <a:p>
             <a:fld id="{66B02B72-AB41-C343-9175-0553C21C4E77}" type="datetimeFigureOut">
               <a:rPr lang="en-US" smtClean="0"/>
-              <a:t>12/14/16</a:t>
+              <a:t>12/21/16</a:t>
             </a:fld>
             <a:endParaRPr lang="en-US"/>
           </a:p>
@@ -14639,27 +14639,8 @@
                 <a:ea typeface="Source Sans Pro Light" charset="0"/>
                 <a:cs typeface="Source Sans Pro Light" charset="0"/>
               </a:rPr>
-              <a:t>ounts </a:t>
-            </a:r>
-            <a:r>
-              <a:rPr lang="en-US" sz="1600" b="0" i="0" dirty="0" smtClean="0">
-                <a:solidFill>
-                  <a:srgbClr val="C00000"/>
-                </a:solidFill>
-                <a:latin typeface="Source Sans Pro Light" charset="0"/>
-                <a:ea typeface="Source Sans Pro Light" charset="0"/>
-                <a:cs typeface="Source Sans Pro Light" charset="0"/>
-              </a:rPr>
-              <a:t>updated for </a:t>
-            </a:r>
-            <a:endParaRPr lang="en-US" sz="1600" b="0" i="0" dirty="0" smtClean="0">
-              <a:solidFill>
-                <a:srgbClr val="C00000"/>
-              </a:solidFill>
-              <a:latin typeface="Source Sans Pro Light" charset="0"/>
-              <a:ea typeface="Source Sans Pro Light" charset="0"/>
-              <a:cs typeface="Source Sans Pro Light" charset="0"/>
-            </a:endParaRPr>
+              <a:t>ounts updated for </a:t>
+            </a:r>
           </a:p>
           <a:p>
             <a:pPr algn="ctr"/>
@@ -15320,51 +15301,7 @@
                 <a:ea typeface="Source Sans Pro Light" charset="0"/>
                 <a:cs typeface="Source Sans Pro Light" charset="0"/>
               </a:rPr>
-              <a:t> for 12:00 </a:t>
-            </a:r>
-            <a:r>
-              <a:rPr lang="en-US" sz="1400" dirty="0" smtClean="0">
-                <a:solidFill>
-                  <a:srgbClr val="C00000"/>
-                </a:solidFill>
-                <a:latin typeface="Source Sans Pro Light" charset="0"/>
-                <a:ea typeface="Source Sans Pro Light" charset="0"/>
-                <a:cs typeface="Source Sans Pro Light" charset="0"/>
-              </a:rPr>
-              <a:t>- </a:t>
-            </a:r>
-            <a:r>
-              <a:rPr lang="en-US" sz="1400" dirty="0" smtClean="0">
-                <a:solidFill>
-                  <a:srgbClr val="C00000"/>
-                </a:solidFill>
-                <a:latin typeface="Source Sans Pro Light" charset="0"/>
-                <a:ea typeface="Source Sans Pro Light" charset="0"/>
-                <a:cs typeface="Source Sans Pro Light" charset="0"/>
-              </a:rPr>
-              <a:t>12:10 added to table when watermark &gt; 12:10, late data counted, and </a:t>
-            </a:r>
-            <a:r>
-              <a:rPr lang="en-US" sz="1400" dirty="0" smtClean="0">
-                <a:solidFill>
-                  <a:srgbClr val="C00000"/>
-                </a:solidFill>
-                <a:latin typeface="Source Sans Pro Light" charset="0"/>
-                <a:ea typeface="Source Sans Pro Light" charset="0"/>
-                <a:cs typeface="Source Sans Pro Light" charset="0"/>
-              </a:rPr>
-              <a:t>intermediate state for window cleared</a:t>
-            </a:r>
-            <a:r>
-              <a:rPr lang="en-US" sz="1400" dirty="0" smtClean="0">
-                <a:solidFill>
-                  <a:srgbClr val="C00000"/>
-                </a:solidFill>
-                <a:latin typeface="Source Sans Pro Light" charset="0"/>
-                <a:ea typeface="Source Sans Pro Light" charset="0"/>
-                <a:cs typeface="Source Sans Pro Light" charset="0"/>
-              </a:rPr>
-              <a:t> </a:t>
+              <a:t> for 12:00 - 12:10 added to table when watermark &gt; 12:10, late data counted, and intermediate state for window cleared </a:t>
             </a:r>
             <a:endParaRPr lang="en-US" sz="1400" b="0" i="0" dirty="0">
               <a:solidFill>
@@ -15595,9 +15532,7 @@
           </a:prstGeom>
           <a:noFill/>
           <a:ln>
-            <a:solidFill>
-              <a:schemeClr val="accent1"/>
-            </a:solidFill>
+            <a:noFill/>
           </a:ln>
         </p:spPr>
         <p:style>
@@ -18583,16 +18518,6 @@
               </a:rPr>
               <a:t>- 10m =12:04</a:t>
             </a:r>
-            <a:endParaRPr lang="en-US" sz="1000" dirty="0">
-              <a:solidFill>
-                <a:schemeClr val="accent2">
-                  <a:lumMod val="75000"/>
-                </a:schemeClr>
-              </a:solidFill>
-              <a:latin typeface="Source Sans Pro Light" charset="0"/>
-              <a:ea typeface="Source Sans Pro Light" charset="0"/>
-              <a:cs typeface="Source Sans Pro Light" charset="0"/>
-            </a:endParaRPr>
           </a:p>
         </p:txBody>
       </p:sp>
@@ -19722,23 +19647,7 @@
                           <a:ea typeface="Source Sans Pro Light" charset="0"/>
                           <a:cs typeface="Source Sans Pro Light" charset="0"/>
                         </a:rPr>
-                        <a:t> </a:t>
-                      </a:r>
-                      <a:r>
-                        <a:rPr lang="en-US" sz="1000" b="0" i="0" baseline="0" dirty="0" smtClean="0">
-                          <a:latin typeface="Source Sans Pro Light" charset="0"/>
-                          <a:ea typeface="Source Sans Pro Light" charset="0"/>
-                          <a:cs typeface="Source Sans Pro Light" charset="0"/>
-                        </a:rPr>
-                        <a:t>- </a:t>
-                      </a:r>
-                      <a:r>
-                        <a:rPr lang="en-US" sz="1000" b="0" i="0" baseline="0" dirty="0" smtClean="0">
-                          <a:latin typeface="Source Sans Pro Light" charset="0"/>
-                          <a:ea typeface="Source Sans Pro Light" charset="0"/>
-                          <a:cs typeface="Source Sans Pro Light" charset="0"/>
-                        </a:rPr>
-                        <a:t>12:15</a:t>
+                        <a:t> - 12:15</a:t>
                       </a:r>
                       <a:endParaRPr lang="en-US" sz="1000" b="0" i="0" dirty="0">
                         <a:latin typeface="Source Sans Pro Light" charset="0"/>
@@ -19980,23 +19889,7 @@
                           <a:ea typeface="Source Sans Pro Light" charset="0"/>
                           <a:cs typeface="Source Sans Pro Light" charset="0"/>
                         </a:rPr>
-                        <a:t> </a:t>
-                      </a:r>
-                      <a:r>
-                        <a:rPr lang="en-US" sz="1000" b="0" i="0" baseline="0" dirty="0" smtClean="0">
-                          <a:latin typeface="Source Sans Pro Light" charset="0"/>
-                          <a:ea typeface="Source Sans Pro Light" charset="0"/>
-                          <a:cs typeface="Source Sans Pro Light" charset="0"/>
-                        </a:rPr>
-                        <a:t>- </a:t>
-                      </a:r>
-                      <a:r>
-                        <a:rPr lang="en-US" sz="1000" b="0" i="0" baseline="0" dirty="0" smtClean="0">
-                          <a:latin typeface="Source Sans Pro Light" charset="0"/>
-                          <a:ea typeface="Source Sans Pro Light" charset="0"/>
-                          <a:cs typeface="Source Sans Pro Light" charset="0"/>
-                        </a:rPr>
-                        <a:t>12:15</a:t>
+                        <a:t> - 12:15</a:t>
                       </a:r>
                       <a:endParaRPr lang="en-US" sz="1000" b="0" i="0" dirty="0">
                         <a:latin typeface="Source Sans Pro Light" charset="0"/>

--- a/docs/img/structured-streaming.pptx
+++ b/docs/img/structured-streaming.pptx
@@ -15249,7 +15249,31 @@
                 <a:ea typeface="Source Sans Pro Light" charset="0"/>
                 <a:cs typeface="Source Sans Pro Light" charset="0"/>
               </a:rPr>
-              <a:t>(5 min triggers)</a:t>
+              <a:t>with </a:t>
+            </a:r>
+            <a:r>
+              <a:rPr lang="en-US" dirty="0" smtClean="0">
+                <a:latin typeface="Source Sans Pro Light" charset="0"/>
+                <a:ea typeface="Source Sans Pro Light" charset="0"/>
+                <a:cs typeface="Source Sans Pro Light" charset="0"/>
+              </a:rPr>
+              <a:t>5 </a:t>
+            </a:r>
+            <a:r>
+              <a:rPr lang="en-US" dirty="0" smtClean="0">
+                <a:latin typeface="Source Sans Pro Light" charset="0"/>
+                <a:ea typeface="Source Sans Pro Light" charset="0"/>
+                <a:cs typeface="Source Sans Pro Light" charset="0"/>
+              </a:rPr>
+              <a:t>min </a:t>
+            </a:r>
+            <a:r>
+              <a:rPr lang="en-US" dirty="0" smtClean="0">
+                <a:latin typeface="Source Sans Pro Light" charset="0"/>
+                <a:ea typeface="Source Sans Pro Light" charset="0"/>
+                <a:cs typeface="Source Sans Pro Light" charset="0"/>
+              </a:rPr>
+              <a:t>triggers</a:t>
             </a:r>
             <a:endParaRPr lang="en" sz="1800" dirty="0">
               <a:latin typeface="Source Sans Pro Light" charset="0"/>
@@ -15597,7 +15621,7 @@
           <p:nvPr>
             <p:extLst>
               <p:ext uri="{D42A27DB-BD31-4B8C-83A1-F6EECF244321}">
-                <p14:modId xmlns:p14="http://schemas.microsoft.com/office/powerpoint/2010/main" val="910305956"/>
+                <p14:modId xmlns:p14="http://schemas.microsoft.com/office/powerpoint/2010/main" val="175352973"/>
               </p:ext>
             </p:extLst>
           </p:nvPr>
@@ -16096,7 +16120,7 @@
         </p:nvSpPr>
         <p:spPr>
           <a:xfrm>
-            <a:off x="1655301" y="3093372"/>
+            <a:off x="1655301" y="3132117"/>
             <a:ext cx="570989" cy="307777"/>
           </a:xfrm>
           <a:prstGeom prst="rect">
@@ -16134,7 +16158,7 @@
         </p:nvSpPr>
         <p:spPr>
           <a:xfrm>
-            <a:off x="1660637" y="2438474"/>
+            <a:off x="1660637" y="2477219"/>
             <a:ext cx="570989" cy="307777"/>
           </a:xfrm>
           <a:prstGeom prst="rect">
@@ -16172,7 +16196,7 @@
         </p:nvSpPr>
         <p:spPr>
           <a:xfrm>
-            <a:off x="1655301" y="1783576"/>
+            <a:off x="1655301" y="1822321"/>
             <a:ext cx="570989" cy="307777"/>
           </a:xfrm>
           <a:prstGeom prst="rect">
@@ -16210,7 +16234,7 @@
         </p:nvSpPr>
         <p:spPr>
           <a:xfrm>
-            <a:off x="1655301" y="1141987"/>
+            <a:off x="1655301" y="1180732"/>
             <a:ext cx="570989" cy="307777"/>
           </a:xfrm>
           <a:prstGeom prst="rect">
@@ -16240,172 +16264,6 @@
           </a:p>
         </p:txBody>
       </p:sp>
-      <p:cxnSp>
-        <p:nvCxnSpPr>
-          <p:cNvPr id="101" name="Straight Connector 100"/>
-          <p:cNvCxnSpPr>
-            <a:stCxn id="80" idx="6"/>
-          </p:cNvCxnSpPr>
-          <p:nvPr/>
-        </p:nvCxnSpPr>
-        <p:spPr>
-          <a:xfrm>
-            <a:off x="5433006" y="2120892"/>
-            <a:ext cx="836383" cy="10349"/>
-          </a:xfrm>
-          <a:prstGeom prst="line">
-            <a:avLst/>
-          </a:prstGeom>
-          <a:ln w="28575">
-            <a:solidFill>
-              <a:schemeClr val="accent1"/>
-            </a:solidFill>
-            <a:prstDash val="sysDot"/>
-          </a:ln>
-        </p:spPr>
-        <p:style>
-          <a:lnRef idx="2">
-            <a:schemeClr val="accent1"/>
-          </a:lnRef>
-          <a:fillRef idx="0">
-            <a:schemeClr val="accent1"/>
-          </a:fillRef>
-          <a:effectRef idx="1">
-            <a:schemeClr val="accent1"/>
-          </a:effectRef>
-          <a:fontRef idx="minor">
-            <a:schemeClr val="tx1"/>
-          </a:fontRef>
-        </p:style>
-      </p:cxnSp>
-      <p:cxnSp>
-        <p:nvCxnSpPr>
-          <p:cNvPr id="102" name="Straight Connector 101"/>
-          <p:cNvCxnSpPr/>
-          <p:nvPr/>
-        </p:nvCxnSpPr>
-        <p:spPr>
-          <a:xfrm>
-            <a:off x="6282198" y="3459182"/>
-            <a:ext cx="1350345" cy="0"/>
-          </a:xfrm>
-          <a:prstGeom prst="line">
-            <a:avLst/>
-          </a:prstGeom>
-          <a:effectLst/>
-        </p:spPr>
-        <p:style>
-          <a:lnRef idx="3">
-            <a:schemeClr val="accent2"/>
-          </a:lnRef>
-          <a:fillRef idx="0">
-            <a:schemeClr val="accent2"/>
-          </a:fillRef>
-          <a:effectRef idx="2">
-            <a:schemeClr val="accent2"/>
-          </a:effectRef>
-          <a:fontRef idx="minor">
-            <a:schemeClr val="tx1"/>
-          </a:fontRef>
-        </p:style>
-      </p:cxnSp>
-      <p:cxnSp>
-        <p:nvCxnSpPr>
-          <p:cNvPr id="110" name="Straight Connector 109"/>
-          <p:cNvCxnSpPr/>
-          <p:nvPr/>
-        </p:nvCxnSpPr>
-        <p:spPr>
-          <a:xfrm>
-            <a:off x="7632542" y="2513133"/>
-            <a:ext cx="1346151" cy="0"/>
-          </a:xfrm>
-          <a:prstGeom prst="line">
-            <a:avLst/>
-          </a:prstGeom>
-        </p:spPr>
-        <p:style>
-          <a:lnRef idx="3">
-            <a:schemeClr val="accent2"/>
-          </a:lnRef>
-          <a:fillRef idx="0">
-            <a:schemeClr val="accent2"/>
-          </a:fillRef>
-          <a:effectRef idx="2">
-            <a:schemeClr val="accent2"/>
-          </a:effectRef>
-          <a:fontRef idx="minor">
-            <a:schemeClr val="tx1"/>
-          </a:fontRef>
-        </p:style>
-      </p:cxnSp>
-      <p:cxnSp>
-        <p:nvCxnSpPr>
-          <p:cNvPr id="146" name="Straight Connector 145"/>
-          <p:cNvCxnSpPr/>
-          <p:nvPr/>
-        </p:nvCxnSpPr>
-        <p:spPr>
-          <a:xfrm flipV="1">
-            <a:off x="7632542" y="2513133"/>
-            <a:ext cx="0" cy="946049"/>
-          </a:xfrm>
-          <a:prstGeom prst="line">
-            <a:avLst/>
-          </a:prstGeom>
-          <a:effectLst/>
-        </p:spPr>
-        <p:style>
-          <a:lnRef idx="3">
-            <a:schemeClr val="accent2"/>
-          </a:lnRef>
-          <a:fillRef idx="0">
-            <a:schemeClr val="accent2"/>
-          </a:fillRef>
-          <a:effectRef idx="2">
-            <a:schemeClr val="accent2"/>
-          </a:effectRef>
-          <a:fontRef idx="minor">
-            <a:schemeClr val="tx1"/>
-          </a:fontRef>
-        </p:style>
-      </p:cxnSp>
-      <p:cxnSp>
-        <p:nvCxnSpPr>
-          <p:cNvPr id="156" name="Straight Connector 155"/>
-          <p:cNvCxnSpPr/>
-          <p:nvPr/>
-        </p:nvCxnSpPr>
-        <p:spPr>
-          <a:xfrm>
-            <a:off x="7416864" y="1184367"/>
-            <a:ext cx="213002" cy="0"/>
-          </a:xfrm>
-          <a:prstGeom prst="line">
-            <a:avLst/>
-          </a:prstGeom>
-          <a:ln w="28575">
-            <a:solidFill>
-              <a:schemeClr val="accent1"/>
-            </a:solidFill>
-            <a:prstDash val="sysDot"/>
-          </a:ln>
-        </p:spPr>
-        <p:style>
-          <a:lnRef idx="2">
-            <a:schemeClr val="accent1"/>
-          </a:lnRef>
-          <a:fillRef idx="0">
-            <a:schemeClr val="accent1"/>
-          </a:fillRef>
-          <a:effectRef idx="1">
-            <a:schemeClr val="accent1"/>
-          </a:effectRef>
-          <a:fontRef idx="minor">
-            <a:schemeClr val="tx1"/>
-          </a:fontRef>
-        </p:style>
-      </p:cxnSp>
       <p:sp>
         <p:nvSpPr>
           <p:cNvPr id="158" name="Rectangle 157"/>
@@ -16456,37 +16314,6 @@
           </a:p>
         </p:txBody>
       </p:sp>
-      <p:cxnSp>
-        <p:nvCxnSpPr>
-          <p:cNvPr id="170" name="Straight Connector 169"/>
-          <p:cNvCxnSpPr/>
-          <p:nvPr/>
-        </p:nvCxnSpPr>
-        <p:spPr>
-          <a:xfrm flipH="1" flipV="1">
-            <a:off x="6282198" y="3454406"/>
-            <a:ext cx="2677" cy="519317"/>
-          </a:xfrm>
-          <a:prstGeom prst="line">
-            <a:avLst/>
-          </a:prstGeom>
-          <a:effectLst/>
-        </p:spPr>
-        <p:style>
-          <a:lnRef idx="3">
-            <a:schemeClr val="accent2"/>
-          </a:lnRef>
-          <a:fillRef idx="0">
-            <a:schemeClr val="accent2"/>
-          </a:fillRef>
-          <a:effectRef idx="2">
-            <a:schemeClr val="accent2"/>
-          </a:effectRef>
-          <a:fontRef idx="minor">
-            <a:schemeClr val="tx1"/>
-          </a:fontRef>
-        </p:style>
-      </p:cxnSp>
       <p:sp>
         <p:nvSpPr>
           <p:cNvPr id="5" name="Rectangle 4"/>
@@ -16704,82 +16531,6 @@
       </p:sp>
       <p:cxnSp>
         <p:nvCxnSpPr>
-          <p:cNvPr id="172" name="Straight Connector 171"/>
-          <p:cNvCxnSpPr>
-            <a:stCxn id="86" idx="6"/>
-          </p:cNvCxnSpPr>
-          <p:nvPr/>
-        </p:nvCxnSpPr>
-        <p:spPr>
-          <a:xfrm flipV="1">
-            <a:off x="4643383" y="2890444"/>
-            <a:ext cx="292138" cy="1"/>
-          </a:xfrm>
-          <a:prstGeom prst="line">
-            <a:avLst/>
-          </a:prstGeom>
-          <a:ln w="28575">
-            <a:solidFill>
-              <a:schemeClr val="accent1"/>
-            </a:solidFill>
-            <a:prstDash val="sysDot"/>
-          </a:ln>
-        </p:spPr>
-        <p:style>
-          <a:lnRef idx="2">
-            <a:schemeClr val="accent1"/>
-          </a:lnRef>
-          <a:fillRef idx="0">
-            <a:schemeClr val="accent1"/>
-          </a:fillRef>
-          <a:effectRef idx="1">
-            <a:schemeClr val="accent1"/>
-          </a:effectRef>
-          <a:fontRef idx="minor">
-            <a:schemeClr val="tx1"/>
-          </a:fontRef>
-        </p:style>
-      </p:cxnSp>
-      <p:cxnSp>
-        <p:nvCxnSpPr>
-          <p:cNvPr id="185" name="Straight Connector 184"/>
-          <p:cNvCxnSpPr>
-            <a:endCxn id="92" idx="3"/>
-          </p:cNvCxnSpPr>
-          <p:nvPr/>
-        </p:nvCxnSpPr>
-        <p:spPr>
-          <a:xfrm flipV="1">
-            <a:off x="6284540" y="2024338"/>
-            <a:ext cx="468082" cy="106904"/>
-          </a:xfrm>
-          <a:prstGeom prst="line">
-            <a:avLst/>
-          </a:prstGeom>
-          <a:ln w="28575">
-            <a:solidFill>
-              <a:schemeClr val="accent1"/>
-            </a:solidFill>
-            <a:prstDash val="sysDot"/>
-          </a:ln>
-        </p:spPr>
-        <p:style>
-          <a:lnRef idx="2">
-            <a:schemeClr val="accent1"/>
-          </a:lnRef>
-          <a:fillRef idx="0">
-            <a:schemeClr val="accent1"/>
-          </a:fillRef>
-          <a:effectRef idx="1">
-            <a:schemeClr val="accent1"/>
-          </a:effectRef>
-          <a:fontRef idx="minor">
-            <a:schemeClr val="tx1"/>
-          </a:fontRef>
-        </p:style>
-      </p:cxnSp>
-      <p:cxnSp>
-        <p:nvCxnSpPr>
           <p:cNvPr id="187" name="Straight Connector 186"/>
           <p:cNvCxnSpPr/>
           <p:nvPr/>
@@ -16793,44 +16544,6 @@
             <a:avLst/>
           </a:prstGeom>
           <a:ln>
-            <a:prstDash val="sysDot"/>
-          </a:ln>
-        </p:spPr>
-        <p:style>
-          <a:lnRef idx="2">
-            <a:schemeClr val="accent1"/>
-          </a:lnRef>
-          <a:fillRef idx="0">
-            <a:schemeClr val="accent1"/>
-          </a:fillRef>
-          <a:effectRef idx="1">
-            <a:schemeClr val="accent1"/>
-          </a:effectRef>
-          <a:fontRef idx="minor">
-            <a:schemeClr val="tx1"/>
-          </a:fontRef>
-        </p:style>
-      </p:cxnSp>
-      <p:cxnSp>
-        <p:nvCxnSpPr>
-          <p:cNvPr id="189" name="Straight Connector 188"/>
-          <p:cNvCxnSpPr>
-            <a:endCxn id="80" idx="3"/>
-          </p:cNvCxnSpPr>
-          <p:nvPr/>
-        </p:nvCxnSpPr>
-        <p:spPr>
-          <a:xfrm flipV="1">
-            <a:off x="4938197" y="2169906"/>
-            <a:ext cx="376478" cy="718959"/>
-          </a:xfrm>
-          <a:prstGeom prst="line">
-            <a:avLst/>
-          </a:prstGeom>
-          <a:ln w="28575">
-            <a:solidFill>
-              <a:schemeClr val="accent1"/>
-            </a:solidFill>
             <a:prstDash val="sysDot"/>
           </a:ln>
         </p:spPr>
@@ -18418,45 +18131,6 @@
           </p:txBody>
         </p:sp>
       </p:grpSp>
-      <p:cxnSp>
-        <p:nvCxnSpPr>
-          <p:cNvPr id="238" name="Straight Connector 237"/>
-          <p:cNvCxnSpPr>
-            <a:stCxn id="92" idx="7"/>
-            <a:endCxn id="225" idx="3"/>
-          </p:cNvCxnSpPr>
-          <p:nvPr/>
-        </p:nvCxnSpPr>
-        <p:spPr>
-          <a:xfrm flipV="1">
-            <a:off x="6850651" y="1233954"/>
-            <a:ext cx="517199" cy="692355"/>
-          </a:xfrm>
-          <a:prstGeom prst="line">
-            <a:avLst/>
-          </a:prstGeom>
-          <a:ln w="28575">
-            <a:solidFill>
-              <a:schemeClr val="accent1"/>
-            </a:solidFill>
-            <a:prstDash val="sysDot"/>
-          </a:ln>
-        </p:spPr>
-        <p:style>
-          <a:lnRef idx="2">
-            <a:schemeClr val="accent1"/>
-          </a:lnRef>
-          <a:fillRef idx="0">
-            <a:schemeClr val="accent1"/>
-          </a:fillRef>
-          <a:effectRef idx="1">
-            <a:schemeClr val="accent1"/>
-          </a:effectRef>
-          <a:fontRef idx="minor">
-            <a:schemeClr val="tx1"/>
-          </a:fontRef>
-        </p:style>
-      </p:cxnSp>
       <p:sp>
         <p:nvSpPr>
           <p:cNvPr id="250" name="Rectangle 249"/>
@@ -18727,7 +18401,7 @@
         </p:nvSpPr>
         <p:spPr>
           <a:xfrm>
-            <a:off x="1685405" y="581112"/>
+            <a:off x="1685405" y="619857"/>
             <a:ext cx="570989" cy="307777"/>
           </a:xfrm>
           <a:prstGeom prst="rect">
@@ -18757,80 +18431,322 @@
           </a:p>
         </p:txBody>
       </p:sp>
-      <p:cxnSp>
-        <p:nvCxnSpPr>
-          <p:cNvPr id="265" name="Straight Connector 264"/>
-          <p:cNvCxnSpPr>
-            <a:stCxn id="151" idx="3"/>
-          </p:cNvCxnSpPr>
+      <p:grpSp>
+        <p:nvGrpSpPr>
+          <p:cNvPr id="3" name="Group 2"/>
+          <p:cNvGrpSpPr/>
           <p:nvPr/>
-        </p:nvCxnSpPr>
-        <p:spPr>
-          <a:xfrm flipH="1">
-            <a:off x="7636416" y="619083"/>
-            <a:ext cx="603340" cy="557015"/>
+        </p:nvGrpSpPr>
+        <p:grpSpPr>
+          <a:xfrm>
+            <a:off x="4643383" y="580418"/>
+            <a:ext cx="5557911" cy="2310027"/>
+            <a:chOff x="4643383" y="580418"/>
+            <a:chExt cx="5557911" cy="2310027"/>
           </a:xfrm>
-          <a:prstGeom prst="line">
-            <a:avLst/>
-          </a:prstGeom>
-          <a:ln w="28575">
-            <a:solidFill>
+        </p:grpSpPr>
+        <p:cxnSp>
+          <p:nvCxnSpPr>
+            <p:cNvPr id="101" name="Straight Connector 100"/>
+            <p:cNvCxnSpPr>
+              <a:stCxn id="80" idx="6"/>
+            </p:cNvCxnSpPr>
+            <p:nvPr/>
+          </p:nvCxnSpPr>
+          <p:spPr>
+            <a:xfrm>
+              <a:off x="5433006" y="2120892"/>
+              <a:ext cx="836383" cy="10349"/>
+            </a:xfrm>
+            <a:prstGeom prst="line">
+              <a:avLst/>
+            </a:prstGeom>
+            <a:ln w="28575">
+              <a:solidFill>
+                <a:schemeClr val="accent1"/>
+              </a:solidFill>
+              <a:prstDash val="sysDot"/>
+            </a:ln>
+          </p:spPr>
+          <p:style>
+            <a:lnRef idx="2">
               <a:schemeClr val="accent1"/>
-            </a:solidFill>
-            <a:prstDash val="sysDot"/>
-          </a:ln>
-        </p:spPr>
-        <p:style>
-          <a:lnRef idx="2">
-            <a:schemeClr val="accent1"/>
-          </a:lnRef>
-          <a:fillRef idx="0">
-            <a:schemeClr val="accent1"/>
-          </a:fillRef>
-          <a:effectRef idx="1">
-            <a:schemeClr val="accent1"/>
-          </a:effectRef>
-          <a:fontRef idx="minor">
-            <a:schemeClr val="tx1"/>
-          </a:fontRef>
-        </p:style>
-      </p:cxnSp>
-      <p:cxnSp>
-        <p:nvCxnSpPr>
-          <p:cNvPr id="268" name="Straight Connector 267"/>
-          <p:cNvCxnSpPr/>
-          <p:nvPr/>
-        </p:nvCxnSpPr>
-        <p:spPr>
-          <a:xfrm>
-            <a:off x="8350105" y="580418"/>
-            <a:ext cx="1851189" cy="0"/>
-          </a:xfrm>
-          <a:prstGeom prst="line">
-            <a:avLst/>
-          </a:prstGeom>
-          <a:ln w="28575">
-            <a:solidFill>
+            </a:lnRef>
+            <a:fillRef idx="0">
               <a:schemeClr val="accent1"/>
-            </a:solidFill>
-            <a:prstDash val="sysDot"/>
-          </a:ln>
-        </p:spPr>
-        <p:style>
-          <a:lnRef idx="2">
-            <a:schemeClr val="accent1"/>
-          </a:lnRef>
-          <a:fillRef idx="0">
-            <a:schemeClr val="accent1"/>
-          </a:fillRef>
-          <a:effectRef idx="1">
-            <a:schemeClr val="accent1"/>
-          </a:effectRef>
-          <a:fontRef idx="minor">
-            <a:schemeClr val="tx1"/>
-          </a:fontRef>
-        </p:style>
-      </p:cxnSp>
+            </a:fillRef>
+            <a:effectRef idx="1">
+              <a:schemeClr val="accent1"/>
+            </a:effectRef>
+            <a:fontRef idx="minor">
+              <a:schemeClr val="tx1"/>
+            </a:fontRef>
+          </p:style>
+        </p:cxnSp>
+        <p:cxnSp>
+          <p:nvCxnSpPr>
+            <p:cNvPr id="156" name="Straight Connector 155"/>
+            <p:cNvCxnSpPr/>
+            <p:nvPr/>
+          </p:nvCxnSpPr>
+          <p:spPr>
+            <a:xfrm>
+              <a:off x="7416864" y="1184367"/>
+              <a:ext cx="213002" cy="0"/>
+            </a:xfrm>
+            <a:prstGeom prst="line">
+              <a:avLst/>
+            </a:prstGeom>
+            <a:ln w="28575">
+              <a:solidFill>
+                <a:schemeClr val="accent1"/>
+              </a:solidFill>
+              <a:prstDash val="sysDot"/>
+            </a:ln>
+          </p:spPr>
+          <p:style>
+            <a:lnRef idx="2">
+              <a:schemeClr val="accent1"/>
+            </a:lnRef>
+            <a:fillRef idx="0">
+              <a:schemeClr val="accent1"/>
+            </a:fillRef>
+            <a:effectRef idx="1">
+              <a:schemeClr val="accent1"/>
+            </a:effectRef>
+            <a:fontRef idx="minor">
+              <a:schemeClr val="tx1"/>
+            </a:fontRef>
+          </p:style>
+        </p:cxnSp>
+        <p:cxnSp>
+          <p:nvCxnSpPr>
+            <p:cNvPr id="172" name="Straight Connector 171"/>
+            <p:cNvCxnSpPr>
+              <a:stCxn id="86" idx="6"/>
+            </p:cNvCxnSpPr>
+            <p:nvPr/>
+          </p:nvCxnSpPr>
+          <p:spPr>
+            <a:xfrm flipV="1">
+              <a:off x="4643383" y="2890444"/>
+              <a:ext cx="292138" cy="1"/>
+            </a:xfrm>
+            <a:prstGeom prst="line">
+              <a:avLst/>
+            </a:prstGeom>
+            <a:ln w="28575">
+              <a:solidFill>
+                <a:schemeClr val="accent1"/>
+              </a:solidFill>
+              <a:prstDash val="sysDot"/>
+            </a:ln>
+          </p:spPr>
+          <p:style>
+            <a:lnRef idx="2">
+              <a:schemeClr val="accent1"/>
+            </a:lnRef>
+            <a:fillRef idx="0">
+              <a:schemeClr val="accent1"/>
+            </a:fillRef>
+            <a:effectRef idx="1">
+              <a:schemeClr val="accent1"/>
+            </a:effectRef>
+            <a:fontRef idx="minor">
+              <a:schemeClr val="tx1"/>
+            </a:fontRef>
+          </p:style>
+        </p:cxnSp>
+        <p:cxnSp>
+          <p:nvCxnSpPr>
+            <p:cNvPr id="185" name="Straight Connector 184"/>
+            <p:cNvCxnSpPr>
+              <a:endCxn id="92" idx="3"/>
+            </p:cNvCxnSpPr>
+            <p:nvPr/>
+          </p:nvCxnSpPr>
+          <p:spPr>
+            <a:xfrm flipV="1">
+              <a:off x="6284540" y="2024338"/>
+              <a:ext cx="468082" cy="106904"/>
+            </a:xfrm>
+            <a:prstGeom prst="line">
+              <a:avLst/>
+            </a:prstGeom>
+            <a:ln w="28575">
+              <a:solidFill>
+                <a:schemeClr val="accent1"/>
+              </a:solidFill>
+              <a:prstDash val="sysDot"/>
+            </a:ln>
+          </p:spPr>
+          <p:style>
+            <a:lnRef idx="2">
+              <a:schemeClr val="accent1"/>
+            </a:lnRef>
+            <a:fillRef idx="0">
+              <a:schemeClr val="accent1"/>
+            </a:fillRef>
+            <a:effectRef idx="1">
+              <a:schemeClr val="accent1"/>
+            </a:effectRef>
+            <a:fontRef idx="minor">
+              <a:schemeClr val="tx1"/>
+            </a:fontRef>
+          </p:style>
+        </p:cxnSp>
+        <p:cxnSp>
+          <p:nvCxnSpPr>
+            <p:cNvPr id="189" name="Straight Connector 188"/>
+            <p:cNvCxnSpPr>
+              <a:endCxn id="80" idx="3"/>
+            </p:cNvCxnSpPr>
+            <p:nvPr/>
+          </p:nvCxnSpPr>
+          <p:spPr>
+            <a:xfrm flipV="1">
+              <a:off x="4938197" y="2169906"/>
+              <a:ext cx="376478" cy="718959"/>
+            </a:xfrm>
+            <a:prstGeom prst="line">
+              <a:avLst/>
+            </a:prstGeom>
+            <a:ln w="28575">
+              <a:solidFill>
+                <a:schemeClr val="accent1"/>
+              </a:solidFill>
+              <a:prstDash val="sysDot"/>
+            </a:ln>
+          </p:spPr>
+          <p:style>
+            <a:lnRef idx="2">
+              <a:schemeClr val="accent1"/>
+            </a:lnRef>
+            <a:fillRef idx="0">
+              <a:schemeClr val="accent1"/>
+            </a:fillRef>
+            <a:effectRef idx="1">
+              <a:schemeClr val="accent1"/>
+            </a:effectRef>
+            <a:fontRef idx="minor">
+              <a:schemeClr val="tx1"/>
+            </a:fontRef>
+          </p:style>
+        </p:cxnSp>
+        <p:cxnSp>
+          <p:nvCxnSpPr>
+            <p:cNvPr id="238" name="Straight Connector 237"/>
+            <p:cNvCxnSpPr>
+              <a:stCxn id="92" idx="7"/>
+              <a:endCxn id="225" idx="3"/>
+            </p:cNvCxnSpPr>
+            <p:nvPr/>
+          </p:nvCxnSpPr>
+          <p:spPr>
+            <a:xfrm flipV="1">
+              <a:off x="6850651" y="1233954"/>
+              <a:ext cx="517199" cy="692355"/>
+            </a:xfrm>
+            <a:prstGeom prst="line">
+              <a:avLst/>
+            </a:prstGeom>
+            <a:ln w="28575">
+              <a:solidFill>
+                <a:schemeClr val="accent1"/>
+              </a:solidFill>
+              <a:prstDash val="sysDot"/>
+            </a:ln>
+          </p:spPr>
+          <p:style>
+            <a:lnRef idx="2">
+              <a:schemeClr val="accent1"/>
+            </a:lnRef>
+            <a:fillRef idx="0">
+              <a:schemeClr val="accent1"/>
+            </a:fillRef>
+            <a:effectRef idx="1">
+              <a:schemeClr val="accent1"/>
+            </a:effectRef>
+            <a:fontRef idx="minor">
+              <a:schemeClr val="tx1"/>
+            </a:fontRef>
+          </p:style>
+        </p:cxnSp>
+        <p:cxnSp>
+          <p:nvCxnSpPr>
+            <p:cNvPr id="265" name="Straight Connector 264"/>
+            <p:cNvCxnSpPr>
+              <a:stCxn id="151" idx="3"/>
+            </p:cNvCxnSpPr>
+            <p:nvPr/>
+          </p:nvCxnSpPr>
+          <p:spPr>
+            <a:xfrm flipH="1">
+              <a:off x="7636416" y="619083"/>
+              <a:ext cx="603340" cy="557015"/>
+            </a:xfrm>
+            <a:prstGeom prst="line">
+              <a:avLst/>
+            </a:prstGeom>
+            <a:ln w="28575">
+              <a:solidFill>
+                <a:schemeClr val="accent1"/>
+              </a:solidFill>
+              <a:prstDash val="sysDot"/>
+            </a:ln>
+          </p:spPr>
+          <p:style>
+            <a:lnRef idx="2">
+              <a:schemeClr val="accent1"/>
+            </a:lnRef>
+            <a:fillRef idx="0">
+              <a:schemeClr val="accent1"/>
+            </a:fillRef>
+            <a:effectRef idx="1">
+              <a:schemeClr val="accent1"/>
+            </a:effectRef>
+            <a:fontRef idx="minor">
+              <a:schemeClr val="tx1"/>
+            </a:fontRef>
+          </p:style>
+        </p:cxnSp>
+        <p:cxnSp>
+          <p:nvCxnSpPr>
+            <p:cNvPr id="268" name="Straight Connector 267"/>
+            <p:cNvCxnSpPr/>
+            <p:nvPr/>
+          </p:nvCxnSpPr>
+          <p:spPr>
+            <a:xfrm>
+              <a:off x="8350105" y="580418"/>
+              <a:ext cx="1851189" cy="0"/>
+            </a:xfrm>
+            <a:prstGeom prst="line">
+              <a:avLst/>
+            </a:prstGeom>
+            <a:ln w="28575">
+              <a:solidFill>
+                <a:schemeClr val="accent1"/>
+              </a:solidFill>
+              <a:prstDash val="sysDot"/>
+            </a:ln>
+          </p:spPr>
+          <p:style>
+            <a:lnRef idx="2">
+              <a:schemeClr val="accent1"/>
+            </a:lnRef>
+            <a:fillRef idx="0">
+              <a:schemeClr val="accent1"/>
+            </a:fillRef>
+            <a:effectRef idx="1">
+              <a:schemeClr val="accent1"/>
+            </a:effectRef>
+            <a:fontRef idx="minor">
+              <a:schemeClr val="tx1"/>
+            </a:fontRef>
+          </p:style>
+        </p:cxnSp>
+      </p:grpSp>
       <p:sp>
         <p:nvSpPr>
           <p:cNvPr id="279" name="Rectangle 278"/>
@@ -18874,67 +18790,211 @@
           </a:p>
         </p:txBody>
       </p:sp>
-      <p:cxnSp>
-        <p:nvCxnSpPr>
-          <p:cNvPr id="282" name="Straight Connector 281"/>
-          <p:cNvCxnSpPr/>
+      <p:grpSp>
+        <p:nvGrpSpPr>
+          <p:cNvPr id="2" name="Group 1"/>
+          <p:cNvGrpSpPr/>
           <p:nvPr/>
-        </p:nvCxnSpPr>
-        <p:spPr>
+        </p:nvGrpSpPr>
+        <p:grpSpPr>
           <a:xfrm>
-            <a:off x="8978693" y="1833546"/>
-            <a:ext cx="1749014" cy="0"/>
+            <a:off x="6282198" y="1825797"/>
+            <a:ext cx="4445509" cy="2147926"/>
+            <a:chOff x="6282198" y="1825797"/>
+            <a:chExt cx="4445509" cy="2147926"/>
           </a:xfrm>
-          <a:prstGeom prst="line">
-            <a:avLst/>
-          </a:prstGeom>
-        </p:spPr>
-        <p:style>
-          <a:lnRef idx="3">
-            <a:schemeClr val="accent2"/>
-          </a:lnRef>
-          <a:fillRef idx="0">
-            <a:schemeClr val="accent2"/>
-          </a:fillRef>
-          <a:effectRef idx="2">
-            <a:schemeClr val="accent2"/>
-          </a:effectRef>
-          <a:fontRef idx="minor">
-            <a:schemeClr val="tx1"/>
-          </a:fontRef>
-        </p:style>
-      </p:cxnSp>
-      <p:cxnSp>
-        <p:nvCxnSpPr>
-          <p:cNvPr id="283" name="Straight Connector 282"/>
-          <p:cNvCxnSpPr/>
-          <p:nvPr/>
-        </p:nvCxnSpPr>
-        <p:spPr>
-          <a:xfrm flipV="1">
-            <a:off x="8978693" y="1827272"/>
-            <a:ext cx="0" cy="684494"/>
-          </a:xfrm>
-          <a:prstGeom prst="line">
-            <a:avLst/>
-          </a:prstGeom>
-          <a:effectLst/>
-        </p:spPr>
-        <p:style>
-          <a:lnRef idx="3">
-            <a:schemeClr val="accent2"/>
-          </a:lnRef>
-          <a:fillRef idx="0">
-            <a:schemeClr val="accent2"/>
-          </a:fillRef>
-          <a:effectRef idx="2">
-            <a:schemeClr val="accent2"/>
-          </a:effectRef>
-          <a:fontRef idx="minor">
-            <a:schemeClr val="tx1"/>
-          </a:fontRef>
-        </p:style>
-      </p:cxnSp>
+        </p:grpSpPr>
+        <p:cxnSp>
+          <p:nvCxnSpPr>
+            <p:cNvPr id="102" name="Straight Connector 101"/>
+            <p:cNvCxnSpPr/>
+            <p:nvPr/>
+          </p:nvCxnSpPr>
+          <p:spPr>
+            <a:xfrm>
+              <a:off x="6282198" y="3459182"/>
+              <a:ext cx="1350345" cy="0"/>
+            </a:xfrm>
+            <a:prstGeom prst="line">
+              <a:avLst/>
+            </a:prstGeom>
+            <a:ln w="28575" cap="rnd"/>
+            <a:effectLst/>
+          </p:spPr>
+          <p:style>
+            <a:lnRef idx="3">
+              <a:schemeClr val="accent2"/>
+            </a:lnRef>
+            <a:fillRef idx="0">
+              <a:schemeClr val="accent2"/>
+            </a:fillRef>
+            <a:effectRef idx="2">
+              <a:schemeClr val="accent2"/>
+            </a:effectRef>
+            <a:fontRef idx="minor">
+              <a:schemeClr val="tx1"/>
+            </a:fontRef>
+          </p:style>
+        </p:cxnSp>
+        <p:cxnSp>
+          <p:nvCxnSpPr>
+            <p:cNvPr id="110" name="Straight Connector 109"/>
+            <p:cNvCxnSpPr/>
+            <p:nvPr/>
+          </p:nvCxnSpPr>
+          <p:spPr>
+            <a:xfrm>
+              <a:off x="7632542" y="2513133"/>
+              <a:ext cx="1346151" cy="0"/>
+            </a:xfrm>
+            <a:prstGeom prst="line">
+              <a:avLst/>
+            </a:prstGeom>
+            <a:ln w="28575" cap="rnd"/>
+          </p:spPr>
+          <p:style>
+            <a:lnRef idx="3">
+              <a:schemeClr val="accent2"/>
+            </a:lnRef>
+            <a:fillRef idx="0">
+              <a:schemeClr val="accent2"/>
+            </a:fillRef>
+            <a:effectRef idx="2">
+              <a:schemeClr val="accent2"/>
+            </a:effectRef>
+            <a:fontRef idx="minor">
+              <a:schemeClr val="tx1"/>
+            </a:fontRef>
+          </p:style>
+        </p:cxnSp>
+        <p:cxnSp>
+          <p:nvCxnSpPr>
+            <p:cNvPr id="146" name="Straight Connector 145"/>
+            <p:cNvCxnSpPr/>
+            <p:nvPr/>
+          </p:nvCxnSpPr>
+          <p:spPr>
+            <a:xfrm flipV="1">
+              <a:off x="7632542" y="2513133"/>
+              <a:ext cx="0" cy="946049"/>
+            </a:xfrm>
+            <a:prstGeom prst="line">
+              <a:avLst/>
+            </a:prstGeom>
+            <a:ln w="28575" cap="rnd"/>
+            <a:effectLst/>
+          </p:spPr>
+          <p:style>
+            <a:lnRef idx="3">
+              <a:schemeClr val="accent2"/>
+            </a:lnRef>
+            <a:fillRef idx="0">
+              <a:schemeClr val="accent2"/>
+            </a:fillRef>
+            <a:effectRef idx="2">
+              <a:schemeClr val="accent2"/>
+            </a:effectRef>
+            <a:fontRef idx="minor">
+              <a:schemeClr val="tx1"/>
+            </a:fontRef>
+          </p:style>
+        </p:cxnSp>
+        <p:cxnSp>
+          <p:nvCxnSpPr>
+            <p:cNvPr id="170" name="Straight Connector 169"/>
+            <p:cNvCxnSpPr/>
+            <p:nvPr/>
+          </p:nvCxnSpPr>
+          <p:spPr>
+            <a:xfrm flipH="1" flipV="1">
+              <a:off x="6282198" y="3454406"/>
+              <a:ext cx="2677" cy="519317"/>
+            </a:xfrm>
+            <a:prstGeom prst="line">
+              <a:avLst/>
+            </a:prstGeom>
+            <a:ln w="28575" cap="rnd"/>
+            <a:effectLst/>
+          </p:spPr>
+          <p:style>
+            <a:lnRef idx="3">
+              <a:schemeClr val="accent2"/>
+            </a:lnRef>
+            <a:fillRef idx="0">
+              <a:schemeClr val="accent2"/>
+            </a:fillRef>
+            <a:effectRef idx="2">
+              <a:schemeClr val="accent2"/>
+            </a:effectRef>
+            <a:fontRef idx="minor">
+              <a:schemeClr val="tx1"/>
+            </a:fontRef>
+          </p:style>
+        </p:cxnSp>
+        <p:cxnSp>
+          <p:nvCxnSpPr>
+            <p:cNvPr id="282" name="Straight Connector 281"/>
+            <p:cNvCxnSpPr/>
+            <p:nvPr/>
+          </p:nvCxnSpPr>
+          <p:spPr>
+            <a:xfrm>
+              <a:off x="8978693" y="1825797"/>
+              <a:ext cx="1749014" cy="0"/>
+            </a:xfrm>
+            <a:prstGeom prst="line">
+              <a:avLst/>
+            </a:prstGeom>
+            <a:ln w="28575" cap="rnd"/>
+          </p:spPr>
+          <p:style>
+            <a:lnRef idx="3">
+              <a:schemeClr val="accent2"/>
+            </a:lnRef>
+            <a:fillRef idx="0">
+              <a:schemeClr val="accent2"/>
+            </a:fillRef>
+            <a:effectRef idx="2">
+              <a:schemeClr val="accent2"/>
+            </a:effectRef>
+            <a:fontRef idx="minor">
+              <a:schemeClr val="tx1"/>
+            </a:fontRef>
+          </p:style>
+        </p:cxnSp>
+        <p:cxnSp>
+          <p:nvCxnSpPr>
+            <p:cNvPr id="283" name="Straight Connector 282"/>
+            <p:cNvCxnSpPr/>
+            <p:nvPr/>
+          </p:nvCxnSpPr>
+          <p:spPr>
+            <a:xfrm flipV="1">
+              <a:off x="8978693" y="1827272"/>
+              <a:ext cx="0" cy="684494"/>
+            </a:xfrm>
+            <a:prstGeom prst="line">
+              <a:avLst/>
+            </a:prstGeom>
+            <a:ln w="28575" cap="rnd"/>
+            <a:effectLst/>
+          </p:spPr>
+          <p:style>
+            <a:lnRef idx="3">
+              <a:schemeClr val="accent2"/>
+            </a:lnRef>
+            <a:fillRef idx="0">
+              <a:schemeClr val="accent2"/>
+            </a:fillRef>
+            <a:effectRef idx="2">
+              <a:schemeClr val="accent2"/>
+            </a:effectRef>
+            <a:fontRef idx="minor">
+              <a:schemeClr val="tx1"/>
+            </a:fontRef>
+          </p:style>
+        </p:cxnSp>
+      </p:grpSp>
       <p:grpSp>
         <p:nvGrpSpPr>
           <p:cNvPr id="284" name="Group 283"/>
@@ -19204,7 +19264,7 @@
           <p:nvPr>
             <p:extLst>
               <p:ext uri="{D42A27DB-BD31-4B8C-83A1-F6EECF244321}">
-                <p14:modId xmlns:p14="http://schemas.microsoft.com/office/powerpoint/2010/main" val="838701264"/>
+                <p14:modId xmlns:p14="http://schemas.microsoft.com/office/powerpoint/2010/main" val="809853527"/>
               </p:ext>
             </p:extLst>
           </p:nvPr>
@@ -19606,7 +19666,7 @@
           <p:nvPr>
             <p:extLst>
               <p:ext uri="{D42A27DB-BD31-4B8C-83A1-F6EECF244321}">
-                <p14:modId xmlns:p14="http://schemas.microsoft.com/office/powerpoint/2010/main" val="1905569588"/>
+                <p14:modId xmlns:p14="http://schemas.microsoft.com/office/powerpoint/2010/main" val="456873603"/>
               </p:ext>
             </p:extLst>
           </p:nvPr>
@@ -20198,6 +20258,77 @@
           </p:txBody>
         </p:sp>
       </p:grpSp>
+      <p:sp>
+        <p:nvSpPr>
+          <p:cNvPr id="109" name="Shape 127"/>
+          <p:cNvSpPr txBox="1"/>
+          <p:nvPr/>
+        </p:nvSpPr>
+        <p:spPr>
+          <a:xfrm>
+            <a:off x="8724892" y="5776200"/>
+            <a:ext cx="2100674" cy="445876"/>
+          </a:xfrm>
+          <a:prstGeom prst="rect">
+            <a:avLst/>
+          </a:prstGeom>
+          <a:noFill/>
+          <a:ln>
+            <a:noFill/>
+          </a:ln>
+        </p:spPr>
+        <p:txBody>
+          <a:bodyPr lIns="91425" tIns="91425" rIns="91425" bIns="91425" anchor="t" anchorCtr="0">
+            <a:noAutofit/>
+          </a:bodyPr>
+          <a:lstStyle/>
+          <a:p>
+            <a:pPr lvl="0" algn="ctr" rtl="0">
+              <a:spcBef>
+                <a:spcPts val="0"/>
+              </a:spcBef>
+              <a:buNone/>
+            </a:pPr>
+            <a:r>
+              <a:rPr lang="en-US" sz="1800" dirty="0" smtClean="0">
+                <a:latin typeface="Source Sans Pro Light" charset="0"/>
+                <a:ea typeface="Source Sans Pro Light" charset="0"/>
+                <a:cs typeface="Source Sans Pro Light" charset="0"/>
+              </a:rPr>
+              <a:t>Result Tables </a:t>
+            </a:r>
+            <a:r>
+              <a:rPr lang="en-US" dirty="0" smtClean="0">
+                <a:latin typeface="Source Sans Pro Light" charset="0"/>
+                <a:ea typeface="Source Sans Pro Light" charset="0"/>
+                <a:cs typeface="Source Sans Pro Light" charset="0"/>
+              </a:rPr>
+              <a:t>after </a:t>
+            </a:r>
+          </a:p>
+          <a:p>
+            <a:pPr lvl="0" algn="ctr" rtl="0">
+              <a:spcBef>
+                <a:spcPts val="0"/>
+              </a:spcBef>
+              <a:buNone/>
+            </a:pPr>
+            <a:r>
+              <a:rPr lang="en-US" dirty="0" smtClean="0">
+                <a:latin typeface="Source Sans Pro Light" charset="0"/>
+                <a:ea typeface="Source Sans Pro Light" charset="0"/>
+                <a:cs typeface="Source Sans Pro Light" charset="0"/>
+              </a:rPr>
+              <a:t>each trigger</a:t>
+            </a:r>
+            <a:endParaRPr lang="en" sz="1800" dirty="0">
+              <a:latin typeface="Source Sans Pro Light" charset="0"/>
+              <a:ea typeface="Source Sans Pro Light" charset="0"/>
+              <a:cs typeface="Source Sans Pro Light" charset="0"/>
+            </a:endParaRPr>
+          </a:p>
+        </p:txBody>
+      </p:sp>
     </p:spTree>
     <p:extLst>
       <p:ext uri="{BB962C8B-B14F-4D97-AF65-F5344CB8AC3E}">

--- a/docs/img/structured-streaming.pptx
+++ b/docs/img/structured-streaming.pptx
@@ -10,6 +10,7 @@
     <p:sldId id="257" r:id="rId4"/>
     <p:sldId id="259" r:id="rId5"/>
     <p:sldId id="260" r:id="rId6"/>
+    <p:sldId id="261" r:id="rId7"/>
   </p:sldIdLst>
   <p:sldSz cx="12192000" cy="6858000"/>
   <p:notesSz cx="6858000" cy="9144000"/>
@@ -247,7 +248,7 @@
           <a:p>
             <a:fld id="{66B02B72-AB41-C343-9175-0553C21C4E77}" type="datetimeFigureOut">
               <a:rPr lang="en-US" smtClean="0"/>
-              <a:t>6/30/16</a:t>
+              <a:t>12/21/16</a:t>
             </a:fld>
             <a:endParaRPr lang="en-US"/>
           </a:p>
@@ -417,7 +418,7 @@
           <a:p>
             <a:fld id="{66B02B72-AB41-C343-9175-0553C21C4E77}" type="datetimeFigureOut">
               <a:rPr lang="en-US" smtClean="0"/>
-              <a:t>6/30/16</a:t>
+              <a:t>12/21/16</a:t>
             </a:fld>
             <a:endParaRPr lang="en-US"/>
           </a:p>
@@ -597,7 +598,7 @@
           <a:p>
             <a:fld id="{66B02B72-AB41-C343-9175-0553C21C4E77}" type="datetimeFigureOut">
               <a:rPr lang="en-US" smtClean="0"/>
-              <a:t>6/30/16</a:t>
+              <a:t>12/21/16</a:t>
             </a:fld>
             <a:endParaRPr lang="en-US"/>
           </a:p>
@@ -767,7 +768,7 @@
           <a:p>
             <a:fld id="{66B02B72-AB41-C343-9175-0553C21C4E77}" type="datetimeFigureOut">
               <a:rPr lang="en-US" smtClean="0"/>
-              <a:t>6/30/16</a:t>
+              <a:t>12/21/16</a:t>
             </a:fld>
             <a:endParaRPr lang="en-US"/>
           </a:p>
@@ -1013,7 +1014,7 @@
           <a:p>
             <a:fld id="{66B02B72-AB41-C343-9175-0553C21C4E77}" type="datetimeFigureOut">
               <a:rPr lang="en-US" smtClean="0"/>
-              <a:t>6/30/16</a:t>
+              <a:t>12/21/16</a:t>
             </a:fld>
             <a:endParaRPr lang="en-US"/>
           </a:p>
@@ -1245,7 +1246,7 @@
           <a:p>
             <a:fld id="{66B02B72-AB41-C343-9175-0553C21C4E77}" type="datetimeFigureOut">
               <a:rPr lang="en-US" smtClean="0"/>
-              <a:t>6/30/16</a:t>
+              <a:t>12/21/16</a:t>
             </a:fld>
             <a:endParaRPr lang="en-US"/>
           </a:p>
@@ -1612,7 +1613,7 @@
           <a:p>
             <a:fld id="{66B02B72-AB41-C343-9175-0553C21C4E77}" type="datetimeFigureOut">
               <a:rPr lang="en-US" smtClean="0"/>
-              <a:t>6/30/16</a:t>
+              <a:t>12/21/16</a:t>
             </a:fld>
             <a:endParaRPr lang="en-US"/>
           </a:p>
@@ -1730,7 +1731,7 @@
           <a:p>
             <a:fld id="{66B02B72-AB41-C343-9175-0553C21C4E77}" type="datetimeFigureOut">
               <a:rPr lang="en-US" smtClean="0"/>
-              <a:t>6/30/16</a:t>
+              <a:t>12/21/16</a:t>
             </a:fld>
             <a:endParaRPr lang="en-US"/>
           </a:p>
@@ -1825,7 +1826,7 @@
           <a:p>
             <a:fld id="{66B02B72-AB41-C343-9175-0553C21C4E77}" type="datetimeFigureOut">
               <a:rPr lang="en-US" smtClean="0"/>
-              <a:t>6/30/16</a:t>
+              <a:t>12/21/16</a:t>
             </a:fld>
             <a:endParaRPr lang="en-US"/>
           </a:p>
@@ -2102,7 +2103,7 @@
           <a:p>
             <a:fld id="{66B02B72-AB41-C343-9175-0553C21C4E77}" type="datetimeFigureOut">
               <a:rPr lang="en-US" smtClean="0"/>
-              <a:t>6/30/16</a:t>
+              <a:t>12/21/16</a:t>
             </a:fld>
             <a:endParaRPr lang="en-US"/>
           </a:p>
@@ -2355,7 +2356,7 @@
           <a:p>
             <a:fld id="{66B02B72-AB41-C343-9175-0553C21C4E77}" type="datetimeFigureOut">
               <a:rPr lang="en-US" smtClean="0"/>
-              <a:t>6/30/16</a:t>
+              <a:t>12/21/16</a:t>
             </a:fld>
             <a:endParaRPr lang="en-US"/>
           </a:p>
@@ -2568,7 +2569,7 @@
           <a:p>
             <a:fld id="{66B02B72-AB41-C343-9175-0553C21C4E77}" type="datetimeFigureOut">
               <a:rPr lang="en-US" smtClean="0"/>
-              <a:t>6/30/16</a:t>
+              <a:t>12/21/16</a:t>
             </a:fld>
             <a:endParaRPr lang="en-US"/>
           </a:p>
@@ -13571,7 +13572,7 @@
           <p:nvPr>
             <p:extLst>
               <p:ext uri="{D42A27DB-BD31-4B8C-83A1-F6EECF244321}">
-                <p14:modId xmlns:p14="http://schemas.microsoft.com/office/powerpoint/2010/main" val="460499284"/>
+                <p14:modId xmlns:p14="http://schemas.microsoft.com/office/powerpoint/2010/main" val="917172331"/>
               </p:ext>
             </p:extLst>
           </p:nvPr>
@@ -14135,7 +14136,7 @@
                         <a:defRPr/>
                       </a:pPr>
                       <a:r>
-                        <a:rPr lang="en-US" sz="1200" b="0" i="0" dirty="0" smtClean="0">
+                        <a:rPr lang="en-US" sz="1200" b="1" i="0" dirty="0" smtClean="0">
                           <a:latin typeface="Source Sans Pro Light" charset="0"/>
                           <a:ea typeface="Source Sans Pro Light" charset="0"/>
                           <a:cs typeface="Source Sans Pro Light" charset="0"/>
@@ -14172,14 +14173,14 @@
                     <a:p>
                       <a:pPr algn="ctr"/>
                       <a:r>
-                        <a:rPr lang="en-US" sz="1200" b="0" i="0" dirty="0" smtClean="0">
+                        <a:rPr lang="en-US" sz="1200" b="1" i="0" dirty="0" smtClean="0">
                           <a:latin typeface="Source Sans Pro Light" charset="0"/>
                           <a:ea typeface="Source Sans Pro Light" charset="0"/>
                           <a:cs typeface="Source Sans Pro Light" charset="0"/>
                         </a:rPr>
                         <a:t>owl</a:t>
                       </a:r>
-                      <a:endParaRPr lang="en-US" sz="1200" b="0" i="0" dirty="0">
+                      <a:endParaRPr lang="en-US" sz="1200" b="1" i="0" dirty="0">
                         <a:latin typeface="Source Sans Pro Light" charset="0"/>
                         <a:ea typeface="Source Sans Pro Light" charset="0"/>
                         <a:cs typeface="Source Sans Pro Light" charset="0"/>
@@ -14205,14 +14206,14 @@
                     <a:p>
                       <a:pPr algn="ctr"/>
                       <a:r>
-                        <a:rPr lang="en-US" sz="1200" b="0" i="0" dirty="0" smtClean="0">
+                        <a:rPr lang="en-US" sz="1200" b="1" i="0" dirty="0" smtClean="0">
                           <a:latin typeface="Source Sans Pro Light" charset="0"/>
                           <a:ea typeface="Source Sans Pro Light" charset="0"/>
                           <a:cs typeface="Source Sans Pro Light" charset="0"/>
                         </a:rPr>
                         <a:t>2</a:t>
                       </a:r>
-                      <a:endParaRPr lang="en-US" sz="1200" b="0" i="0" dirty="0">
+                      <a:endParaRPr lang="en-US" sz="1200" b="1" i="0" dirty="0">
                         <a:latin typeface="Source Sans Pro Light" charset="0"/>
                         <a:ea typeface="Source Sans Pro Light" charset="0"/>
                         <a:cs typeface="Source Sans Pro Light" charset="0"/>
@@ -14604,8 +14605,8 @@
         </p:nvSpPr>
         <p:spPr>
           <a:xfrm>
-            <a:off x="7179144" y="4159443"/>
-            <a:ext cx="2558714" cy="584775"/>
+            <a:off x="7510164" y="4159443"/>
+            <a:ext cx="1896673" cy="584775"/>
           </a:xfrm>
           <a:prstGeom prst="rect">
             <a:avLst/>
@@ -14638,18 +14639,7 @@
                 <a:ea typeface="Source Sans Pro Light" charset="0"/>
                 <a:cs typeface="Source Sans Pro Light" charset="0"/>
               </a:rPr>
-              <a:t>ounts incremented </a:t>
-            </a:r>
-            <a:r>
-              <a:rPr lang="en-US" sz="1600" b="0" i="0" dirty="0" smtClean="0">
-                <a:solidFill>
-                  <a:srgbClr val="C00000"/>
-                </a:solidFill>
-                <a:latin typeface="Source Sans Pro Light" charset="0"/>
-                <a:ea typeface="Source Sans Pro Light" charset="0"/>
-                <a:cs typeface="Source Sans Pro Light" charset="0"/>
-              </a:rPr>
-              <a:t>only for </a:t>
+              <a:t>ounts updated for </a:t>
             </a:r>
           </a:p>
           <a:p>
@@ -14685,29 +14675,7 @@
                 <a:ea typeface="Source Sans Pro Light" charset="0"/>
                 <a:cs typeface="Source Sans Pro Light" charset="0"/>
               </a:rPr>
-              <a:t>12:00 </a:t>
-            </a:r>
-            <a:r>
-              <a:rPr lang="en-US" sz="1600" dirty="0" smtClean="0">
-                <a:solidFill>
-                  <a:srgbClr val="C00000"/>
-                </a:solidFill>
-                <a:latin typeface="Source Sans Pro Light" charset="0"/>
-                <a:ea typeface="Source Sans Pro Light" charset="0"/>
-                <a:cs typeface="Source Sans Pro Light" charset="0"/>
-              </a:rPr>
-              <a:t>- </a:t>
-            </a:r>
-            <a:r>
-              <a:rPr lang="en-US" sz="1600" dirty="0" smtClean="0">
-                <a:solidFill>
-                  <a:srgbClr val="C00000"/>
-                </a:solidFill>
-                <a:latin typeface="Source Sans Pro Light" charset="0"/>
-                <a:ea typeface="Source Sans Pro Light" charset="0"/>
-                <a:cs typeface="Source Sans Pro Light" charset="0"/>
-              </a:rPr>
-              <a:t>12:10</a:t>
+              <a:t>12:00 - 12:10</a:t>
             </a:r>
             <a:endParaRPr lang="en-US" sz="1600" b="0" i="0" dirty="0">
               <a:solidFill>
@@ -15024,6 +14992,5347 @@
     <p:extLst>
       <p:ext uri="{BB962C8B-B14F-4D97-AF65-F5344CB8AC3E}">
         <p14:creationId xmlns:p14="http://schemas.microsoft.com/office/powerpoint/2010/main" val="1807247819"/>
+      </p:ext>
+    </p:extLst>
+  </p:cSld>
+  <p:clrMapOvr>
+    <a:masterClrMapping/>
+  </p:clrMapOvr>
+</p:sld>
+</file>
+
+<file path=ppt/slides/slide6.xml><?xml version="1.0" encoding="utf-8"?>
+<p:sld xmlns:a="http://schemas.openxmlformats.org/drawingml/2006/main" xmlns:r="http://schemas.openxmlformats.org/officeDocument/2006/relationships" xmlns:p="http://schemas.openxmlformats.org/presentationml/2006/main">
+  <p:cSld>
+    <p:spTree>
+      <p:nvGrpSpPr>
+        <p:cNvPr id="1" name=""/>
+        <p:cNvGrpSpPr/>
+        <p:nvPr/>
+      </p:nvGrpSpPr>
+      <p:grpSpPr>
+        <a:xfrm>
+          <a:off x="0" y="0"/>
+          <a:ext cx="0" cy="0"/>
+          <a:chOff x="0" y="0"/>
+          <a:chExt cx="0" cy="0"/>
+        </a:xfrm>
+      </p:grpSpPr>
+      <p:cxnSp>
+        <p:nvCxnSpPr>
+          <p:cNvPr id="115" name="Straight Connector 114"/>
+          <p:cNvCxnSpPr/>
+          <p:nvPr/>
+        </p:nvCxnSpPr>
+        <p:spPr>
+          <a:xfrm>
+            <a:off x="2135054" y="2644196"/>
+            <a:ext cx="8592653" cy="0"/>
+          </a:xfrm>
+          <a:prstGeom prst="line">
+            <a:avLst/>
+          </a:prstGeom>
+          <a:ln>
+            <a:solidFill>
+              <a:schemeClr val="bg1">
+                <a:lumMod val="85000"/>
+              </a:schemeClr>
+            </a:solidFill>
+            <a:prstDash val="sysDot"/>
+          </a:ln>
+        </p:spPr>
+        <p:style>
+          <a:lnRef idx="2">
+            <a:schemeClr val="dk1"/>
+          </a:lnRef>
+          <a:fillRef idx="0">
+            <a:schemeClr val="dk1"/>
+          </a:fillRef>
+          <a:effectRef idx="1">
+            <a:schemeClr val="dk1"/>
+          </a:effectRef>
+          <a:fontRef idx="minor">
+            <a:schemeClr val="tx1"/>
+          </a:fontRef>
+        </p:style>
+      </p:cxnSp>
+      <p:cxnSp>
+        <p:nvCxnSpPr>
+          <p:cNvPr id="120" name="Straight Connector 119"/>
+          <p:cNvCxnSpPr/>
+          <p:nvPr/>
+        </p:nvCxnSpPr>
+        <p:spPr>
+          <a:xfrm>
+            <a:off x="2142678" y="3297254"/>
+            <a:ext cx="8585029" cy="0"/>
+          </a:xfrm>
+          <a:prstGeom prst="line">
+            <a:avLst/>
+          </a:prstGeom>
+          <a:ln>
+            <a:solidFill>
+              <a:schemeClr val="bg1">
+                <a:lumMod val="85000"/>
+              </a:schemeClr>
+            </a:solidFill>
+            <a:prstDash val="sysDot"/>
+          </a:ln>
+        </p:spPr>
+        <p:style>
+          <a:lnRef idx="2">
+            <a:schemeClr val="dk1"/>
+          </a:lnRef>
+          <a:fillRef idx="0">
+            <a:schemeClr val="dk1"/>
+          </a:fillRef>
+          <a:effectRef idx="1">
+            <a:schemeClr val="dk1"/>
+          </a:effectRef>
+          <a:fontRef idx="minor">
+            <a:schemeClr val="tx1"/>
+          </a:fontRef>
+        </p:style>
+      </p:cxnSp>
+      <p:cxnSp>
+        <p:nvCxnSpPr>
+          <p:cNvPr id="121" name="Straight Connector 120"/>
+          <p:cNvCxnSpPr/>
+          <p:nvPr/>
+        </p:nvCxnSpPr>
+        <p:spPr>
+          <a:xfrm>
+            <a:off x="2142677" y="1989981"/>
+            <a:ext cx="8050707" cy="0"/>
+          </a:xfrm>
+          <a:prstGeom prst="line">
+            <a:avLst/>
+          </a:prstGeom>
+          <a:ln>
+            <a:solidFill>
+              <a:schemeClr val="bg1">
+                <a:lumMod val="85000"/>
+              </a:schemeClr>
+            </a:solidFill>
+            <a:prstDash val="sysDot"/>
+          </a:ln>
+        </p:spPr>
+        <p:style>
+          <a:lnRef idx="2">
+            <a:schemeClr val="dk1"/>
+          </a:lnRef>
+          <a:fillRef idx="0">
+            <a:schemeClr val="dk1"/>
+          </a:fillRef>
+          <a:effectRef idx="1">
+            <a:schemeClr val="dk1"/>
+          </a:effectRef>
+          <a:fontRef idx="minor">
+            <a:schemeClr val="tx1"/>
+          </a:fontRef>
+        </p:style>
+      </p:cxnSp>
+      <p:cxnSp>
+        <p:nvCxnSpPr>
+          <p:cNvPr id="122" name="Straight Connector 121"/>
+          <p:cNvCxnSpPr/>
+          <p:nvPr/>
+        </p:nvCxnSpPr>
+        <p:spPr>
+          <a:xfrm>
+            <a:off x="2135053" y="1362832"/>
+            <a:ext cx="8592654" cy="0"/>
+          </a:xfrm>
+          <a:prstGeom prst="line">
+            <a:avLst/>
+          </a:prstGeom>
+          <a:ln>
+            <a:solidFill>
+              <a:schemeClr val="bg1">
+                <a:lumMod val="85000"/>
+              </a:schemeClr>
+            </a:solidFill>
+            <a:prstDash val="sysDot"/>
+          </a:ln>
+        </p:spPr>
+        <p:style>
+          <a:lnRef idx="2">
+            <a:schemeClr val="dk1"/>
+          </a:lnRef>
+          <a:fillRef idx="0">
+            <a:schemeClr val="dk1"/>
+          </a:fillRef>
+          <a:effectRef idx="1">
+            <a:schemeClr val="dk1"/>
+          </a:effectRef>
+          <a:fontRef idx="minor">
+            <a:schemeClr val="tx1"/>
+          </a:fontRef>
+        </p:style>
+      </p:cxnSp>
+      <p:cxnSp>
+        <p:nvCxnSpPr>
+          <p:cNvPr id="4" name="Shape 128"/>
+          <p:cNvCxnSpPr/>
+          <p:nvPr/>
+        </p:nvCxnSpPr>
+        <p:spPr>
+          <a:xfrm>
+            <a:off x="2229993" y="3973722"/>
+            <a:ext cx="8802699" cy="0"/>
+          </a:xfrm>
+          <a:prstGeom prst="straightConnector1">
+            <a:avLst/>
+          </a:prstGeom>
+          <a:noFill/>
+          <a:ln w="28575" cap="flat" cmpd="sng">
+            <a:solidFill>
+              <a:srgbClr val="000000"/>
+            </a:solidFill>
+            <a:prstDash val="solid"/>
+            <a:round/>
+            <a:headEnd type="none" w="lg" len="lg"/>
+            <a:tailEnd type="triangle" w="lg" len="lg"/>
+          </a:ln>
+        </p:spPr>
+      </p:cxnSp>
+      <p:sp>
+        <p:nvSpPr>
+          <p:cNvPr id="14" name="Shape 127"/>
+          <p:cNvSpPr txBox="1"/>
+          <p:nvPr/>
+        </p:nvSpPr>
+        <p:spPr>
+          <a:xfrm>
+            <a:off x="1284844" y="4139543"/>
+            <a:ext cx="2212601" cy="445876"/>
+          </a:xfrm>
+          <a:prstGeom prst="rect">
+            <a:avLst/>
+          </a:prstGeom>
+          <a:noFill/>
+          <a:ln>
+            <a:noFill/>
+          </a:ln>
+        </p:spPr>
+        <p:txBody>
+          <a:bodyPr lIns="91425" tIns="91425" rIns="91425" bIns="91425" anchor="t" anchorCtr="0">
+            <a:noAutofit/>
+          </a:bodyPr>
+          <a:lstStyle/>
+          <a:p>
+            <a:pPr lvl="0" rtl="0">
+              <a:spcBef>
+                <a:spcPts val="0"/>
+              </a:spcBef>
+              <a:buNone/>
+            </a:pPr>
+            <a:r>
+              <a:rPr lang="en-US" sz="1800" dirty="0" smtClean="0">
+                <a:latin typeface="Source Sans Pro Light" charset="0"/>
+                <a:ea typeface="Source Sans Pro Light" charset="0"/>
+                <a:cs typeface="Source Sans Pro Light" charset="0"/>
+              </a:rPr>
+              <a:t>Processing Time</a:t>
+            </a:r>
+          </a:p>
+          <a:p>
+            <a:pPr lvl="0" rtl="0">
+              <a:spcBef>
+                <a:spcPts val="0"/>
+              </a:spcBef>
+              <a:buNone/>
+            </a:pPr>
+            <a:r>
+              <a:rPr lang="en-US" dirty="0" smtClean="0">
+                <a:latin typeface="Source Sans Pro Light" charset="0"/>
+                <a:ea typeface="Source Sans Pro Light" charset="0"/>
+                <a:cs typeface="Source Sans Pro Light" charset="0"/>
+              </a:rPr>
+              <a:t>with </a:t>
+            </a:r>
+            <a:r>
+              <a:rPr lang="en-US" dirty="0" smtClean="0">
+                <a:latin typeface="Source Sans Pro Light" charset="0"/>
+                <a:ea typeface="Source Sans Pro Light" charset="0"/>
+                <a:cs typeface="Source Sans Pro Light" charset="0"/>
+              </a:rPr>
+              <a:t>5 </a:t>
+            </a:r>
+            <a:r>
+              <a:rPr lang="en-US" dirty="0" smtClean="0">
+                <a:latin typeface="Source Sans Pro Light" charset="0"/>
+                <a:ea typeface="Source Sans Pro Light" charset="0"/>
+                <a:cs typeface="Source Sans Pro Light" charset="0"/>
+              </a:rPr>
+              <a:t>min </a:t>
+            </a:r>
+            <a:r>
+              <a:rPr lang="en-US" dirty="0" smtClean="0">
+                <a:latin typeface="Source Sans Pro Light" charset="0"/>
+                <a:ea typeface="Source Sans Pro Light" charset="0"/>
+                <a:cs typeface="Source Sans Pro Light" charset="0"/>
+              </a:rPr>
+              <a:t>triggers</a:t>
+            </a:r>
+            <a:endParaRPr lang="en" sz="1800" dirty="0">
+              <a:latin typeface="Source Sans Pro Light" charset="0"/>
+              <a:ea typeface="Source Sans Pro Light" charset="0"/>
+              <a:cs typeface="Source Sans Pro Light" charset="0"/>
+            </a:endParaRPr>
+          </a:p>
+        </p:txBody>
+      </p:sp>
+      <p:sp>
+        <p:nvSpPr>
+          <p:cNvPr id="46" name="Rectangle 45"/>
+          <p:cNvSpPr/>
+          <p:nvPr/>
+        </p:nvSpPr>
+        <p:spPr>
+          <a:xfrm>
+            <a:off x="5441161" y="5167655"/>
+            <a:ext cx="3588084" cy="738664"/>
+          </a:xfrm>
+          <a:prstGeom prst="rect">
+            <a:avLst/>
+          </a:prstGeom>
+        </p:spPr>
+        <p:txBody>
+          <a:bodyPr wrap="square">
+            <a:spAutoFit/>
+          </a:bodyPr>
+          <a:lstStyle/>
+          <a:p>
+            <a:pPr algn="ctr"/>
+            <a:r>
+              <a:rPr lang="en-US" sz="1400" b="1" i="1" dirty="0" smtClean="0">
+                <a:solidFill>
+                  <a:srgbClr val="C00000"/>
+                </a:solidFill>
+                <a:latin typeface="Source Sans Pro Light" charset="0"/>
+                <a:ea typeface="Source Sans Pro Light" charset="0"/>
+                <a:cs typeface="Source Sans Pro Light" charset="0"/>
+              </a:rPr>
+              <a:t>final counts</a:t>
+            </a:r>
+            <a:r>
+              <a:rPr lang="en-US" sz="1400" dirty="0" smtClean="0">
+                <a:solidFill>
+                  <a:srgbClr val="C00000"/>
+                </a:solidFill>
+                <a:latin typeface="Source Sans Pro Light" charset="0"/>
+                <a:ea typeface="Source Sans Pro Light" charset="0"/>
+                <a:cs typeface="Source Sans Pro Light" charset="0"/>
+              </a:rPr>
+              <a:t> for 12:00 - 12:10 added to table when watermark &gt; 12:10, late data counted, and intermediate state for window cleared </a:t>
+            </a:r>
+            <a:endParaRPr lang="en-US" sz="1400" b="0" i="0" dirty="0">
+              <a:solidFill>
+                <a:srgbClr val="C00000"/>
+              </a:solidFill>
+              <a:latin typeface="Source Sans Pro Light" charset="0"/>
+              <a:ea typeface="Source Sans Pro Light" charset="0"/>
+              <a:cs typeface="Source Sans Pro Light" charset="0"/>
+            </a:endParaRPr>
+          </a:p>
+        </p:txBody>
+      </p:sp>
+      <p:sp>
+        <p:nvSpPr>
+          <p:cNvPr id="47" name="TextBox 46"/>
+          <p:cNvSpPr txBox="1"/>
+          <p:nvPr/>
+        </p:nvSpPr>
+        <p:spPr>
+          <a:xfrm>
+            <a:off x="1273687" y="5761148"/>
+            <a:ext cx="7476955" cy="707886"/>
+          </a:xfrm>
+          <a:prstGeom prst="rect">
+            <a:avLst/>
+          </a:prstGeom>
+          <a:noFill/>
+        </p:spPr>
+        <p:txBody>
+          <a:bodyPr wrap="square" rtlCol="0">
+            <a:spAutoFit/>
+          </a:bodyPr>
+          <a:lstStyle/>
+          <a:p>
+            <a:r>
+              <a:rPr lang="en-US" sz="2000" b="1" dirty="0" smtClean="0">
+                <a:latin typeface="Source Sans Pro Light" charset="0"/>
+                <a:ea typeface="Source Sans Pro Light" charset="0"/>
+                <a:cs typeface="Source Sans Pro Light" charset="0"/>
+              </a:rPr>
+              <a:t>Watermarking</a:t>
+            </a:r>
+            <a:r>
+              <a:rPr lang="en-US" sz="2000" dirty="0" smtClean="0">
+                <a:latin typeface="Source Sans Pro Light" charset="0"/>
+                <a:ea typeface="Source Sans Pro Light" charset="0"/>
+                <a:cs typeface="Source Sans Pro Light" charset="0"/>
+              </a:rPr>
+              <a:t> in </a:t>
+            </a:r>
+            <a:r>
+              <a:rPr lang="en-US" sz="2000" b="1" dirty="0" smtClean="0">
+                <a:latin typeface="Source Sans Pro Light" charset="0"/>
+                <a:ea typeface="Source Sans Pro Light" charset="0"/>
+                <a:cs typeface="Source Sans Pro Light" charset="0"/>
+              </a:rPr>
+              <a:t>Windowed </a:t>
+            </a:r>
+          </a:p>
+          <a:p>
+            <a:r>
+              <a:rPr lang="en-US" sz="2000" b="1" dirty="0" smtClean="0">
+                <a:latin typeface="Source Sans Pro Light" charset="0"/>
+                <a:ea typeface="Source Sans Pro Light" charset="0"/>
+                <a:cs typeface="Source Sans Pro Light" charset="0"/>
+              </a:rPr>
+              <a:t>Grouped Aggregation </a:t>
+            </a:r>
+            <a:r>
+              <a:rPr lang="en-US" sz="2000" dirty="0" smtClean="0">
+                <a:latin typeface="Source Sans Pro Light" charset="0"/>
+                <a:ea typeface="Source Sans Pro Light" charset="0"/>
+                <a:cs typeface="Source Sans Pro Light" charset="0"/>
+              </a:rPr>
+              <a:t>with </a:t>
+            </a:r>
+            <a:r>
+              <a:rPr lang="en-US" sz="2000" b="1" dirty="0" smtClean="0">
+                <a:latin typeface="Source Sans Pro Light" charset="0"/>
+                <a:ea typeface="Source Sans Pro Light" charset="0"/>
+                <a:cs typeface="Source Sans Pro Light" charset="0"/>
+              </a:rPr>
+              <a:t>Append Mode</a:t>
+            </a:r>
+            <a:endParaRPr lang="en-US" sz="2000" b="1" dirty="0">
+              <a:latin typeface="Source Sans Pro Light" charset="0"/>
+              <a:ea typeface="Source Sans Pro Light" charset="0"/>
+              <a:cs typeface="Source Sans Pro Light" charset="0"/>
+            </a:endParaRPr>
+          </a:p>
+        </p:txBody>
+      </p:sp>
+      <p:sp>
+        <p:nvSpPr>
+          <p:cNvPr id="51" name="Rectangle 50"/>
+          <p:cNvSpPr/>
+          <p:nvPr/>
+        </p:nvSpPr>
+        <p:spPr>
+          <a:xfrm>
+            <a:off x="1654608" y="3916606"/>
+            <a:ext cx="570989" cy="307777"/>
+          </a:xfrm>
+          <a:prstGeom prst="rect">
+            <a:avLst/>
+          </a:prstGeom>
+        </p:spPr>
+        <p:txBody>
+          <a:bodyPr wrap="none">
+            <a:spAutoFit/>
+          </a:bodyPr>
+          <a:lstStyle/>
+          <a:p>
+            <a:pPr algn="ctr"/>
+            <a:r>
+              <a:rPr lang="en-US" sz="1400" b="0" i="0" dirty="0" smtClean="0">
+                <a:latin typeface="Source Sans Pro Light" charset="0"/>
+                <a:ea typeface="Source Sans Pro Light" charset="0"/>
+                <a:cs typeface="Source Sans Pro Light" charset="0"/>
+              </a:rPr>
+              <a:t>12:00</a:t>
+            </a:r>
+            <a:endParaRPr lang="en-US" sz="1400" b="0" i="0" dirty="0">
+              <a:latin typeface="Source Sans Pro Light" charset="0"/>
+              <a:ea typeface="Source Sans Pro Light" charset="0"/>
+              <a:cs typeface="Source Sans Pro Light" charset="0"/>
+            </a:endParaRPr>
+          </a:p>
+        </p:txBody>
+      </p:sp>
+      <p:cxnSp>
+        <p:nvCxnSpPr>
+          <p:cNvPr id="53" name="Shape 138"/>
+          <p:cNvCxnSpPr/>
+          <p:nvPr/>
+        </p:nvCxnSpPr>
+        <p:spPr>
+          <a:xfrm flipH="1">
+            <a:off x="3554072" y="500752"/>
+            <a:ext cx="31253" cy="3937112"/>
+          </a:xfrm>
+          <a:prstGeom prst="straightConnector1">
+            <a:avLst/>
+          </a:prstGeom>
+          <a:noFill/>
+          <a:ln w="12700" cap="flat" cmpd="sng">
+            <a:solidFill>
+              <a:schemeClr val="bg1">
+                <a:lumMod val="75000"/>
+              </a:schemeClr>
+            </a:solidFill>
+            <a:prstDash val="sysDot"/>
+            <a:round/>
+            <a:headEnd type="none" w="lg" len="lg"/>
+            <a:tailEnd type="stealth" w="lg" len="lg"/>
+          </a:ln>
+        </p:spPr>
+      </p:cxnSp>
+      <p:cxnSp>
+        <p:nvCxnSpPr>
+          <p:cNvPr id="56" name="Shape 138"/>
+          <p:cNvCxnSpPr/>
+          <p:nvPr/>
+        </p:nvCxnSpPr>
+        <p:spPr>
+          <a:xfrm>
+            <a:off x="4933024" y="509106"/>
+            <a:ext cx="0" cy="3939143"/>
+          </a:xfrm>
+          <a:prstGeom prst="straightConnector1">
+            <a:avLst/>
+          </a:prstGeom>
+          <a:noFill/>
+          <a:ln w="12700" cap="flat" cmpd="sng">
+            <a:solidFill>
+              <a:schemeClr val="bg1">
+                <a:lumMod val="75000"/>
+              </a:schemeClr>
+            </a:solidFill>
+            <a:prstDash val="sysDot"/>
+            <a:round/>
+            <a:headEnd type="none" w="lg" len="lg"/>
+            <a:tailEnd type="stealth" w="lg" len="lg"/>
+          </a:ln>
+        </p:spPr>
+      </p:cxnSp>
+      <p:cxnSp>
+        <p:nvCxnSpPr>
+          <p:cNvPr id="62" name="Shape 138"/>
+          <p:cNvCxnSpPr/>
+          <p:nvPr/>
+        </p:nvCxnSpPr>
+        <p:spPr>
+          <a:xfrm>
+            <a:off x="6282198" y="509106"/>
+            <a:ext cx="0" cy="3939143"/>
+          </a:xfrm>
+          <a:prstGeom prst="straightConnector1">
+            <a:avLst/>
+          </a:prstGeom>
+          <a:noFill/>
+          <a:ln w="12700" cap="flat" cmpd="sng">
+            <a:solidFill>
+              <a:schemeClr val="bg1">
+                <a:lumMod val="75000"/>
+              </a:schemeClr>
+            </a:solidFill>
+            <a:prstDash val="sysDot"/>
+            <a:round/>
+            <a:headEnd type="none" w="lg" len="lg"/>
+            <a:tailEnd type="stealth" w="lg" len="lg"/>
+          </a:ln>
+        </p:spPr>
+      </p:cxnSp>
+      <p:sp>
+        <p:nvSpPr>
+          <p:cNvPr id="32" name="Rectangle 31"/>
+          <p:cNvSpPr/>
+          <p:nvPr/>
+        </p:nvSpPr>
+        <p:spPr>
+          <a:xfrm>
+            <a:off x="1203881" y="0"/>
+            <a:ext cx="9926666" cy="6858000"/>
+          </a:xfrm>
+          <a:prstGeom prst="rect">
+            <a:avLst/>
+          </a:prstGeom>
+          <a:noFill/>
+          <a:ln>
+            <a:noFill/>
+          </a:ln>
+        </p:spPr>
+        <p:style>
+          <a:lnRef idx="2">
+            <a:schemeClr val="accent1">
+              <a:shade val="50000"/>
+            </a:schemeClr>
+          </a:lnRef>
+          <a:fillRef idx="1">
+            <a:schemeClr val="accent1"/>
+          </a:fillRef>
+          <a:effectRef idx="0">
+            <a:schemeClr val="accent1"/>
+          </a:effectRef>
+          <a:fontRef idx="minor">
+            <a:schemeClr val="lt1"/>
+          </a:fontRef>
+        </p:style>
+        <p:txBody>
+          <a:bodyPr rtlCol="0" anchor="ctr"/>
+          <a:lstStyle/>
+          <a:p>
+            <a:pPr algn="ctr"/>
+            <a:endParaRPr lang="en-US"/>
+          </a:p>
+        </p:txBody>
+      </p:sp>
+      <p:cxnSp>
+        <p:nvCxnSpPr>
+          <p:cNvPr id="34" name="Shape 138"/>
+          <p:cNvCxnSpPr/>
+          <p:nvPr/>
+        </p:nvCxnSpPr>
+        <p:spPr>
+          <a:xfrm>
+            <a:off x="7629866" y="509106"/>
+            <a:ext cx="1" cy="3928758"/>
+          </a:xfrm>
+          <a:prstGeom prst="straightConnector1">
+            <a:avLst/>
+          </a:prstGeom>
+          <a:noFill/>
+          <a:ln w="12700" cap="flat" cmpd="sng">
+            <a:solidFill>
+              <a:schemeClr val="bg1">
+                <a:lumMod val="75000"/>
+              </a:schemeClr>
+            </a:solidFill>
+            <a:prstDash val="sysDot"/>
+            <a:round/>
+            <a:headEnd type="none" w="lg" len="lg"/>
+            <a:tailEnd type="stealth" w="lg" len="lg"/>
+          </a:ln>
+        </p:spPr>
+      </p:cxnSp>
+      <p:graphicFrame>
+        <p:nvGraphicFramePr>
+          <p:cNvPr id="48" name="Table 47"/>
+          <p:cNvGraphicFramePr>
+            <a:graphicFrameLocks noGrp="1"/>
+          </p:cNvGraphicFramePr>
+          <p:nvPr>
+            <p:extLst>
+              <p:ext uri="{D42A27DB-BD31-4B8C-83A1-F6EECF244321}">
+                <p14:modId xmlns:p14="http://schemas.microsoft.com/office/powerpoint/2010/main" val="175352973"/>
+              </p:ext>
+            </p:extLst>
+          </p:nvPr>
+        </p:nvGraphicFramePr>
+        <p:xfrm>
+          <a:off x="8350105" y="4467869"/>
+          <a:ext cx="1067441" cy="690228"/>
+        </p:xfrm>
+        <a:graphic>
+          <a:graphicData uri="http://schemas.openxmlformats.org/drawingml/2006/table">
+            <a:tbl>
+              <a:tblPr bandRow="1">
+                <a:tableStyleId>{16D9F66E-5EB9-4882-86FB-DCBF35E3C3E4}</a:tableStyleId>
+              </a:tblPr>
+              <a:tblGrid>
+                <a:gridCol w="730100"/>
+                <a:gridCol w="212651"/>
+                <a:gridCol w="124690"/>
+              </a:tblGrid>
+              <a:tr h="230076">
+                <a:tc>
+                  <a:txBody>
+                    <a:bodyPr/>
+                    <a:lstStyle/>
+                    <a:p>
+                      <a:pPr algn="ctr"/>
+                      <a:r>
+                        <a:rPr lang="en-US" sz="1000" b="0" i="0" dirty="0" smtClean="0">
+                          <a:latin typeface="Source Sans Pro Light" charset="0"/>
+                          <a:ea typeface="Source Sans Pro Light" charset="0"/>
+                          <a:cs typeface="Source Sans Pro Light" charset="0"/>
+                        </a:rPr>
+                        <a:t>12:00</a:t>
+                      </a:r>
+                      <a:r>
+                        <a:rPr lang="en-US" sz="1000" b="0" i="0" baseline="0" dirty="0" smtClean="0">
+                          <a:latin typeface="Source Sans Pro Light" charset="0"/>
+                          <a:ea typeface="Source Sans Pro Light" charset="0"/>
+                          <a:cs typeface="Source Sans Pro Light" charset="0"/>
+                        </a:rPr>
+                        <a:t> - 12:10</a:t>
+                      </a:r>
+                      <a:endParaRPr lang="en-US" sz="1000" b="0" i="0" dirty="0">
+                        <a:latin typeface="Source Sans Pro Light" charset="0"/>
+                        <a:ea typeface="Source Sans Pro Light" charset="0"/>
+                        <a:cs typeface="Source Sans Pro Light" charset="0"/>
+                      </a:endParaRPr>
+                    </a:p>
+                  </a:txBody>
+                  <a:tcPr marL="0" marR="0" marT="26915" marB="26915">
+                    <a:lnL w="28575" cap="flat" cmpd="sng" algn="ctr">
+                      <a:solidFill>
+                        <a:schemeClr val="accent6"/>
+                      </a:solidFill>
+                      <a:prstDash val="solid"/>
+                      <a:round/>
+                      <a:headEnd type="none" w="med" len="med"/>
+                      <a:tailEnd type="none" w="med" len="med"/>
+                    </a:lnL>
+                    <a:lnT w="28575" cap="flat" cmpd="sng" algn="ctr">
+                      <a:solidFill>
+                        <a:schemeClr val="accent6"/>
+                      </a:solidFill>
+                      <a:prstDash val="solid"/>
+                      <a:round/>
+                      <a:headEnd type="none" w="med" len="med"/>
+                      <a:tailEnd type="none" w="med" len="med"/>
+                    </a:lnT>
+                  </a:tcPr>
+                </a:tc>
+                <a:tc>
+                  <a:txBody>
+                    <a:bodyPr/>
+                    <a:lstStyle/>
+                    <a:p>
+                      <a:pPr algn="ctr"/>
+                      <a:r>
+                        <a:rPr lang="en-US" sz="1000" b="0" i="0" dirty="0" smtClean="0">
+                          <a:latin typeface="Source Sans Pro Light" charset="0"/>
+                          <a:ea typeface="Source Sans Pro Light" charset="0"/>
+                          <a:cs typeface="Source Sans Pro Light" charset="0"/>
+                        </a:rPr>
+                        <a:t>owl</a:t>
+                      </a:r>
+                      <a:endParaRPr lang="en-US" sz="1000" b="0" i="0" dirty="0">
+                        <a:latin typeface="Source Sans Pro Light" charset="0"/>
+                        <a:ea typeface="Source Sans Pro Light" charset="0"/>
+                        <a:cs typeface="Source Sans Pro Light" charset="0"/>
+                      </a:endParaRPr>
+                    </a:p>
+                  </a:txBody>
+                  <a:tcPr marL="0" marR="0" marT="26915" marB="26915">
+                    <a:lnT w="28575" cap="flat" cmpd="sng" algn="ctr">
+                      <a:solidFill>
+                        <a:schemeClr val="accent6"/>
+                      </a:solidFill>
+                      <a:prstDash val="solid"/>
+                      <a:round/>
+                      <a:headEnd type="none" w="med" len="med"/>
+                      <a:tailEnd type="none" w="med" len="med"/>
+                    </a:lnT>
+                  </a:tcPr>
+                </a:tc>
+                <a:tc>
+                  <a:txBody>
+                    <a:bodyPr/>
+                    <a:lstStyle/>
+                    <a:p>
+                      <a:pPr algn="ctr"/>
+                      <a:r>
+                        <a:rPr lang="en-US" sz="1000" b="0" i="0" dirty="0" smtClean="0">
+                          <a:latin typeface="Source Sans Pro Light" charset="0"/>
+                          <a:ea typeface="Source Sans Pro Light" charset="0"/>
+                          <a:cs typeface="Source Sans Pro Light" charset="0"/>
+                        </a:rPr>
+                        <a:t>1</a:t>
+                      </a:r>
+                      <a:endParaRPr lang="en-US" sz="1000" b="0" i="0" dirty="0">
+                        <a:latin typeface="Source Sans Pro Light" charset="0"/>
+                        <a:ea typeface="Source Sans Pro Light" charset="0"/>
+                        <a:cs typeface="Source Sans Pro Light" charset="0"/>
+                      </a:endParaRPr>
+                    </a:p>
+                  </a:txBody>
+                  <a:tcPr marL="0" marR="0" marT="26915" marB="26915">
+                    <a:lnR w="28575" cap="flat" cmpd="sng" algn="ctr">
+                      <a:solidFill>
+                        <a:schemeClr val="accent6"/>
+                      </a:solidFill>
+                      <a:prstDash val="solid"/>
+                      <a:round/>
+                      <a:headEnd type="none" w="med" len="med"/>
+                      <a:tailEnd type="none" w="med" len="med"/>
+                    </a:lnR>
+                    <a:lnT w="28575" cap="flat" cmpd="sng" algn="ctr">
+                      <a:solidFill>
+                        <a:schemeClr val="accent6"/>
+                      </a:solidFill>
+                      <a:prstDash val="solid"/>
+                      <a:round/>
+                      <a:headEnd type="none" w="med" len="med"/>
+                      <a:tailEnd type="none" w="med" len="med"/>
+                    </a:lnT>
+                  </a:tcPr>
+                </a:tc>
+              </a:tr>
+              <a:tr h="230076">
+                <a:tc>
+                  <a:txBody>
+                    <a:bodyPr/>
+                    <a:lstStyle/>
+                    <a:p>
+                      <a:pPr marL="0" marR="0" indent="0" algn="ctr" defTabSz="914400" rtl="0" eaLnBrk="1" fontAlgn="auto" latinLnBrk="0" hangingPunct="1">
+                        <a:lnSpc>
+                          <a:spcPct val="100000"/>
+                        </a:lnSpc>
+                        <a:spcBef>
+                          <a:spcPts val="0"/>
+                        </a:spcBef>
+                        <a:spcAft>
+                          <a:spcPts val="0"/>
+                        </a:spcAft>
+                        <a:buClrTx/>
+                        <a:buSzTx/>
+                        <a:buFontTx/>
+                        <a:buNone/>
+                        <a:tabLst/>
+                        <a:defRPr/>
+                      </a:pPr>
+                      <a:r>
+                        <a:rPr lang="en-US" sz="1000" b="0" i="0" dirty="0" smtClean="0">
+                          <a:latin typeface="Source Sans Pro Light" charset="0"/>
+                          <a:ea typeface="Source Sans Pro Light" charset="0"/>
+                          <a:cs typeface="Source Sans Pro Light" charset="0"/>
+                        </a:rPr>
+                        <a:t>12:00</a:t>
+                      </a:r>
+                      <a:r>
+                        <a:rPr lang="en-US" sz="1000" b="0" i="0" baseline="0" dirty="0" smtClean="0">
+                          <a:latin typeface="Source Sans Pro Light" charset="0"/>
+                          <a:ea typeface="Source Sans Pro Light" charset="0"/>
+                          <a:cs typeface="Source Sans Pro Light" charset="0"/>
+                        </a:rPr>
+                        <a:t> - 12:10</a:t>
+                      </a:r>
+                      <a:endParaRPr lang="en-US" sz="1000" b="0" i="0" dirty="0" smtClean="0">
+                        <a:latin typeface="Source Sans Pro Light" charset="0"/>
+                        <a:ea typeface="Source Sans Pro Light" charset="0"/>
+                        <a:cs typeface="Source Sans Pro Light" charset="0"/>
+                      </a:endParaRPr>
+                    </a:p>
+                  </a:txBody>
+                  <a:tcPr marL="0" marR="0" marT="26915" marB="26915">
+                    <a:lnL w="28575" cap="flat" cmpd="sng" algn="ctr">
+                      <a:solidFill>
+                        <a:schemeClr val="accent6"/>
+                      </a:solidFill>
+                      <a:prstDash val="solid"/>
+                      <a:round/>
+                      <a:headEnd type="none" w="med" len="med"/>
+                      <a:tailEnd type="none" w="med" len="med"/>
+                    </a:lnL>
+                  </a:tcPr>
+                </a:tc>
+                <a:tc>
+                  <a:txBody>
+                    <a:bodyPr/>
+                    <a:lstStyle/>
+                    <a:p>
+                      <a:pPr algn="ctr"/>
+                      <a:r>
+                        <a:rPr lang="en-US" sz="1000" b="0" i="0" dirty="0" smtClean="0">
+                          <a:latin typeface="Source Sans Pro Light" charset="0"/>
+                          <a:ea typeface="Source Sans Pro Light" charset="0"/>
+                          <a:cs typeface="Source Sans Pro Light" charset="0"/>
+                        </a:rPr>
+                        <a:t>cat</a:t>
+                      </a:r>
+                      <a:endParaRPr lang="en-US" sz="1000" b="0" i="0" dirty="0">
+                        <a:latin typeface="Source Sans Pro Light" charset="0"/>
+                        <a:ea typeface="Source Sans Pro Light" charset="0"/>
+                        <a:cs typeface="Source Sans Pro Light" charset="0"/>
+                      </a:endParaRPr>
+                    </a:p>
+                  </a:txBody>
+                  <a:tcPr marL="0" marR="0" marT="26915" marB="26915"/>
+                </a:tc>
+                <a:tc>
+                  <a:txBody>
+                    <a:bodyPr/>
+                    <a:lstStyle/>
+                    <a:p>
+                      <a:pPr algn="ctr"/>
+                      <a:r>
+                        <a:rPr lang="en-US" sz="1000" b="0" i="0" dirty="0" smtClean="0">
+                          <a:latin typeface="Source Sans Pro Light" charset="0"/>
+                          <a:ea typeface="Source Sans Pro Light" charset="0"/>
+                          <a:cs typeface="Source Sans Pro Light" charset="0"/>
+                        </a:rPr>
+                        <a:t>1</a:t>
+                      </a:r>
+                      <a:endParaRPr lang="en-US" sz="1000" b="0" i="0" dirty="0">
+                        <a:latin typeface="Source Sans Pro Light" charset="0"/>
+                        <a:ea typeface="Source Sans Pro Light" charset="0"/>
+                        <a:cs typeface="Source Sans Pro Light" charset="0"/>
+                      </a:endParaRPr>
+                    </a:p>
+                  </a:txBody>
+                  <a:tcPr marL="0" marR="0" marT="26915" marB="26915">
+                    <a:lnR w="28575" cap="flat" cmpd="sng" algn="ctr">
+                      <a:solidFill>
+                        <a:schemeClr val="accent6"/>
+                      </a:solidFill>
+                      <a:prstDash val="solid"/>
+                      <a:round/>
+                      <a:headEnd type="none" w="med" len="med"/>
+                      <a:tailEnd type="none" w="med" len="med"/>
+                    </a:lnR>
+                  </a:tcPr>
+                </a:tc>
+              </a:tr>
+              <a:tr h="230076">
+                <a:tc>
+                  <a:txBody>
+                    <a:bodyPr/>
+                    <a:lstStyle/>
+                    <a:p>
+                      <a:pPr algn="ctr"/>
+                      <a:r>
+                        <a:rPr lang="en-US" sz="1000" b="0" i="0" dirty="0" smtClean="0">
+                          <a:latin typeface="Source Sans Pro Light" charset="0"/>
+                          <a:ea typeface="Source Sans Pro Light" charset="0"/>
+                          <a:cs typeface="Source Sans Pro Light" charset="0"/>
+                        </a:rPr>
+                        <a:t>12:00</a:t>
+                      </a:r>
+                      <a:r>
+                        <a:rPr lang="en-US" sz="1000" b="0" i="0" baseline="0" dirty="0" smtClean="0">
+                          <a:latin typeface="Source Sans Pro Light" charset="0"/>
+                          <a:ea typeface="Source Sans Pro Light" charset="0"/>
+                          <a:cs typeface="Source Sans Pro Light" charset="0"/>
+                        </a:rPr>
+                        <a:t> - 12:10</a:t>
+                      </a:r>
+                      <a:endParaRPr lang="en-US" sz="1000" b="0" i="0" dirty="0">
+                        <a:latin typeface="Source Sans Pro Light" charset="0"/>
+                        <a:ea typeface="Source Sans Pro Light" charset="0"/>
+                        <a:cs typeface="Source Sans Pro Light" charset="0"/>
+                      </a:endParaRPr>
+                    </a:p>
+                  </a:txBody>
+                  <a:tcPr marL="0" marR="0" marT="26915" marB="26915">
+                    <a:lnL w="28575" cap="flat" cmpd="sng" algn="ctr">
+                      <a:solidFill>
+                        <a:schemeClr val="accent6"/>
+                      </a:solidFill>
+                      <a:prstDash val="solid"/>
+                      <a:round/>
+                      <a:headEnd type="none" w="med" len="med"/>
+                      <a:tailEnd type="none" w="med" len="med"/>
+                    </a:lnL>
+                    <a:lnB w="28575" cap="flat" cmpd="sng" algn="ctr">
+                      <a:solidFill>
+                        <a:schemeClr val="accent6"/>
+                      </a:solidFill>
+                      <a:prstDash val="solid"/>
+                      <a:round/>
+                      <a:headEnd type="none" w="med" len="med"/>
+                      <a:tailEnd type="none" w="med" len="med"/>
+                    </a:lnB>
+                  </a:tcPr>
+                </a:tc>
+                <a:tc>
+                  <a:txBody>
+                    <a:bodyPr/>
+                    <a:lstStyle/>
+                    <a:p>
+                      <a:pPr algn="ctr"/>
+                      <a:r>
+                        <a:rPr lang="en-US" sz="1000" b="0" i="0" dirty="0" smtClean="0">
+                          <a:latin typeface="Source Sans Pro Light" charset="0"/>
+                          <a:ea typeface="Source Sans Pro Light" charset="0"/>
+                          <a:cs typeface="Source Sans Pro Light" charset="0"/>
+                        </a:rPr>
+                        <a:t>dog</a:t>
+                      </a:r>
+                      <a:endParaRPr lang="en-US" sz="1000" b="0" i="0" dirty="0">
+                        <a:latin typeface="Source Sans Pro Light" charset="0"/>
+                        <a:ea typeface="Source Sans Pro Light" charset="0"/>
+                        <a:cs typeface="Source Sans Pro Light" charset="0"/>
+                      </a:endParaRPr>
+                    </a:p>
+                  </a:txBody>
+                  <a:tcPr marL="0" marR="0" marT="26915" marB="26915">
+                    <a:lnB w="28575" cap="flat" cmpd="sng" algn="ctr">
+                      <a:solidFill>
+                        <a:schemeClr val="accent6"/>
+                      </a:solidFill>
+                      <a:prstDash val="solid"/>
+                      <a:round/>
+                      <a:headEnd type="none" w="med" len="med"/>
+                      <a:tailEnd type="none" w="med" len="med"/>
+                    </a:lnB>
+                  </a:tcPr>
+                </a:tc>
+                <a:tc>
+                  <a:txBody>
+                    <a:bodyPr/>
+                    <a:lstStyle/>
+                    <a:p>
+                      <a:pPr algn="ctr"/>
+                      <a:r>
+                        <a:rPr lang="en-US" sz="1000" b="0" i="0" dirty="0" smtClean="0">
+                          <a:latin typeface="Source Sans Pro Light" charset="0"/>
+                          <a:ea typeface="Source Sans Pro Light" charset="0"/>
+                          <a:cs typeface="Source Sans Pro Light" charset="0"/>
+                        </a:rPr>
+                        <a:t>2</a:t>
+                      </a:r>
+                      <a:endParaRPr lang="en-US" sz="1000" b="0" i="0" dirty="0">
+                        <a:latin typeface="Source Sans Pro Light" charset="0"/>
+                        <a:ea typeface="Source Sans Pro Light" charset="0"/>
+                        <a:cs typeface="Source Sans Pro Light" charset="0"/>
+                      </a:endParaRPr>
+                    </a:p>
+                  </a:txBody>
+                  <a:tcPr marL="0" marR="0" marT="26915" marB="26915">
+                    <a:lnR w="28575" cap="flat" cmpd="sng" algn="ctr">
+                      <a:solidFill>
+                        <a:schemeClr val="accent6"/>
+                      </a:solidFill>
+                      <a:prstDash val="solid"/>
+                      <a:round/>
+                      <a:headEnd type="none" w="med" len="med"/>
+                      <a:tailEnd type="none" w="med" len="med"/>
+                    </a:lnR>
+                    <a:lnB w="28575" cap="flat" cmpd="sng" algn="ctr">
+                      <a:solidFill>
+                        <a:schemeClr val="accent6"/>
+                      </a:solidFill>
+                      <a:prstDash val="solid"/>
+                      <a:round/>
+                      <a:headEnd type="none" w="med" len="med"/>
+                      <a:tailEnd type="none" w="med" len="med"/>
+                    </a:lnB>
+                  </a:tcPr>
+                </a:tc>
+              </a:tr>
+            </a:tbl>
+          </a:graphicData>
+        </a:graphic>
+      </p:graphicFrame>
+      <p:cxnSp>
+        <p:nvCxnSpPr>
+          <p:cNvPr id="52" name="Shape 138"/>
+          <p:cNvCxnSpPr/>
+          <p:nvPr/>
+        </p:nvCxnSpPr>
+        <p:spPr>
+          <a:xfrm>
+            <a:off x="8982887" y="500752"/>
+            <a:ext cx="0" cy="3945923"/>
+          </a:xfrm>
+          <a:prstGeom prst="straightConnector1">
+            <a:avLst/>
+          </a:prstGeom>
+          <a:noFill/>
+          <a:ln w="12700" cap="flat" cmpd="sng">
+            <a:solidFill>
+              <a:schemeClr val="bg1">
+                <a:lumMod val="75000"/>
+              </a:schemeClr>
+            </a:solidFill>
+            <a:prstDash val="sysDot"/>
+            <a:round/>
+            <a:headEnd type="none" w="lg" len="lg"/>
+            <a:tailEnd type="stealth" w="lg" len="lg"/>
+          </a:ln>
+        </p:spPr>
+      </p:cxnSp>
+      <p:sp>
+        <p:nvSpPr>
+          <p:cNvPr id="54" name="Rectangle 53"/>
+          <p:cNvSpPr/>
+          <p:nvPr/>
+        </p:nvSpPr>
+        <p:spPr>
+          <a:xfrm>
+            <a:off x="3171822" y="4437907"/>
+            <a:ext cx="4828624" cy="523220"/>
+          </a:xfrm>
+          <a:prstGeom prst="rect">
+            <a:avLst/>
+          </a:prstGeom>
+        </p:spPr>
+        <p:txBody>
+          <a:bodyPr wrap="square">
+            <a:spAutoFit/>
+          </a:bodyPr>
+          <a:lstStyle/>
+          <a:p>
+            <a:pPr algn="ctr"/>
+            <a:r>
+              <a:rPr lang="en-US" sz="1400" dirty="0" smtClean="0">
+                <a:solidFill>
+                  <a:srgbClr val="C00000"/>
+                </a:solidFill>
+                <a:latin typeface="Source Sans Pro Light" charset="0"/>
+                <a:ea typeface="Source Sans Pro Light" charset="0"/>
+                <a:cs typeface="Source Sans Pro Light" charset="0"/>
+              </a:rPr>
+              <a:t>partial counts for window 12:00-12:10 maintained as internal state while waiting for late data, so not yet added  to result table</a:t>
+            </a:r>
+            <a:endParaRPr lang="en-US" sz="1400" b="0" i="0" dirty="0">
+              <a:solidFill>
+                <a:srgbClr val="C00000"/>
+              </a:solidFill>
+              <a:latin typeface="Source Sans Pro Light" charset="0"/>
+              <a:ea typeface="Source Sans Pro Light" charset="0"/>
+              <a:cs typeface="Source Sans Pro Light" charset="0"/>
+            </a:endParaRPr>
+          </a:p>
+        </p:txBody>
+      </p:sp>
+      <p:cxnSp>
+        <p:nvCxnSpPr>
+          <p:cNvPr id="58" name="Shape 128"/>
+          <p:cNvCxnSpPr/>
+          <p:nvPr/>
+        </p:nvCxnSpPr>
+        <p:spPr>
+          <a:xfrm flipV="1">
+            <a:off x="2245241" y="307322"/>
+            <a:ext cx="27128" cy="3656482"/>
+          </a:xfrm>
+          <a:prstGeom prst="straightConnector1">
+            <a:avLst/>
+          </a:prstGeom>
+          <a:noFill/>
+          <a:ln w="28575" cap="flat" cmpd="sng">
+            <a:solidFill>
+              <a:srgbClr val="000000"/>
+            </a:solidFill>
+            <a:prstDash val="solid"/>
+            <a:round/>
+            <a:headEnd type="none" w="lg" len="lg"/>
+            <a:tailEnd type="triangle" w="lg" len="lg"/>
+          </a:ln>
+        </p:spPr>
+      </p:cxnSp>
+      <p:sp>
+        <p:nvSpPr>
+          <p:cNvPr id="59" name="Rectangle 58"/>
+          <p:cNvSpPr/>
+          <p:nvPr/>
+        </p:nvSpPr>
+        <p:spPr>
+          <a:xfrm>
+            <a:off x="1655301" y="3132117"/>
+            <a:ext cx="570989" cy="307777"/>
+          </a:xfrm>
+          <a:prstGeom prst="rect">
+            <a:avLst/>
+          </a:prstGeom>
+        </p:spPr>
+        <p:txBody>
+          <a:bodyPr wrap="none">
+            <a:spAutoFit/>
+          </a:bodyPr>
+          <a:lstStyle/>
+          <a:p>
+            <a:pPr algn="ctr"/>
+            <a:r>
+              <a:rPr lang="en-US" sz="1400" b="0" i="0" dirty="0" smtClean="0">
+                <a:latin typeface="Source Sans Pro Light" charset="0"/>
+                <a:ea typeface="Source Sans Pro Light" charset="0"/>
+                <a:cs typeface="Source Sans Pro Light" charset="0"/>
+              </a:rPr>
+              <a:t>12:05</a:t>
+            </a:r>
+            <a:endParaRPr lang="en-US" sz="1400" b="0" i="0" dirty="0">
+              <a:latin typeface="Source Sans Pro Light" charset="0"/>
+              <a:ea typeface="Source Sans Pro Light" charset="0"/>
+              <a:cs typeface="Source Sans Pro Light" charset="0"/>
+            </a:endParaRPr>
+          </a:p>
+        </p:txBody>
+      </p:sp>
+      <p:sp>
+        <p:nvSpPr>
+          <p:cNvPr id="60" name="Rectangle 59"/>
+          <p:cNvSpPr/>
+          <p:nvPr/>
+        </p:nvSpPr>
+        <p:spPr>
+          <a:xfrm>
+            <a:off x="1660637" y="2477219"/>
+            <a:ext cx="570989" cy="307777"/>
+          </a:xfrm>
+          <a:prstGeom prst="rect">
+            <a:avLst/>
+          </a:prstGeom>
+        </p:spPr>
+        <p:txBody>
+          <a:bodyPr wrap="none">
+            <a:spAutoFit/>
+          </a:bodyPr>
+          <a:lstStyle/>
+          <a:p>
+            <a:pPr algn="ctr"/>
+            <a:r>
+              <a:rPr lang="en-US" sz="1400" b="0" i="0" dirty="0" smtClean="0">
+                <a:latin typeface="Source Sans Pro Light" charset="0"/>
+                <a:ea typeface="Source Sans Pro Light" charset="0"/>
+                <a:cs typeface="Source Sans Pro Light" charset="0"/>
+              </a:rPr>
+              <a:t>12:10</a:t>
+            </a:r>
+            <a:endParaRPr lang="en-US" sz="1400" b="0" i="0" dirty="0">
+              <a:latin typeface="Source Sans Pro Light" charset="0"/>
+              <a:ea typeface="Source Sans Pro Light" charset="0"/>
+              <a:cs typeface="Source Sans Pro Light" charset="0"/>
+            </a:endParaRPr>
+          </a:p>
+        </p:txBody>
+      </p:sp>
+      <p:sp>
+        <p:nvSpPr>
+          <p:cNvPr id="61" name="Rectangle 60"/>
+          <p:cNvSpPr/>
+          <p:nvPr/>
+        </p:nvSpPr>
+        <p:spPr>
+          <a:xfrm>
+            <a:off x="1655301" y="1822321"/>
+            <a:ext cx="570989" cy="307777"/>
+          </a:xfrm>
+          <a:prstGeom prst="rect">
+            <a:avLst/>
+          </a:prstGeom>
+        </p:spPr>
+        <p:txBody>
+          <a:bodyPr wrap="none">
+            <a:spAutoFit/>
+          </a:bodyPr>
+          <a:lstStyle/>
+          <a:p>
+            <a:pPr algn="ctr"/>
+            <a:r>
+              <a:rPr lang="en-US" sz="1400" b="0" i="0" dirty="0" smtClean="0">
+                <a:latin typeface="Source Sans Pro Light" charset="0"/>
+                <a:ea typeface="Source Sans Pro Light" charset="0"/>
+                <a:cs typeface="Source Sans Pro Light" charset="0"/>
+              </a:rPr>
+              <a:t>12:15</a:t>
+            </a:r>
+            <a:endParaRPr lang="en-US" sz="1400" b="0" i="0" dirty="0">
+              <a:latin typeface="Source Sans Pro Light" charset="0"/>
+              <a:ea typeface="Source Sans Pro Light" charset="0"/>
+              <a:cs typeface="Source Sans Pro Light" charset="0"/>
+            </a:endParaRPr>
+          </a:p>
+        </p:txBody>
+      </p:sp>
+      <p:sp>
+        <p:nvSpPr>
+          <p:cNvPr id="63" name="Rectangle 62"/>
+          <p:cNvSpPr/>
+          <p:nvPr/>
+        </p:nvSpPr>
+        <p:spPr>
+          <a:xfrm>
+            <a:off x="1655301" y="1180732"/>
+            <a:ext cx="570989" cy="307777"/>
+          </a:xfrm>
+          <a:prstGeom prst="rect">
+            <a:avLst/>
+          </a:prstGeom>
+        </p:spPr>
+        <p:txBody>
+          <a:bodyPr wrap="none">
+            <a:spAutoFit/>
+          </a:bodyPr>
+          <a:lstStyle/>
+          <a:p>
+            <a:pPr algn="ctr"/>
+            <a:r>
+              <a:rPr lang="en-US" sz="1400" b="0" i="0" dirty="0" smtClean="0">
+                <a:latin typeface="Source Sans Pro Light" charset="0"/>
+                <a:ea typeface="Source Sans Pro Light" charset="0"/>
+                <a:cs typeface="Source Sans Pro Light" charset="0"/>
+              </a:rPr>
+              <a:t>12:20</a:t>
+            </a:r>
+            <a:endParaRPr lang="en-US" sz="1400" b="0" i="0" dirty="0">
+              <a:latin typeface="Source Sans Pro Light" charset="0"/>
+              <a:ea typeface="Source Sans Pro Light" charset="0"/>
+              <a:cs typeface="Source Sans Pro Light" charset="0"/>
+            </a:endParaRPr>
+          </a:p>
+        </p:txBody>
+      </p:sp>
+      <p:sp>
+        <p:nvSpPr>
+          <p:cNvPr id="158" name="Rectangle 157"/>
+          <p:cNvSpPr/>
+          <p:nvPr/>
+        </p:nvSpPr>
+        <p:spPr>
+          <a:xfrm>
+            <a:off x="2321902" y="1082635"/>
+            <a:ext cx="2517791" cy="1468222"/>
+          </a:xfrm>
+          <a:prstGeom prst="rect">
+            <a:avLst/>
+          </a:prstGeom>
+          <a:solidFill>
+            <a:schemeClr val="bg1"/>
+          </a:solidFill>
+          <a:ln>
+            <a:solidFill>
+              <a:schemeClr val="bg1">
+                <a:lumMod val="65000"/>
+              </a:schemeClr>
+            </a:solidFill>
+          </a:ln>
+        </p:spPr>
+        <p:style>
+          <a:lnRef idx="2">
+            <a:schemeClr val="accent1">
+              <a:shade val="50000"/>
+            </a:schemeClr>
+          </a:lnRef>
+          <a:fillRef idx="1">
+            <a:schemeClr val="accent1"/>
+          </a:fillRef>
+          <a:effectRef idx="0">
+            <a:schemeClr val="accent1"/>
+          </a:effectRef>
+          <a:fontRef idx="minor">
+            <a:schemeClr val="lt1"/>
+          </a:fontRef>
+        </p:style>
+        <p:txBody>
+          <a:bodyPr rtlCol="0" anchor="ctr"/>
+          <a:lstStyle/>
+          <a:p>
+            <a:pPr algn="ctr"/>
+            <a:endParaRPr lang="en-US"/>
+          </a:p>
+        </p:txBody>
+      </p:sp>
+      <p:sp>
+        <p:nvSpPr>
+          <p:cNvPr id="5" name="Rectangle 4"/>
+          <p:cNvSpPr/>
+          <p:nvPr/>
+        </p:nvSpPr>
+        <p:spPr>
+          <a:xfrm>
+            <a:off x="3242312" y="4000442"/>
+            <a:ext cx="678392" cy="243892"/>
+          </a:xfrm>
+          <a:prstGeom prst="rect">
+            <a:avLst/>
+          </a:prstGeom>
+          <a:solidFill>
+            <a:schemeClr val="bg1">
+              <a:alpha val="67000"/>
+            </a:schemeClr>
+          </a:solidFill>
+        </p:spPr>
+        <p:txBody>
+          <a:bodyPr wrap="none" anchor="ctr">
+            <a:noAutofit/>
+          </a:bodyPr>
+          <a:lstStyle/>
+          <a:p>
+            <a:pPr algn="ctr"/>
+            <a:r>
+              <a:rPr lang="en-US" sz="1400" b="0" i="0" dirty="0" smtClean="0">
+                <a:latin typeface="Source Sans Pro Light" charset="0"/>
+                <a:ea typeface="Source Sans Pro Light" charset="0"/>
+                <a:cs typeface="Source Sans Pro Light" charset="0"/>
+              </a:rPr>
+              <a:t>12:05</a:t>
+            </a:r>
+            <a:endParaRPr lang="en-US" sz="1400" b="0" i="0" dirty="0">
+              <a:latin typeface="Source Sans Pro Light" charset="0"/>
+              <a:ea typeface="Source Sans Pro Light" charset="0"/>
+              <a:cs typeface="Source Sans Pro Light" charset="0"/>
+            </a:endParaRPr>
+          </a:p>
+        </p:txBody>
+      </p:sp>
+      <p:sp>
+        <p:nvSpPr>
+          <p:cNvPr id="6" name="Rectangle 5"/>
+          <p:cNvSpPr/>
+          <p:nvPr/>
+        </p:nvSpPr>
+        <p:spPr>
+          <a:xfrm>
+            <a:off x="4592657" y="4000442"/>
+            <a:ext cx="678392" cy="243892"/>
+          </a:xfrm>
+          <a:prstGeom prst="rect">
+            <a:avLst/>
+          </a:prstGeom>
+          <a:solidFill>
+            <a:schemeClr val="bg1">
+              <a:alpha val="67000"/>
+            </a:schemeClr>
+          </a:solidFill>
+        </p:spPr>
+        <p:txBody>
+          <a:bodyPr wrap="none" anchor="ctr">
+            <a:noAutofit/>
+          </a:bodyPr>
+          <a:lstStyle/>
+          <a:p>
+            <a:pPr algn="ctr"/>
+            <a:r>
+              <a:rPr lang="en-US" sz="1400" b="0" i="0" dirty="0" smtClean="0">
+                <a:latin typeface="Source Sans Pro Light" charset="0"/>
+                <a:ea typeface="Source Sans Pro Light" charset="0"/>
+                <a:cs typeface="Source Sans Pro Light" charset="0"/>
+              </a:rPr>
+              <a:t>12:10</a:t>
+            </a:r>
+            <a:endParaRPr lang="en-US" sz="1400" b="0" i="0" dirty="0">
+              <a:latin typeface="Source Sans Pro Light" charset="0"/>
+              <a:ea typeface="Source Sans Pro Light" charset="0"/>
+              <a:cs typeface="Source Sans Pro Light" charset="0"/>
+            </a:endParaRPr>
+          </a:p>
+        </p:txBody>
+      </p:sp>
+      <p:sp>
+        <p:nvSpPr>
+          <p:cNvPr id="12" name="Rectangle 11"/>
+          <p:cNvSpPr/>
+          <p:nvPr/>
+        </p:nvSpPr>
+        <p:spPr>
+          <a:xfrm>
+            <a:off x="5943002" y="4000442"/>
+            <a:ext cx="678392" cy="243892"/>
+          </a:xfrm>
+          <a:prstGeom prst="rect">
+            <a:avLst/>
+          </a:prstGeom>
+          <a:solidFill>
+            <a:schemeClr val="bg1">
+              <a:alpha val="67000"/>
+            </a:schemeClr>
+          </a:solidFill>
+        </p:spPr>
+        <p:txBody>
+          <a:bodyPr wrap="none" anchor="ctr">
+            <a:noAutofit/>
+          </a:bodyPr>
+          <a:lstStyle/>
+          <a:p>
+            <a:pPr algn="ctr"/>
+            <a:r>
+              <a:rPr lang="en-US" sz="1400" b="0" i="0" dirty="0" smtClean="0">
+                <a:latin typeface="Source Sans Pro Light" charset="0"/>
+                <a:ea typeface="Source Sans Pro Light" charset="0"/>
+                <a:cs typeface="Source Sans Pro Light" charset="0"/>
+              </a:rPr>
+              <a:t>12:15</a:t>
+            </a:r>
+            <a:endParaRPr lang="en-US" sz="1400" b="0" i="0" dirty="0">
+              <a:latin typeface="Source Sans Pro Light" charset="0"/>
+              <a:ea typeface="Source Sans Pro Light" charset="0"/>
+              <a:cs typeface="Source Sans Pro Light" charset="0"/>
+            </a:endParaRPr>
+          </a:p>
+        </p:txBody>
+      </p:sp>
+      <p:sp>
+        <p:nvSpPr>
+          <p:cNvPr id="33" name="Rectangle 32"/>
+          <p:cNvSpPr/>
+          <p:nvPr/>
+        </p:nvSpPr>
+        <p:spPr>
+          <a:xfrm>
+            <a:off x="7293347" y="3985652"/>
+            <a:ext cx="678392" cy="243892"/>
+          </a:xfrm>
+          <a:prstGeom prst="rect">
+            <a:avLst/>
+          </a:prstGeom>
+          <a:solidFill>
+            <a:schemeClr val="bg1">
+              <a:alpha val="67000"/>
+            </a:schemeClr>
+          </a:solidFill>
+        </p:spPr>
+        <p:txBody>
+          <a:bodyPr wrap="none" anchor="ctr">
+            <a:noAutofit/>
+          </a:bodyPr>
+          <a:lstStyle/>
+          <a:p>
+            <a:pPr algn="ctr"/>
+            <a:r>
+              <a:rPr lang="en-US" sz="1400" b="0" i="0" dirty="0" smtClean="0">
+                <a:latin typeface="Source Sans Pro Light" charset="0"/>
+                <a:ea typeface="Source Sans Pro Light" charset="0"/>
+                <a:cs typeface="Source Sans Pro Light" charset="0"/>
+              </a:rPr>
+              <a:t>12:20</a:t>
+            </a:r>
+            <a:endParaRPr lang="en-US" sz="1400" b="0" i="0" dirty="0">
+              <a:latin typeface="Source Sans Pro Light" charset="0"/>
+              <a:ea typeface="Source Sans Pro Light" charset="0"/>
+              <a:cs typeface="Source Sans Pro Light" charset="0"/>
+            </a:endParaRPr>
+          </a:p>
+        </p:txBody>
+      </p:sp>
+      <p:sp>
+        <p:nvSpPr>
+          <p:cNvPr id="50" name="Rectangle 49"/>
+          <p:cNvSpPr/>
+          <p:nvPr/>
+        </p:nvSpPr>
+        <p:spPr>
+          <a:xfrm>
+            <a:off x="8643691" y="3998868"/>
+            <a:ext cx="678392" cy="243892"/>
+          </a:xfrm>
+          <a:prstGeom prst="rect">
+            <a:avLst/>
+          </a:prstGeom>
+          <a:solidFill>
+            <a:schemeClr val="bg1">
+              <a:alpha val="67000"/>
+            </a:schemeClr>
+          </a:solidFill>
+        </p:spPr>
+        <p:txBody>
+          <a:bodyPr wrap="none" anchor="ctr">
+            <a:noAutofit/>
+          </a:bodyPr>
+          <a:lstStyle/>
+          <a:p>
+            <a:pPr algn="ctr"/>
+            <a:r>
+              <a:rPr lang="en-US" sz="1400" b="0" i="0" dirty="0" smtClean="0">
+                <a:latin typeface="Source Sans Pro Light" charset="0"/>
+                <a:ea typeface="Source Sans Pro Light" charset="0"/>
+                <a:cs typeface="Source Sans Pro Light" charset="0"/>
+              </a:rPr>
+              <a:t>12:25</a:t>
+            </a:r>
+            <a:endParaRPr lang="en-US" sz="1400" b="0" i="0" dirty="0">
+              <a:latin typeface="Source Sans Pro Light" charset="0"/>
+              <a:ea typeface="Source Sans Pro Light" charset="0"/>
+              <a:cs typeface="Source Sans Pro Light" charset="0"/>
+            </a:endParaRPr>
+          </a:p>
+        </p:txBody>
+      </p:sp>
+      <p:cxnSp>
+        <p:nvCxnSpPr>
+          <p:cNvPr id="187" name="Straight Connector 186"/>
+          <p:cNvCxnSpPr/>
+          <p:nvPr/>
+        </p:nvCxnSpPr>
+        <p:spPr>
+          <a:xfrm>
+            <a:off x="6279522" y="1827272"/>
+            <a:ext cx="2676" cy="2494"/>
+          </a:xfrm>
+          <a:prstGeom prst="line">
+            <a:avLst/>
+          </a:prstGeom>
+          <a:ln>
+            <a:prstDash val="sysDot"/>
+          </a:ln>
+        </p:spPr>
+        <p:style>
+          <a:lnRef idx="2">
+            <a:schemeClr val="accent1"/>
+          </a:lnRef>
+          <a:fillRef idx="0">
+            <a:schemeClr val="accent1"/>
+          </a:fillRef>
+          <a:effectRef idx="1">
+            <a:schemeClr val="accent1"/>
+          </a:effectRef>
+          <a:fontRef idx="minor">
+            <a:schemeClr val="tx1"/>
+          </a:fontRef>
+        </p:style>
+      </p:cxnSp>
+      <p:grpSp>
+        <p:nvGrpSpPr>
+          <p:cNvPr id="293" name="Group 292"/>
+          <p:cNvGrpSpPr/>
+          <p:nvPr/>
+        </p:nvGrpSpPr>
+        <p:grpSpPr>
+          <a:xfrm>
+            <a:off x="2454942" y="1129805"/>
+            <a:ext cx="2468750" cy="1429952"/>
+            <a:chOff x="2473109" y="2015663"/>
+            <a:chExt cx="2468750" cy="1429952"/>
+          </a:xfrm>
+        </p:grpSpPr>
+        <p:sp>
+          <p:nvSpPr>
+            <p:cNvPr id="159" name="Oval 158"/>
+            <p:cNvSpPr/>
+            <p:nvPr/>
+          </p:nvSpPr>
+          <p:spPr>
+            <a:xfrm>
+              <a:off x="2510090" y="2070225"/>
+              <a:ext cx="138633" cy="138633"/>
+            </a:xfrm>
+            <a:prstGeom prst="ellipse">
+              <a:avLst/>
+            </a:prstGeom>
+          </p:spPr>
+          <p:style>
+            <a:lnRef idx="1">
+              <a:schemeClr val="accent4"/>
+            </a:lnRef>
+            <a:fillRef idx="2">
+              <a:schemeClr val="accent4"/>
+            </a:fillRef>
+            <a:effectRef idx="1">
+              <a:schemeClr val="accent4"/>
+            </a:effectRef>
+            <a:fontRef idx="minor">
+              <a:schemeClr val="dk1"/>
+            </a:fontRef>
+          </p:style>
+          <p:txBody>
+            <a:bodyPr rtlCol="0" anchor="ctr"/>
+            <a:lstStyle/>
+            <a:p>
+              <a:pPr algn="ctr"/>
+              <a:endParaRPr lang="en-US" sz="1200">
+                <a:solidFill>
+                  <a:schemeClr val="accent4">
+                    <a:lumMod val="50000"/>
+                  </a:schemeClr>
+                </a:solidFill>
+              </a:endParaRPr>
+            </a:p>
+          </p:txBody>
+        </p:sp>
+        <p:sp>
+          <p:nvSpPr>
+            <p:cNvPr id="160" name="Rectangle 159"/>
+            <p:cNvSpPr/>
+            <p:nvPr/>
+          </p:nvSpPr>
+          <p:spPr>
+            <a:xfrm>
+              <a:off x="2665274" y="2015663"/>
+              <a:ext cx="1806905" cy="276999"/>
+            </a:xfrm>
+            <a:prstGeom prst="rect">
+              <a:avLst/>
+            </a:prstGeom>
+          </p:spPr>
+          <p:txBody>
+            <a:bodyPr wrap="none">
+              <a:spAutoFit/>
+            </a:bodyPr>
+            <a:lstStyle/>
+            <a:p>
+              <a:pPr lvl="0"/>
+              <a:r>
+                <a:rPr lang="en-US" sz="1200" dirty="0" smtClean="0">
+                  <a:latin typeface="Source Sans Pro Light" charset="0"/>
+                  <a:ea typeface="Source Sans Pro Light" charset="0"/>
+                  <a:cs typeface="Source Sans Pro Light" charset="0"/>
+                </a:rPr>
+                <a:t>Data as (event time, word)</a:t>
+              </a:r>
+              <a:endParaRPr lang="en-US" sz="1200" dirty="0">
+                <a:latin typeface="Source Sans Pro Light" charset="0"/>
+                <a:ea typeface="Source Sans Pro Light" charset="0"/>
+                <a:cs typeface="Source Sans Pro Light" charset="0"/>
+              </a:endParaRPr>
+            </a:p>
+          </p:txBody>
+        </p:sp>
+        <p:sp>
+          <p:nvSpPr>
+            <p:cNvPr id="161" name="Oval 160"/>
+            <p:cNvSpPr/>
+            <p:nvPr/>
+          </p:nvSpPr>
+          <p:spPr>
+            <a:xfrm>
+              <a:off x="2510090" y="2312941"/>
+              <a:ext cx="138633" cy="138633"/>
+            </a:xfrm>
+            <a:prstGeom prst="ellipse">
+              <a:avLst/>
+            </a:prstGeom>
+          </p:spPr>
+          <p:style>
+            <a:lnRef idx="1">
+              <a:schemeClr val="accent2"/>
+            </a:lnRef>
+            <a:fillRef idx="2">
+              <a:schemeClr val="accent2"/>
+            </a:fillRef>
+            <a:effectRef idx="1">
+              <a:schemeClr val="accent2"/>
+            </a:effectRef>
+            <a:fontRef idx="minor">
+              <a:schemeClr val="dk1"/>
+            </a:fontRef>
+          </p:style>
+          <p:txBody>
+            <a:bodyPr rtlCol="0" anchor="ctr"/>
+            <a:lstStyle/>
+            <a:p>
+              <a:pPr algn="ctr"/>
+              <a:endParaRPr lang="en-US" sz="1200">
+                <a:solidFill>
+                  <a:schemeClr val="accent4">
+                    <a:lumMod val="50000"/>
+                  </a:schemeClr>
+                </a:solidFill>
+              </a:endParaRPr>
+            </a:p>
+          </p:txBody>
+        </p:sp>
+        <p:sp>
+          <p:nvSpPr>
+            <p:cNvPr id="162" name="Rectangle 161"/>
+            <p:cNvSpPr/>
+            <p:nvPr/>
+          </p:nvSpPr>
+          <p:spPr>
+            <a:xfrm>
+              <a:off x="2665274" y="2257620"/>
+              <a:ext cx="2113079" cy="276999"/>
+            </a:xfrm>
+            <a:prstGeom prst="rect">
+              <a:avLst/>
+            </a:prstGeom>
+          </p:spPr>
+          <p:txBody>
+            <a:bodyPr wrap="none">
+              <a:spAutoFit/>
+            </a:bodyPr>
+            <a:lstStyle/>
+            <a:p>
+              <a:pPr lvl="0"/>
+              <a:r>
+                <a:rPr lang="en-US" sz="1200" dirty="0" smtClean="0">
+                  <a:latin typeface="Source Sans Pro Light" charset="0"/>
+                  <a:ea typeface="Source Sans Pro Light" charset="0"/>
+                  <a:cs typeface="Source Sans Pro Light" charset="0"/>
+                </a:rPr>
+                <a:t>Data late but within watermark</a:t>
+              </a:r>
+              <a:endParaRPr lang="en-US" sz="1200" dirty="0">
+                <a:latin typeface="Source Sans Pro Light" charset="0"/>
+                <a:ea typeface="Source Sans Pro Light" charset="0"/>
+                <a:cs typeface="Source Sans Pro Light" charset="0"/>
+              </a:endParaRPr>
+            </a:p>
+          </p:txBody>
+        </p:sp>
+        <p:sp>
+          <p:nvSpPr>
+            <p:cNvPr id="165" name="Oval 164"/>
+            <p:cNvSpPr/>
+            <p:nvPr/>
+          </p:nvSpPr>
+          <p:spPr>
+            <a:xfrm>
+              <a:off x="2510090" y="2532538"/>
+              <a:ext cx="138633" cy="138633"/>
+            </a:xfrm>
+            <a:prstGeom prst="ellipse">
+              <a:avLst/>
+            </a:prstGeom>
+            <a:solidFill>
+              <a:schemeClr val="bg1"/>
+            </a:solidFill>
+            <a:ln w="19050"/>
+          </p:spPr>
+          <p:style>
+            <a:lnRef idx="1">
+              <a:schemeClr val="accent2"/>
+            </a:lnRef>
+            <a:fillRef idx="3">
+              <a:schemeClr val="accent2"/>
+            </a:fillRef>
+            <a:effectRef idx="2">
+              <a:schemeClr val="accent2"/>
+            </a:effectRef>
+            <a:fontRef idx="minor">
+              <a:schemeClr val="lt1"/>
+            </a:fontRef>
+          </p:style>
+          <p:txBody>
+            <a:bodyPr rtlCol="0" anchor="ctr"/>
+            <a:lstStyle/>
+            <a:p>
+              <a:pPr algn="ctr"/>
+              <a:endParaRPr lang="en-US" sz="1200">
+                <a:solidFill>
+                  <a:schemeClr val="accent4">
+                    <a:lumMod val="50000"/>
+                  </a:schemeClr>
+                </a:solidFill>
+              </a:endParaRPr>
+            </a:p>
+          </p:txBody>
+        </p:sp>
+        <p:sp>
+          <p:nvSpPr>
+            <p:cNvPr id="166" name="Rectangle 165"/>
+            <p:cNvSpPr/>
+            <p:nvPr/>
+          </p:nvSpPr>
+          <p:spPr>
+            <a:xfrm>
+              <a:off x="2665274" y="2477217"/>
+              <a:ext cx="2190023" cy="276999"/>
+            </a:xfrm>
+            <a:prstGeom prst="rect">
+              <a:avLst/>
+            </a:prstGeom>
+          </p:spPr>
+          <p:txBody>
+            <a:bodyPr wrap="none">
+              <a:spAutoFit/>
+            </a:bodyPr>
+            <a:lstStyle/>
+            <a:p>
+              <a:pPr lvl="0"/>
+              <a:r>
+                <a:rPr lang="en-US" sz="1200" dirty="0" smtClean="0">
+                  <a:latin typeface="Source Sans Pro Light" charset="0"/>
+                  <a:ea typeface="Source Sans Pro Light" charset="0"/>
+                  <a:cs typeface="Source Sans Pro Light" charset="0"/>
+                </a:rPr>
+                <a:t>Data too late outside watermark</a:t>
+              </a:r>
+              <a:endParaRPr lang="en-US" sz="1200" dirty="0">
+                <a:latin typeface="Source Sans Pro Light" charset="0"/>
+                <a:ea typeface="Source Sans Pro Light" charset="0"/>
+                <a:cs typeface="Source Sans Pro Light" charset="0"/>
+              </a:endParaRPr>
+            </a:p>
+          </p:txBody>
+        </p:sp>
+        <p:cxnSp>
+          <p:nvCxnSpPr>
+            <p:cNvPr id="191" name="Straight Connector 190"/>
+            <p:cNvCxnSpPr/>
+            <p:nvPr/>
+          </p:nvCxnSpPr>
+          <p:spPr>
+            <a:xfrm>
+              <a:off x="2473109" y="2916375"/>
+              <a:ext cx="212595" cy="0"/>
+            </a:xfrm>
+            <a:prstGeom prst="line">
+              <a:avLst/>
+            </a:prstGeom>
+            <a:ln w="28575">
+              <a:prstDash val="sysDot"/>
+            </a:ln>
+          </p:spPr>
+          <p:style>
+            <a:lnRef idx="2">
+              <a:schemeClr val="accent1"/>
+            </a:lnRef>
+            <a:fillRef idx="0">
+              <a:schemeClr val="accent1"/>
+            </a:fillRef>
+            <a:effectRef idx="1">
+              <a:schemeClr val="accent1"/>
+            </a:effectRef>
+            <a:fontRef idx="minor">
+              <a:schemeClr val="tx1"/>
+            </a:fontRef>
+          </p:style>
+        </p:cxnSp>
+        <p:sp>
+          <p:nvSpPr>
+            <p:cNvPr id="193" name="Rectangle 192"/>
+            <p:cNvSpPr/>
+            <p:nvPr/>
+          </p:nvSpPr>
+          <p:spPr>
+            <a:xfrm>
+              <a:off x="2665274" y="2790762"/>
+              <a:ext cx="1930337" cy="276999"/>
+            </a:xfrm>
+            <a:prstGeom prst="rect">
+              <a:avLst/>
+            </a:prstGeom>
+          </p:spPr>
+          <p:txBody>
+            <a:bodyPr wrap="none">
+              <a:spAutoFit/>
+            </a:bodyPr>
+            <a:lstStyle/>
+            <a:p>
+              <a:pPr lvl="0"/>
+              <a:r>
+                <a:rPr lang="en-US" sz="1200" dirty="0" smtClean="0">
+                  <a:latin typeface="Source Sans Pro Light" charset="0"/>
+                  <a:ea typeface="Source Sans Pro Light" charset="0"/>
+                  <a:cs typeface="Source Sans Pro Light" charset="0"/>
+                </a:rPr>
+                <a:t>Max event time seen till now</a:t>
+              </a:r>
+              <a:endParaRPr lang="en-US" sz="1200" dirty="0">
+                <a:latin typeface="Source Sans Pro Light" charset="0"/>
+                <a:ea typeface="Source Sans Pro Light" charset="0"/>
+                <a:cs typeface="Source Sans Pro Light" charset="0"/>
+              </a:endParaRPr>
+            </a:p>
+          </p:txBody>
+        </p:sp>
+        <p:cxnSp>
+          <p:nvCxnSpPr>
+            <p:cNvPr id="194" name="Straight Connector 193"/>
+            <p:cNvCxnSpPr/>
+            <p:nvPr/>
+          </p:nvCxnSpPr>
+          <p:spPr>
+            <a:xfrm>
+              <a:off x="2473109" y="3201794"/>
+              <a:ext cx="212595" cy="0"/>
+            </a:xfrm>
+            <a:prstGeom prst="line">
+              <a:avLst/>
+            </a:prstGeom>
+            <a:effectLst/>
+          </p:spPr>
+          <p:style>
+            <a:lnRef idx="3">
+              <a:schemeClr val="accent2"/>
+            </a:lnRef>
+            <a:fillRef idx="0">
+              <a:schemeClr val="accent2"/>
+            </a:fillRef>
+            <a:effectRef idx="2">
+              <a:schemeClr val="accent2"/>
+            </a:effectRef>
+            <a:fontRef idx="minor">
+              <a:schemeClr val="tx1"/>
+            </a:fontRef>
+          </p:style>
+        </p:cxnSp>
+        <p:sp>
+          <p:nvSpPr>
+            <p:cNvPr id="196" name="Rectangle 195"/>
+            <p:cNvSpPr/>
+            <p:nvPr/>
+          </p:nvSpPr>
+          <p:spPr>
+            <a:xfrm>
+              <a:off x="2665274" y="2983950"/>
+              <a:ext cx="2276585" cy="461665"/>
+            </a:xfrm>
+            <a:prstGeom prst="rect">
+              <a:avLst/>
+            </a:prstGeom>
+          </p:spPr>
+          <p:txBody>
+            <a:bodyPr wrap="none">
+              <a:spAutoFit/>
+            </a:bodyPr>
+            <a:lstStyle/>
+            <a:p>
+              <a:pPr lvl="0"/>
+              <a:r>
+                <a:rPr lang="en-US" sz="1200" dirty="0" smtClean="0">
+                  <a:latin typeface="Source Sans Pro Light" charset="0"/>
+                  <a:ea typeface="Source Sans Pro Light" charset="0"/>
+                  <a:cs typeface="Source Sans Pro Light" charset="0"/>
+                </a:rPr>
+                <a:t>Watermark = </a:t>
+              </a:r>
+            </a:p>
+            <a:p>
+              <a:pPr lvl="0"/>
+              <a:r>
+                <a:rPr lang="en-US" sz="1200" dirty="0" smtClean="0">
+                  <a:latin typeface="Source Sans Pro Light" charset="0"/>
+                  <a:ea typeface="Source Sans Pro Light" charset="0"/>
+                  <a:cs typeface="Source Sans Pro Light" charset="0"/>
+                </a:rPr>
+                <a:t>    max event time -- late threshold</a:t>
+              </a:r>
+              <a:endParaRPr lang="en-US" sz="1200" dirty="0">
+                <a:latin typeface="Source Sans Pro Light" charset="0"/>
+                <a:ea typeface="Source Sans Pro Light" charset="0"/>
+                <a:cs typeface="Source Sans Pro Light" charset="0"/>
+              </a:endParaRPr>
+            </a:p>
+          </p:txBody>
+        </p:sp>
+      </p:grpSp>
+      <p:cxnSp>
+        <p:nvCxnSpPr>
+          <p:cNvPr id="198" name="Straight Arrow Connector 197"/>
+          <p:cNvCxnSpPr/>
+          <p:nvPr/>
+        </p:nvCxnSpPr>
+        <p:spPr>
+          <a:xfrm>
+            <a:off x="6283393" y="2166514"/>
+            <a:ext cx="0" cy="1256867"/>
+          </a:xfrm>
+          <a:prstGeom prst="straightConnector1">
+            <a:avLst/>
+          </a:prstGeom>
+          <a:ln>
+            <a:solidFill>
+              <a:schemeClr val="tx1">
+                <a:lumMod val="50000"/>
+                <a:lumOff val="50000"/>
+              </a:schemeClr>
+            </a:solidFill>
+            <a:headEnd type="arrow" w="med" len="med"/>
+            <a:tailEnd type="arrow" w="med" len="med"/>
+          </a:ln>
+        </p:spPr>
+        <p:style>
+          <a:lnRef idx="3">
+            <a:schemeClr val="dk1"/>
+          </a:lnRef>
+          <a:fillRef idx="0">
+            <a:schemeClr val="dk1"/>
+          </a:fillRef>
+          <a:effectRef idx="2">
+            <a:schemeClr val="dk1"/>
+          </a:effectRef>
+          <a:fontRef idx="minor">
+            <a:schemeClr val="tx1"/>
+          </a:fontRef>
+        </p:style>
+      </p:cxnSp>
+      <p:sp>
+        <p:nvSpPr>
+          <p:cNvPr id="199" name="Rectangle 198"/>
+          <p:cNvSpPr/>
+          <p:nvPr/>
+        </p:nvSpPr>
+        <p:spPr>
+          <a:xfrm>
+            <a:off x="4613616" y="3164187"/>
+            <a:ext cx="1531470" cy="573413"/>
+          </a:xfrm>
+          <a:prstGeom prst="rect">
+            <a:avLst/>
+          </a:prstGeom>
+          <a:solidFill>
+            <a:schemeClr val="bg1">
+              <a:alpha val="72000"/>
+            </a:schemeClr>
+          </a:solidFill>
+        </p:spPr>
+        <p:txBody>
+          <a:bodyPr wrap="square" rIns="0">
+            <a:noAutofit/>
+          </a:bodyPr>
+          <a:lstStyle/>
+          <a:p>
+            <a:pPr lvl="0" algn="r"/>
+            <a:r>
+              <a:rPr lang="en-US" sz="1200" dirty="0" smtClean="0">
+                <a:solidFill>
+                  <a:schemeClr val="tx1">
+                    <a:lumMod val="95000"/>
+                    <a:lumOff val="5000"/>
+                  </a:schemeClr>
+                </a:solidFill>
+                <a:latin typeface="Source Sans Pro Light" charset="0"/>
+                <a:ea typeface="Source Sans Pro Light" charset="0"/>
+                <a:cs typeface="Source Sans Pro Light" charset="0"/>
+              </a:rPr>
+              <a:t>watermark updated every trigger using late threshold = 10 min</a:t>
+            </a:r>
+          </a:p>
+        </p:txBody>
+      </p:sp>
+      <p:grpSp>
+        <p:nvGrpSpPr>
+          <p:cNvPr id="111" name="Group 110"/>
+          <p:cNvGrpSpPr/>
+          <p:nvPr/>
+        </p:nvGrpSpPr>
+        <p:grpSpPr>
+          <a:xfrm>
+            <a:off x="7734446" y="3318449"/>
+            <a:ext cx="898003" cy="325887"/>
+            <a:chOff x="2647737" y="2729624"/>
+            <a:chExt cx="898003" cy="325887"/>
+          </a:xfrm>
+        </p:grpSpPr>
+        <p:sp>
+          <p:nvSpPr>
+            <p:cNvPr id="112" name="Oval 111"/>
+            <p:cNvSpPr/>
+            <p:nvPr/>
+          </p:nvSpPr>
+          <p:spPr>
+            <a:xfrm>
+              <a:off x="3022115" y="2729624"/>
+              <a:ext cx="138633" cy="138633"/>
+            </a:xfrm>
+            <a:prstGeom prst="ellipse">
+              <a:avLst/>
+            </a:prstGeom>
+            <a:solidFill>
+              <a:schemeClr val="bg1"/>
+            </a:solidFill>
+            <a:ln w="19050"/>
+          </p:spPr>
+          <p:style>
+            <a:lnRef idx="1">
+              <a:schemeClr val="accent2"/>
+            </a:lnRef>
+            <a:fillRef idx="3">
+              <a:schemeClr val="accent2"/>
+            </a:fillRef>
+            <a:effectRef idx="2">
+              <a:schemeClr val="accent2"/>
+            </a:effectRef>
+            <a:fontRef idx="minor">
+              <a:schemeClr val="lt1"/>
+            </a:fontRef>
+          </p:style>
+          <p:txBody>
+            <a:bodyPr rtlCol="0" anchor="ctr"/>
+            <a:lstStyle/>
+            <a:p>
+              <a:pPr algn="ctr"/>
+              <a:endParaRPr lang="en-US" sz="1000">
+                <a:solidFill>
+                  <a:schemeClr val="accent4">
+                    <a:lumMod val="50000"/>
+                  </a:schemeClr>
+                </a:solidFill>
+              </a:endParaRPr>
+            </a:p>
+          </p:txBody>
+        </p:sp>
+        <p:sp>
+          <p:nvSpPr>
+            <p:cNvPr id="113" name="Rectangle 112"/>
+            <p:cNvSpPr/>
+            <p:nvPr/>
+          </p:nvSpPr>
+          <p:spPr>
+            <a:xfrm>
+              <a:off x="2647737" y="2809290"/>
+              <a:ext cx="898003" cy="246221"/>
+            </a:xfrm>
+            <a:prstGeom prst="rect">
+              <a:avLst/>
+            </a:prstGeom>
+          </p:spPr>
+          <p:txBody>
+            <a:bodyPr wrap="none">
+              <a:spAutoFit/>
+            </a:bodyPr>
+            <a:lstStyle/>
+            <a:p>
+              <a:pPr lvl="0" algn="ctr"/>
+              <a:r>
+                <a:rPr lang="en-US" sz="1000" dirty="0" smtClean="0">
+                  <a:solidFill>
+                    <a:schemeClr val="accent4">
+                      <a:lumMod val="50000"/>
+                    </a:schemeClr>
+                  </a:solidFill>
+                  <a:latin typeface="Source Sans Pro Light" charset="0"/>
+                  <a:ea typeface="Source Sans Pro Light" charset="0"/>
+                  <a:cs typeface="Source Sans Pro Light" charset="0"/>
+                </a:rPr>
+                <a:t>12:04, donkey</a:t>
+              </a:r>
+              <a:endParaRPr lang="en-US" sz="1000" dirty="0">
+                <a:solidFill>
+                  <a:schemeClr val="accent4">
+                    <a:lumMod val="50000"/>
+                  </a:schemeClr>
+                </a:solidFill>
+                <a:latin typeface="Source Sans Pro Light" charset="0"/>
+                <a:ea typeface="Source Sans Pro Light" charset="0"/>
+                <a:cs typeface="Source Sans Pro Light" charset="0"/>
+              </a:endParaRPr>
+            </a:p>
+          </p:txBody>
+        </p:sp>
+      </p:grpSp>
+      <p:grpSp>
+        <p:nvGrpSpPr>
+          <p:cNvPr id="76" name="Group 75"/>
+          <p:cNvGrpSpPr/>
+          <p:nvPr/>
+        </p:nvGrpSpPr>
+        <p:grpSpPr>
+          <a:xfrm>
+            <a:off x="3637942" y="2941187"/>
+            <a:ext cx="713658" cy="325887"/>
+            <a:chOff x="2739907" y="2729624"/>
+            <a:chExt cx="713658" cy="325887"/>
+          </a:xfrm>
+        </p:grpSpPr>
+        <p:sp>
+          <p:nvSpPr>
+            <p:cNvPr id="77" name="Oval 76"/>
+            <p:cNvSpPr/>
+            <p:nvPr/>
+          </p:nvSpPr>
+          <p:spPr>
+            <a:xfrm>
+              <a:off x="3022115" y="2729624"/>
+              <a:ext cx="138633" cy="138633"/>
+            </a:xfrm>
+            <a:prstGeom prst="ellipse">
+              <a:avLst/>
+            </a:prstGeom>
+          </p:spPr>
+          <p:style>
+            <a:lnRef idx="1">
+              <a:schemeClr val="accent4"/>
+            </a:lnRef>
+            <a:fillRef idx="2">
+              <a:schemeClr val="accent4"/>
+            </a:fillRef>
+            <a:effectRef idx="1">
+              <a:schemeClr val="accent4"/>
+            </a:effectRef>
+            <a:fontRef idx="minor">
+              <a:schemeClr val="dk1"/>
+            </a:fontRef>
+          </p:style>
+          <p:txBody>
+            <a:bodyPr rtlCol="0" anchor="ctr"/>
+            <a:lstStyle/>
+            <a:p>
+              <a:pPr algn="ctr"/>
+              <a:endParaRPr lang="en-US" sz="1000">
+                <a:solidFill>
+                  <a:schemeClr val="accent4">
+                    <a:lumMod val="50000"/>
+                  </a:schemeClr>
+                </a:solidFill>
+              </a:endParaRPr>
+            </a:p>
+          </p:txBody>
+        </p:sp>
+        <p:sp>
+          <p:nvSpPr>
+            <p:cNvPr id="78" name="Rectangle 77"/>
+            <p:cNvSpPr/>
+            <p:nvPr/>
+          </p:nvSpPr>
+          <p:spPr>
+            <a:xfrm>
+              <a:off x="2739907" y="2809290"/>
+              <a:ext cx="713658" cy="246221"/>
+            </a:xfrm>
+            <a:prstGeom prst="rect">
+              <a:avLst/>
+            </a:prstGeom>
+          </p:spPr>
+          <p:txBody>
+            <a:bodyPr wrap="none">
+              <a:spAutoFit/>
+            </a:bodyPr>
+            <a:lstStyle/>
+            <a:p>
+              <a:pPr lvl="0" algn="ctr"/>
+              <a:r>
+                <a:rPr lang="en-US" sz="1000" dirty="0" smtClean="0">
+                  <a:solidFill>
+                    <a:schemeClr val="accent4">
+                      <a:lumMod val="50000"/>
+                    </a:schemeClr>
+                  </a:solidFill>
+                  <a:latin typeface="Source Sans Pro Light" charset="0"/>
+                  <a:ea typeface="Source Sans Pro Light" charset="0"/>
+                  <a:cs typeface="Source Sans Pro Light" charset="0"/>
+                </a:rPr>
+                <a:t>12:07, dog</a:t>
+              </a:r>
+              <a:endParaRPr lang="en-US" sz="1000" dirty="0">
+                <a:solidFill>
+                  <a:schemeClr val="accent4">
+                    <a:lumMod val="50000"/>
+                  </a:schemeClr>
+                </a:solidFill>
+                <a:latin typeface="Source Sans Pro Light" charset="0"/>
+                <a:ea typeface="Source Sans Pro Light" charset="0"/>
+                <a:cs typeface="Source Sans Pro Light" charset="0"/>
+              </a:endParaRPr>
+            </a:p>
+          </p:txBody>
+        </p:sp>
+      </p:grpSp>
+      <p:grpSp>
+        <p:nvGrpSpPr>
+          <p:cNvPr id="79" name="Group 78"/>
+          <p:cNvGrpSpPr/>
+          <p:nvPr/>
+        </p:nvGrpSpPr>
+        <p:grpSpPr>
+          <a:xfrm>
+            <a:off x="5012165" y="2051575"/>
+            <a:ext cx="713658" cy="325887"/>
+            <a:chOff x="2739907" y="2729624"/>
+            <a:chExt cx="713658" cy="325887"/>
+          </a:xfrm>
+        </p:grpSpPr>
+        <p:sp>
+          <p:nvSpPr>
+            <p:cNvPr id="80" name="Oval 79"/>
+            <p:cNvSpPr/>
+            <p:nvPr/>
+          </p:nvSpPr>
+          <p:spPr>
+            <a:xfrm>
+              <a:off x="3022115" y="2729624"/>
+              <a:ext cx="138633" cy="138633"/>
+            </a:xfrm>
+            <a:prstGeom prst="ellipse">
+              <a:avLst/>
+            </a:prstGeom>
+          </p:spPr>
+          <p:style>
+            <a:lnRef idx="1">
+              <a:schemeClr val="accent4"/>
+            </a:lnRef>
+            <a:fillRef idx="2">
+              <a:schemeClr val="accent4"/>
+            </a:fillRef>
+            <a:effectRef idx="1">
+              <a:schemeClr val="accent4"/>
+            </a:effectRef>
+            <a:fontRef idx="minor">
+              <a:schemeClr val="dk1"/>
+            </a:fontRef>
+          </p:style>
+          <p:txBody>
+            <a:bodyPr rtlCol="0" anchor="ctr"/>
+            <a:lstStyle/>
+            <a:p>
+              <a:pPr algn="ctr"/>
+              <a:endParaRPr lang="en-US" sz="1000">
+                <a:solidFill>
+                  <a:schemeClr val="accent4">
+                    <a:lumMod val="50000"/>
+                  </a:schemeClr>
+                </a:solidFill>
+              </a:endParaRPr>
+            </a:p>
+          </p:txBody>
+        </p:sp>
+        <p:sp>
+          <p:nvSpPr>
+            <p:cNvPr id="81" name="Rectangle 80"/>
+            <p:cNvSpPr/>
+            <p:nvPr/>
+          </p:nvSpPr>
+          <p:spPr>
+            <a:xfrm>
+              <a:off x="2739907" y="2809290"/>
+              <a:ext cx="713658" cy="246221"/>
+            </a:xfrm>
+            <a:prstGeom prst="rect">
+              <a:avLst/>
+            </a:prstGeom>
+          </p:spPr>
+          <p:txBody>
+            <a:bodyPr wrap="none">
+              <a:spAutoFit/>
+            </a:bodyPr>
+            <a:lstStyle/>
+            <a:p>
+              <a:pPr lvl="0" algn="ctr"/>
+              <a:r>
+                <a:rPr lang="en-US" sz="1000" dirty="0" smtClean="0">
+                  <a:solidFill>
+                    <a:schemeClr val="accent4">
+                      <a:lumMod val="50000"/>
+                    </a:schemeClr>
+                  </a:solidFill>
+                  <a:latin typeface="Source Sans Pro Light" charset="0"/>
+                  <a:ea typeface="Source Sans Pro Light" charset="0"/>
+                  <a:cs typeface="Source Sans Pro Light" charset="0"/>
+                </a:rPr>
+                <a:t>12:14, dog</a:t>
+              </a:r>
+              <a:endParaRPr lang="en-US" sz="1000" dirty="0">
+                <a:solidFill>
+                  <a:schemeClr val="accent4">
+                    <a:lumMod val="50000"/>
+                  </a:schemeClr>
+                </a:solidFill>
+                <a:latin typeface="Source Sans Pro Light" charset="0"/>
+                <a:ea typeface="Source Sans Pro Light" charset="0"/>
+                <a:cs typeface="Source Sans Pro Light" charset="0"/>
+              </a:endParaRPr>
+            </a:p>
+          </p:txBody>
+        </p:sp>
+      </p:grpSp>
+      <p:grpSp>
+        <p:nvGrpSpPr>
+          <p:cNvPr id="85" name="Group 84"/>
+          <p:cNvGrpSpPr/>
+          <p:nvPr/>
+        </p:nvGrpSpPr>
+        <p:grpSpPr>
+          <a:xfrm>
+            <a:off x="4229757" y="2821128"/>
+            <a:ext cx="699230" cy="325887"/>
+            <a:chOff x="2747122" y="2729624"/>
+            <a:chExt cx="699230" cy="325887"/>
+          </a:xfrm>
+        </p:grpSpPr>
+        <p:sp>
+          <p:nvSpPr>
+            <p:cNvPr id="86" name="Oval 85"/>
+            <p:cNvSpPr/>
+            <p:nvPr/>
+          </p:nvSpPr>
+          <p:spPr>
+            <a:xfrm>
+              <a:off x="3022115" y="2729624"/>
+              <a:ext cx="138633" cy="138633"/>
+            </a:xfrm>
+            <a:prstGeom prst="ellipse">
+              <a:avLst/>
+            </a:prstGeom>
+          </p:spPr>
+          <p:style>
+            <a:lnRef idx="1">
+              <a:schemeClr val="accent4"/>
+            </a:lnRef>
+            <a:fillRef idx="2">
+              <a:schemeClr val="accent4"/>
+            </a:fillRef>
+            <a:effectRef idx="1">
+              <a:schemeClr val="accent4"/>
+            </a:effectRef>
+            <a:fontRef idx="minor">
+              <a:schemeClr val="dk1"/>
+            </a:fontRef>
+          </p:style>
+          <p:txBody>
+            <a:bodyPr rtlCol="0" anchor="ctr"/>
+            <a:lstStyle/>
+            <a:p>
+              <a:pPr algn="ctr"/>
+              <a:endParaRPr lang="en-US" sz="1000">
+                <a:solidFill>
+                  <a:schemeClr val="accent4">
+                    <a:lumMod val="50000"/>
+                  </a:schemeClr>
+                </a:solidFill>
+              </a:endParaRPr>
+            </a:p>
+          </p:txBody>
+        </p:sp>
+        <p:sp>
+          <p:nvSpPr>
+            <p:cNvPr id="87" name="Rectangle 86"/>
+            <p:cNvSpPr/>
+            <p:nvPr/>
+          </p:nvSpPr>
+          <p:spPr>
+            <a:xfrm>
+              <a:off x="2747122" y="2809290"/>
+              <a:ext cx="699230" cy="246221"/>
+            </a:xfrm>
+            <a:prstGeom prst="rect">
+              <a:avLst/>
+            </a:prstGeom>
+          </p:spPr>
+          <p:txBody>
+            <a:bodyPr wrap="none">
+              <a:spAutoFit/>
+            </a:bodyPr>
+            <a:lstStyle/>
+            <a:p>
+              <a:pPr lvl="0" algn="ctr"/>
+              <a:r>
+                <a:rPr lang="en-US" sz="1000" dirty="0" smtClean="0">
+                  <a:solidFill>
+                    <a:schemeClr val="accent4">
+                      <a:lumMod val="50000"/>
+                    </a:schemeClr>
+                  </a:solidFill>
+                  <a:latin typeface="Source Sans Pro Light" charset="0"/>
+                  <a:ea typeface="Source Sans Pro Light" charset="0"/>
+                  <a:cs typeface="Source Sans Pro Light" charset="0"/>
+                </a:rPr>
+                <a:t>12:08, owl</a:t>
+              </a:r>
+              <a:endParaRPr lang="en-US" sz="1000" dirty="0">
+                <a:solidFill>
+                  <a:schemeClr val="accent4">
+                    <a:lumMod val="50000"/>
+                  </a:schemeClr>
+                </a:solidFill>
+                <a:latin typeface="Source Sans Pro Light" charset="0"/>
+                <a:ea typeface="Source Sans Pro Light" charset="0"/>
+                <a:cs typeface="Source Sans Pro Light" charset="0"/>
+              </a:endParaRPr>
+            </a:p>
+          </p:txBody>
+        </p:sp>
+      </p:grpSp>
+      <p:grpSp>
+        <p:nvGrpSpPr>
+          <p:cNvPr id="88" name="Group 87"/>
+          <p:cNvGrpSpPr/>
+          <p:nvPr/>
+        </p:nvGrpSpPr>
+        <p:grpSpPr>
+          <a:xfrm>
+            <a:off x="5412541" y="2659932"/>
+            <a:ext cx="673582" cy="325887"/>
+            <a:chOff x="2759945" y="2729624"/>
+            <a:chExt cx="673582" cy="325887"/>
+          </a:xfrm>
+        </p:grpSpPr>
+        <p:sp>
+          <p:nvSpPr>
+            <p:cNvPr id="89" name="Oval 88"/>
+            <p:cNvSpPr/>
+            <p:nvPr/>
+          </p:nvSpPr>
+          <p:spPr>
+            <a:xfrm>
+              <a:off x="3022115" y="2729624"/>
+              <a:ext cx="138633" cy="138633"/>
+            </a:xfrm>
+            <a:prstGeom prst="ellipse">
+              <a:avLst/>
+            </a:prstGeom>
+          </p:spPr>
+          <p:style>
+            <a:lnRef idx="1">
+              <a:schemeClr val="accent2"/>
+            </a:lnRef>
+            <a:fillRef idx="2">
+              <a:schemeClr val="accent2"/>
+            </a:fillRef>
+            <a:effectRef idx="1">
+              <a:schemeClr val="accent2"/>
+            </a:effectRef>
+            <a:fontRef idx="minor">
+              <a:schemeClr val="dk1"/>
+            </a:fontRef>
+          </p:style>
+          <p:txBody>
+            <a:bodyPr rtlCol="0" anchor="ctr"/>
+            <a:lstStyle/>
+            <a:p>
+              <a:pPr algn="ctr"/>
+              <a:endParaRPr lang="en-US" sz="1000">
+                <a:solidFill>
+                  <a:schemeClr val="accent4">
+                    <a:lumMod val="50000"/>
+                  </a:schemeClr>
+                </a:solidFill>
+              </a:endParaRPr>
+            </a:p>
+          </p:txBody>
+        </p:sp>
+        <p:sp>
+          <p:nvSpPr>
+            <p:cNvPr id="90" name="Rectangle 89"/>
+            <p:cNvSpPr/>
+            <p:nvPr/>
+          </p:nvSpPr>
+          <p:spPr>
+            <a:xfrm>
+              <a:off x="2759945" y="2809290"/>
+              <a:ext cx="673582" cy="246221"/>
+            </a:xfrm>
+            <a:prstGeom prst="rect">
+              <a:avLst/>
+            </a:prstGeom>
+          </p:spPr>
+          <p:txBody>
+            <a:bodyPr wrap="none">
+              <a:spAutoFit/>
+            </a:bodyPr>
+            <a:lstStyle/>
+            <a:p>
+              <a:pPr lvl="0" algn="ctr"/>
+              <a:r>
+                <a:rPr lang="en-US" sz="1000" dirty="0" smtClean="0">
+                  <a:solidFill>
+                    <a:schemeClr val="accent4">
+                      <a:lumMod val="50000"/>
+                    </a:schemeClr>
+                  </a:solidFill>
+                  <a:latin typeface="Source Sans Pro Light" charset="0"/>
+                  <a:ea typeface="Source Sans Pro Light" charset="0"/>
+                  <a:cs typeface="Source Sans Pro Light" charset="0"/>
+                </a:rPr>
+                <a:t>12:09, cat</a:t>
+              </a:r>
+              <a:endParaRPr lang="en-US" sz="1000" dirty="0">
+                <a:solidFill>
+                  <a:schemeClr val="accent4">
+                    <a:lumMod val="50000"/>
+                  </a:schemeClr>
+                </a:solidFill>
+                <a:latin typeface="Source Sans Pro Light" charset="0"/>
+                <a:ea typeface="Source Sans Pro Light" charset="0"/>
+                <a:cs typeface="Source Sans Pro Light" charset="0"/>
+              </a:endParaRPr>
+            </a:p>
+          </p:txBody>
+        </p:sp>
+      </p:grpSp>
+      <p:grpSp>
+        <p:nvGrpSpPr>
+          <p:cNvPr id="91" name="Group 90"/>
+          <p:cNvGrpSpPr/>
+          <p:nvPr/>
+        </p:nvGrpSpPr>
+        <p:grpSpPr>
+          <a:xfrm>
+            <a:off x="6470151" y="1906007"/>
+            <a:ext cx="673582" cy="325887"/>
+            <a:chOff x="2759946" y="2729624"/>
+            <a:chExt cx="673582" cy="325887"/>
+          </a:xfrm>
+        </p:grpSpPr>
+        <p:sp>
+          <p:nvSpPr>
+            <p:cNvPr id="92" name="Oval 91"/>
+            <p:cNvSpPr/>
+            <p:nvPr/>
+          </p:nvSpPr>
+          <p:spPr>
+            <a:xfrm>
+              <a:off x="3022115" y="2729624"/>
+              <a:ext cx="138633" cy="138633"/>
+            </a:xfrm>
+            <a:prstGeom prst="ellipse">
+              <a:avLst/>
+            </a:prstGeom>
+          </p:spPr>
+          <p:style>
+            <a:lnRef idx="1">
+              <a:schemeClr val="accent4"/>
+            </a:lnRef>
+            <a:fillRef idx="2">
+              <a:schemeClr val="accent4"/>
+            </a:fillRef>
+            <a:effectRef idx="1">
+              <a:schemeClr val="accent4"/>
+            </a:effectRef>
+            <a:fontRef idx="minor">
+              <a:schemeClr val="dk1"/>
+            </a:fontRef>
+          </p:style>
+          <p:txBody>
+            <a:bodyPr rtlCol="0" anchor="ctr"/>
+            <a:lstStyle/>
+            <a:p>
+              <a:pPr algn="ctr"/>
+              <a:endParaRPr lang="en-US" sz="1000">
+                <a:solidFill>
+                  <a:schemeClr val="accent4">
+                    <a:lumMod val="50000"/>
+                  </a:schemeClr>
+                </a:solidFill>
+              </a:endParaRPr>
+            </a:p>
+          </p:txBody>
+        </p:sp>
+        <p:sp>
+          <p:nvSpPr>
+            <p:cNvPr id="93" name="Rectangle 92"/>
+            <p:cNvSpPr/>
+            <p:nvPr/>
+          </p:nvSpPr>
+          <p:spPr>
+            <a:xfrm>
+              <a:off x="2759946" y="2809290"/>
+              <a:ext cx="673582" cy="246221"/>
+            </a:xfrm>
+            <a:prstGeom prst="rect">
+              <a:avLst/>
+            </a:prstGeom>
+          </p:spPr>
+          <p:txBody>
+            <a:bodyPr wrap="none">
+              <a:spAutoFit/>
+            </a:bodyPr>
+            <a:lstStyle/>
+            <a:p>
+              <a:pPr lvl="0" algn="ctr"/>
+              <a:r>
+                <a:rPr lang="en-US" sz="1000" dirty="0" smtClean="0">
+                  <a:solidFill>
+                    <a:schemeClr val="accent4">
+                      <a:lumMod val="50000"/>
+                    </a:schemeClr>
+                  </a:solidFill>
+                  <a:latin typeface="Source Sans Pro Light" charset="0"/>
+                  <a:ea typeface="Source Sans Pro Light" charset="0"/>
+                  <a:cs typeface="Source Sans Pro Light" charset="0"/>
+                </a:rPr>
+                <a:t>12:15, cat</a:t>
+              </a:r>
+              <a:endParaRPr lang="en-US" sz="1000" dirty="0">
+                <a:solidFill>
+                  <a:schemeClr val="accent4">
+                    <a:lumMod val="50000"/>
+                  </a:schemeClr>
+                </a:solidFill>
+                <a:latin typeface="Source Sans Pro Light" charset="0"/>
+                <a:ea typeface="Source Sans Pro Light" charset="0"/>
+                <a:cs typeface="Source Sans Pro Light" charset="0"/>
+              </a:endParaRPr>
+            </a:p>
+          </p:txBody>
+        </p:sp>
+      </p:grpSp>
+      <p:grpSp>
+        <p:nvGrpSpPr>
+          <p:cNvPr id="94" name="Group 93"/>
+          <p:cNvGrpSpPr/>
+          <p:nvPr/>
+        </p:nvGrpSpPr>
+        <p:grpSpPr>
+          <a:xfrm>
+            <a:off x="6906055" y="2212267"/>
+            <a:ext cx="699230" cy="325887"/>
+            <a:chOff x="2747122" y="2729624"/>
+            <a:chExt cx="699230" cy="325887"/>
+          </a:xfrm>
+        </p:grpSpPr>
+        <p:sp>
+          <p:nvSpPr>
+            <p:cNvPr id="95" name="Oval 94"/>
+            <p:cNvSpPr/>
+            <p:nvPr/>
+          </p:nvSpPr>
+          <p:spPr>
+            <a:xfrm>
+              <a:off x="3022115" y="2729624"/>
+              <a:ext cx="138633" cy="138633"/>
+            </a:xfrm>
+            <a:prstGeom prst="ellipse">
+              <a:avLst/>
+            </a:prstGeom>
+          </p:spPr>
+          <p:style>
+            <a:lnRef idx="1">
+              <a:schemeClr val="accent2"/>
+            </a:lnRef>
+            <a:fillRef idx="2">
+              <a:schemeClr val="accent2"/>
+            </a:fillRef>
+            <a:effectRef idx="1">
+              <a:schemeClr val="accent2"/>
+            </a:effectRef>
+            <a:fontRef idx="minor">
+              <a:schemeClr val="dk1"/>
+            </a:fontRef>
+          </p:style>
+          <p:txBody>
+            <a:bodyPr rtlCol="0" anchor="ctr"/>
+            <a:lstStyle/>
+            <a:p>
+              <a:pPr algn="ctr"/>
+              <a:endParaRPr lang="en-US" sz="1000">
+                <a:solidFill>
+                  <a:schemeClr val="accent4">
+                    <a:lumMod val="50000"/>
+                  </a:schemeClr>
+                </a:solidFill>
+              </a:endParaRPr>
+            </a:p>
+          </p:txBody>
+        </p:sp>
+        <p:sp>
+          <p:nvSpPr>
+            <p:cNvPr id="96" name="Rectangle 95"/>
+            <p:cNvSpPr/>
+            <p:nvPr/>
+          </p:nvSpPr>
+          <p:spPr>
+            <a:xfrm>
+              <a:off x="2747122" y="2809290"/>
+              <a:ext cx="699230" cy="246221"/>
+            </a:xfrm>
+            <a:prstGeom prst="rect">
+              <a:avLst/>
+            </a:prstGeom>
+          </p:spPr>
+          <p:txBody>
+            <a:bodyPr wrap="none">
+              <a:spAutoFit/>
+            </a:bodyPr>
+            <a:lstStyle/>
+            <a:p>
+              <a:pPr lvl="0" algn="ctr"/>
+              <a:r>
+                <a:rPr lang="en-US" sz="1000" dirty="0" smtClean="0">
+                  <a:solidFill>
+                    <a:schemeClr val="accent4">
+                      <a:lumMod val="50000"/>
+                    </a:schemeClr>
+                  </a:solidFill>
+                  <a:latin typeface="Source Sans Pro Light" charset="0"/>
+                  <a:ea typeface="Source Sans Pro Light" charset="0"/>
+                  <a:cs typeface="Source Sans Pro Light" charset="0"/>
+                </a:rPr>
+                <a:t>12:13, owl</a:t>
+              </a:r>
+              <a:endParaRPr lang="en-US" sz="1000" dirty="0">
+                <a:solidFill>
+                  <a:schemeClr val="accent4">
+                    <a:lumMod val="50000"/>
+                  </a:schemeClr>
+                </a:solidFill>
+                <a:latin typeface="Source Sans Pro Light" charset="0"/>
+                <a:ea typeface="Source Sans Pro Light" charset="0"/>
+                <a:cs typeface="Source Sans Pro Light" charset="0"/>
+              </a:endParaRPr>
+            </a:p>
+          </p:txBody>
+        </p:sp>
+      </p:grpSp>
+      <p:grpSp>
+        <p:nvGrpSpPr>
+          <p:cNvPr id="97" name="Group 96"/>
+          <p:cNvGrpSpPr/>
+          <p:nvPr/>
+        </p:nvGrpSpPr>
+        <p:grpSpPr>
+          <a:xfrm>
+            <a:off x="6560116" y="2824982"/>
+            <a:ext cx="713658" cy="325887"/>
+            <a:chOff x="2739909" y="2729624"/>
+            <a:chExt cx="713658" cy="325887"/>
+          </a:xfrm>
+        </p:grpSpPr>
+        <p:sp>
+          <p:nvSpPr>
+            <p:cNvPr id="98" name="Oval 97"/>
+            <p:cNvSpPr/>
+            <p:nvPr/>
+          </p:nvSpPr>
+          <p:spPr>
+            <a:xfrm>
+              <a:off x="3022115" y="2729624"/>
+              <a:ext cx="138633" cy="138633"/>
+            </a:xfrm>
+            <a:prstGeom prst="ellipse">
+              <a:avLst/>
+            </a:prstGeom>
+          </p:spPr>
+          <p:style>
+            <a:lnRef idx="1">
+              <a:schemeClr val="accent2"/>
+            </a:lnRef>
+            <a:fillRef idx="2">
+              <a:schemeClr val="accent2"/>
+            </a:fillRef>
+            <a:effectRef idx="1">
+              <a:schemeClr val="accent2"/>
+            </a:effectRef>
+            <a:fontRef idx="minor">
+              <a:schemeClr val="dk1"/>
+            </a:fontRef>
+          </p:style>
+          <p:txBody>
+            <a:bodyPr rtlCol="0" anchor="ctr"/>
+            <a:lstStyle/>
+            <a:p>
+              <a:pPr algn="ctr"/>
+              <a:endParaRPr lang="en-US" sz="1000">
+                <a:solidFill>
+                  <a:schemeClr val="accent4">
+                    <a:lumMod val="50000"/>
+                  </a:schemeClr>
+                </a:solidFill>
+              </a:endParaRPr>
+            </a:p>
+          </p:txBody>
+        </p:sp>
+        <p:sp>
+          <p:nvSpPr>
+            <p:cNvPr id="99" name="Rectangle 98"/>
+            <p:cNvSpPr/>
+            <p:nvPr/>
+          </p:nvSpPr>
+          <p:spPr>
+            <a:xfrm>
+              <a:off x="2739909" y="2809290"/>
+              <a:ext cx="713658" cy="246221"/>
+            </a:xfrm>
+            <a:prstGeom prst="rect">
+              <a:avLst/>
+            </a:prstGeom>
+          </p:spPr>
+          <p:txBody>
+            <a:bodyPr wrap="none">
+              <a:spAutoFit/>
+            </a:bodyPr>
+            <a:lstStyle/>
+            <a:p>
+              <a:pPr lvl="0" algn="ctr"/>
+              <a:r>
+                <a:rPr lang="en-US" sz="1000" dirty="0" smtClean="0">
+                  <a:solidFill>
+                    <a:schemeClr val="accent4">
+                      <a:lumMod val="50000"/>
+                    </a:schemeClr>
+                  </a:solidFill>
+                  <a:latin typeface="Source Sans Pro Light" charset="0"/>
+                  <a:ea typeface="Source Sans Pro Light" charset="0"/>
+                  <a:cs typeface="Source Sans Pro Light" charset="0"/>
+                </a:rPr>
+                <a:t>12:08, dog</a:t>
+              </a:r>
+              <a:endParaRPr lang="en-US" sz="1000" dirty="0">
+                <a:solidFill>
+                  <a:schemeClr val="accent4">
+                    <a:lumMod val="50000"/>
+                  </a:schemeClr>
+                </a:solidFill>
+                <a:latin typeface="Source Sans Pro Light" charset="0"/>
+                <a:ea typeface="Source Sans Pro Light" charset="0"/>
+                <a:cs typeface="Source Sans Pro Light" charset="0"/>
+              </a:endParaRPr>
+            </a:p>
+          </p:txBody>
+        </p:sp>
+      </p:grpSp>
+      <p:sp>
+        <p:nvSpPr>
+          <p:cNvPr id="205" name="Shape 127"/>
+          <p:cNvSpPr txBox="1"/>
+          <p:nvPr/>
+        </p:nvSpPr>
+        <p:spPr>
+          <a:xfrm rot="16200000">
+            <a:off x="810845" y="2076895"/>
+            <a:ext cx="1327564" cy="445876"/>
+          </a:xfrm>
+          <a:prstGeom prst="rect">
+            <a:avLst/>
+          </a:prstGeom>
+          <a:noFill/>
+          <a:ln>
+            <a:noFill/>
+          </a:ln>
+        </p:spPr>
+        <p:txBody>
+          <a:bodyPr lIns="91425" tIns="91425" rIns="91425" bIns="91425" anchor="t" anchorCtr="0">
+            <a:noAutofit/>
+          </a:bodyPr>
+          <a:lstStyle/>
+          <a:p>
+            <a:pPr lvl="0" rtl="0">
+              <a:spcBef>
+                <a:spcPts val="0"/>
+              </a:spcBef>
+              <a:buNone/>
+            </a:pPr>
+            <a:r>
+              <a:rPr lang="en-US" sz="1800" dirty="0" smtClean="0">
+                <a:latin typeface="Source Sans Pro Light" charset="0"/>
+                <a:ea typeface="Source Sans Pro Light" charset="0"/>
+                <a:cs typeface="Source Sans Pro Light" charset="0"/>
+              </a:rPr>
+              <a:t>Event Time</a:t>
+            </a:r>
+            <a:endParaRPr lang="en" sz="1800" dirty="0">
+              <a:latin typeface="Source Sans Pro Light" charset="0"/>
+              <a:ea typeface="Source Sans Pro Light" charset="0"/>
+              <a:cs typeface="Source Sans Pro Light" charset="0"/>
+            </a:endParaRPr>
+          </a:p>
+        </p:txBody>
+      </p:sp>
+      <p:sp>
+        <p:nvSpPr>
+          <p:cNvPr id="209" name="Rectangle 208"/>
+          <p:cNvSpPr/>
+          <p:nvPr/>
+        </p:nvSpPr>
+        <p:spPr>
+          <a:xfrm>
+            <a:off x="8899984" y="3409557"/>
+            <a:ext cx="1430572" cy="461665"/>
+          </a:xfrm>
+          <a:prstGeom prst="rect">
+            <a:avLst/>
+          </a:prstGeom>
+          <a:solidFill>
+            <a:schemeClr val="bg1">
+              <a:alpha val="60000"/>
+            </a:schemeClr>
+          </a:solidFill>
+        </p:spPr>
+        <p:txBody>
+          <a:bodyPr wrap="square">
+            <a:spAutoFit/>
+          </a:bodyPr>
+          <a:lstStyle/>
+          <a:p>
+            <a:pPr lvl="0" algn="ctr"/>
+            <a:r>
+              <a:rPr lang="en-US" sz="1200" dirty="0" smtClean="0">
+                <a:solidFill>
+                  <a:schemeClr val="tx1">
+                    <a:lumMod val="95000"/>
+                    <a:lumOff val="5000"/>
+                  </a:schemeClr>
+                </a:solidFill>
+                <a:latin typeface="Source Sans Pro Light" charset="0"/>
+                <a:ea typeface="Source Sans Pro Light" charset="0"/>
+                <a:cs typeface="Source Sans Pro Light" charset="0"/>
+              </a:rPr>
+              <a:t>data too late, ignored in counts</a:t>
+            </a:r>
+            <a:endParaRPr lang="en-US" sz="1200" dirty="0">
+              <a:solidFill>
+                <a:schemeClr val="tx1">
+                  <a:lumMod val="95000"/>
+                  <a:lumOff val="5000"/>
+                </a:schemeClr>
+              </a:solidFill>
+              <a:latin typeface="Source Sans Pro Light" charset="0"/>
+              <a:ea typeface="Source Sans Pro Light" charset="0"/>
+              <a:cs typeface="Source Sans Pro Light" charset="0"/>
+            </a:endParaRPr>
+          </a:p>
+        </p:txBody>
+      </p:sp>
+      <p:grpSp>
+        <p:nvGrpSpPr>
+          <p:cNvPr id="224" name="Group 223"/>
+          <p:cNvGrpSpPr/>
+          <p:nvPr/>
+        </p:nvGrpSpPr>
+        <p:grpSpPr>
+          <a:xfrm>
+            <a:off x="7282927" y="1115623"/>
+            <a:ext cx="699230" cy="339919"/>
+            <a:chOff x="2957494" y="2729624"/>
+            <a:chExt cx="699230" cy="339919"/>
+          </a:xfrm>
+        </p:grpSpPr>
+        <p:sp>
+          <p:nvSpPr>
+            <p:cNvPr id="225" name="Oval 224"/>
+            <p:cNvSpPr/>
+            <p:nvPr/>
+          </p:nvSpPr>
+          <p:spPr>
+            <a:xfrm>
+              <a:off x="3022115" y="2729624"/>
+              <a:ext cx="138633" cy="138633"/>
+            </a:xfrm>
+            <a:prstGeom prst="ellipse">
+              <a:avLst/>
+            </a:prstGeom>
+          </p:spPr>
+          <p:style>
+            <a:lnRef idx="1">
+              <a:schemeClr val="accent4"/>
+            </a:lnRef>
+            <a:fillRef idx="2">
+              <a:schemeClr val="accent4"/>
+            </a:fillRef>
+            <a:effectRef idx="1">
+              <a:schemeClr val="accent4"/>
+            </a:effectRef>
+            <a:fontRef idx="minor">
+              <a:schemeClr val="dk1"/>
+            </a:fontRef>
+          </p:style>
+          <p:txBody>
+            <a:bodyPr rtlCol="0" anchor="ctr"/>
+            <a:lstStyle/>
+            <a:p>
+              <a:pPr algn="ctr"/>
+              <a:endParaRPr lang="en-US" sz="1000">
+                <a:solidFill>
+                  <a:schemeClr val="accent4">
+                    <a:lumMod val="50000"/>
+                  </a:schemeClr>
+                </a:solidFill>
+              </a:endParaRPr>
+            </a:p>
+          </p:txBody>
+        </p:sp>
+        <p:sp>
+          <p:nvSpPr>
+            <p:cNvPr id="226" name="Rectangle 225"/>
+            <p:cNvSpPr/>
+            <p:nvPr/>
+          </p:nvSpPr>
+          <p:spPr>
+            <a:xfrm>
+              <a:off x="2957494" y="2823322"/>
+              <a:ext cx="699230" cy="246221"/>
+            </a:xfrm>
+            <a:prstGeom prst="rect">
+              <a:avLst/>
+            </a:prstGeom>
+          </p:spPr>
+          <p:txBody>
+            <a:bodyPr wrap="none">
+              <a:spAutoFit/>
+            </a:bodyPr>
+            <a:lstStyle/>
+            <a:p>
+              <a:pPr lvl="0" algn="ctr"/>
+              <a:r>
+                <a:rPr lang="en-US" sz="1000" dirty="0" smtClean="0">
+                  <a:solidFill>
+                    <a:schemeClr val="accent4">
+                      <a:lumMod val="50000"/>
+                    </a:schemeClr>
+                  </a:solidFill>
+                  <a:latin typeface="Source Sans Pro Light" charset="0"/>
+                  <a:ea typeface="Source Sans Pro Light" charset="0"/>
+                  <a:cs typeface="Source Sans Pro Light" charset="0"/>
+                </a:rPr>
+                <a:t>12:21, owl</a:t>
+              </a:r>
+              <a:endParaRPr lang="en-US" sz="1000" dirty="0">
+                <a:solidFill>
+                  <a:schemeClr val="accent4">
+                    <a:lumMod val="50000"/>
+                  </a:schemeClr>
+                </a:solidFill>
+                <a:latin typeface="Source Sans Pro Light" charset="0"/>
+                <a:ea typeface="Source Sans Pro Light" charset="0"/>
+                <a:cs typeface="Source Sans Pro Light" charset="0"/>
+              </a:endParaRPr>
+            </a:p>
+          </p:txBody>
+        </p:sp>
+      </p:grpSp>
+      <p:sp>
+        <p:nvSpPr>
+          <p:cNvPr id="250" name="Rectangle 249"/>
+          <p:cNvSpPr/>
+          <p:nvPr/>
+        </p:nvSpPr>
+        <p:spPr>
+          <a:xfrm>
+            <a:off x="6228314" y="3439792"/>
+            <a:ext cx="1436612" cy="246221"/>
+          </a:xfrm>
+          <a:prstGeom prst="rect">
+            <a:avLst/>
+          </a:prstGeom>
+        </p:spPr>
+        <p:txBody>
+          <a:bodyPr wrap="none">
+            <a:spAutoFit/>
+          </a:bodyPr>
+          <a:lstStyle/>
+          <a:p>
+            <a:pPr lvl="0" algn="r"/>
+            <a:r>
+              <a:rPr lang="en-US" sz="1000" dirty="0" err="1" smtClean="0">
+                <a:solidFill>
+                  <a:schemeClr val="accent2">
+                    <a:lumMod val="75000"/>
+                  </a:schemeClr>
+                </a:solidFill>
+                <a:latin typeface="Source Sans Pro Light" charset="0"/>
+                <a:ea typeface="Source Sans Pro Light" charset="0"/>
+                <a:cs typeface="Source Sans Pro Light" charset="0"/>
+              </a:rPr>
+              <a:t>wm</a:t>
+            </a:r>
+            <a:r>
+              <a:rPr lang="en-US" sz="1000" dirty="0" smtClean="0">
+                <a:solidFill>
+                  <a:schemeClr val="accent2">
+                    <a:lumMod val="75000"/>
+                  </a:schemeClr>
+                </a:solidFill>
+                <a:latin typeface="Source Sans Pro Light" charset="0"/>
+                <a:ea typeface="Source Sans Pro Light" charset="0"/>
+                <a:cs typeface="Source Sans Pro Light" charset="0"/>
+              </a:rPr>
+              <a:t> = 12:14 </a:t>
+            </a:r>
+            <a:r>
+              <a:rPr lang="en-US" sz="1000" dirty="0">
+                <a:solidFill>
+                  <a:schemeClr val="accent2">
+                    <a:lumMod val="75000"/>
+                  </a:schemeClr>
+                </a:solidFill>
+                <a:latin typeface="Source Sans Pro Light" charset="0"/>
+                <a:ea typeface="Source Sans Pro Light" charset="0"/>
+                <a:cs typeface="Source Sans Pro Light" charset="0"/>
+              </a:rPr>
+              <a:t>- 10m =12:04</a:t>
+            </a:r>
+          </a:p>
+        </p:txBody>
+      </p:sp>
+      <p:sp>
+        <p:nvSpPr>
+          <p:cNvPr id="251" name="Rectangle 250"/>
+          <p:cNvSpPr/>
+          <p:nvPr/>
+        </p:nvSpPr>
+        <p:spPr>
+          <a:xfrm>
+            <a:off x="7702776" y="2544518"/>
+            <a:ext cx="1209876" cy="205380"/>
+          </a:xfrm>
+          <a:prstGeom prst="rect">
+            <a:avLst/>
+          </a:prstGeom>
+          <a:solidFill>
+            <a:schemeClr val="bg1">
+              <a:alpha val="77000"/>
+            </a:schemeClr>
+          </a:solidFill>
+        </p:spPr>
+        <p:txBody>
+          <a:bodyPr wrap="none">
+            <a:noAutofit/>
+          </a:bodyPr>
+          <a:lstStyle/>
+          <a:p>
+            <a:pPr lvl="0" algn="ctr"/>
+            <a:r>
+              <a:rPr lang="en-US" sz="1000" dirty="0" err="1" smtClean="0">
+                <a:solidFill>
+                  <a:schemeClr val="accent2">
+                    <a:lumMod val="75000"/>
+                  </a:schemeClr>
+                </a:solidFill>
+                <a:latin typeface="Source Sans Pro Light" charset="0"/>
+                <a:ea typeface="Source Sans Pro Light" charset="0"/>
+                <a:cs typeface="Source Sans Pro Light" charset="0"/>
+              </a:rPr>
+              <a:t>wm</a:t>
+            </a:r>
+            <a:r>
+              <a:rPr lang="en-US" sz="1000" dirty="0" smtClean="0">
+                <a:solidFill>
+                  <a:schemeClr val="accent2">
+                    <a:lumMod val="75000"/>
+                  </a:schemeClr>
+                </a:solidFill>
+                <a:latin typeface="Source Sans Pro Light" charset="0"/>
+                <a:ea typeface="Source Sans Pro Light" charset="0"/>
+                <a:cs typeface="Source Sans Pro Light" charset="0"/>
+              </a:rPr>
+              <a:t> = 12:21 </a:t>
+            </a:r>
+            <a:r>
+              <a:rPr lang="en-US" sz="1000" dirty="0">
+                <a:solidFill>
+                  <a:schemeClr val="accent2">
+                    <a:lumMod val="75000"/>
+                  </a:schemeClr>
+                </a:solidFill>
+                <a:latin typeface="Source Sans Pro Light" charset="0"/>
+                <a:ea typeface="Source Sans Pro Light" charset="0"/>
+                <a:cs typeface="Source Sans Pro Light" charset="0"/>
+              </a:rPr>
+              <a:t>- </a:t>
+            </a:r>
+            <a:r>
+              <a:rPr lang="en-US" sz="1000" dirty="0" smtClean="0">
+                <a:solidFill>
+                  <a:schemeClr val="accent2">
+                    <a:lumMod val="75000"/>
+                  </a:schemeClr>
+                </a:solidFill>
+                <a:latin typeface="Source Sans Pro Light" charset="0"/>
+                <a:ea typeface="Source Sans Pro Light" charset="0"/>
+                <a:cs typeface="Source Sans Pro Light" charset="0"/>
+              </a:rPr>
+              <a:t>10m =12:11</a:t>
+            </a:r>
+            <a:endParaRPr lang="en-US" sz="1000" dirty="0">
+              <a:solidFill>
+                <a:schemeClr val="accent2">
+                  <a:lumMod val="75000"/>
+                </a:schemeClr>
+              </a:solidFill>
+              <a:latin typeface="Source Sans Pro Light" charset="0"/>
+              <a:ea typeface="Source Sans Pro Light" charset="0"/>
+              <a:cs typeface="Source Sans Pro Light" charset="0"/>
+            </a:endParaRPr>
+          </a:p>
+        </p:txBody>
+      </p:sp>
+      <p:cxnSp>
+        <p:nvCxnSpPr>
+          <p:cNvPr id="252" name="Straight Arrow Connector 251"/>
+          <p:cNvCxnSpPr/>
+          <p:nvPr/>
+        </p:nvCxnSpPr>
+        <p:spPr>
+          <a:xfrm>
+            <a:off x="8538654" y="3462704"/>
+            <a:ext cx="612326" cy="122260"/>
+          </a:xfrm>
+          <a:prstGeom prst="straightConnector1">
+            <a:avLst/>
+          </a:prstGeom>
+          <a:ln>
+            <a:solidFill>
+              <a:schemeClr val="tx1">
+                <a:lumMod val="50000"/>
+                <a:lumOff val="50000"/>
+              </a:schemeClr>
+            </a:solidFill>
+            <a:headEnd type="arrow" w="med" len="med"/>
+            <a:tailEnd type="none" w="med" len="med"/>
+          </a:ln>
+        </p:spPr>
+        <p:style>
+          <a:lnRef idx="3">
+            <a:schemeClr val="dk1"/>
+          </a:lnRef>
+          <a:fillRef idx="0">
+            <a:schemeClr val="dk1"/>
+          </a:fillRef>
+          <a:effectRef idx="2">
+            <a:schemeClr val="dk1"/>
+          </a:effectRef>
+          <a:fontRef idx="minor">
+            <a:schemeClr val="tx1"/>
+          </a:fontRef>
+        </p:style>
+      </p:cxnSp>
+      <p:cxnSp>
+        <p:nvCxnSpPr>
+          <p:cNvPr id="259" name="Shape 138"/>
+          <p:cNvCxnSpPr/>
+          <p:nvPr/>
+        </p:nvCxnSpPr>
+        <p:spPr>
+          <a:xfrm>
+            <a:off x="10197262" y="500752"/>
+            <a:ext cx="0" cy="3937112"/>
+          </a:xfrm>
+          <a:prstGeom prst="straightConnector1">
+            <a:avLst/>
+          </a:prstGeom>
+          <a:noFill/>
+          <a:ln w="12700" cap="flat" cmpd="sng">
+            <a:solidFill>
+              <a:schemeClr val="bg1">
+                <a:lumMod val="75000"/>
+              </a:schemeClr>
+            </a:solidFill>
+            <a:prstDash val="sysDot"/>
+            <a:round/>
+            <a:headEnd type="none" w="lg" len="lg"/>
+            <a:tailEnd type="stealth" w="lg" len="lg"/>
+          </a:ln>
+        </p:spPr>
+      </p:cxnSp>
+      <p:cxnSp>
+        <p:nvCxnSpPr>
+          <p:cNvPr id="262" name="Straight Connector 261"/>
+          <p:cNvCxnSpPr/>
+          <p:nvPr/>
+        </p:nvCxnSpPr>
+        <p:spPr>
+          <a:xfrm>
+            <a:off x="2165157" y="788915"/>
+            <a:ext cx="8562550" cy="0"/>
+          </a:xfrm>
+          <a:prstGeom prst="line">
+            <a:avLst/>
+          </a:prstGeom>
+          <a:ln>
+            <a:solidFill>
+              <a:schemeClr val="bg1">
+                <a:lumMod val="85000"/>
+              </a:schemeClr>
+            </a:solidFill>
+            <a:prstDash val="sysDot"/>
+          </a:ln>
+        </p:spPr>
+        <p:style>
+          <a:lnRef idx="2">
+            <a:schemeClr val="dk1"/>
+          </a:lnRef>
+          <a:fillRef idx="0">
+            <a:schemeClr val="dk1"/>
+          </a:fillRef>
+          <a:effectRef idx="1">
+            <a:schemeClr val="dk1"/>
+          </a:effectRef>
+          <a:fontRef idx="minor">
+            <a:schemeClr val="tx1"/>
+          </a:fontRef>
+        </p:style>
+      </p:cxnSp>
+      <p:sp>
+        <p:nvSpPr>
+          <p:cNvPr id="263" name="Rectangle 262"/>
+          <p:cNvSpPr/>
+          <p:nvPr/>
+        </p:nvSpPr>
+        <p:spPr>
+          <a:xfrm>
+            <a:off x="1685405" y="619857"/>
+            <a:ext cx="570989" cy="307777"/>
+          </a:xfrm>
+          <a:prstGeom prst="rect">
+            <a:avLst/>
+          </a:prstGeom>
+        </p:spPr>
+        <p:txBody>
+          <a:bodyPr wrap="none">
+            <a:spAutoFit/>
+          </a:bodyPr>
+          <a:lstStyle/>
+          <a:p>
+            <a:pPr algn="ctr"/>
+            <a:r>
+              <a:rPr lang="en-US" sz="1400" b="0" i="0" dirty="0" smtClean="0">
+                <a:latin typeface="Source Sans Pro Light" charset="0"/>
+                <a:ea typeface="Source Sans Pro Light" charset="0"/>
+                <a:cs typeface="Source Sans Pro Light" charset="0"/>
+              </a:rPr>
+              <a:t>12:25</a:t>
+            </a:r>
+            <a:endParaRPr lang="en-US" sz="1400" b="0" i="0" dirty="0">
+              <a:latin typeface="Source Sans Pro Light" charset="0"/>
+              <a:ea typeface="Source Sans Pro Light" charset="0"/>
+              <a:cs typeface="Source Sans Pro Light" charset="0"/>
+            </a:endParaRPr>
+          </a:p>
+        </p:txBody>
+      </p:sp>
+      <p:grpSp>
+        <p:nvGrpSpPr>
+          <p:cNvPr id="3" name="Group 2"/>
+          <p:cNvGrpSpPr/>
+          <p:nvPr/>
+        </p:nvGrpSpPr>
+        <p:grpSpPr>
+          <a:xfrm>
+            <a:off x="4643383" y="580418"/>
+            <a:ext cx="5557911" cy="2310027"/>
+            <a:chOff x="4643383" y="580418"/>
+            <a:chExt cx="5557911" cy="2310027"/>
+          </a:xfrm>
+        </p:grpSpPr>
+        <p:cxnSp>
+          <p:nvCxnSpPr>
+            <p:cNvPr id="101" name="Straight Connector 100"/>
+            <p:cNvCxnSpPr>
+              <a:stCxn id="80" idx="6"/>
+            </p:cNvCxnSpPr>
+            <p:nvPr/>
+          </p:nvCxnSpPr>
+          <p:spPr>
+            <a:xfrm>
+              <a:off x="5433006" y="2120892"/>
+              <a:ext cx="836383" cy="10349"/>
+            </a:xfrm>
+            <a:prstGeom prst="line">
+              <a:avLst/>
+            </a:prstGeom>
+            <a:ln w="28575">
+              <a:solidFill>
+                <a:schemeClr val="accent1"/>
+              </a:solidFill>
+              <a:prstDash val="sysDot"/>
+            </a:ln>
+          </p:spPr>
+          <p:style>
+            <a:lnRef idx="2">
+              <a:schemeClr val="accent1"/>
+            </a:lnRef>
+            <a:fillRef idx="0">
+              <a:schemeClr val="accent1"/>
+            </a:fillRef>
+            <a:effectRef idx="1">
+              <a:schemeClr val="accent1"/>
+            </a:effectRef>
+            <a:fontRef idx="minor">
+              <a:schemeClr val="tx1"/>
+            </a:fontRef>
+          </p:style>
+        </p:cxnSp>
+        <p:cxnSp>
+          <p:nvCxnSpPr>
+            <p:cNvPr id="156" name="Straight Connector 155"/>
+            <p:cNvCxnSpPr/>
+            <p:nvPr/>
+          </p:nvCxnSpPr>
+          <p:spPr>
+            <a:xfrm>
+              <a:off x="7416864" y="1184367"/>
+              <a:ext cx="213002" cy="0"/>
+            </a:xfrm>
+            <a:prstGeom prst="line">
+              <a:avLst/>
+            </a:prstGeom>
+            <a:ln w="28575">
+              <a:solidFill>
+                <a:schemeClr val="accent1"/>
+              </a:solidFill>
+              <a:prstDash val="sysDot"/>
+            </a:ln>
+          </p:spPr>
+          <p:style>
+            <a:lnRef idx="2">
+              <a:schemeClr val="accent1"/>
+            </a:lnRef>
+            <a:fillRef idx="0">
+              <a:schemeClr val="accent1"/>
+            </a:fillRef>
+            <a:effectRef idx="1">
+              <a:schemeClr val="accent1"/>
+            </a:effectRef>
+            <a:fontRef idx="minor">
+              <a:schemeClr val="tx1"/>
+            </a:fontRef>
+          </p:style>
+        </p:cxnSp>
+        <p:cxnSp>
+          <p:nvCxnSpPr>
+            <p:cNvPr id="172" name="Straight Connector 171"/>
+            <p:cNvCxnSpPr>
+              <a:stCxn id="86" idx="6"/>
+            </p:cNvCxnSpPr>
+            <p:nvPr/>
+          </p:nvCxnSpPr>
+          <p:spPr>
+            <a:xfrm flipV="1">
+              <a:off x="4643383" y="2890444"/>
+              <a:ext cx="292138" cy="1"/>
+            </a:xfrm>
+            <a:prstGeom prst="line">
+              <a:avLst/>
+            </a:prstGeom>
+            <a:ln w="28575">
+              <a:solidFill>
+                <a:schemeClr val="accent1"/>
+              </a:solidFill>
+              <a:prstDash val="sysDot"/>
+            </a:ln>
+          </p:spPr>
+          <p:style>
+            <a:lnRef idx="2">
+              <a:schemeClr val="accent1"/>
+            </a:lnRef>
+            <a:fillRef idx="0">
+              <a:schemeClr val="accent1"/>
+            </a:fillRef>
+            <a:effectRef idx="1">
+              <a:schemeClr val="accent1"/>
+            </a:effectRef>
+            <a:fontRef idx="minor">
+              <a:schemeClr val="tx1"/>
+            </a:fontRef>
+          </p:style>
+        </p:cxnSp>
+        <p:cxnSp>
+          <p:nvCxnSpPr>
+            <p:cNvPr id="185" name="Straight Connector 184"/>
+            <p:cNvCxnSpPr>
+              <a:endCxn id="92" idx="3"/>
+            </p:cNvCxnSpPr>
+            <p:nvPr/>
+          </p:nvCxnSpPr>
+          <p:spPr>
+            <a:xfrm flipV="1">
+              <a:off x="6284540" y="2024338"/>
+              <a:ext cx="468082" cy="106904"/>
+            </a:xfrm>
+            <a:prstGeom prst="line">
+              <a:avLst/>
+            </a:prstGeom>
+            <a:ln w="28575">
+              <a:solidFill>
+                <a:schemeClr val="accent1"/>
+              </a:solidFill>
+              <a:prstDash val="sysDot"/>
+            </a:ln>
+          </p:spPr>
+          <p:style>
+            <a:lnRef idx="2">
+              <a:schemeClr val="accent1"/>
+            </a:lnRef>
+            <a:fillRef idx="0">
+              <a:schemeClr val="accent1"/>
+            </a:fillRef>
+            <a:effectRef idx="1">
+              <a:schemeClr val="accent1"/>
+            </a:effectRef>
+            <a:fontRef idx="minor">
+              <a:schemeClr val="tx1"/>
+            </a:fontRef>
+          </p:style>
+        </p:cxnSp>
+        <p:cxnSp>
+          <p:nvCxnSpPr>
+            <p:cNvPr id="189" name="Straight Connector 188"/>
+            <p:cNvCxnSpPr>
+              <a:endCxn id="80" idx="3"/>
+            </p:cNvCxnSpPr>
+            <p:nvPr/>
+          </p:nvCxnSpPr>
+          <p:spPr>
+            <a:xfrm flipV="1">
+              <a:off x="4938197" y="2169906"/>
+              <a:ext cx="376478" cy="718959"/>
+            </a:xfrm>
+            <a:prstGeom prst="line">
+              <a:avLst/>
+            </a:prstGeom>
+            <a:ln w="28575">
+              <a:solidFill>
+                <a:schemeClr val="accent1"/>
+              </a:solidFill>
+              <a:prstDash val="sysDot"/>
+            </a:ln>
+          </p:spPr>
+          <p:style>
+            <a:lnRef idx="2">
+              <a:schemeClr val="accent1"/>
+            </a:lnRef>
+            <a:fillRef idx="0">
+              <a:schemeClr val="accent1"/>
+            </a:fillRef>
+            <a:effectRef idx="1">
+              <a:schemeClr val="accent1"/>
+            </a:effectRef>
+            <a:fontRef idx="minor">
+              <a:schemeClr val="tx1"/>
+            </a:fontRef>
+          </p:style>
+        </p:cxnSp>
+        <p:cxnSp>
+          <p:nvCxnSpPr>
+            <p:cNvPr id="238" name="Straight Connector 237"/>
+            <p:cNvCxnSpPr>
+              <a:stCxn id="92" idx="7"/>
+              <a:endCxn id="225" idx="3"/>
+            </p:cNvCxnSpPr>
+            <p:nvPr/>
+          </p:nvCxnSpPr>
+          <p:spPr>
+            <a:xfrm flipV="1">
+              <a:off x="6850651" y="1233954"/>
+              <a:ext cx="517199" cy="692355"/>
+            </a:xfrm>
+            <a:prstGeom prst="line">
+              <a:avLst/>
+            </a:prstGeom>
+            <a:ln w="28575">
+              <a:solidFill>
+                <a:schemeClr val="accent1"/>
+              </a:solidFill>
+              <a:prstDash val="sysDot"/>
+            </a:ln>
+          </p:spPr>
+          <p:style>
+            <a:lnRef idx="2">
+              <a:schemeClr val="accent1"/>
+            </a:lnRef>
+            <a:fillRef idx="0">
+              <a:schemeClr val="accent1"/>
+            </a:fillRef>
+            <a:effectRef idx="1">
+              <a:schemeClr val="accent1"/>
+            </a:effectRef>
+            <a:fontRef idx="minor">
+              <a:schemeClr val="tx1"/>
+            </a:fontRef>
+          </p:style>
+        </p:cxnSp>
+        <p:cxnSp>
+          <p:nvCxnSpPr>
+            <p:cNvPr id="265" name="Straight Connector 264"/>
+            <p:cNvCxnSpPr>
+              <a:stCxn id="151" idx="3"/>
+            </p:cNvCxnSpPr>
+            <p:nvPr/>
+          </p:nvCxnSpPr>
+          <p:spPr>
+            <a:xfrm flipH="1">
+              <a:off x="7636416" y="619083"/>
+              <a:ext cx="603340" cy="557015"/>
+            </a:xfrm>
+            <a:prstGeom prst="line">
+              <a:avLst/>
+            </a:prstGeom>
+            <a:ln w="28575">
+              <a:solidFill>
+                <a:schemeClr val="accent1"/>
+              </a:solidFill>
+              <a:prstDash val="sysDot"/>
+            </a:ln>
+          </p:spPr>
+          <p:style>
+            <a:lnRef idx="2">
+              <a:schemeClr val="accent1"/>
+            </a:lnRef>
+            <a:fillRef idx="0">
+              <a:schemeClr val="accent1"/>
+            </a:fillRef>
+            <a:effectRef idx="1">
+              <a:schemeClr val="accent1"/>
+            </a:effectRef>
+            <a:fontRef idx="minor">
+              <a:schemeClr val="tx1"/>
+            </a:fontRef>
+          </p:style>
+        </p:cxnSp>
+        <p:cxnSp>
+          <p:nvCxnSpPr>
+            <p:cNvPr id="268" name="Straight Connector 267"/>
+            <p:cNvCxnSpPr/>
+            <p:nvPr/>
+          </p:nvCxnSpPr>
+          <p:spPr>
+            <a:xfrm>
+              <a:off x="8350105" y="580418"/>
+              <a:ext cx="1851189" cy="0"/>
+            </a:xfrm>
+            <a:prstGeom prst="line">
+              <a:avLst/>
+            </a:prstGeom>
+            <a:ln w="28575">
+              <a:solidFill>
+                <a:schemeClr val="accent1"/>
+              </a:solidFill>
+              <a:prstDash val="sysDot"/>
+            </a:ln>
+          </p:spPr>
+          <p:style>
+            <a:lnRef idx="2">
+              <a:schemeClr val="accent1"/>
+            </a:lnRef>
+            <a:fillRef idx="0">
+              <a:schemeClr val="accent1"/>
+            </a:fillRef>
+            <a:effectRef idx="1">
+              <a:schemeClr val="accent1"/>
+            </a:effectRef>
+            <a:fontRef idx="minor">
+              <a:schemeClr val="tx1"/>
+            </a:fontRef>
+          </p:style>
+        </p:cxnSp>
+      </p:grpSp>
+      <p:sp>
+        <p:nvSpPr>
+          <p:cNvPr id="279" name="Rectangle 278"/>
+          <p:cNvSpPr/>
+          <p:nvPr/>
+        </p:nvSpPr>
+        <p:spPr>
+          <a:xfrm>
+            <a:off x="9854188" y="3995167"/>
+            <a:ext cx="678392" cy="243892"/>
+          </a:xfrm>
+          <a:prstGeom prst="rect">
+            <a:avLst/>
+          </a:prstGeom>
+          <a:solidFill>
+            <a:schemeClr val="bg1">
+              <a:alpha val="67000"/>
+            </a:schemeClr>
+          </a:solidFill>
+        </p:spPr>
+        <p:txBody>
+          <a:bodyPr wrap="none" anchor="ctr">
+            <a:noAutofit/>
+          </a:bodyPr>
+          <a:lstStyle/>
+          <a:p>
+            <a:pPr algn="ctr"/>
+            <a:r>
+              <a:rPr lang="en-US" sz="1400" b="0" i="0" dirty="0" smtClean="0">
+                <a:latin typeface="Source Sans Pro Light" charset="0"/>
+                <a:ea typeface="Source Sans Pro Light" charset="0"/>
+                <a:cs typeface="Source Sans Pro Light" charset="0"/>
+              </a:rPr>
+              <a:t>12:30</a:t>
+            </a:r>
+            <a:endParaRPr lang="en-US" sz="1400" b="0" i="0" dirty="0">
+              <a:latin typeface="Source Sans Pro Light" charset="0"/>
+              <a:ea typeface="Source Sans Pro Light" charset="0"/>
+              <a:cs typeface="Source Sans Pro Light" charset="0"/>
+            </a:endParaRPr>
+          </a:p>
+        </p:txBody>
+      </p:sp>
+      <p:grpSp>
+        <p:nvGrpSpPr>
+          <p:cNvPr id="2" name="Group 1"/>
+          <p:cNvGrpSpPr/>
+          <p:nvPr/>
+        </p:nvGrpSpPr>
+        <p:grpSpPr>
+          <a:xfrm>
+            <a:off x="6282198" y="1825797"/>
+            <a:ext cx="4445509" cy="2147926"/>
+            <a:chOff x="6282198" y="1825797"/>
+            <a:chExt cx="4445509" cy="2147926"/>
+          </a:xfrm>
+        </p:grpSpPr>
+        <p:cxnSp>
+          <p:nvCxnSpPr>
+            <p:cNvPr id="102" name="Straight Connector 101"/>
+            <p:cNvCxnSpPr/>
+            <p:nvPr/>
+          </p:nvCxnSpPr>
+          <p:spPr>
+            <a:xfrm>
+              <a:off x="6282198" y="3459182"/>
+              <a:ext cx="1350345" cy="0"/>
+            </a:xfrm>
+            <a:prstGeom prst="line">
+              <a:avLst/>
+            </a:prstGeom>
+            <a:ln w="28575" cap="rnd"/>
+            <a:effectLst/>
+          </p:spPr>
+          <p:style>
+            <a:lnRef idx="3">
+              <a:schemeClr val="accent2"/>
+            </a:lnRef>
+            <a:fillRef idx="0">
+              <a:schemeClr val="accent2"/>
+            </a:fillRef>
+            <a:effectRef idx="2">
+              <a:schemeClr val="accent2"/>
+            </a:effectRef>
+            <a:fontRef idx="minor">
+              <a:schemeClr val="tx1"/>
+            </a:fontRef>
+          </p:style>
+        </p:cxnSp>
+        <p:cxnSp>
+          <p:nvCxnSpPr>
+            <p:cNvPr id="110" name="Straight Connector 109"/>
+            <p:cNvCxnSpPr/>
+            <p:nvPr/>
+          </p:nvCxnSpPr>
+          <p:spPr>
+            <a:xfrm>
+              <a:off x="7632542" y="2513133"/>
+              <a:ext cx="1346151" cy="0"/>
+            </a:xfrm>
+            <a:prstGeom prst="line">
+              <a:avLst/>
+            </a:prstGeom>
+            <a:ln w="28575" cap="rnd"/>
+          </p:spPr>
+          <p:style>
+            <a:lnRef idx="3">
+              <a:schemeClr val="accent2"/>
+            </a:lnRef>
+            <a:fillRef idx="0">
+              <a:schemeClr val="accent2"/>
+            </a:fillRef>
+            <a:effectRef idx="2">
+              <a:schemeClr val="accent2"/>
+            </a:effectRef>
+            <a:fontRef idx="minor">
+              <a:schemeClr val="tx1"/>
+            </a:fontRef>
+          </p:style>
+        </p:cxnSp>
+        <p:cxnSp>
+          <p:nvCxnSpPr>
+            <p:cNvPr id="146" name="Straight Connector 145"/>
+            <p:cNvCxnSpPr/>
+            <p:nvPr/>
+          </p:nvCxnSpPr>
+          <p:spPr>
+            <a:xfrm flipV="1">
+              <a:off x="7632542" y="2513133"/>
+              <a:ext cx="0" cy="946049"/>
+            </a:xfrm>
+            <a:prstGeom prst="line">
+              <a:avLst/>
+            </a:prstGeom>
+            <a:ln w="28575" cap="rnd"/>
+            <a:effectLst/>
+          </p:spPr>
+          <p:style>
+            <a:lnRef idx="3">
+              <a:schemeClr val="accent2"/>
+            </a:lnRef>
+            <a:fillRef idx="0">
+              <a:schemeClr val="accent2"/>
+            </a:fillRef>
+            <a:effectRef idx="2">
+              <a:schemeClr val="accent2"/>
+            </a:effectRef>
+            <a:fontRef idx="minor">
+              <a:schemeClr val="tx1"/>
+            </a:fontRef>
+          </p:style>
+        </p:cxnSp>
+        <p:cxnSp>
+          <p:nvCxnSpPr>
+            <p:cNvPr id="170" name="Straight Connector 169"/>
+            <p:cNvCxnSpPr/>
+            <p:nvPr/>
+          </p:nvCxnSpPr>
+          <p:spPr>
+            <a:xfrm flipH="1" flipV="1">
+              <a:off x="6282198" y="3454406"/>
+              <a:ext cx="2677" cy="519317"/>
+            </a:xfrm>
+            <a:prstGeom prst="line">
+              <a:avLst/>
+            </a:prstGeom>
+            <a:ln w="28575" cap="rnd"/>
+            <a:effectLst/>
+          </p:spPr>
+          <p:style>
+            <a:lnRef idx="3">
+              <a:schemeClr val="accent2"/>
+            </a:lnRef>
+            <a:fillRef idx="0">
+              <a:schemeClr val="accent2"/>
+            </a:fillRef>
+            <a:effectRef idx="2">
+              <a:schemeClr val="accent2"/>
+            </a:effectRef>
+            <a:fontRef idx="minor">
+              <a:schemeClr val="tx1"/>
+            </a:fontRef>
+          </p:style>
+        </p:cxnSp>
+        <p:cxnSp>
+          <p:nvCxnSpPr>
+            <p:cNvPr id="282" name="Straight Connector 281"/>
+            <p:cNvCxnSpPr/>
+            <p:nvPr/>
+          </p:nvCxnSpPr>
+          <p:spPr>
+            <a:xfrm>
+              <a:off x="8978693" y="1825797"/>
+              <a:ext cx="1749014" cy="0"/>
+            </a:xfrm>
+            <a:prstGeom prst="line">
+              <a:avLst/>
+            </a:prstGeom>
+            <a:ln w="28575" cap="rnd"/>
+          </p:spPr>
+          <p:style>
+            <a:lnRef idx="3">
+              <a:schemeClr val="accent2"/>
+            </a:lnRef>
+            <a:fillRef idx="0">
+              <a:schemeClr val="accent2"/>
+            </a:fillRef>
+            <a:effectRef idx="2">
+              <a:schemeClr val="accent2"/>
+            </a:effectRef>
+            <a:fontRef idx="minor">
+              <a:schemeClr val="tx1"/>
+            </a:fontRef>
+          </p:style>
+        </p:cxnSp>
+        <p:cxnSp>
+          <p:nvCxnSpPr>
+            <p:cNvPr id="283" name="Straight Connector 282"/>
+            <p:cNvCxnSpPr/>
+            <p:nvPr/>
+          </p:nvCxnSpPr>
+          <p:spPr>
+            <a:xfrm flipV="1">
+              <a:off x="8978693" y="1827272"/>
+              <a:ext cx="0" cy="684494"/>
+            </a:xfrm>
+            <a:prstGeom prst="line">
+              <a:avLst/>
+            </a:prstGeom>
+            <a:ln w="28575" cap="rnd"/>
+            <a:effectLst/>
+          </p:spPr>
+          <p:style>
+            <a:lnRef idx="3">
+              <a:schemeClr val="accent2"/>
+            </a:lnRef>
+            <a:fillRef idx="0">
+              <a:schemeClr val="accent2"/>
+            </a:fillRef>
+            <a:effectRef idx="2">
+              <a:schemeClr val="accent2"/>
+            </a:effectRef>
+            <a:fontRef idx="minor">
+              <a:schemeClr val="tx1"/>
+            </a:fontRef>
+          </p:style>
+        </p:cxnSp>
+      </p:grpSp>
+      <p:grpSp>
+        <p:nvGrpSpPr>
+          <p:cNvPr id="284" name="Group 283"/>
+          <p:cNvGrpSpPr/>
+          <p:nvPr/>
+        </p:nvGrpSpPr>
+        <p:grpSpPr>
+          <a:xfrm>
+            <a:off x="8896966" y="2706362"/>
+            <a:ext cx="673582" cy="325887"/>
+            <a:chOff x="2795387" y="2729624"/>
+            <a:chExt cx="673582" cy="325887"/>
+          </a:xfrm>
+        </p:grpSpPr>
+        <p:sp>
+          <p:nvSpPr>
+            <p:cNvPr id="285" name="Oval 284"/>
+            <p:cNvSpPr/>
+            <p:nvPr/>
+          </p:nvSpPr>
+          <p:spPr>
+            <a:xfrm>
+              <a:off x="3022115" y="2729624"/>
+              <a:ext cx="138633" cy="138633"/>
+            </a:xfrm>
+            <a:prstGeom prst="ellipse">
+              <a:avLst/>
+            </a:prstGeom>
+            <a:solidFill>
+              <a:schemeClr val="bg1"/>
+            </a:solidFill>
+            <a:ln w="19050"/>
+          </p:spPr>
+          <p:style>
+            <a:lnRef idx="1">
+              <a:schemeClr val="accent2"/>
+            </a:lnRef>
+            <a:fillRef idx="3">
+              <a:schemeClr val="accent2"/>
+            </a:fillRef>
+            <a:effectRef idx="2">
+              <a:schemeClr val="accent2"/>
+            </a:effectRef>
+            <a:fontRef idx="minor">
+              <a:schemeClr val="lt1"/>
+            </a:fontRef>
+          </p:style>
+          <p:txBody>
+            <a:bodyPr rtlCol="0" anchor="ctr"/>
+            <a:lstStyle/>
+            <a:p>
+              <a:pPr algn="ctr"/>
+              <a:endParaRPr lang="en-US" sz="1000">
+                <a:solidFill>
+                  <a:schemeClr val="accent4">
+                    <a:lumMod val="50000"/>
+                  </a:schemeClr>
+                </a:solidFill>
+              </a:endParaRPr>
+            </a:p>
+          </p:txBody>
+        </p:sp>
+        <p:sp>
+          <p:nvSpPr>
+            <p:cNvPr id="286" name="Rectangle 285"/>
+            <p:cNvSpPr/>
+            <p:nvPr/>
+          </p:nvSpPr>
+          <p:spPr>
+            <a:xfrm>
+              <a:off x="2795387" y="2809290"/>
+              <a:ext cx="673582" cy="246221"/>
+            </a:xfrm>
+            <a:prstGeom prst="rect">
+              <a:avLst/>
+            </a:prstGeom>
+          </p:spPr>
+          <p:txBody>
+            <a:bodyPr wrap="none">
+              <a:spAutoFit/>
+            </a:bodyPr>
+            <a:lstStyle/>
+            <a:p>
+              <a:pPr lvl="0" algn="ctr"/>
+              <a:r>
+                <a:rPr lang="en-US" sz="1000" dirty="0" smtClean="0">
+                  <a:solidFill>
+                    <a:schemeClr val="accent4">
+                      <a:lumMod val="50000"/>
+                    </a:schemeClr>
+                  </a:solidFill>
+                  <a:latin typeface="Source Sans Pro Light" charset="0"/>
+                  <a:ea typeface="Source Sans Pro Light" charset="0"/>
+                  <a:cs typeface="Source Sans Pro Light" charset="0"/>
+                </a:rPr>
+                <a:t>12:09, cat</a:t>
+              </a:r>
+              <a:endParaRPr lang="en-US" sz="1000" dirty="0">
+                <a:solidFill>
+                  <a:schemeClr val="accent4">
+                    <a:lumMod val="50000"/>
+                  </a:schemeClr>
+                </a:solidFill>
+                <a:latin typeface="Source Sans Pro Light" charset="0"/>
+                <a:ea typeface="Source Sans Pro Light" charset="0"/>
+                <a:cs typeface="Source Sans Pro Light" charset="0"/>
+              </a:endParaRPr>
+            </a:p>
+          </p:txBody>
+        </p:sp>
+      </p:grpSp>
+      <p:cxnSp>
+        <p:nvCxnSpPr>
+          <p:cNvPr id="287" name="Straight Arrow Connector 286"/>
+          <p:cNvCxnSpPr>
+            <a:stCxn id="286" idx="2"/>
+          </p:cNvCxnSpPr>
+          <p:nvPr/>
+        </p:nvCxnSpPr>
+        <p:spPr>
+          <a:xfrm>
+            <a:off x="9233757" y="3032249"/>
+            <a:ext cx="219229" cy="407543"/>
+          </a:xfrm>
+          <a:prstGeom prst="straightConnector1">
+            <a:avLst/>
+          </a:prstGeom>
+          <a:ln>
+            <a:solidFill>
+              <a:schemeClr val="tx1">
+                <a:lumMod val="50000"/>
+                <a:lumOff val="50000"/>
+              </a:schemeClr>
+            </a:solidFill>
+            <a:headEnd type="arrow" w="med" len="med"/>
+            <a:tailEnd type="none" w="med" len="med"/>
+          </a:ln>
+        </p:spPr>
+        <p:style>
+          <a:lnRef idx="3">
+            <a:schemeClr val="dk1"/>
+          </a:lnRef>
+          <a:fillRef idx="0">
+            <a:schemeClr val="dk1"/>
+          </a:fillRef>
+          <a:effectRef idx="2">
+            <a:schemeClr val="dk1"/>
+          </a:effectRef>
+          <a:fontRef idx="minor">
+            <a:schemeClr val="tx1"/>
+          </a:fontRef>
+        </p:style>
+      </p:cxnSp>
+      <p:grpSp>
+        <p:nvGrpSpPr>
+          <p:cNvPr id="290" name="Group 289"/>
+          <p:cNvGrpSpPr/>
+          <p:nvPr/>
+        </p:nvGrpSpPr>
+        <p:grpSpPr>
+          <a:xfrm>
+            <a:off x="8227030" y="1561328"/>
+            <a:ext cx="699230" cy="325887"/>
+            <a:chOff x="2747122" y="2729624"/>
+            <a:chExt cx="699230" cy="325887"/>
+          </a:xfrm>
+        </p:grpSpPr>
+        <p:sp>
+          <p:nvSpPr>
+            <p:cNvPr id="291" name="Oval 290"/>
+            <p:cNvSpPr/>
+            <p:nvPr/>
+          </p:nvSpPr>
+          <p:spPr>
+            <a:xfrm>
+              <a:off x="3022115" y="2729624"/>
+              <a:ext cx="138633" cy="138633"/>
+            </a:xfrm>
+            <a:prstGeom prst="ellipse">
+              <a:avLst/>
+            </a:prstGeom>
+          </p:spPr>
+          <p:style>
+            <a:lnRef idx="1">
+              <a:schemeClr val="accent2"/>
+            </a:lnRef>
+            <a:fillRef idx="2">
+              <a:schemeClr val="accent2"/>
+            </a:fillRef>
+            <a:effectRef idx="1">
+              <a:schemeClr val="accent2"/>
+            </a:effectRef>
+            <a:fontRef idx="minor">
+              <a:schemeClr val="dk1"/>
+            </a:fontRef>
+          </p:style>
+          <p:txBody>
+            <a:bodyPr rtlCol="0" anchor="ctr"/>
+            <a:lstStyle/>
+            <a:p>
+              <a:pPr algn="ctr"/>
+              <a:endParaRPr lang="en-US" sz="1000">
+                <a:solidFill>
+                  <a:schemeClr val="accent4">
+                    <a:lumMod val="50000"/>
+                  </a:schemeClr>
+                </a:solidFill>
+              </a:endParaRPr>
+            </a:p>
+          </p:txBody>
+        </p:sp>
+        <p:sp>
+          <p:nvSpPr>
+            <p:cNvPr id="292" name="Rectangle 291"/>
+            <p:cNvSpPr/>
+            <p:nvPr/>
+          </p:nvSpPr>
+          <p:spPr>
+            <a:xfrm>
+              <a:off x="2747122" y="2809290"/>
+              <a:ext cx="699230" cy="246221"/>
+            </a:xfrm>
+            <a:prstGeom prst="rect">
+              <a:avLst/>
+            </a:prstGeom>
+          </p:spPr>
+          <p:txBody>
+            <a:bodyPr wrap="none">
+              <a:spAutoFit/>
+            </a:bodyPr>
+            <a:lstStyle/>
+            <a:p>
+              <a:pPr lvl="0" algn="ctr"/>
+              <a:r>
+                <a:rPr lang="en-US" sz="1000" dirty="0" smtClean="0">
+                  <a:solidFill>
+                    <a:schemeClr val="accent4">
+                      <a:lumMod val="50000"/>
+                    </a:schemeClr>
+                  </a:solidFill>
+                  <a:latin typeface="Source Sans Pro Light" charset="0"/>
+                  <a:ea typeface="Source Sans Pro Light" charset="0"/>
+                  <a:cs typeface="Source Sans Pro Light" charset="0"/>
+                </a:rPr>
+                <a:t>12:17, owl</a:t>
+              </a:r>
+              <a:endParaRPr lang="en-US" sz="1000" dirty="0">
+                <a:solidFill>
+                  <a:schemeClr val="accent4">
+                    <a:lumMod val="50000"/>
+                  </a:schemeClr>
+                </a:solidFill>
+                <a:latin typeface="Source Sans Pro Light" charset="0"/>
+                <a:ea typeface="Source Sans Pro Light" charset="0"/>
+                <a:cs typeface="Source Sans Pro Light" charset="0"/>
+              </a:endParaRPr>
+            </a:p>
+          </p:txBody>
+        </p:sp>
+      </p:grpSp>
+      <p:graphicFrame>
+        <p:nvGraphicFramePr>
+          <p:cNvPr id="295" name="Table 294"/>
+          <p:cNvGraphicFramePr>
+            <a:graphicFrameLocks noGrp="1"/>
+          </p:cNvGraphicFramePr>
+          <p:nvPr>
+            <p:extLst>
+              <p:ext uri="{D42A27DB-BD31-4B8C-83A1-F6EECF244321}">
+                <p14:modId xmlns:p14="http://schemas.microsoft.com/office/powerpoint/2010/main" val="809853527"/>
+              </p:ext>
+            </p:extLst>
+          </p:nvPr>
+        </p:nvGraphicFramePr>
+        <p:xfrm>
+          <a:off x="9660266" y="4460029"/>
+          <a:ext cx="1067441" cy="690228"/>
+        </p:xfrm>
+        <a:graphic>
+          <a:graphicData uri="http://schemas.openxmlformats.org/drawingml/2006/table">
+            <a:tbl>
+              <a:tblPr bandRow="1">
+                <a:tableStyleId>{16D9F66E-5EB9-4882-86FB-DCBF35E3C3E4}</a:tableStyleId>
+              </a:tblPr>
+              <a:tblGrid>
+                <a:gridCol w="730100"/>
+                <a:gridCol w="212651"/>
+                <a:gridCol w="124690"/>
+              </a:tblGrid>
+              <a:tr h="230076">
+                <a:tc>
+                  <a:txBody>
+                    <a:bodyPr/>
+                    <a:lstStyle/>
+                    <a:p>
+                      <a:pPr algn="ctr"/>
+                      <a:r>
+                        <a:rPr lang="en-US" sz="1000" b="0" i="0" dirty="0" smtClean="0">
+                          <a:latin typeface="Source Sans Pro Light" charset="0"/>
+                          <a:ea typeface="Source Sans Pro Light" charset="0"/>
+                          <a:cs typeface="Source Sans Pro Light" charset="0"/>
+                        </a:rPr>
+                        <a:t>12:00</a:t>
+                      </a:r>
+                      <a:r>
+                        <a:rPr lang="en-US" sz="1000" b="0" i="0" baseline="0" dirty="0" smtClean="0">
+                          <a:latin typeface="Source Sans Pro Light" charset="0"/>
+                          <a:ea typeface="Source Sans Pro Light" charset="0"/>
+                          <a:cs typeface="Source Sans Pro Light" charset="0"/>
+                        </a:rPr>
+                        <a:t> - 12:10</a:t>
+                      </a:r>
+                      <a:endParaRPr lang="en-US" sz="1000" b="0" i="0" dirty="0">
+                        <a:latin typeface="Source Sans Pro Light" charset="0"/>
+                        <a:ea typeface="Source Sans Pro Light" charset="0"/>
+                        <a:cs typeface="Source Sans Pro Light" charset="0"/>
+                      </a:endParaRPr>
+                    </a:p>
+                  </a:txBody>
+                  <a:tcPr marL="0" marR="0" marT="26915" marB="26915">
+                    <a:lnL w="28575" cap="flat" cmpd="sng" algn="ctr">
+                      <a:solidFill>
+                        <a:schemeClr val="accent6"/>
+                      </a:solidFill>
+                      <a:prstDash val="solid"/>
+                      <a:round/>
+                      <a:headEnd type="none" w="med" len="med"/>
+                      <a:tailEnd type="none" w="med" len="med"/>
+                    </a:lnL>
+                    <a:lnT w="28575" cap="flat" cmpd="sng" algn="ctr">
+                      <a:solidFill>
+                        <a:schemeClr val="accent6"/>
+                      </a:solidFill>
+                      <a:prstDash val="solid"/>
+                      <a:round/>
+                      <a:headEnd type="none" w="med" len="med"/>
+                      <a:tailEnd type="none" w="med" len="med"/>
+                    </a:lnT>
+                  </a:tcPr>
+                </a:tc>
+                <a:tc>
+                  <a:txBody>
+                    <a:bodyPr/>
+                    <a:lstStyle/>
+                    <a:p>
+                      <a:pPr algn="ctr"/>
+                      <a:r>
+                        <a:rPr lang="en-US" sz="1000" b="0" i="0" dirty="0" smtClean="0">
+                          <a:latin typeface="Source Sans Pro Light" charset="0"/>
+                          <a:ea typeface="Source Sans Pro Light" charset="0"/>
+                          <a:cs typeface="Source Sans Pro Light" charset="0"/>
+                        </a:rPr>
+                        <a:t>owl</a:t>
+                      </a:r>
+                      <a:endParaRPr lang="en-US" sz="1000" b="0" i="0" dirty="0">
+                        <a:latin typeface="Source Sans Pro Light" charset="0"/>
+                        <a:ea typeface="Source Sans Pro Light" charset="0"/>
+                        <a:cs typeface="Source Sans Pro Light" charset="0"/>
+                      </a:endParaRPr>
+                    </a:p>
+                  </a:txBody>
+                  <a:tcPr marL="0" marR="0" marT="26915" marB="26915">
+                    <a:lnT w="28575" cap="flat" cmpd="sng" algn="ctr">
+                      <a:solidFill>
+                        <a:schemeClr val="accent6"/>
+                      </a:solidFill>
+                      <a:prstDash val="solid"/>
+                      <a:round/>
+                      <a:headEnd type="none" w="med" len="med"/>
+                      <a:tailEnd type="none" w="med" len="med"/>
+                    </a:lnT>
+                  </a:tcPr>
+                </a:tc>
+                <a:tc>
+                  <a:txBody>
+                    <a:bodyPr/>
+                    <a:lstStyle/>
+                    <a:p>
+                      <a:pPr algn="ctr"/>
+                      <a:r>
+                        <a:rPr lang="en-US" sz="1000" b="0" i="0" dirty="0" smtClean="0">
+                          <a:latin typeface="Source Sans Pro Light" charset="0"/>
+                          <a:ea typeface="Source Sans Pro Light" charset="0"/>
+                          <a:cs typeface="Source Sans Pro Light" charset="0"/>
+                        </a:rPr>
+                        <a:t>1</a:t>
+                      </a:r>
+                      <a:endParaRPr lang="en-US" sz="1000" b="0" i="0" dirty="0">
+                        <a:latin typeface="Source Sans Pro Light" charset="0"/>
+                        <a:ea typeface="Source Sans Pro Light" charset="0"/>
+                        <a:cs typeface="Source Sans Pro Light" charset="0"/>
+                      </a:endParaRPr>
+                    </a:p>
+                  </a:txBody>
+                  <a:tcPr marL="0" marR="0" marT="26915" marB="26915">
+                    <a:lnR w="28575" cap="flat" cmpd="sng" algn="ctr">
+                      <a:solidFill>
+                        <a:schemeClr val="accent6"/>
+                      </a:solidFill>
+                      <a:prstDash val="solid"/>
+                      <a:round/>
+                      <a:headEnd type="none" w="med" len="med"/>
+                      <a:tailEnd type="none" w="med" len="med"/>
+                    </a:lnR>
+                    <a:lnT w="28575" cap="flat" cmpd="sng" algn="ctr">
+                      <a:solidFill>
+                        <a:schemeClr val="accent6"/>
+                      </a:solidFill>
+                      <a:prstDash val="solid"/>
+                      <a:round/>
+                      <a:headEnd type="none" w="med" len="med"/>
+                      <a:tailEnd type="none" w="med" len="med"/>
+                    </a:lnT>
+                  </a:tcPr>
+                </a:tc>
+              </a:tr>
+              <a:tr h="230076">
+                <a:tc>
+                  <a:txBody>
+                    <a:bodyPr/>
+                    <a:lstStyle/>
+                    <a:p>
+                      <a:pPr marL="0" marR="0" indent="0" algn="ctr" defTabSz="914400" rtl="0" eaLnBrk="1" fontAlgn="auto" latinLnBrk="0" hangingPunct="1">
+                        <a:lnSpc>
+                          <a:spcPct val="100000"/>
+                        </a:lnSpc>
+                        <a:spcBef>
+                          <a:spcPts val="0"/>
+                        </a:spcBef>
+                        <a:spcAft>
+                          <a:spcPts val="0"/>
+                        </a:spcAft>
+                        <a:buClrTx/>
+                        <a:buSzTx/>
+                        <a:buFontTx/>
+                        <a:buNone/>
+                        <a:tabLst/>
+                        <a:defRPr/>
+                      </a:pPr>
+                      <a:r>
+                        <a:rPr lang="en-US" sz="1000" b="0" i="0" dirty="0" smtClean="0">
+                          <a:latin typeface="Source Sans Pro Light" charset="0"/>
+                          <a:ea typeface="Source Sans Pro Light" charset="0"/>
+                          <a:cs typeface="Source Sans Pro Light" charset="0"/>
+                        </a:rPr>
+                        <a:t>12:00</a:t>
+                      </a:r>
+                      <a:r>
+                        <a:rPr lang="en-US" sz="1000" b="0" i="0" baseline="0" dirty="0" smtClean="0">
+                          <a:latin typeface="Source Sans Pro Light" charset="0"/>
+                          <a:ea typeface="Source Sans Pro Light" charset="0"/>
+                          <a:cs typeface="Source Sans Pro Light" charset="0"/>
+                        </a:rPr>
+                        <a:t> - 12:10</a:t>
+                      </a:r>
+                      <a:endParaRPr lang="en-US" sz="1000" b="0" i="0" dirty="0" smtClean="0">
+                        <a:latin typeface="Source Sans Pro Light" charset="0"/>
+                        <a:ea typeface="Source Sans Pro Light" charset="0"/>
+                        <a:cs typeface="Source Sans Pro Light" charset="0"/>
+                      </a:endParaRPr>
+                    </a:p>
+                  </a:txBody>
+                  <a:tcPr marL="0" marR="0" marT="26915" marB="26915">
+                    <a:lnL w="28575" cap="flat" cmpd="sng" algn="ctr">
+                      <a:solidFill>
+                        <a:schemeClr val="accent6"/>
+                      </a:solidFill>
+                      <a:prstDash val="solid"/>
+                      <a:round/>
+                      <a:headEnd type="none" w="med" len="med"/>
+                      <a:tailEnd type="none" w="med" len="med"/>
+                    </a:lnL>
+                  </a:tcPr>
+                </a:tc>
+                <a:tc>
+                  <a:txBody>
+                    <a:bodyPr/>
+                    <a:lstStyle/>
+                    <a:p>
+                      <a:pPr algn="ctr"/>
+                      <a:r>
+                        <a:rPr lang="en-US" sz="1000" b="0" i="0" dirty="0" smtClean="0">
+                          <a:latin typeface="Source Sans Pro Light" charset="0"/>
+                          <a:ea typeface="Source Sans Pro Light" charset="0"/>
+                          <a:cs typeface="Source Sans Pro Light" charset="0"/>
+                        </a:rPr>
+                        <a:t>cat</a:t>
+                      </a:r>
+                      <a:endParaRPr lang="en-US" sz="1000" b="0" i="0" dirty="0">
+                        <a:latin typeface="Source Sans Pro Light" charset="0"/>
+                        <a:ea typeface="Source Sans Pro Light" charset="0"/>
+                        <a:cs typeface="Source Sans Pro Light" charset="0"/>
+                      </a:endParaRPr>
+                    </a:p>
+                  </a:txBody>
+                  <a:tcPr marL="0" marR="0" marT="26915" marB="26915"/>
+                </a:tc>
+                <a:tc>
+                  <a:txBody>
+                    <a:bodyPr/>
+                    <a:lstStyle/>
+                    <a:p>
+                      <a:pPr algn="ctr"/>
+                      <a:r>
+                        <a:rPr lang="en-US" sz="1000" b="0" i="0" dirty="0" smtClean="0">
+                          <a:latin typeface="Source Sans Pro Light" charset="0"/>
+                          <a:ea typeface="Source Sans Pro Light" charset="0"/>
+                          <a:cs typeface="Source Sans Pro Light" charset="0"/>
+                        </a:rPr>
+                        <a:t>1</a:t>
+                      </a:r>
+                      <a:endParaRPr lang="en-US" sz="1000" b="0" i="0" dirty="0">
+                        <a:latin typeface="Source Sans Pro Light" charset="0"/>
+                        <a:ea typeface="Source Sans Pro Light" charset="0"/>
+                        <a:cs typeface="Source Sans Pro Light" charset="0"/>
+                      </a:endParaRPr>
+                    </a:p>
+                  </a:txBody>
+                  <a:tcPr marL="0" marR="0" marT="26915" marB="26915">
+                    <a:lnR w="28575" cap="flat" cmpd="sng" algn="ctr">
+                      <a:solidFill>
+                        <a:schemeClr val="accent6"/>
+                      </a:solidFill>
+                      <a:prstDash val="solid"/>
+                      <a:round/>
+                      <a:headEnd type="none" w="med" len="med"/>
+                      <a:tailEnd type="none" w="med" len="med"/>
+                    </a:lnR>
+                  </a:tcPr>
+                </a:tc>
+              </a:tr>
+              <a:tr h="230076">
+                <a:tc>
+                  <a:txBody>
+                    <a:bodyPr/>
+                    <a:lstStyle/>
+                    <a:p>
+                      <a:pPr algn="ctr"/>
+                      <a:r>
+                        <a:rPr lang="en-US" sz="1000" b="0" i="0" dirty="0" smtClean="0">
+                          <a:latin typeface="Source Sans Pro Light" charset="0"/>
+                          <a:ea typeface="Source Sans Pro Light" charset="0"/>
+                          <a:cs typeface="Source Sans Pro Light" charset="0"/>
+                        </a:rPr>
+                        <a:t>12:00</a:t>
+                      </a:r>
+                      <a:r>
+                        <a:rPr lang="en-US" sz="1000" b="0" i="0" baseline="0" dirty="0" smtClean="0">
+                          <a:latin typeface="Source Sans Pro Light" charset="0"/>
+                          <a:ea typeface="Source Sans Pro Light" charset="0"/>
+                          <a:cs typeface="Source Sans Pro Light" charset="0"/>
+                        </a:rPr>
+                        <a:t> - 12:10</a:t>
+                      </a:r>
+                      <a:endParaRPr lang="en-US" sz="1000" b="0" i="0" dirty="0">
+                        <a:latin typeface="Source Sans Pro Light" charset="0"/>
+                        <a:ea typeface="Source Sans Pro Light" charset="0"/>
+                        <a:cs typeface="Source Sans Pro Light" charset="0"/>
+                      </a:endParaRPr>
+                    </a:p>
+                  </a:txBody>
+                  <a:tcPr marL="0" marR="0" marT="26915" marB="26915">
+                    <a:lnL w="28575" cap="flat" cmpd="sng" algn="ctr">
+                      <a:solidFill>
+                        <a:schemeClr val="accent6"/>
+                      </a:solidFill>
+                      <a:prstDash val="solid"/>
+                      <a:round/>
+                      <a:headEnd type="none" w="med" len="med"/>
+                      <a:tailEnd type="none" w="med" len="med"/>
+                    </a:lnL>
+                    <a:lnB w="28575" cap="flat" cmpd="sng" algn="ctr">
+                      <a:solidFill>
+                        <a:schemeClr val="accent6"/>
+                      </a:solidFill>
+                      <a:prstDash val="solid"/>
+                      <a:round/>
+                      <a:headEnd type="none" w="med" len="med"/>
+                      <a:tailEnd type="none" w="med" len="med"/>
+                    </a:lnB>
+                  </a:tcPr>
+                </a:tc>
+                <a:tc>
+                  <a:txBody>
+                    <a:bodyPr/>
+                    <a:lstStyle/>
+                    <a:p>
+                      <a:pPr algn="ctr"/>
+                      <a:r>
+                        <a:rPr lang="en-US" sz="1000" b="0" i="0" dirty="0" smtClean="0">
+                          <a:latin typeface="Source Sans Pro Light" charset="0"/>
+                          <a:ea typeface="Source Sans Pro Light" charset="0"/>
+                          <a:cs typeface="Source Sans Pro Light" charset="0"/>
+                        </a:rPr>
+                        <a:t>dog</a:t>
+                      </a:r>
+                      <a:endParaRPr lang="en-US" sz="1000" b="0" i="0" dirty="0">
+                        <a:latin typeface="Source Sans Pro Light" charset="0"/>
+                        <a:ea typeface="Source Sans Pro Light" charset="0"/>
+                        <a:cs typeface="Source Sans Pro Light" charset="0"/>
+                      </a:endParaRPr>
+                    </a:p>
+                  </a:txBody>
+                  <a:tcPr marL="0" marR="0" marT="26915" marB="26915">
+                    <a:lnB w="28575" cap="flat" cmpd="sng" algn="ctr">
+                      <a:solidFill>
+                        <a:schemeClr val="accent6"/>
+                      </a:solidFill>
+                      <a:prstDash val="solid"/>
+                      <a:round/>
+                      <a:headEnd type="none" w="med" len="med"/>
+                      <a:tailEnd type="none" w="med" len="med"/>
+                    </a:lnB>
+                  </a:tcPr>
+                </a:tc>
+                <a:tc>
+                  <a:txBody>
+                    <a:bodyPr/>
+                    <a:lstStyle/>
+                    <a:p>
+                      <a:pPr algn="ctr"/>
+                      <a:r>
+                        <a:rPr lang="en-US" sz="1000" b="0" i="0" dirty="0" smtClean="0">
+                          <a:latin typeface="Source Sans Pro Light" charset="0"/>
+                          <a:ea typeface="Source Sans Pro Light" charset="0"/>
+                          <a:cs typeface="Source Sans Pro Light" charset="0"/>
+                        </a:rPr>
+                        <a:t>2</a:t>
+                      </a:r>
+                      <a:endParaRPr lang="en-US" sz="1000" b="0" i="0" dirty="0">
+                        <a:latin typeface="Source Sans Pro Light" charset="0"/>
+                        <a:ea typeface="Source Sans Pro Light" charset="0"/>
+                        <a:cs typeface="Source Sans Pro Light" charset="0"/>
+                      </a:endParaRPr>
+                    </a:p>
+                  </a:txBody>
+                  <a:tcPr marL="0" marR="0" marT="26915" marB="26915">
+                    <a:lnR w="28575" cap="flat" cmpd="sng" algn="ctr">
+                      <a:solidFill>
+                        <a:schemeClr val="accent6"/>
+                      </a:solidFill>
+                      <a:prstDash val="solid"/>
+                      <a:round/>
+                      <a:headEnd type="none" w="med" len="med"/>
+                      <a:tailEnd type="none" w="med" len="med"/>
+                    </a:lnR>
+                    <a:lnB w="28575" cap="flat" cmpd="sng" algn="ctr">
+                      <a:solidFill>
+                        <a:schemeClr val="accent6"/>
+                      </a:solidFill>
+                      <a:prstDash val="solid"/>
+                      <a:round/>
+                      <a:headEnd type="none" w="med" len="med"/>
+                      <a:tailEnd type="none" w="med" len="med"/>
+                    </a:lnB>
+                  </a:tcPr>
+                </a:tc>
+              </a:tr>
+            </a:tbl>
+          </a:graphicData>
+        </a:graphic>
+      </p:graphicFrame>
+      <p:graphicFrame>
+        <p:nvGraphicFramePr>
+          <p:cNvPr id="296" name="Table 295"/>
+          <p:cNvGraphicFramePr>
+            <a:graphicFrameLocks noGrp="1"/>
+          </p:cNvGraphicFramePr>
+          <p:nvPr>
+            <p:extLst>
+              <p:ext uri="{D42A27DB-BD31-4B8C-83A1-F6EECF244321}">
+                <p14:modId xmlns:p14="http://schemas.microsoft.com/office/powerpoint/2010/main" val="456873603"/>
+              </p:ext>
+            </p:extLst>
+          </p:nvPr>
+        </p:nvGraphicFramePr>
+        <p:xfrm>
+          <a:off x="9660266" y="5150257"/>
+          <a:ext cx="1067441" cy="690228"/>
+        </p:xfrm>
+        <a:graphic>
+          <a:graphicData uri="http://schemas.openxmlformats.org/drawingml/2006/table">
+            <a:tbl>
+              <a:tblPr bandRow="1">
+                <a:tableStyleId>{16D9F66E-5EB9-4882-86FB-DCBF35E3C3E4}</a:tableStyleId>
+              </a:tblPr>
+              <a:tblGrid>
+                <a:gridCol w="730100"/>
+                <a:gridCol w="212651"/>
+                <a:gridCol w="124690"/>
+              </a:tblGrid>
+              <a:tr h="230076">
+                <a:tc>
+                  <a:txBody>
+                    <a:bodyPr/>
+                    <a:lstStyle/>
+                    <a:p>
+                      <a:pPr algn="ctr"/>
+                      <a:r>
+                        <a:rPr lang="en-US" sz="1000" b="0" i="0" dirty="0" smtClean="0">
+                          <a:latin typeface="Source Sans Pro Light" charset="0"/>
+                          <a:ea typeface="Source Sans Pro Light" charset="0"/>
+                          <a:cs typeface="Source Sans Pro Light" charset="0"/>
+                        </a:rPr>
+                        <a:t>12:05</a:t>
+                      </a:r>
+                      <a:r>
+                        <a:rPr lang="en-US" sz="1000" b="0" i="0" baseline="0" dirty="0" smtClean="0">
+                          <a:latin typeface="Source Sans Pro Light" charset="0"/>
+                          <a:ea typeface="Source Sans Pro Light" charset="0"/>
+                          <a:cs typeface="Source Sans Pro Light" charset="0"/>
+                        </a:rPr>
+                        <a:t> - 12:15</a:t>
+                      </a:r>
+                      <a:endParaRPr lang="en-US" sz="1000" b="0" i="0" dirty="0">
+                        <a:latin typeface="Source Sans Pro Light" charset="0"/>
+                        <a:ea typeface="Source Sans Pro Light" charset="0"/>
+                        <a:cs typeface="Source Sans Pro Light" charset="0"/>
+                      </a:endParaRPr>
+                    </a:p>
+                  </a:txBody>
+                  <a:tcPr marL="0" marR="0" marT="26915" marB="26915">
+                    <a:lnL w="28575" cap="flat" cmpd="sng" algn="ctr">
+                      <a:solidFill>
+                        <a:schemeClr val="accent6"/>
+                      </a:solidFill>
+                      <a:prstDash val="solid"/>
+                      <a:round/>
+                      <a:headEnd type="none" w="med" len="med"/>
+                      <a:tailEnd type="none" w="med" len="med"/>
+                    </a:lnL>
+                    <a:lnT w="28575" cap="flat" cmpd="sng" algn="ctr">
+                      <a:solidFill>
+                        <a:schemeClr val="accent6"/>
+                      </a:solidFill>
+                      <a:prstDash val="solid"/>
+                      <a:round/>
+                      <a:headEnd type="none" w="med" len="med"/>
+                      <a:tailEnd type="none" w="med" len="med"/>
+                    </a:lnT>
+                  </a:tcPr>
+                </a:tc>
+                <a:tc>
+                  <a:txBody>
+                    <a:bodyPr/>
+                    <a:lstStyle/>
+                    <a:p>
+                      <a:pPr algn="ctr"/>
+                      <a:r>
+                        <a:rPr lang="en-US" sz="1000" b="0" i="0" dirty="0" smtClean="0">
+                          <a:latin typeface="Source Sans Pro Light" charset="0"/>
+                          <a:ea typeface="Source Sans Pro Light" charset="0"/>
+                          <a:cs typeface="Source Sans Pro Light" charset="0"/>
+                        </a:rPr>
+                        <a:t>owl</a:t>
+                      </a:r>
+                      <a:endParaRPr lang="en-US" sz="1000" b="0" i="0" dirty="0">
+                        <a:latin typeface="Source Sans Pro Light" charset="0"/>
+                        <a:ea typeface="Source Sans Pro Light" charset="0"/>
+                        <a:cs typeface="Source Sans Pro Light" charset="0"/>
+                      </a:endParaRPr>
+                    </a:p>
+                  </a:txBody>
+                  <a:tcPr marL="0" marR="0" marT="26915" marB="26915">
+                    <a:lnT w="28575" cap="flat" cmpd="sng" algn="ctr">
+                      <a:solidFill>
+                        <a:schemeClr val="accent6"/>
+                      </a:solidFill>
+                      <a:prstDash val="solid"/>
+                      <a:round/>
+                      <a:headEnd type="none" w="med" len="med"/>
+                      <a:tailEnd type="none" w="med" len="med"/>
+                    </a:lnT>
+                  </a:tcPr>
+                </a:tc>
+                <a:tc>
+                  <a:txBody>
+                    <a:bodyPr/>
+                    <a:lstStyle/>
+                    <a:p>
+                      <a:pPr algn="ctr"/>
+                      <a:r>
+                        <a:rPr lang="en-US" sz="1000" b="0" i="0" dirty="0" smtClean="0">
+                          <a:latin typeface="Source Sans Pro Light" charset="0"/>
+                          <a:ea typeface="Source Sans Pro Light" charset="0"/>
+                          <a:cs typeface="Source Sans Pro Light" charset="0"/>
+                        </a:rPr>
+                        <a:t>2</a:t>
+                      </a:r>
+                      <a:endParaRPr lang="en-US" sz="1000" b="0" i="0" dirty="0">
+                        <a:latin typeface="Source Sans Pro Light" charset="0"/>
+                        <a:ea typeface="Source Sans Pro Light" charset="0"/>
+                        <a:cs typeface="Source Sans Pro Light" charset="0"/>
+                      </a:endParaRPr>
+                    </a:p>
+                  </a:txBody>
+                  <a:tcPr marL="0" marR="0" marT="26915" marB="26915">
+                    <a:lnR w="28575" cap="flat" cmpd="sng" algn="ctr">
+                      <a:solidFill>
+                        <a:schemeClr val="accent6"/>
+                      </a:solidFill>
+                      <a:prstDash val="solid"/>
+                      <a:round/>
+                      <a:headEnd type="none" w="med" len="med"/>
+                      <a:tailEnd type="none" w="med" len="med"/>
+                    </a:lnR>
+                    <a:lnT w="28575" cap="flat" cmpd="sng" algn="ctr">
+                      <a:solidFill>
+                        <a:schemeClr val="accent6"/>
+                      </a:solidFill>
+                      <a:prstDash val="solid"/>
+                      <a:round/>
+                      <a:headEnd type="none" w="med" len="med"/>
+                      <a:tailEnd type="none" w="med" len="med"/>
+                    </a:lnT>
+                  </a:tcPr>
+                </a:tc>
+              </a:tr>
+              <a:tr h="230076">
+                <a:tc>
+                  <a:txBody>
+                    <a:bodyPr/>
+                    <a:lstStyle/>
+                    <a:p>
+                      <a:pPr marL="0" marR="0" indent="0" algn="ctr" defTabSz="914400" rtl="0" eaLnBrk="1" fontAlgn="auto" latinLnBrk="0" hangingPunct="1">
+                        <a:lnSpc>
+                          <a:spcPct val="100000"/>
+                        </a:lnSpc>
+                        <a:spcBef>
+                          <a:spcPts val="0"/>
+                        </a:spcBef>
+                        <a:spcAft>
+                          <a:spcPts val="0"/>
+                        </a:spcAft>
+                        <a:buClrTx/>
+                        <a:buSzTx/>
+                        <a:buFontTx/>
+                        <a:buNone/>
+                        <a:tabLst/>
+                        <a:defRPr/>
+                      </a:pPr>
+                      <a:r>
+                        <a:rPr lang="en-US" sz="1000" b="0" i="0" dirty="0" smtClean="0">
+                          <a:latin typeface="Source Sans Pro Light" charset="0"/>
+                          <a:ea typeface="Source Sans Pro Light" charset="0"/>
+                          <a:cs typeface="Source Sans Pro Light" charset="0"/>
+                        </a:rPr>
+                        <a:t>12:05</a:t>
+                      </a:r>
+                      <a:r>
+                        <a:rPr lang="en-US" sz="1000" b="0" i="0" baseline="0" dirty="0" smtClean="0">
+                          <a:latin typeface="Source Sans Pro Light" charset="0"/>
+                          <a:ea typeface="Source Sans Pro Light" charset="0"/>
+                          <a:cs typeface="Source Sans Pro Light" charset="0"/>
+                        </a:rPr>
+                        <a:t> - 12:15</a:t>
+                      </a:r>
+                      <a:endParaRPr lang="en-US" sz="1000" b="0" i="0" dirty="0" smtClean="0">
+                        <a:latin typeface="Source Sans Pro Light" charset="0"/>
+                        <a:ea typeface="Source Sans Pro Light" charset="0"/>
+                        <a:cs typeface="Source Sans Pro Light" charset="0"/>
+                      </a:endParaRPr>
+                    </a:p>
+                  </a:txBody>
+                  <a:tcPr marL="0" marR="0" marT="26915" marB="26915">
+                    <a:lnL w="28575" cap="flat" cmpd="sng" algn="ctr">
+                      <a:solidFill>
+                        <a:schemeClr val="accent6"/>
+                      </a:solidFill>
+                      <a:prstDash val="solid"/>
+                      <a:round/>
+                      <a:headEnd type="none" w="med" len="med"/>
+                      <a:tailEnd type="none" w="med" len="med"/>
+                    </a:lnL>
+                  </a:tcPr>
+                </a:tc>
+                <a:tc>
+                  <a:txBody>
+                    <a:bodyPr/>
+                    <a:lstStyle/>
+                    <a:p>
+                      <a:pPr algn="ctr"/>
+                      <a:r>
+                        <a:rPr lang="en-US" sz="1000" b="0" i="0" dirty="0" smtClean="0">
+                          <a:latin typeface="Source Sans Pro Light" charset="0"/>
+                          <a:ea typeface="Source Sans Pro Light" charset="0"/>
+                          <a:cs typeface="Source Sans Pro Light" charset="0"/>
+                        </a:rPr>
+                        <a:t>cat</a:t>
+                      </a:r>
+                      <a:endParaRPr lang="en-US" sz="1000" b="0" i="0" dirty="0">
+                        <a:latin typeface="Source Sans Pro Light" charset="0"/>
+                        <a:ea typeface="Source Sans Pro Light" charset="0"/>
+                        <a:cs typeface="Source Sans Pro Light" charset="0"/>
+                      </a:endParaRPr>
+                    </a:p>
+                  </a:txBody>
+                  <a:tcPr marL="0" marR="0" marT="26915" marB="26915"/>
+                </a:tc>
+                <a:tc>
+                  <a:txBody>
+                    <a:bodyPr/>
+                    <a:lstStyle/>
+                    <a:p>
+                      <a:pPr algn="ctr"/>
+                      <a:r>
+                        <a:rPr lang="en-US" sz="1000" b="0" i="0" dirty="0" smtClean="0">
+                          <a:latin typeface="Source Sans Pro Light" charset="0"/>
+                          <a:ea typeface="Source Sans Pro Light" charset="0"/>
+                          <a:cs typeface="Source Sans Pro Light" charset="0"/>
+                        </a:rPr>
+                        <a:t>2</a:t>
+                      </a:r>
+                      <a:endParaRPr lang="en-US" sz="1000" b="0" i="0" dirty="0">
+                        <a:latin typeface="Source Sans Pro Light" charset="0"/>
+                        <a:ea typeface="Source Sans Pro Light" charset="0"/>
+                        <a:cs typeface="Source Sans Pro Light" charset="0"/>
+                      </a:endParaRPr>
+                    </a:p>
+                  </a:txBody>
+                  <a:tcPr marL="0" marR="0" marT="26915" marB="26915">
+                    <a:lnR w="28575" cap="flat" cmpd="sng" algn="ctr">
+                      <a:solidFill>
+                        <a:schemeClr val="accent6"/>
+                      </a:solidFill>
+                      <a:prstDash val="solid"/>
+                      <a:round/>
+                      <a:headEnd type="none" w="med" len="med"/>
+                      <a:tailEnd type="none" w="med" len="med"/>
+                    </a:lnR>
+                  </a:tcPr>
+                </a:tc>
+              </a:tr>
+              <a:tr h="230076">
+                <a:tc>
+                  <a:txBody>
+                    <a:bodyPr/>
+                    <a:lstStyle/>
+                    <a:p>
+                      <a:pPr algn="ctr"/>
+                      <a:r>
+                        <a:rPr lang="en-US" sz="1000" b="0" i="0" dirty="0" smtClean="0">
+                          <a:latin typeface="Source Sans Pro Light" charset="0"/>
+                          <a:ea typeface="Source Sans Pro Light" charset="0"/>
+                          <a:cs typeface="Source Sans Pro Light" charset="0"/>
+                        </a:rPr>
+                        <a:t>12:05</a:t>
+                      </a:r>
+                      <a:r>
+                        <a:rPr lang="en-US" sz="1000" b="0" i="0" baseline="0" dirty="0" smtClean="0">
+                          <a:latin typeface="Source Sans Pro Light" charset="0"/>
+                          <a:ea typeface="Source Sans Pro Light" charset="0"/>
+                          <a:cs typeface="Source Sans Pro Light" charset="0"/>
+                        </a:rPr>
+                        <a:t> - 12:15</a:t>
+                      </a:r>
+                      <a:endParaRPr lang="en-US" sz="1000" b="0" i="0" dirty="0">
+                        <a:latin typeface="Source Sans Pro Light" charset="0"/>
+                        <a:ea typeface="Source Sans Pro Light" charset="0"/>
+                        <a:cs typeface="Source Sans Pro Light" charset="0"/>
+                      </a:endParaRPr>
+                    </a:p>
+                  </a:txBody>
+                  <a:tcPr marL="0" marR="0" marT="26915" marB="26915">
+                    <a:lnL w="28575" cap="flat" cmpd="sng" algn="ctr">
+                      <a:solidFill>
+                        <a:schemeClr val="accent6"/>
+                      </a:solidFill>
+                      <a:prstDash val="solid"/>
+                      <a:round/>
+                      <a:headEnd type="none" w="med" len="med"/>
+                      <a:tailEnd type="none" w="med" len="med"/>
+                    </a:lnL>
+                    <a:lnB w="28575" cap="flat" cmpd="sng" algn="ctr">
+                      <a:solidFill>
+                        <a:schemeClr val="accent6"/>
+                      </a:solidFill>
+                      <a:prstDash val="solid"/>
+                      <a:round/>
+                      <a:headEnd type="none" w="med" len="med"/>
+                      <a:tailEnd type="none" w="med" len="med"/>
+                    </a:lnB>
+                  </a:tcPr>
+                </a:tc>
+                <a:tc>
+                  <a:txBody>
+                    <a:bodyPr/>
+                    <a:lstStyle/>
+                    <a:p>
+                      <a:pPr algn="ctr"/>
+                      <a:r>
+                        <a:rPr lang="en-US" sz="1000" b="0" i="0" dirty="0" smtClean="0">
+                          <a:latin typeface="Source Sans Pro Light" charset="0"/>
+                          <a:ea typeface="Source Sans Pro Light" charset="0"/>
+                          <a:cs typeface="Source Sans Pro Light" charset="0"/>
+                        </a:rPr>
+                        <a:t>dog</a:t>
+                      </a:r>
+                      <a:endParaRPr lang="en-US" sz="1000" b="0" i="0" dirty="0">
+                        <a:latin typeface="Source Sans Pro Light" charset="0"/>
+                        <a:ea typeface="Source Sans Pro Light" charset="0"/>
+                        <a:cs typeface="Source Sans Pro Light" charset="0"/>
+                      </a:endParaRPr>
+                    </a:p>
+                  </a:txBody>
+                  <a:tcPr marL="0" marR="0" marT="26915" marB="26915">
+                    <a:lnB w="28575" cap="flat" cmpd="sng" algn="ctr">
+                      <a:solidFill>
+                        <a:schemeClr val="accent6"/>
+                      </a:solidFill>
+                      <a:prstDash val="solid"/>
+                      <a:round/>
+                      <a:headEnd type="none" w="med" len="med"/>
+                      <a:tailEnd type="none" w="med" len="med"/>
+                    </a:lnB>
+                  </a:tcPr>
+                </a:tc>
+                <a:tc>
+                  <a:txBody>
+                    <a:bodyPr/>
+                    <a:lstStyle/>
+                    <a:p>
+                      <a:pPr algn="ctr"/>
+                      <a:r>
+                        <a:rPr lang="en-US" sz="1000" b="0" i="0" dirty="0" smtClean="0">
+                          <a:latin typeface="Source Sans Pro Light" charset="0"/>
+                          <a:ea typeface="Source Sans Pro Light" charset="0"/>
+                          <a:cs typeface="Source Sans Pro Light" charset="0"/>
+                        </a:rPr>
+                        <a:t>3</a:t>
+                      </a:r>
+                      <a:endParaRPr lang="en-US" sz="1000" b="0" i="0" dirty="0">
+                        <a:latin typeface="Source Sans Pro Light" charset="0"/>
+                        <a:ea typeface="Source Sans Pro Light" charset="0"/>
+                        <a:cs typeface="Source Sans Pro Light" charset="0"/>
+                      </a:endParaRPr>
+                    </a:p>
+                  </a:txBody>
+                  <a:tcPr marL="0" marR="0" marT="26915" marB="26915">
+                    <a:lnR w="28575" cap="flat" cmpd="sng" algn="ctr">
+                      <a:solidFill>
+                        <a:schemeClr val="accent6"/>
+                      </a:solidFill>
+                      <a:prstDash val="solid"/>
+                      <a:round/>
+                      <a:headEnd type="none" w="med" len="med"/>
+                      <a:tailEnd type="none" w="med" len="med"/>
+                    </a:lnR>
+                    <a:lnB w="28575" cap="flat" cmpd="sng" algn="ctr">
+                      <a:solidFill>
+                        <a:schemeClr val="accent6"/>
+                      </a:solidFill>
+                      <a:prstDash val="solid"/>
+                      <a:round/>
+                      <a:headEnd type="none" w="med" len="med"/>
+                      <a:tailEnd type="none" w="med" len="med"/>
+                    </a:lnB>
+                  </a:tcPr>
+                </a:tc>
+              </a:tr>
+            </a:tbl>
+          </a:graphicData>
+        </a:graphic>
+      </p:graphicFrame>
+      <p:sp>
+        <p:nvSpPr>
+          <p:cNvPr id="304" name="Rectangle 303"/>
+          <p:cNvSpPr/>
+          <p:nvPr/>
+        </p:nvSpPr>
+        <p:spPr>
+          <a:xfrm>
+            <a:off x="9039515" y="1852513"/>
+            <a:ext cx="1209876" cy="227255"/>
+          </a:xfrm>
+          <a:prstGeom prst="rect">
+            <a:avLst/>
+          </a:prstGeom>
+          <a:solidFill>
+            <a:schemeClr val="bg1">
+              <a:alpha val="77000"/>
+            </a:schemeClr>
+          </a:solidFill>
+        </p:spPr>
+        <p:txBody>
+          <a:bodyPr wrap="none">
+            <a:noAutofit/>
+          </a:bodyPr>
+          <a:lstStyle/>
+          <a:p>
+            <a:pPr lvl="0" algn="ctr"/>
+            <a:r>
+              <a:rPr lang="en-US" sz="1000" dirty="0" err="1" smtClean="0">
+                <a:solidFill>
+                  <a:schemeClr val="accent2">
+                    <a:lumMod val="75000"/>
+                  </a:schemeClr>
+                </a:solidFill>
+                <a:latin typeface="Source Sans Pro Light" charset="0"/>
+                <a:ea typeface="Source Sans Pro Light" charset="0"/>
+                <a:cs typeface="Source Sans Pro Light" charset="0"/>
+              </a:rPr>
+              <a:t>wm</a:t>
+            </a:r>
+            <a:r>
+              <a:rPr lang="en-US" sz="1000" dirty="0" smtClean="0">
+                <a:solidFill>
+                  <a:schemeClr val="accent2">
+                    <a:lumMod val="75000"/>
+                  </a:schemeClr>
+                </a:solidFill>
+                <a:latin typeface="Source Sans Pro Light" charset="0"/>
+                <a:ea typeface="Source Sans Pro Light" charset="0"/>
+                <a:cs typeface="Source Sans Pro Light" charset="0"/>
+              </a:rPr>
+              <a:t> = 12:26 </a:t>
+            </a:r>
+            <a:r>
+              <a:rPr lang="en-US" sz="1000" dirty="0">
+                <a:solidFill>
+                  <a:schemeClr val="accent2">
+                    <a:lumMod val="75000"/>
+                  </a:schemeClr>
+                </a:solidFill>
+                <a:latin typeface="Source Sans Pro Light" charset="0"/>
+                <a:ea typeface="Source Sans Pro Light" charset="0"/>
+                <a:cs typeface="Source Sans Pro Light" charset="0"/>
+              </a:rPr>
+              <a:t>- </a:t>
+            </a:r>
+            <a:r>
+              <a:rPr lang="en-US" sz="1000" dirty="0" smtClean="0">
+                <a:solidFill>
+                  <a:schemeClr val="accent2">
+                    <a:lumMod val="75000"/>
+                  </a:schemeClr>
+                </a:solidFill>
+                <a:latin typeface="Source Sans Pro Light" charset="0"/>
+                <a:ea typeface="Source Sans Pro Light" charset="0"/>
+                <a:cs typeface="Source Sans Pro Light" charset="0"/>
+              </a:rPr>
+              <a:t>10m =12:16</a:t>
+            </a:r>
+            <a:endParaRPr lang="en-US" sz="1000" dirty="0">
+              <a:solidFill>
+                <a:schemeClr val="accent2">
+                  <a:lumMod val="75000"/>
+                </a:schemeClr>
+              </a:solidFill>
+              <a:latin typeface="Source Sans Pro Light" charset="0"/>
+              <a:ea typeface="Source Sans Pro Light" charset="0"/>
+              <a:cs typeface="Source Sans Pro Light" charset="0"/>
+            </a:endParaRPr>
+          </a:p>
+        </p:txBody>
+      </p:sp>
+      <p:grpSp>
+        <p:nvGrpSpPr>
+          <p:cNvPr id="317" name="Group 316"/>
+          <p:cNvGrpSpPr/>
+          <p:nvPr/>
+        </p:nvGrpSpPr>
+        <p:grpSpPr>
+          <a:xfrm>
+            <a:off x="8106701" y="500752"/>
+            <a:ext cx="699230" cy="345732"/>
+            <a:chOff x="2909362" y="2729624"/>
+            <a:chExt cx="699230" cy="345732"/>
+          </a:xfrm>
+        </p:grpSpPr>
+        <p:sp>
+          <p:nvSpPr>
+            <p:cNvPr id="318" name="Oval 317"/>
+            <p:cNvSpPr/>
+            <p:nvPr/>
+          </p:nvSpPr>
+          <p:spPr>
+            <a:xfrm>
+              <a:off x="3022115" y="2729624"/>
+              <a:ext cx="138633" cy="138633"/>
+            </a:xfrm>
+            <a:prstGeom prst="ellipse">
+              <a:avLst/>
+            </a:prstGeom>
+          </p:spPr>
+          <p:style>
+            <a:lnRef idx="1">
+              <a:schemeClr val="accent4"/>
+            </a:lnRef>
+            <a:fillRef idx="2">
+              <a:schemeClr val="accent4"/>
+            </a:fillRef>
+            <a:effectRef idx="1">
+              <a:schemeClr val="accent4"/>
+            </a:effectRef>
+            <a:fontRef idx="minor">
+              <a:schemeClr val="dk1"/>
+            </a:fontRef>
+          </p:style>
+          <p:txBody>
+            <a:bodyPr rtlCol="0" anchor="ctr"/>
+            <a:lstStyle/>
+            <a:p>
+              <a:pPr algn="ctr"/>
+              <a:endParaRPr lang="en-US" sz="1000">
+                <a:solidFill>
+                  <a:schemeClr val="accent4">
+                    <a:lumMod val="50000"/>
+                  </a:schemeClr>
+                </a:solidFill>
+              </a:endParaRPr>
+            </a:p>
+          </p:txBody>
+        </p:sp>
+        <p:sp>
+          <p:nvSpPr>
+            <p:cNvPr id="319" name="Rectangle 318"/>
+            <p:cNvSpPr/>
+            <p:nvPr/>
+          </p:nvSpPr>
+          <p:spPr>
+            <a:xfrm>
+              <a:off x="2909362" y="2829135"/>
+              <a:ext cx="699230" cy="246221"/>
+            </a:xfrm>
+            <a:prstGeom prst="rect">
+              <a:avLst/>
+            </a:prstGeom>
+          </p:spPr>
+          <p:txBody>
+            <a:bodyPr wrap="none">
+              <a:spAutoFit/>
+            </a:bodyPr>
+            <a:lstStyle/>
+            <a:p>
+              <a:pPr lvl="0" algn="ctr"/>
+              <a:r>
+                <a:rPr lang="en-US" sz="1000" dirty="0" smtClean="0">
+                  <a:solidFill>
+                    <a:schemeClr val="accent4">
+                      <a:lumMod val="50000"/>
+                    </a:schemeClr>
+                  </a:solidFill>
+                  <a:latin typeface="Source Sans Pro Light" charset="0"/>
+                  <a:ea typeface="Source Sans Pro Light" charset="0"/>
+                  <a:cs typeface="Source Sans Pro Light" charset="0"/>
+                </a:rPr>
+                <a:t>12:26, owl</a:t>
+              </a:r>
+              <a:endParaRPr lang="en-US" sz="1000" dirty="0">
+                <a:solidFill>
+                  <a:schemeClr val="accent4">
+                    <a:lumMod val="50000"/>
+                  </a:schemeClr>
+                </a:solidFill>
+                <a:latin typeface="Source Sans Pro Light" charset="0"/>
+                <a:ea typeface="Source Sans Pro Light" charset="0"/>
+                <a:cs typeface="Source Sans Pro Light" charset="0"/>
+              </a:endParaRPr>
+            </a:p>
+          </p:txBody>
+        </p:sp>
+      </p:grpSp>
+      <p:sp>
+        <p:nvSpPr>
+          <p:cNvPr id="109" name="Shape 127"/>
+          <p:cNvSpPr txBox="1"/>
+          <p:nvPr/>
+        </p:nvSpPr>
+        <p:spPr>
+          <a:xfrm>
+            <a:off x="8724892" y="5776200"/>
+            <a:ext cx="2100674" cy="445876"/>
+          </a:xfrm>
+          <a:prstGeom prst="rect">
+            <a:avLst/>
+          </a:prstGeom>
+          <a:noFill/>
+          <a:ln>
+            <a:noFill/>
+          </a:ln>
+        </p:spPr>
+        <p:txBody>
+          <a:bodyPr lIns="91425" tIns="91425" rIns="91425" bIns="91425" anchor="t" anchorCtr="0">
+            <a:noAutofit/>
+          </a:bodyPr>
+          <a:lstStyle/>
+          <a:p>
+            <a:pPr lvl="0" algn="ctr" rtl="0">
+              <a:spcBef>
+                <a:spcPts val="0"/>
+              </a:spcBef>
+              <a:buNone/>
+            </a:pPr>
+            <a:r>
+              <a:rPr lang="en-US" sz="1800" dirty="0" smtClean="0">
+                <a:latin typeface="Source Sans Pro Light" charset="0"/>
+                <a:ea typeface="Source Sans Pro Light" charset="0"/>
+                <a:cs typeface="Source Sans Pro Light" charset="0"/>
+              </a:rPr>
+              <a:t>Result Tables </a:t>
+            </a:r>
+            <a:r>
+              <a:rPr lang="en-US" dirty="0" smtClean="0">
+                <a:latin typeface="Source Sans Pro Light" charset="0"/>
+                <a:ea typeface="Source Sans Pro Light" charset="0"/>
+                <a:cs typeface="Source Sans Pro Light" charset="0"/>
+              </a:rPr>
+              <a:t>after </a:t>
+            </a:r>
+          </a:p>
+          <a:p>
+            <a:pPr lvl="0" algn="ctr" rtl="0">
+              <a:spcBef>
+                <a:spcPts val="0"/>
+              </a:spcBef>
+              <a:buNone/>
+            </a:pPr>
+            <a:r>
+              <a:rPr lang="en-US" dirty="0" smtClean="0">
+                <a:latin typeface="Source Sans Pro Light" charset="0"/>
+                <a:ea typeface="Source Sans Pro Light" charset="0"/>
+                <a:cs typeface="Source Sans Pro Light" charset="0"/>
+              </a:rPr>
+              <a:t>each trigger</a:t>
+            </a:r>
+            <a:endParaRPr lang="en" sz="1800" dirty="0">
+              <a:latin typeface="Source Sans Pro Light" charset="0"/>
+              <a:ea typeface="Source Sans Pro Light" charset="0"/>
+              <a:cs typeface="Source Sans Pro Light" charset="0"/>
+            </a:endParaRPr>
+          </a:p>
+        </p:txBody>
+      </p:sp>
+    </p:spTree>
+    <p:extLst>
+      <p:ext uri="{BB962C8B-B14F-4D97-AF65-F5344CB8AC3E}">
+        <p14:creationId xmlns:p14="http://schemas.microsoft.com/office/powerpoint/2010/main" val="90176117"/>
       </p:ext>
     </p:extLst>
   </p:cSld>

--- a/docs/img/structured-streaming.pptx
+++ b/docs/img/structured-streaming.pptx
@@ -203,7 +203,7 @@
           <a:p>
             <a:fld id="{7E9395DA-6BB2-B94A-994B-4124BCB00D60}" type="datetimeFigureOut">
               <a:rPr lang="en-US" smtClean="0"/>
-              <a:t>1/3/17</a:t>
+              <a:t>1/4/17</a:t>
             </a:fld>
             <a:endParaRPr lang="en-US"/>
           </a:p>
@@ -602,7 +602,7 @@
           <a:p>
             <a:fld id="{66B02B72-AB41-C343-9175-0553C21C4E77}" type="datetimeFigureOut">
               <a:rPr lang="en-US" smtClean="0"/>
-              <a:t>1/3/17</a:t>
+              <a:t>1/4/17</a:t>
             </a:fld>
             <a:endParaRPr lang="en-US"/>
           </a:p>
@@ -772,7 +772,7 @@
           <a:p>
             <a:fld id="{66B02B72-AB41-C343-9175-0553C21C4E77}" type="datetimeFigureOut">
               <a:rPr lang="en-US" smtClean="0"/>
-              <a:t>1/3/17</a:t>
+              <a:t>1/4/17</a:t>
             </a:fld>
             <a:endParaRPr lang="en-US"/>
           </a:p>
@@ -952,7 +952,7 @@
           <a:p>
             <a:fld id="{66B02B72-AB41-C343-9175-0553C21C4E77}" type="datetimeFigureOut">
               <a:rPr lang="en-US" smtClean="0"/>
-              <a:t>1/3/17</a:t>
+              <a:t>1/4/17</a:t>
             </a:fld>
             <a:endParaRPr lang="en-US"/>
           </a:p>
@@ -1122,7 +1122,7 @@
           <a:p>
             <a:fld id="{66B02B72-AB41-C343-9175-0553C21C4E77}" type="datetimeFigureOut">
               <a:rPr lang="en-US" smtClean="0"/>
-              <a:t>1/3/17</a:t>
+              <a:t>1/4/17</a:t>
             </a:fld>
             <a:endParaRPr lang="en-US"/>
           </a:p>
@@ -1368,7 +1368,7 @@
           <a:p>
             <a:fld id="{66B02B72-AB41-C343-9175-0553C21C4E77}" type="datetimeFigureOut">
               <a:rPr lang="en-US" smtClean="0"/>
-              <a:t>1/3/17</a:t>
+              <a:t>1/4/17</a:t>
             </a:fld>
             <a:endParaRPr lang="en-US"/>
           </a:p>
@@ -1600,7 +1600,7 @@
           <a:p>
             <a:fld id="{66B02B72-AB41-C343-9175-0553C21C4E77}" type="datetimeFigureOut">
               <a:rPr lang="en-US" smtClean="0"/>
-              <a:t>1/3/17</a:t>
+              <a:t>1/4/17</a:t>
             </a:fld>
             <a:endParaRPr lang="en-US"/>
           </a:p>
@@ -1967,7 +1967,7 @@
           <a:p>
             <a:fld id="{66B02B72-AB41-C343-9175-0553C21C4E77}" type="datetimeFigureOut">
               <a:rPr lang="en-US" smtClean="0"/>
-              <a:t>1/3/17</a:t>
+              <a:t>1/4/17</a:t>
             </a:fld>
             <a:endParaRPr lang="en-US"/>
           </a:p>
@@ -2085,7 +2085,7 @@
           <a:p>
             <a:fld id="{66B02B72-AB41-C343-9175-0553C21C4E77}" type="datetimeFigureOut">
               <a:rPr lang="en-US" smtClean="0"/>
-              <a:t>1/3/17</a:t>
+              <a:t>1/4/17</a:t>
             </a:fld>
             <a:endParaRPr lang="en-US"/>
           </a:p>
@@ -2180,7 +2180,7 @@
           <a:p>
             <a:fld id="{66B02B72-AB41-C343-9175-0553C21C4E77}" type="datetimeFigureOut">
               <a:rPr lang="en-US" smtClean="0"/>
-              <a:t>1/3/17</a:t>
+              <a:t>1/4/17</a:t>
             </a:fld>
             <a:endParaRPr lang="en-US"/>
           </a:p>
@@ -2457,7 +2457,7 @@
           <a:p>
             <a:fld id="{66B02B72-AB41-C343-9175-0553C21C4E77}" type="datetimeFigureOut">
               <a:rPr lang="en-US" smtClean="0"/>
-              <a:t>1/3/17</a:t>
+              <a:t>1/4/17</a:t>
             </a:fld>
             <a:endParaRPr lang="en-US"/>
           </a:p>
@@ -2710,7 +2710,7 @@
           <a:p>
             <a:fld id="{66B02B72-AB41-C343-9175-0553C21C4E77}" type="datetimeFigureOut">
               <a:rPr lang="en-US" smtClean="0"/>
-              <a:t>1/3/17</a:t>
+              <a:t>1/4/17</a:t>
             </a:fld>
             <a:endParaRPr lang="en-US"/>
           </a:p>
@@ -2923,7 +2923,7 @@
           <a:p>
             <a:fld id="{66B02B72-AB41-C343-9175-0553C21C4E77}" type="datetimeFigureOut">
               <a:rPr lang="en-US" smtClean="0"/>
-              <a:t>1/3/17</a:t>
+              <a:t>1/4/17</a:t>
             </a:fld>
             <a:endParaRPr lang="en-US"/>
           </a:p>
@@ -18550,7 +18550,7 @@
           <p:nvPr>
             <p:extLst>
               <p:ext uri="{D42A27DB-BD31-4B8C-83A1-F6EECF244321}">
-                <p14:modId xmlns:p14="http://schemas.microsoft.com/office/powerpoint/2010/main" val="1135569770"/>
+                <p14:modId xmlns:p14="http://schemas.microsoft.com/office/powerpoint/2010/main" val="1685480805"/>
               </p:ext>
             </p:extLst>
           </p:nvPr>
@@ -19043,7 +19043,7 @@
           <p:nvPr>
             <p:extLst>
               <p:ext uri="{D42A27DB-BD31-4B8C-83A1-F6EECF244321}">
-                <p14:modId xmlns:p14="http://schemas.microsoft.com/office/powerpoint/2010/main" val="833953501"/>
+                <p14:modId xmlns:p14="http://schemas.microsoft.com/office/powerpoint/2010/main" val="419102058"/>
               </p:ext>
             </p:extLst>
           </p:nvPr>
@@ -19522,7 +19522,7 @@
           <p:nvPr>
             <p:extLst>
               <p:ext uri="{D42A27DB-BD31-4B8C-83A1-F6EECF244321}">
-                <p14:modId xmlns:p14="http://schemas.microsoft.com/office/powerpoint/2010/main" val="1778210985"/>
+                <p14:modId xmlns:p14="http://schemas.microsoft.com/office/powerpoint/2010/main" val="101926646"/>
               </p:ext>
             </p:extLst>
           </p:nvPr>
@@ -19851,7 +19851,7 @@
           <p:nvPr>
             <p:extLst>
               <p:ext uri="{D42A27DB-BD31-4B8C-83A1-F6EECF244321}">
-                <p14:modId xmlns:p14="http://schemas.microsoft.com/office/powerpoint/2010/main" val="2009593243"/>
+                <p14:modId xmlns:p14="http://schemas.microsoft.com/office/powerpoint/2010/main" val="1536672663"/>
               </p:ext>
             </p:extLst>
           </p:nvPr>
@@ -20180,7 +20180,7 @@
           <p:nvPr>
             <p:extLst>
               <p:ext uri="{D42A27DB-BD31-4B8C-83A1-F6EECF244321}">
-                <p14:modId xmlns:p14="http://schemas.microsoft.com/office/powerpoint/2010/main" val="1758318732"/>
+                <p14:modId xmlns:p14="http://schemas.microsoft.com/office/powerpoint/2010/main" val="1219108219"/>
               </p:ext>
             </p:extLst>
           </p:nvPr>
@@ -20361,7 +20361,7 @@
           <p:nvPr>
             <p:extLst>
               <p:ext uri="{D42A27DB-BD31-4B8C-83A1-F6EECF244321}">
-                <p14:modId xmlns:p14="http://schemas.microsoft.com/office/powerpoint/2010/main" val="540462357"/>
+                <p14:modId xmlns:p14="http://schemas.microsoft.com/office/powerpoint/2010/main" val="410360706"/>
               </p:ext>
             </p:extLst>
           </p:nvPr>
@@ -20687,9 +20687,11 @@
                     <a:p>
                       <a:pPr algn="ctr"/>
                       <a:r>
-                        <a:rPr lang="en-US" sz="1000" b="1" i="0" dirty="0" smtClean="0">
+                        <a:rPr lang="en-US" sz="1000" b="0" i="0" dirty="0" smtClean="0">
                           <a:solidFill>
-                            <a:srgbClr val="7030A0"/>
+                            <a:schemeClr val="bg1">
+                              <a:lumMod val="50000"/>
+                            </a:schemeClr>
                           </a:solidFill>
                           <a:latin typeface="Source Sans Pro Light" charset="0"/>
                           <a:ea typeface="Source Sans Pro Light" charset="0"/>
@@ -20698,9 +20700,11 @@
                         <a:t>12:00</a:t>
                       </a:r>
                       <a:r>
-                        <a:rPr lang="en-US" sz="1000" b="1" i="0" baseline="0" dirty="0" smtClean="0">
+                        <a:rPr lang="en-US" sz="1000" b="0" i="0" baseline="0" dirty="0" smtClean="0">
                           <a:solidFill>
-                            <a:srgbClr val="7030A0"/>
+                            <a:schemeClr val="bg1">
+                              <a:lumMod val="50000"/>
+                            </a:schemeClr>
                           </a:solidFill>
                           <a:latin typeface="Source Sans Pro Light" charset="0"/>
                           <a:ea typeface="Source Sans Pro Light" charset="0"/>
@@ -20708,9 +20712,11 @@
                         </a:rPr>
                         <a:t> - 12:10</a:t>
                       </a:r>
-                      <a:endParaRPr lang="en-US" sz="1000" b="1" i="0" dirty="0">
+                      <a:endParaRPr lang="en-US" sz="1000" b="0" i="0" dirty="0">
                         <a:solidFill>
-                          <a:srgbClr val="7030A0"/>
+                          <a:schemeClr val="bg1">
+                            <a:lumMod val="50000"/>
+                          </a:schemeClr>
                         </a:solidFill>
                         <a:latin typeface="Source Sans Pro Light" charset="0"/>
                         <a:ea typeface="Source Sans Pro Light" charset="0"/>
@@ -20746,9 +20752,11 @@
                     <a:p>
                       <a:pPr algn="ctr"/>
                       <a:r>
-                        <a:rPr lang="en-US" sz="1000" b="1" i="0" dirty="0" smtClean="0">
+                        <a:rPr lang="en-US" sz="1000" b="0" i="0" dirty="0" smtClean="0">
                           <a:solidFill>
-                            <a:srgbClr val="7030A0"/>
+                            <a:schemeClr val="bg1">
+                              <a:lumMod val="50000"/>
+                            </a:schemeClr>
                           </a:solidFill>
                           <a:latin typeface="Source Sans Pro Light" charset="0"/>
                           <a:ea typeface="Source Sans Pro Light" charset="0"/>
@@ -20756,9 +20764,11 @@
                         </a:rPr>
                         <a:t>cat</a:t>
                       </a:r>
-                      <a:endParaRPr lang="en-US" sz="1000" b="1" i="0" dirty="0">
+                      <a:endParaRPr lang="en-US" sz="1000" b="0" i="0" dirty="0">
                         <a:solidFill>
-                          <a:srgbClr val="7030A0"/>
+                          <a:schemeClr val="bg1">
+                            <a:lumMod val="50000"/>
+                          </a:schemeClr>
                         </a:solidFill>
                         <a:latin typeface="Source Sans Pro Light" charset="0"/>
                         <a:ea typeface="Source Sans Pro Light" charset="0"/>
@@ -20785,9 +20795,11 @@
                     <a:p>
                       <a:pPr algn="ctr"/>
                       <a:r>
-                        <a:rPr lang="en-US" sz="1000" b="1" i="0" dirty="0" smtClean="0">
+                        <a:rPr lang="en-US" sz="1000" b="0" i="0" dirty="0" smtClean="0">
                           <a:solidFill>
-                            <a:srgbClr val="7030A0"/>
+                            <a:schemeClr val="bg1">
+                              <a:lumMod val="50000"/>
+                            </a:schemeClr>
                           </a:solidFill>
                           <a:latin typeface="Source Sans Pro Light" charset="0"/>
                           <a:ea typeface="Source Sans Pro Light" charset="0"/>
@@ -20795,9 +20807,11 @@
                         </a:rPr>
                         <a:t>1</a:t>
                       </a:r>
-                      <a:endParaRPr lang="en-US" sz="1000" b="1" i="0" dirty="0">
+                      <a:endParaRPr lang="en-US" sz="1000" b="0" i="0" dirty="0">
                         <a:solidFill>
-                          <a:srgbClr val="7030A0"/>
+                          <a:schemeClr val="bg1">
+                            <a:lumMod val="50000"/>
+                          </a:schemeClr>
                         </a:solidFill>
                         <a:latin typeface="Source Sans Pro Light" charset="0"/>
                         <a:ea typeface="Source Sans Pro Light" charset="0"/>
@@ -20840,7 +20854,7 @@
           <p:nvPr>
             <p:extLst>
               <p:ext uri="{D42A27DB-BD31-4B8C-83A1-F6EECF244321}">
-                <p14:modId xmlns:p14="http://schemas.microsoft.com/office/powerpoint/2010/main" val="1842490936"/>
+                <p14:modId xmlns:p14="http://schemas.microsoft.com/office/powerpoint/2010/main" val="1362395225"/>
               </p:ext>
             </p:extLst>
           </p:nvPr>
@@ -21305,7 +21319,7 @@
           <p:nvPr>
             <p:extLst>
               <p:ext uri="{D42A27DB-BD31-4B8C-83A1-F6EECF244321}">
-                <p14:modId xmlns:p14="http://schemas.microsoft.com/office/powerpoint/2010/main" val="30971612"/>
+                <p14:modId xmlns:p14="http://schemas.microsoft.com/office/powerpoint/2010/main" val="1305902261"/>
               </p:ext>
             </p:extLst>
           </p:nvPr>
@@ -21756,7 +21770,7 @@
           <p:nvPr>
             <p:extLst>
               <p:ext uri="{D42A27DB-BD31-4B8C-83A1-F6EECF244321}">
-                <p14:modId xmlns:p14="http://schemas.microsoft.com/office/powerpoint/2010/main" val="848840310"/>
+                <p14:modId xmlns:p14="http://schemas.microsoft.com/office/powerpoint/2010/main" val="1016428287"/>
               </p:ext>
             </p:extLst>
           </p:nvPr>
@@ -22263,7 +22277,7 @@
           <p:nvPr>
             <p:extLst>
               <p:ext uri="{D42A27DB-BD31-4B8C-83A1-F6EECF244321}">
-                <p14:modId xmlns:p14="http://schemas.microsoft.com/office/powerpoint/2010/main" val="725223149"/>
+                <p14:modId xmlns:p14="http://schemas.microsoft.com/office/powerpoint/2010/main" val="2025291371"/>
               </p:ext>
             </p:extLst>
           </p:nvPr>
@@ -22770,7 +22784,7 @@
           <p:nvPr>
             <p:extLst>
               <p:ext uri="{D42A27DB-BD31-4B8C-83A1-F6EECF244321}">
-                <p14:modId xmlns:p14="http://schemas.microsoft.com/office/powerpoint/2010/main" val="1855768518"/>
+                <p14:modId xmlns:p14="http://schemas.microsoft.com/office/powerpoint/2010/main" val="1456267447"/>
               </p:ext>
             </p:extLst>
           </p:nvPr>
@@ -23582,7 +23596,7 @@
           <p:nvPr>
             <p:extLst>
               <p:ext uri="{D42A27DB-BD31-4B8C-83A1-F6EECF244321}">
-                <p14:modId xmlns:p14="http://schemas.microsoft.com/office/powerpoint/2010/main" val="1996476645"/>
+                <p14:modId xmlns:p14="http://schemas.microsoft.com/office/powerpoint/2010/main" val="615856870"/>
               </p:ext>
             </p:extLst>
           </p:nvPr>
@@ -23687,7 +23701,7 @@
           <p:nvPr>
             <p:extLst>
               <p:ext uri="{D42A27DB-BD31-4B8C-83A1-F6EECF244321}">
-                <p14:modId xmlns:p14="http://schemas.microsoft.com/office/powerpoint/2010/main" val="350988140"/>
+                <p14:modId xmlns:p14="http://schemas.microsoft.com/office/powerpoint/2010/main" val="1982719197"/>
               </p:ext>
             </p:extLst>
           </p:nvPr>

--- a/docs/img/structured-streaming.pptx
+++ b/docs/img/structured-streaming.pptx
@@ -30676,6 +30676,174 @@
           </a:p>
         </p:txBody>
       </p:sp>
+      <p:cxnSp>
+        <p:nvCxnSpPr>
+          <p:cNvPr id="64" name="Shape 138">
+            <a:extLst>
+              <a:ext uri="{FF2B5EF4-FFF2-40B4-BE49-F238E27FC236}">
+                <a16:creationId xmlns:a16="http://schemas.microsoft.com/office/drawing/2014/main" id="{80F415E1-7A02-E04D-9C7E-5AADB08C3F3C}"/>
+              </a:ext>
+            </a:extLst>
+          </p:cNvPr>
+          <p:cNvCxnSpPr>
+            <a:cxnSpLocks/>
+          </p:cNvCxnSpPr>
+          <p:nvPr/>
+        </p:nvCxnSpPr>
+        <p:spPr>
+          <a:xfrm flipV="1">
+            <a:off x="6480486" y="5729578"/>
+            <a:ext cx="0" cy="356688"/>
+          </a:xfrm>
+          <a:prstGeom prst="straightConnector1">
+            <a:avLst/>
+          </a:prstGeom>
+          <a:noFill/>
+          <a:ln w="19050" cap="flat" cmpd="sng">
+            <a:solidFill>
+              <a:schemeClr val="bg1">
+                <a:lumMod val="65000"/>
+              </a:schemeClr>
+            </a:solidFill>
+            <a:prstDash val="lgDash"/>
+            <a:round/>
+            <a:headEnd type="none" w="lg" len="lg"/>
+            <a:tailEnd type="stealth" w="lg" len="lg"/>
+          </a:ln>
+        </p:spPr>
+      </p:cxnSp>
+      <p:sp>
+        <p:nvSpPr>
+          <p:cNvPr id="69" name="Shape 127">
+            <a:extLst>
+              <a:ext uri="{FF2B5EF4-FFF2-40B4-BE49-F238E27FC236}">
+                <a16:creationId xmlns:a16="http://schemas.microsoft.com/office/drawing/2014/main" id="{859448FD-11C3-5442-9901-E54FF799AF4B}"/>
+              </a:ext>
+            </a:extLst>
+          </p:cNvPr>
+          <p:cNvSpPr txBox="1"/>
+          <p:nvPr/>
+        </p:nvSpPr>
+        <p:spPr>
+          <a:xfrm>
+            <a:off x="4957464" y="6097152"/>
+            <a:ext cx="3046045" cy="369325"/>
+          </a:xfrm>
+          <a:prstGeom prst="rect">
+            <a:avLst/>
+          </a:prstGeom>
+          <a:noFill/>
+          <a:ln>
+            <a:noFill/>
+          </a:ln>
+        </p:spPr>
+        <p:txBody>
+          <a:bodyPr lIns="91425" tIns="91425" rIns="91425" bIns="91425" anchor="t" anchorCtr="0">
+            <a:noAutofit/>
+          </a:bodyPr>
+          <a:lstStyle/>
+          <a:p>
+            <a:pPr lvl="0" rtl="0">
+              <a:spcBef>
+                <a:spcPts val="0"/>
+              </a:spcBef>
+              <a:buNone/>
+            </a:pPr>
+            <a:r>
+              <a:rPr lang="en" sz="1400" dirty="0">
+                <a:latin typeface="Source Sans Pro Light" charset="0"/>
+                <a:ea typeface="Source Sans Pro Light" charset="0"/>
+                <a:cs typeface="Source Sans Pro Light" charset="0"/>
+              </a:rPr>
+              <a:t>Session closed at 12:09 + 5 mins = 12:14</a:t>
+            </a:r>
+          </a:p>
+        </p:txBody>
+      </p:sp>
+      <p:cxnSp>
+        <p:nvCxnSpPr>
+          <p:cNvPr id="70" name="Shape 138">
+            <a:extLst>
+              <a:ext uri="{FF2B5EF4-FFF2-40B4-BE49-F238E27FC236}">
+                <a16:creationId xmlns:a16="http://schemas.microsoft.com/office/drawing/2014/main" id="{315D9F5F-4485-564A-8E50-971D38F2FDA1}"/>
+              </a:ext>
+            </a:extLst>
+          </p:cNvPr>
+          <p:cNvCxnSpPr>
+            <a:cxnSpLocks/>
+          </p:cNvCxnSpPr>
+          <p:nvPr/>
+        </p:nvCxnSpPr>
+        <p:spPr>
+          <a:xfrm flipV="1">
+            <a:off x="8866514" y="5473135"/>
+            <a:ext cx="0" cy="599674"/>
+          </a:xfrm>
+          <a:prstGeom prst="straightConnector1">
+            <a:avLst/>
+          </a:prstGeom>
+          <a:noFill/>
+          <a:ln w="19050" cap="flat" cmpd="sng">
+            <a:solidFill>
+              <a:schemeClr val="bg1">
+                <a:lumMod val="65000"/>
+              </a:schemeClr>
+            </a:solidFill>
+            <a:prstDash val="lgDash"/>
+            <a:round/>
+            <a:headEnd type="none" w="lg" len="lg"/>
+            <a:tailEnd type="stealth" w="lg" len="lg"/>
+          </a:ln>
+        </p:spPr>
+      </p:cxnSp>
+      <p:sp>
+        <p:nvSpPr>
+          <p:cNvPr id="71" name="Shape 127">
+            <a:extLst>
+              <a:ext uri="{FF2B5EF4-FFF2-40B4-BE49-F238E27FC236}">
+                <a16:creationId xmlns:a16="http://schemas.microsoft.com/office/drawing/2014/main" id="{913FF214-5930-6F49-963A-A1C6067CD199}"/>
+              </a:ext>
+            </a:extLst>
+          </p:cNvPr>
+          <p:cNvSpPr txBox="1"/>
+          <p:nvPr/>
+        </p:nvSpPr>
+        <p:spPr>
+          <a:xfrm>
+            <a:off x="8003509" y="6098216"/>
+            <a:ext cx="3046045" cy="335750"/>
+          </a:xfrm>
+          <a:prstGeom prst="rect">
+            <a:avLst/>
+          </a:prstGeom>
+          <a:noFill/>
+          <a:ln>
+            <a:noFill/>
+          </a:ln>
+        </p:spPr>
+        <p:txBody>
+          <a:bodyPr lIns="91425" tIns="91425" rIns="91425" bIns="91425" anchor="t" anchorCtr="0">
+            <a:noAutofit/>
+          </a:bodyPr>
+          <a:lstStyle/>
+          <a:p>
+            <a:pPr lvl="0" rtl="0">
+              <a:spcBef>
+                <a:spcPts val="0"/>
+              </a:spcBef>
+              <a:buNone/>
+            </a:pPr>
+            <a:r>
+              <a:rPr lang="en" sz="1400" dirty="0">
+                <a:latin typeface="Source Sans Pro Light" charset="0"/>
+                <a:ea typeface="Source Sans Pro Light" charset="0"/>
+                <a:cs typeface="Source Sans Pro Light" charset="0"/>
+              </a:rPr>
+              <a:t>Session closed at 12:15 + 5 mins = 12:20</a:t>
+            </a:r>
+          </a:p>
+        </p:txBody>
+      </p:sp>
     </p:spTree>
     <p:extLst>
       <p:ext uri="{BB962C8B-B14F-4D97-AF65-F5344CB8AC3E}">
